--- a/Módulo 1/Modulo 1.pptx
+++ b/Módulo 1/Modulo 1.pptx
@@ -26,31 +26,30 @@
     <p:sldId id="307" r:id="rId20"/>
     <p:sldId id="303" r:id="rId21"/>
     <p:sldId id="275" r:id="rId22"/>
-    <p:sldId id="306" r:id="rId23"/>
-    <p:sldId id="282" r:id="rId24"/>
-    <p:sldId id="278" r:id="rId25"/>
-    <p:sldId id="279" r:id="rId26"/>
-    <p:sldId id="280" r:id="rId27"/>
-    <p:sldId id="281" r:id="rId28"/>
-    <p:sldId id="283" r:id="rId29"/>
-    <p:sldId id="285" r:id="rId30"/>
-    <p:sldId id="286" r:id="rId31"/>
-    <p:sldId id="287" r:id="rId32"/>
-    <p:sldId id="288" r:id="rId33"/>
-    <p:sldId id="289" r:id="rId34"/>
-    <p:sldId id="291" r:id="rId35"/>
-    <p:sldId id="290" r:id="rId36"/>
-    <p:sldId id="305" r:id="rId37"/>
-    <p:sldId id="293" r:id="rId38"/>
-    <p:sldId id="294" r:id="rId39"/>
-    <p:sldId id="295" r:id="rId40"/>
-    <p:sldId id="296" r:id="rId41"/>
-    <p:sldId id="297" r:id="rId42"/>
-    <p:sldId id="298" r:id="rId43"/>
-    <p:sldId id="299" r:id="rId44"/>
-    <p:sldId id="300" r:id="rId45"/>
-    <p:sldId id="301" r:id="rId46"/>
-    <p:sldId id="302" r:id="rId47"/>
+    <p:sldId id="282" r:id="rId23"/>
+    <p:sldId id="278" r:id="rId24"/>
+    <p:sldId id="279" r:id="rId25"/>
+    <p:sldId id="280" r:id="rId26"/>
+    <p:sldId id="281" r:id="rId27"/>
+    <p:sldId id="283" r:id="rId28"/>
+    <p:sldId id="285" r:id="rId29"/>
+    <p:sldId id="286" r:id="rId30"/>
+    <p:sldId id="287" r:id="rId31"/>
+    <p:sldId id="288" r:id="rId32"/>
+    <p:sldId id="289" r:id="rId33"/>
+    <p:sldId id="291" r:id="rId34"/>
+    <p:sldId id="290" r:id="rId35"/>
+    <p:sldId id="305" r:id="rId36"/>
+    <p:sldId id="293" r:id="rId37"/>
+    <p:sldId id="294" r:id="rId38"/>
+    <p:sldId id="295" r:id="rId39"/>
+    <p:sldId id="296" r:id="rId40"/>
+    <p:sldId id="297" r:id="rId41"/>
+    <p:sldId id="298" r:id="rId42"/>
+    <p:sldId id="299" r:id="rId43"/>
+    <p:sldId id="300" r:id="rId44"/>
+    <p:sldId id="301" r:id="rId45"/>
+    <p:sldId id="302" r:id="rId46"/>
   </p:sldIdLst>
   <p:sldSz cx="9144000" cy="6858000" type="screen4x3"/>
   <p:notesSz cx="6858000" cy="9144000"/>
@@ -345,7 +344,7 @@
           <a:p>
             <a:fld id="{05D07FE6-D4F0-43B8-8724-69D32D78BC5B}" type="datetimeFigureOut">
               <a:rPr lang="pt-BR" smtClean="0"/>
-              <a:t>10/04/2019</a:t>
+              <a:t>18/04/2019</a:t>
             </a:fld>
             <a:endParaRPr lang="pt-BR"/>
           </a:p>
@@ -610,7 +609,7 @@
           <a:p>
             <a:fld id="{05D07FE6-D4F0-43B8-8724-69D32D78BC5B}" type="datetimeFigureOut">
               <a:rPr lang="pt-BR" smtClean="0"/>
-              <a:t>10/04/2019</a:t>
+              <a:t>18/04/2019</a:t>
             </a:fld>
             <a:endParaRPr lang="pt-BR"/>
           </a:p>
@@ -785,7 +784,7 @@
           <a:p>
             <a:fld id="{05D07FE6-D4F0-43B8-8724-69D32D78BC5B}" type="datetimeFigureOut">
               <a:rPr lang="pt-BR" smtClean="0"/>
-              <a:t>10/04/2019</a:t>
+              <a:t>18/04/2019</a:t>
             </a:fld>
             <a:endParaRPr lang="pt-BR"/>
           </a:p>
@@ -950,7 +949,7 @@
           <a:p>
             <a:fld id="{05D07FE6-D4F0-43B8-8724-69D32D78BC5B}" type="datetimeFigureOut">
               <a:rPr lang="pt-BR" smtClean="0"/>
-              <a:t>10/04/2019</a:t>
+              <a:t>18/04/2019</a:t>
             </a:fld>
             <a:endParaRPr lang="pt-BR"/>
           </a:p>
@@ -1199,7 +1198,7 @@
           <a:p>
             <a:fld id="{05D07FE6-D4F0-43B8-8724-69D32D78BC5B}" type="datetimeFigureOut">
               <a:rPr lang="pt-BR" smtClean="0"/>
-              <a:t>10/04/2019</a:t>
+              <a:t>18/04/2019</a:t>
             </a:fld>
             <a:endParaRPr lang="pt-BR"/>
           </a:p>
@@ -1482,7 +1481,7 @@
           <a:p>
             <a:fld id="{05D07FE6-D4F0-43B8-8724-69D32D78BC5B}" type="datetimeFigureOut">
               <a:rPr lang="pt-BR" smtClean="0"/>
-              <a:t>10/04/2019</a:t>
+              <a:t>18/04/2019</a:t>
             </a:fld>
             <a:endParaRPr lang="pt-BR"/>
           </a:p>
@@ -1921,7 +1920,7 @@
           <a:p>
             <a:fld id="{05D07FE6-D4F0-43B8-8724-69D32D78BC5B}" type="datetimeFigureOut">
               <a:rPr lang="pt-BR" smtClean="0"/>
-              <a:t>10/04/2019</a:t>
+              <a:t>18/04/2019</a:t>
             </a:fld>
             <a:endParaRPr lang="pt-BR"/>
           </a:p>
@@ -2034,7 +2033,7 @@
           <a:p>
             <a:fld id="{05D07FE6-D4F0-43B8-8724-69D32D78BC5B}" type="datetimeFigureOut">
               <a:rPr lang="pt-BR" smtClean="0"/>
-              <a:t>10/04/2019</a:t>
+              <a:t>18/04/2019</a:t>
             </a:fld>
             <a:endParaRPr lang="pt-BR"/>
           </a:p>
@@ -2124,7 +2123,7 @@
           <a:p>
             <a:fld id="{05D07FE6-D4F0-43B8-8724-69D32D78BC5B}" type="datetimeFigureOut">
               <a:rPr lang="pt-BR" smtClean="0"/>
-              <a:t>10/04/2019</a:t>
+              <a:t>18/04/2019</a:t>
             </a:fld>
             <a:endParaRPr lang="pt-BR"/>
           </a:p>
@@ -2366,7 +2365,7 @@
           <a:p>
             <a:fld id="{05D07FE6-D4F0-43B8-8724-69D32D78BC5B}" type="datetimeFigureOut">
               <a:rPr lang="pt-BR" smtClean="0"/>
-              <a:t>10/04/2019</a:t>
+              <a:t>18/04/2019</a:t>
             </a:fld>
             <a:endParaRPr lang="pt-BR"/>
           </a:p>
@@ -2660,7 +2659,7 @@
           <a:p>
             <a:fld id="{05D07FE6-D4F0-43B8-8724-69D32D78BC5B}" type="datetimeFigureOut">
               <a:rPr lang="pt-BR" smtClean="0"/>
-              <a:t>10/04/2019</a:t>
+              <a:t>18/04/2019</a:t>
             </a:fld>
             <a:endParaRPr lang="pt-BR"/>
           </a:p>
@@ -2954,7 +2953,7 @@
           <a:p>
             <a:fld id="{05D07FE6-D4F0-43B8-8724-69D32D78BC5B}" type="datetimeFigureOut">
               <a:rPr lang="pt-BR" smtClean="0"/>
-              <a:t>10/04/2019</a:t>
+              <a:t>18/04/2019</a:t>
             </a:fld>
             <a:endParaRPr lang="pt-BR"/>
           </a:p>
@@ -3711,11 +3710,7 @@
             <a:pPr algn="ctr"/>
             <a:r>
               <a:rPr lang="pt-BR" sz="2800" dirty="0" smtClean="0"/>
-              <a:t>Angular </a:t>
-            </a:r>
-            <a:r>
-              <a:rPr lang="pt-BR" sz="2800" dirty="0" smtClean="0"/>
-              <a:t>v3 ???</a:t>
+              <a:t>Angular v3 ???</a:t>
             </a:r>
             <a:endParaRPr lang="pt-BR" sz="2700" dirty="0"/>
           </a:p>
@@ -6486,11 +6481,7 @@
             </a:r>
             <a:r>
               <a:rPr lang="pt-BR" sz="2800" dirty="0" smtClean="0"/>
-              <a:t> </a:t>
-            </a:r>
-            <a:r>
-              <a:rPr lang="pt-BR" sz="2800" dirty="0" smtClean="0"/>
-              <a:t>CLI</a:t>
+              <a:t> CLI</a:t>
             </a:r>
             <a:endParaRPr lang="pt-BR" sz="2700" dirty="0"/>
           </a:p>
@@ -6830,21 +6821,7 @@
                 <a:latin typeface="Times New Roman" pitchFamily="18" charset="0"/>
                 <a:cs typeface="Times New Roman" pitchFamily="18" charset="0"/>
               </a:rPr>
-              <a:t>Pré</a:t>
-            </a:r>
-            <a:r>
-              <a:rPr lang="pt-BR" sz="2600" dirty="0" smtClean="0">
-                <a:latin typeface="Times New Roman" pitchFamily="18" charset="0"/>
-                <a:cs typeface="Times New Roman" pitchFamily="18" charset="0"/>
-              </a:rPr>
-              <a:t>-visualização do </a:t>
-            </a:r>
-            <a:r>
-              <a:rPr lang="pt-BR" sz="2600" dirty="0" smtClean="0">
-                <a:latin typeface="Times New Roman" pitchFamily="18" charset="0"/>
-                <a:cs typeface="Times New Roman" pitchFamily="18" charset="0"/>
-              </a:rPr>
-              <a:t>Projeto </a:t>
+              <a:t>Pré-visualização do Projeto </a:t>
             </a:r>
             <a:r>
               <a:rPr lang="pt-BR" sz="2600" dirty="0" err="1" smtClean="0">
@@ -8207,14 +8184,7 @@
                 <a:latin typeface="Times New Roman" pitchFamily="18" charset="0"/>
                 <a:cs typeface="Times New Roman" pitchFamily="18" charset="0"/>
               </a:rPr>
-              <a:t>Baixe os arquivos do reposit</a:t>
-            </a:r>
-            <a:r>
-              <a:rPr lang="pt-BR" b="0" dirty="0" smtClean="0">
-                <a:latin typeface="Times New Roman" pitchFamily="18" charset="0"/>
-                <a:cs typeface="Times New Roman" pitchFamily="18" charset="0"/>
-              </a:rPr>
-              <a:t>ório:</a:t>
+              <a:t>Baixe os arquivos do repositório:</a:t>
             </a:r>
           </a:p>
           <a:p>
@@ -8259,14 +8229,7 @@
                 <a:latin typeface="Times New Roman" pitchFamily="18" charset="0"/>
                 <a:cs typeface="Times New Roman" pitchFamily="18" charset="0"/>
               </a:rPr>
-              <a:t>Realize a </a:t>
-            </a:r>
-            <a:r>
-              <a:rPr lang="pt-BR" b="0" dirty="0" smtClean="0">
-                <a:latin typeface="Times New Roman" pitchFamily="18" charset="0"/>
-                <a:cs typeface="Times New Roman" pitchFamily="18" charset="0"/>
-              </a:rPr>
-              <a:t>instalação do </a:t>
+              <a:t>Realize a instalação do </a:t>
             </a:r>
             <a:r>
               <a:rPr lang="pt-BR" b="0" dirty="0" err="1" smtClean="0">
@@ -8446,87 +8409,122 @@
         </p:nvSpPr>
         <p:spPr>
           <a:xfrm>
-            <a:off x="179513" y="323403"/>
-            <a:ext cx="7704856" cy="903630"/>
+            <a:off x="382409" y="3317120"/>
+            <a:ext cx="8363272" cy="2844234"/>
           </a:xfrm>
         </p:spPr>
         <p:txBody>
           <a:bodyPr>
-            <a:noAutofit/>
+            <a:normAutofit/>
           </a:bodyPr>
           <a:lstStyle/>
           <a:p>
-            <a:r>
-              <a:rPr lang="pt-BR" sz="2800" dirty="0" smtClean="0"/>
-              <a:t> configurando ambiente</a:t>
-            </a:r>
-            <a:endParaRPr lang="pt-BR" sz="2700" dirty="0"/>
-          </a:p>
-        </p:txBody>
-      </p:sp>
-      <p:sp>
-        <p:nvSpPr>
-          <p:cNvPr id="3" name="Espaço Reservado para Conteúdo 2"/>
-          <p:cNvSpPr>
-            <a:spLocks noGrp="1"/>
-          </p:cNvSpPr>
-          <p:nvPr>
-            <p:ph idx="1"/>
-          </p:nvPr>
-        </p:nvSpPr>
-        <p:spPr>
-          <a:xfrm>
-            <a:off x="395536" y="1772816"/>
-            <a:ext cx="8424936" cy="4320480"/>
-          </a:xfrm>
-        </p:spPr>
-        <p:txBody>
-          <a:bodyPr>
-            <a:noAutofit/>
-          </a:bodyPr>
-          <a:lstStyle/>
-          <a:p>
+            <a:pPr algn="ctr"/>
+            <a:r>
+              <a:rPr lang="pt-BR" sz="4600" b="1" dirty="0" smtClean="0">
+                <a:solidFill>
+                  <a:schemeClr val="tx1"/>
+                </a:solidFill>
+                <a:latin typeface="Times New Roman" pitchFamily="18" charset="0"/>
+                <a:cs typeface="Times New Roman" pitchFamily="18" charset="0"/>
+              </a:rPr>
+              <a:t>Angular </a:t>
+            </a:r>
+            <a:r>
+              <a:rPr lang="pt-BR" sz="4600" b="1" dirty="0" err="1" smtClean="0">
+                <a:solidFill>
+                  <a:schemeClr val="tx1"/>
+                </a:solidFill>
+                <a:latin typeface="Times New Roman" pitchFamily="18" charset="0"/>
+                <a:cs typeface="Times New Roman" pitchFamily="18" charset="0"/>
+              </a:rPr>
+              <a:t>cli</a:t>
+            </a:r>
+            <a:r>
+              <a:rPr lang="pt-BR" b="1" dirty="0" smtClean="0">
+                <a:latin typeface="Times New Roman" pitchFamily="18" charset="0"/>
+                <a:cs typeface="Times New Roman" pitchFamily="18" charset="0"/>
+              </a:rPr>
+              <a:t/>
+            </a:r>
+            <a:br>
+              <a:rPr lang="pt-BR" b="1" dirty="0" smtClean="0">
+                <a:latin typeface="Times New Roman" pitchFamily="18" charset="0"/>
+                <a:cs typeface="Times New Roman" pitchFamily="18" charset="0"/>
+              </a:rPr>
+            </a:br>
+            <a:r>
+              <a:rPr lang="pt-BR" sz="2600" b="1" dirty="0" smtClean="0">
+                <a:solidFill>
+                  <a:schemeClr val="tx1"/>
+                </a:solidFill>
+                <a:latin typeface="Times New Roman" pitchFamily="18" charset="0"/>
+                <a:cs typeface="Times New Roman" pitchFamily="18" charset="0"/>
+              </a:rPr>
+              <a:t/>
+            </a:r>
+            <a:br>
+              <a:rPr lang="pt-BR" sz="2600" b="1" dirty="0" smtClean="0">
+                <a:solidFill>
+                  <a:schemeClr val="tx1"/>
+                </a:solidFill>
+                <a:latin typeface="Times New Roman" pitchFamily="18" charset="0"/>
+                <a:cs typeface="Times New Roman" pitchFamily="18" charset="0"/>
+              </a:rPr>
+            </a:br>
             <a:r>
               <a:rPr lang="pt-BR" sz="2600" dirty="0" smtClean="0">
-                <a:latin typeface="Times New Roman" pitchFamily="18" charset="0"/>
-                <a:cs typeface="Times New Roman" pitchFamily="18" charset="0"/>
-              </a:rPr>
-              <a:t>Executar os comandos do arquivo proxy-cofig.txt</a:t>
-            </a:r>
-            <a:endParaRPr lang="pt-BR" sz="2600" b="0" dirty="0">
-              <a:latin typeface="Times New Roman" pitchFamily="18" charset="0"/>
-              <a:cs typeface="Times New Roman" pitchFamily="18" charset="0"/>
+                <a:solidFill>
+                  <a:schemeClr val="tx1"/>
+                </a:solidFill>
+                <a:latin typeface="Times New Roman" pitchFamily="18" charset="0"/>
+                <a:cs typeface="Times New Roman" pitchFamily="18" charset="0"/>
+              </a:rPr>
+              <a:t>configurando o angular </a:t>
+            </a:r>
+            <a:r>
+              <a:rPr lang="pt-BR" sz="2600" dirty="0" err="1" smtClean="0">
+                <a:solidFill>
+                  <a:schemeClr val="tx1"/>
+                </a:solidFill>
+                <a:latin typeface="Times New Roman" pitchFamily="18" charset="0"/>
+                <a:cs typeface="Times New Roman" pitchFamily="18" charset="0"/>
+              </a:rPr>
+              <a:t>cli</a:t>
+            </a:r>
+            <a:r>
+              <a:rPr lang="pt-BR" b="1" dirty="0">
+                <a:solidFill>
+                  <a:schemeClr val="tx1"/>
+                </a:solidFill>
+              </a:rPr>
+              <a:t/>
+            </a:r>
+            <a:br>
+              <a:rPr lang="pt-BR" b="1" dirty="0">
+                <a:solidFill>
+                  <a:schemeClr val="tx1"/>
+                </a:solidFill>
+              </a:rPr>
+            </a:br>
+            <a:endParaRPr lang="pt-BR" b="1" dirty="0">
+              <a:solidFill>
+                <a:schemeClr val="tx1"/>
+              </a:solidFill>
             </a:endParaRPr>
-          </a:p>
-          <a:p>
-            <a:pPr algn="just">
-              <a:lnSpc>
-                <a:spcPct val="120000"/>
-              </a:lnSpc>
-            </a:pPr>
-            <a:endParaRPr lang="pt-BR" sz="2600" b="0" u="sng" dirty="0" smtClean="0">
-              <a:latin typeface="Times New Roman" pitchFamily="18" charset="0"/>
-              <a:cs typeface="Times New Roman" pitchFamily="18" charset="0"/>
-            </a:endParaRPr>
-          </a:p>
-          <a:p>
-            <a:endParaRPr lang="pt-BR" sz="2600" dirty="0"/>
-          </a:p>
-          <a:p>
-            <a:endParaRPr lang="pt-BR" sz="2600" dirty="0"/>
           </a:p>
         </p:txBody>
       </p:sp>
       <p:cxnSp>
         <p:nvCxnSpPr>
-          <p:cNvPr id="5" name="Conector reto 4"/>
+          <p:cNvPr id="4" name="Conector reto 3"/>
           <p:cNvCxnSpPr/>
           <p:nvPr/>
         </p:nvCxnSpPr>
         <p:spPr>
           <a:xfrm>
-            <a:off x="251520" y="1340768"/>
-            <a:ext cx="6480720" cy="0"/>
+            <a:off x="773324" y="4869160"/>
+            <a:ext cx="7416824" cy="0"/>
           </a:xfrm>
           <a:prstGeom prst="line">
             <a:avLst/>
@@ -8550,27 +8548,27 @@
       </p:cxnSp>
       <p:pic>
         <p:nvPicPr>
-          <p:cNvPr id="6" name="Picture 7" descr="Angular-Logo-PNG-Image.png"/>
+          <p:cNvPr id="2050" name="Picture 2" descr="https://igormenezes.com.br/wp-content/uploads/2018/03/angular-cli-41.png"/>
           <p:cNvPicPr>
             <a:picLocks noChangeAspect="1" noChangeArrowheads="1"/>
           </p:cNvPicPr>
           <p:nvPr/>
         </p:nvPicPr>
         <p:blipFill rotWithShape="1">
-          <a:blip r:embed="rId2" cstate="print">
+          <a:blip r:embed="rId2">
             <a:extLst>
               <a:ext uri="{28A0092B-C50C-407E-A947-70E740481C1C}">
                 <a14:useLocalDpi xmlns:a14="http://schemas.microsoft.com/office/drawing/2010/main" val="0"/>
               </a:ext>
             </a:extLst>
           </a:blip>
-          <a:srcRect l="2299" t="36731" r="73370" b="36781"/>
+          <a:srcRect r="40"/>
           <a:stretch/>
         </p:blipFill>
         <p:spPr bwMode="auto">
           <a:xfrm>
-            <a:off x="7156265" y="160338"/>
-            <a:ext cx="1317026" cy="1433826"/>
+            <a:off x="-36512" y="-27384"/>
+            <a:ext cx="9032895" cy="3312368"/>
           </a:xfrm>
           <a:prstGeom prst="rect">
             <a:avLst/>
@@ -8587,10 +8585,49 @@
           </a:extLst>
         </p:spPr>
       </p:pic>
+      <p:pic>
+        <p:nvPicPr>
+          <p:cNvPr id="5" name="Picture 7" descr="Angular-Logo-PNG-Image.png"/>
+          <p:cNvPicPr>
+            <a:picLocks noChangeAspect="1" noChangeArrowheads="1"/>
+          </p:cNvPicPr>
+          <p:nvPr/>
+        </p:nvPicPr>
+        <p:blipFill rotWithShape="1">
+          <a:blip r:embed="rId3" cstate="print">
+            <a:extLst>
+              <a:ext uri="{28A0092B-C50C-407E-A947-70E740481C1C}">
+                <a14:useLocalDpi xmlns:a14="http://schemas.microsoft.com/office/drawing/2010/main" val="0"/>
+              </a:ext>
+            </a:extLst>
+          </a:blip>
+          <a:srcRect l="2299" t="36731" r="73370" b="36781"/>
+          <a:stretch/>
+        </p:blipFill>
+        <p:spPr bwMode="auto">
+          <a:xfrm>
+            <a:off x="539552" y="476672"/>
+            <a:ext cx="1944216" cy="2116638"/>
+          </a:xfrm>
+          <a:prstGeom prst="rect">
+            <a:avLst/>
+          </a:prstGeom>
+          <a:noFill/>
+          <a:extLst>
+            <a:ext uri="{909E8E84-426E-40DD-AFC4-6F175D3DCCD1}">
+              <a14:hiddenFill xmlns:a14="http://schemas.microsoft.com/office/drawing/2010/main">
+                <a:solidFill>
+                  <a:srgbClr val="FFFFFF"/>
+                </a:solidFill>
+              </a14:hiddenFill>
+            </a:ext>
+          </a:extLst>
+        </p:spPr>
+      </p:pic>
     </p:spTree>
     <p:extLst>
       <p:ext uri="{BB962C8B-B14F-4D97-AF65-F5344CB8AC3E}">
-        <p14:creationId xmlns:p14="http://schemas.microsoft.com/office/powerpoint/2010/main" val="1520709695"/>
+        <p14:creationId xmlns:p14="http://schemas.microsoft.com/office/powerpoint/2010/main" val="836769695"/>
       </p:ext>
     </p:extLst>
   </p:cSld>
@@ -8644,122 +8681,162 @@
         </p:nvSpPr>
         <p:spPr>
           <a:xfrm>
-            <a:off x="382409" y="3317120"/>
-            <a:ext cx="8363272" cy="2844234"/>
+            <a:off x="179513" y="323403"/>
+            <a:ext cx="7704856" cy="903630"/>
           </a:xfrm>
         </p:spPr>
         <p:txBody>
           <a:bodyPr>
-            <a:normAutofit/>
+            <a:noAutofit/>
           </a:bodyPr>
           <a:lstStyle/>
           <a:p>
             <a:pPr algn="ctr"/>
             <a:r>
-              <a:rPr lang="pt-BR" sz="4600" b="1" dirty="0" smtClean="0">
-                <a:solidFill>
-                  <a:schemeClr val="tx1"/>
-                </a:solidFill>
-                <a:latin typeface="Times New Roman" pitchFamily="18" charset="0"/>
-                <a:cs typeface="Times New Roman" pitchFamily="18" charset="0"/>
-              </a:rPr>
+              <a:rPr lang="pt-BR" sz="2800" dirty="0" smtClean="0"/>
               <a:t>Angular </a:t>
             </a:r>
             <a:r>
-              <a:rPr lang="pt-BR" sz="4600" b="1" dirty="0" err="1" smtClean="0">
-                <a:solidFill>
-                  <a:schemeClr val="tx1"/>
-                </a:solidFill>
+              <a:rPr lang="pt-BR" sz="2800" dirty="0"/>
+              <a:t>CLI </a:t>
+            </a:r>
+            <a:endParaRPr lang="pt-BR" sz="2700" dirty="0"/>
+          </a:p>
+        </p:txBody>
+      </p:sp>
+      <p:sp>
+        <p:nvSpPr>
+          <p:cNvPr id="3" name="Espaço Reservado para Conteúdo 2"/>
+          <p:cNvSpPr>
+            <a:spLocks noGrp="1"/>
+          </p:cNvSpPr>
+          <p:nvPr>
+            <p:ph idx="1"/>
+          </p:nvPr>
+        </p:nvSpPr>
+        <p:spPr>
+          <a:xfrm>
+            <a:off x="395536" y="1772816"/>
+            <a:ext cx="8424936" cy="4320480"/>
+          </a:xfrm>
+        </p:spPr>
+        <p:txBody>
+          <a:bodyPr>
+            <a:noAutofit/>
+          </a:bodyPr>
+          <a:lstStyle/>
+          <a:p>
+            <a:pPr algn="just"/>
+            <a:r>
+              <a:rPr lang="pt-BR" sz="2600" b="0" dirty="0">
+                <a:latin typeface="Times New Roman" pitchFamily="18" charset="0"/>
+                <a:cs typeface="Times New Roman" pitchFamily="18" charset="0"/>
+              </a:rPr>
+              <a:t>O Angular CLI é uma ferramenta para inicializar, desenvolver, sustentar e manter aplicações através de comandos básicos que podemos encontrar facilmente em sua documentação. </a:t>
+            </a:r>
+          </a:p>
+          <a:p>
+            <a:pPr algn="just"/>
+            <a:r>
+              <a:rPr lang="pt-BR" sz="2600" b="0" dirty="0">
+                <a:latin typeface="Times New Roman" pitchFamily="18" charset="0"/>
+                <a:cs typeface="Times New Roman" pitchFamily="18" charset="0"/>
+              </a:rPr>
+              <a:t>Com o </a:t>
+            </a:r>
+            <a:r>
+              <a:rPr lang="pt-BR" sz="2600" b="0" dirty="0" err="1">
+                <a:latin typeface="Times New Roman" pitchFamily="18" charset="0"/>
+                <a:cs typeface="Times New Roman" pitchFamily="18" charset="0"/>
+              </a:rPr>
+              <a:t>npm</a:t>
+            </a:r>
+            <a:r>
+              <a:rPr lang="pt-BR" sz="2600" b="0" dirty="0">
+                <a:latin typeface="Times New Roman" pitchFamily="18" charset="0"/>
+                <a:cs typeface="Times New Roman" pitchFamily="18" charset="0"/>
+              </a:rPr>
+              <a:t> reconhecido, basta executar o comando abaixo para instalar o Angular CLI globalmente: </a:t>
+            </a:r>
+          </a:p>
+          <a:p>
+            <a:pPr algn="just"/>
+            <a:r>
+              <a:rPr lang="pt-BR" sz="2600" b="0" dirty="0">
+                <a:latin typeface="Times New Roman" pitchFamily="18" charset="0"/>
+                <a:cs typeface="Times New Roman" pitchFamily="18" charset="0"/>
+              </a:rPr>
+              <a:t>Execute no terminal </a:t>
+            </a:r>
+            <a:r>
+              <a:rPr lang="pt-BR" sz="2600" b="0" dirty="0" err="1">
+                <a:latin typeface="Times New Roman" pitchFamily="18" charset="0"/>
+                <a:cs typeface="Times New Roman" pitchFamily="18" charset="0"/>
+              </a:rPr>
+              <a:t>npm</a:t>
+            </a:r>
+            <a:r>
+              <a:rPr lang="pt-BR" sz="2600" b="0" dirty="0">
+                <a:latin typeface="Times New Roman" pitchFamily="18" charset="0"/>
+                <a:cs typeface="Times New Roman" pitchFamily="18" charset="0"/>
+              </a:rPr>
+              <a:t> </a:t>
+            </a:r>
+            <a:r>
+              <a:rPr lang="pt-BR" sz="2600" b="0" dirty="0" err="1">
+                <a:latin typeface="Times New Roman" pitchFamily="18" charset="0"/>
+                <a:cs typeface="Times New Roman" pitchFamily="18" charset="0"/>
+              </a:rPr>
+              <a:t>install</a:t>
+            </a:r>
+            <a:r>
+              <a:rPr lang="pt-BR" sz="2600" b="0" dirty="0">
+                <a:latin typeface="Times New Roman" pitchFamily="18" charset="0"/>
+                <a:cs typeface="Times New Roman" pitchFamily="18" charset="0"/>
+              </a:rPr>
+              <a:t> –g @angular/</a:t>
+            </a:r>
+            <a:r>
+              <a:rPr lang="pt-BR" sz="2600" b="0" dirty="0" err="1">
                 <a:latin typeface="Times New Roman" pitchFamily="18" charset="0"/>
                 <a:cs typeface="Times New Roman" pitchFamily="18" charset="0"/>
               </a:rPr>
               <a:t>cli</a:t>
             </a:r>
-            <a:r>
-              <a:rPr lang="pt-BR" b="1" dirty="0" smtClean="0">
-                <a:latin typeface="Times New Roman" pitchFamily="18" charset="0"/>
-                <a:cs typeface="Times New Roman" pitchFamily="18" charset="0"/>
-              </a:rPr>
-              <a:t/>
-            </a:r>
-            <a:br>
-              <a:rPr lang="pt-BR" b="1" dirty="0" smtClean="0">
-                <a:latin typeface="Times New Roman" pitchFamily="18" charset="0"/>
-                <a:cs typeface="Times New Roman" pitchFamily="18" charset="0"/>
-              </a:rPr>
-            </a:br>
-            <a:r>
-              <a:rPr lang="pt-BR" sz="2600" b="1" dirty="0" smtClean="0">
-                <a:solidFill>
-                  <a:schemeClr val="tx1"/>
-                </a:solidFill>
-                <a:latin typeface="Times New Roman" pitchFamily="18" charset="0"/>
-                <a:cs typeface="Times New Roman" pitchFamily="18" charset="0"/>
-              </a:rPr>
-              <a:t/>
-            </a:r>
-            <a:br>
-              <a:rPr lang="pt-BR" sz="2600" b="1" dirty="0" smtClean="0">
-                <a:solidFill>
-                  <a:schemeClr val="tx1"/>
-                </a:solidFill>
-                <a:latin typeface="Times New Roman" pitchFamily="18" charset="0"/>
-                <a:cs typeface="Times New Roman" pitchFamily="18" charset="0"/>
-              </a:rPr>
-            </a:br>
-            <a:r>
-              <a:rPr lang="pt-BR" sz="2600" dirty="0" smtClean="0">
-                <a:solidFill>
-                  <a:schemeClr val="tx1"/>
-                </a:solidFill>
-                <a:latin typeface="Times New Roman" pitchFamily="18" charset="0"/>
-                <a:cs typeface="Times New Roman" pitchFamily="18" charset="0"/>
-              </a:rPr>
-              <a:t>configurando o angular </a:t>
-            </a:r>
-            <a:r>
-              <a:rPr lang="pt-BR" sz="2600" dirty="0" err="1" smtClean="0">
-                <a:solidFill>
-                  <a:schemeClr val="tx1"/>
-                </a:solidFill>
-                <a:latin typeface="Times New Roman" pitchFamily="18" charset="0"/>
-                <a:cs typeface="Times New Roman" pitchFamily="18" charset="0"/>
-              </a:rPr>
-              <a:t>cli</a:t>
-            </a:r>
-            <a:r>
-              <a:rPr lang="pt-BR" b="1" dirty="0">
-                <a:solidFill>
-                  <a:schemeClr val="tx1"/>
-                </a:solidFill>
-              </a:rPr>
-              <a:t/>
-            </a:r>
-            <a:br>
-              <a:rPr lang="pt-BR" b="1" dirty="0">
-                <a:solidFill>
-                  <a:schemeClr val="tx1"/>
-                </a:solidFill>
-              </a:rPr>
-            </a:br>
-            <a:endParaRPr lang="pt-BR" b="1" dirty="0">
-              <a:solidFill>
-                <a:schemeClr val="tx1"/>
-              </a:solidFill>
+            <a:endParaRPr lang="pt-BR" sz="2600" b="0" dirty="0">
+              <a:latin typeface="Times New Roman" pitchFamily="18" charset="0"/>
+              <a:cs typeface="Times New Roman" pitchFamily="18" charset="0"/>
             </a:endParaRPr>
+          </a:p>
+          <a:p>
+            <a:pPr algn="just">
+              <a:lnSpc>
+                <a:spcPct val="120000"/>
+              </a:lnSpc>
+            </a:pPr>
+            <a:endParaRPr lang="pt-BR" sz="2600" b="0" u="sng" dirty="0" smtClean="0">
+              <a:latin typeface="Times New Roman" pitchFamily="18" charset="0"/>
+              <a:cs typeface="Times New Roman" pitchFamily="18" charset="0"/>
+            </a:endParaRPr>
+          </a:p>
+          <a:p>
+            <a:endParaRPr lang="pt-BR" sz="2600" dirty="0"/>
+          </a:p>
+          <a:p>
+            <a:endParaRPr lang="pt-BR" sz="2600" dirty="0"/>
           </a:p>
         </p:txBody>
       </p:sp>
       <p:cxnSp>
         <p:nvCxnSpPr>
-          <p:cNvPr id="4" name="Conector reto 3"/>
+          <p:cNvPr id="5" name="Conector reto 4"/>
           <p:cNvCxnSpPr/>
           <p:nvPr/>
         </p:nvCxnSpPr>
         <p:spPr>
           <a:xfrm>
-            <a:off x="773324" y="4869160"/>
-            <a:ext cx="7416824" cy="0"/>
+            <a:off x="251520" y="1340768"/>
+            <a:ext cx="6480720" cy="0"/>
           </a:xfrm>
           <a:prstGeom prst="line">
             <a:avLst/>
@@ -8783,13 +8860,13 @@
       </p:cxnSp>
       <p:pic>
         <p:nvPicPr>
-          <p:cNvPr id="2050" name="Picture 2" descr="https://igormenezes.com.br/wp-content/uploads/2018/03/angular-cli-41.png"/>
+          <p:cNvPr id="1026" name="Picture 2" descr="C:\Users\User\Desktop\Workshop\angular-project\Apresentação\Imagens\images.png"/>
           <p:cNvPicPr>
             <a:picLocks noChangeAspect="1" noChangeArrowheads="1"/>
           </p:cNvPicPr>
           <p:nvPr/>
         </p:nvPicPr>
-        <p:blipFill rotWithShape="1">
+        <p:blipFill>
           <a:blip r:embed="rId2">
             <a:extLst>
               <a:ext uri="{28A0092B-C50C-407E-A947-70E740481C1C}">
@@ -8797,13 +8874,15 @@
               </a:ext>
             </a:extLst>
           </a:blip>
-          <a:srcRect r="40"/>
-          <a:stretch/>
+          <a:srcRect/>
+          <a:stretch>
+            <a:fillRect/>
+          </a:stretch>
         </p:blipFill>
         <p:spPr bwMode="auto">
           <a:xfrm>
-            <a:off x="-36512" y="-27384"/>
-            <a:ext cx="9032895" cy="3312368"/>
+            <a:off x="6804248" y="140152"/>
+            <a:ext cx="2088231" cy="1478186"/>
           </a:xfrm>
           <a:prstGeom prst="rect">
             <a:avLst/>
@@ -8820,49 +8899,10 @@
           </a:extLst>
         </p:spPr>
       </p:pic>
-      <p:pic>
-        <p:nvPicPr>
-          <p:cNvPr id="5" name="Picture 7" descr="Angular-Logo-PNG-Image.png"/>
-          <p:cNvPicPr>
-            <a:picLocks noChangeAspect="1" noChangeArrowheads="1"/>
-          </p:cNvPicPr>
-          <p:nvPr/>
-        </p:nvPicPr>
-        <p:blipFill rotWithShape="1">
-          <a:blip r:embed="rId3" cstate="print">
-            <a:extLst>
-              <a:ext uri="{28A0092B-C50C-407E-A947-70E740481C1C}">
-                <a14:useLocalDpi xmlns:a14="http://schemas.microsoft.com/office/drawing/2010/main" val="0"/>
-              </a:ext>
-            </a:extLst>
-          </a:blip>
-          <a:srcRect l="2299" t="36731" r="73370" b="36781"/>
-          <a:stretch/>
-        </p:blipFill>
-        <p:spPr bwMode="auto">
-          <a:xfrm>
-            <a:off x="539552" y="476672"/>
-            <a:ext cx="1944216" cy="2116638"/>
-          </a:xfrm>
-          <a:prstGeom prst="rect">
-            <a:avLst/>
-          </a:prstGeom>
-          <a:noFill/>
-          <a:extLst>
-            <a:ext uri="{909E8E84-426E-40DD-AFC4-6F175D3DCCD1}">
-              <a14:hiddenFill xmlns:a14="http://schemas.microsoft.com/office/drawing/2010/main">
-                <a:solidFill>
-                  <a:srgbClr val="FFFFFF"/>
-                </a:solidFill>
-              </a14:hiddenFill>
-            </a:ext>
-          </a:extLst>
-        </p:spPr>
-      </p:pic>
     </p:spTree>
     <p:extLst>
       <p:ext uri="{BB962C8B-B14F-4D97-AF65-F5344CB8AC3E}">
-        <p14:creationId xmlns:p14="http://schemas.microsoft.com/office/powerpoint/2010/main" val="836769695"/>
+        <p14:creationId xmlns:p14="http://schemas.microsoft.com/office/powerpoint/2010/main" val="507667866"/>
       </p:ext>
     </p:extLst>
   </p:cSld>
@@ -8961,281 +9001,6 @@
           </a:bodyPr>
           <a:lstStyle/>
           <a:p>
-            <a:pPr algn="just"/>
-            <a:r>
-              <a:rPr lang="pt-BR" sz="2600" b="0" dirty="0">
-                <a:latin typeface="Times New Roman" pitchFamily="18" charset="0"/>
-                <a:cs typeface="Times New Roman" pitchFamily="18" charset="0"/>
-              </a:rPr>
-              <a:t>O Angular CLI é uma ferramenta para inicializar, desenvolver, sustentar e manter aplicações através de comandos básicos que podemos encontrar facilmente em sua documentação. </a:t>
-            </a:r>
-          </a:p>
-          <a:p>
-            <a:pPr algn="just"/>
-            <a:r>
-              <a:rPr lang="pt-BR" sz="2600" b="0" dirty="0">
-                <a:latin typeface="Times New Roman" pitchFamily="18" charset="0"/>
-                <a:cs typeface="Times New Roman" pitchFamily="18" charset="0"/>
-              </a:rPr>
-              <a:t>Com o </a:t>
-            </a:r>
-            <a:r>
-              <a:rPr lang="pt-BR" sz="2600" b="0" dirty="0" err="1">
-                <a:latin typeface="Times New Roman" pitchFamily="18" charset="0"/>
-                <a:cs typeface="Times New Roman" pitchFamily="18" charset="0"/>
-              </a:rPr>
-              <a:t>npm</a:t>
-            </a:r>
-            <a:r>
-              <a:rPr lang="pt-BR" sz="2600" b="0" dirty="0">
-                <a:latin typeface="Times New Roman" pitchFamily="18" charset="0"/>
-                <a:cs typeface="Times New Roman" pitchFamily="18" charset="0"/>
-              </a:rPr>
-              <a:t> reconhecido, basta executar o comando abaixo para instalar o Angular CLI globalmente: </a:t>
-            </a:r>
-          </a:p>
-          <a:p>
-            <a:pPr algn="just"/>
-            <a:r>
-              <a:rPr lang="pt-BR" sz="2600" b="0" dirty="0">
-                <a:latin typeface="Times New Roman" pitchFamily="18" charset="0"/>
-                <a:cs typeface="Times New Roman" pitchFamily="18" charset="0"/>
-              </a:rPr>
-              <a:t>Execute no terminal </a:t>
-            </a:r>
-            <a:r>
-              <a:rPr lang="pt-BR" sz="2600" b="0" dirty="0" err="1">
-                <a:latin typeface="Times New Roman" pitchFamily="18" charset="0"/>
-                <a:cs typeface="Times New Roman" pitchFamily="18" charset="0"/>
-              </a:rPr>
-              <a:t>npm</a:t>
-            </a:r>
-            <a:r>
-              <a:rPr lang="pt-BR" sz="2600" b="0" dirty="0">
-                <a:latin typeface="Times New Roman" pitchFamily="18" charset="0"/>
-                <a:cs typeface="Times New Roman" pitchFamily="18" charset="0"/>
-              </a:rPr>
-              <a:t> </a:t>
-            </a:r>
-            <a:r>
-              <a:rPr lang="pt-BR" sz="2600" b="0" dirty="0" err="1">
-                <a:latin typeface="Times New Roman" pitchFamily="18" charset="0"/>
-                <a:cs typeface="Times New Roman" pitchFamily="18" charset="0"/>
-              </a:rPr>
-              <a:t>install</a:t>
-            </a:r>
-            <a:r>
-              <a:rPr lang="pt-BR" sz="2600" b="0" dirty="0">
-                <a:latin typeface="Times New Roman" pitchFamily="18" charset="0"/>
-                <a:cs typeface="Times New Roman" pitchFamily="18" charset="0"/>
-              </a:rPr>
-              <a:t> –g @angular/</a:t>
-            </a:r>
-            <a:r>
-              <a:rPr lang="pt-BR" sz="2600" b="0" dirty="0" err="1">
-                <a:latin typeface="Times New Roman" pitchFamily="18" charset="0"/>
-                <a:cs typeface="Times New Roman" pitchFamily="18" charset="0"/>
-              </a:rPr>
-              <a:t>cli</a:t>
-            </a:r>
-            <a:endParaRPr lang="pt-BR" sz="2600" b="0" dirty="0">
-              <a:latin typeface="Times New Roman" pitchFamily="18" charset="0"/>
-              <a:cs typeface="Times New Roman" pitchFamily="18" charset="0"/>
-            </a:endParaRPr>
-          </a:p>
-          <a:p>
-            <a:pPr algn="just">
-              <a:lnSpc>
-                <a:spcPct val="120000"/>
-              </a:lnSpc>
-            </a:pPr>
-            <a:endParaRPr lang="pt-BR" sz="2600" b="0" u="sng" dirty="0" smtClean="0">
-              <a:latin typeface="Times New Roman" pitchFamily="18" charset="0"/>
-              <a:cs typeface="Times New Roman" pitchFamily="18" charset="0"/>
-            </a:endParaRPr>
-          </a:p>
-          <a:p>
-            <a:endParaRPr lang="pt-BR" sz="2600" dirty="0"/>
-          </a:p>
-          <a:p>
-            <a:endParaRPr lang="pt-BR" sz="2600" dirty="0"/>
-          </a:p>
-        </p:txBody>
-      </p:sp>
-      <p:cxnSp>
-        <p:nvCxnSpPr>
-          <p:cNvPr id="5" name="Conector reto 4"/>
-          <p:cNvCxnSpPr/>
-          <p:nvPr/>
-        </p:nvCxnSpPr>
-        <p:spPr>
-          <a:xfrm>
-            <a:off x="251520" y="1340768"/>
-            <a:ext cx="6480720" cy="0"/>
-          </a:xfrm>
-          <a:prstGeom prst="line">
-            <a:avLst/>
-          </a:prstGeom>
-          <a:ln/>
-        </p:spPr>
-        <p:style>
-          <a:lnRef idx="2">
-            <a:schemeClr val="accent5"/>
-          </a:lnRef>
-          <a:fillRef idx="0">
-            <a:schemeClr val="accent5"/>
-          </a:fillRef>
-          <a:effectRef idx="1">
-            <a:schemeClr val="accent5"/>
-          </a:effectRef>
-          <a:fontRef idx="minor">
-            <a:schemeClr val="tx1"/>
-          </a:fontRef>
-        </p:style>
-      </p:cxnSp>
-      <p:pic>
-        <p:nvPicPr>
-          <p:cNvPr id="1026" name="Picture 2" descr="C:\Users\User\Desktop\Workshop\angular-project\Apresentação\Imagens\images.png"/>
-          <p:cNvPicPr>
-            <a:picLocks noChangeAspect="1" noChangeArrowheads="1"/>
-          </p:cNvPicPr>
-          <p:nvPr/>
-        </p:nvPicPr>
-        <p:blipFill>
-          <a:blip r:embed="rId2">
-            <a:extLst>
-              <a:ext uri="{28A0092B-C50C-407E-A947-70E740481C1C}">
-                <a14:useLocalDpi xmlns:a14="http://schemas.microsoft.com/office/drawing/2010/main" val="0"/>
-              </a:ext>
-            </a:extLst>
-          </a:blip>
-          <a:srcRect/>
-          <a:stretch>
-            <a:fillRect/>
-          </a:stretch>
-        </p:blipFill>
-        <p:spPr bwMode="auto">
-          <a:xfrm>
-            <a:off x="6804248" y="140152"/>
-            <a:ext cx="2088231" cy="1478186"/>
-          </a:xfrm>
-          <a:prstGeom prst="rect">
-            <a:avLst/>
-          </a:prstGeom>
-          <a:noFill/>
-          <a:extLst>
-            <a:ext uri="{909E8E84-426E-40DD-AFC4-6F175D3DCCD1}">
-              <a14:hiddenFill xmlns:a14="http://schemas.microsoft.com/office/drawing/2010/main">
-                <a:solidFill>
-                  <a:srgbClr val="FFFFFF"/>
-                </a:solidFill>
-              </a14:hiddenFill>
-            </a:ext>
-          </a:extLst>
-        </p:spPr>
-      </p:pic>
-    </p:spTree>
-    <p:extLst>
-      <p:ext uri="{BB962C8B-B14F-4D97-AF65-F5344CB8AC3E}">
-        <p14:creationId xmlns:p14="http://schemas.microsoft.com/office/powerpoint/2010/main" val="507667866"/>
-      </p:ext>
-    </p:extLst>
-  </p:cSld>
-  <p:clrMapOvr>
-    <a:masterClrMapping/>
-  </p:clrMapOvr>
-  <mc:AlternateContent xmlns:mc="http://schemas.openxmlformats.org/markup-compatibility/2006" xmlns:p14="http://schemas.microsoft.com/office/powerpoint/2010/main">
-    <mc:Choice Requires="p14">
-      <p:transition spd="slow" p14:dur="2000"/>
-    </mc:Choice>
-    <mc:Fallback xmlns="">
-      <p:transition spd="slow"/>
-    </mc:Fallback>
-  </mc:AlternateContent>
-  <p:timing>
-    <p:tnLst>
-      <p:par>
-        <p:cTn id="1" dur="indefinite" restart="never" nodeType="tmRoot"/>
-      </p:par>
-    </p:tnLst>
-  </p:timing>
-</p:sld>
-</file>
-
-<file path=ppt/slides/slide25.xml><?xml version="1.0" encoding="utf-8"?>
-<p:sld xmlns:a="http://schemas.openxmlformats.org/drawingml/2006/main" xmlns:r="http://schemas.openxmlformats.org/officeDocument/2006/relationships" xmlns:p="http://schemas.openxmlformats.org/presentationml/2006/main">
-  <p:cSld>
-    <p:spTree>
-      <p:nvGrpSpPr>
-        <p:cNvPr id="1" name=""/>
-        <p:cNvGrpSpPr/>
-        <p:nvPr/>
-      </p:nvGrpSpPr>
-      <p:grpSpPr>
-        <a:xfrm>
-          <a:off x="0" y="0"/>
-          <a:ext cx="0" cy="0"/>
-          <a:chOff x="0" y="0"/>
-          <a:chExt cx="0" cy="0"/>
-        </a:xfrm>
-      </p:grpSpPr>
-      <p:sp>
-        <p:nvSpPr>
-          <p:cNvPr id="2" name="Título 1"/>
-          <p:cNvSpPr>
-            <a:spLocks noGrp="1"/>
-          </p:cNvSpPr>
-          <p:nvPr>
-            <p:ph type="title"/>
-          </p:nvPr>
-        </p:nvSpPr>
-        <p:spPr>
-          <a:xfrm>
-            <a:off x="179513" y="323403"/>
-            <a:ext cx="7704856" cy="903630"/>
-          </a:xfrm>
-        </p:spPr>
-        <p:txBody>
-          <a:bodyPr>
-            <a:noAutofit/>
-          </a:bodyPr>
-          <a:lstStyle/>
-          <a:p>
-            <a:pPr algn="ctr"/>
-            <a:r>
-              <a:rPr lang="pt-BR" sz="2800" dirty="0" smtClean="0"/>
-              <a:t>Angular </a:t>
-            </a:r>
-            <a:r>
-              <a:rPr lang="pt-BR" sz="2800" dirty="0"/>
-              <a:t>CLI </a:t>
-            </a:r>
-            <a:endParaRPr lang="pt-BR" sz="2700" dirty="0"/>
-          </a:p>
-        </p:txBody>
-      </p:sp>
-      <p:sp>
-        <p:nvSpPr>
-          <p:cNvPr id="3" name="Espaço Reservado para Conteúdo 2"/>
-          <p:cNvSpPr>
-            <a:spLocks noGrp="1"/>
-          </p:cNvSpPr>
-          <p:nvPr>
-            <p:ph idx="1"/>
-          </p:nvPr>
-        </p:nvSpPr>
-        <p:spPr>
-          <a:xfrm>
-            <a:off x="395536" y="1772816"/>
-            <a:ext cx="8424936" cy="4320480"/>
-          </a:xfrm>
-        </p:spPr>
-        <p:txBody>
-          <a:bodyPr>
-            <a:noAutofit/>
-          </a:bodyPr>
-          <a:lstStyle/>
-          <a:p>
             <a:pPr algn="just">
               <a:lnSpc>
                 <a:spcPct val="120000"/>
@@ -9375,7 +9140,7 @@
 </p:sld>
 </file>
 
-<file path=ppt/slides/slide26.xml><?xml version="1.0" encoding="utf-8"?>
+<file path=ppt/slides/slide25.xml><?xml version="1.0" encoding="utf-8"?>
 <p:sld xmlns:a="http://schemas.openxmlformats.org/drawingml/2006/main" xmlns:r="http://schemas.openxmlformats.org/officeDocument/2006/relationships" xmlns:p="http://schemas.openxmlformats.org/presentationml/2006/main">
   <p:cSld>
     <p:spTree>
@@ -9775,7 +9540,7 @@
 </p:sld>
 </file>
 
-<file path=ppt/slides/slide27.xml><?xml version="1.0" encoding="utf-8"?>
+<file path=ppt/slides/slide26.xml><?xml version="1.0" encoding="utf-8"?>
 <p:sld xmlns:a="http://schemas.openxmlformats.org/drawingml/2006/main" xmlns:r="http://schemas.openxmlformats.org/officeDocument/2006/relationships" xmlns:p="http://schemas.openxmlformats.org/presentationml/2006/main">
   <p:cSld>
     <p:spTree>
@@ -10005,6 +9770,470 @@
     <p:extLst>
       <p:ext uri="{BB962C8B-B14F-4D97-AF65-F5344CB8AC3E}">
         <p14:creationId xmlns:p14="http://schemas.microsoft.com/office/powerpoint/2010/main" val="1989359576"/>
+      </p:ext>
+    </p:extLst>
+  </p:cSld>
+  <p:clrMapOvr>
+    <a:masterClrMapping/>
+  </p:clrMapOvr>
+  <mc:AlternateContent xmlns:mc="http://schemas.openxmlformats.org/markup-compatibility/2006" xmlns:p14="http://schemas.microsoft.com/office/powerpoint/2010/main">
+    <mc:Choice Requires="p14">
+      <p:transition spd="slow" p14:dur="2000"/>
+    </mc:Choice>
+    <mc:Fallback xmlns="">
+      <p:transition spd="slow"/>
+    </mc:Fallback>
+  </mc:AlternateContent>
+  <p:timing>
+    <p:tnLst>
+      <p:par>
+        <p:cTn id="1" dur="indefinite" restart="never" nodeType="tmRoot"/>
+      </p:par>
+    </p:tnLst>
+  </p:timing>
+</p:sld>
+</file>
+
+<file path=ppt/slides/slide27.xml><?xml version="1.0" encoding="utf-8"?>
+<p:sld xmlns:a="http://schemas.openxmlformats.org/drawingml/2006/main" xmlns:r="http://schemas.openxmlformats.org/officeDocument/2006/relationships" xmlns:p="http://schemas.openxmlformats.org/presentationml/2006/main">
+  <p:cSld>
+    <p:spTree>
+      <p:nvGrpSpPr>
+        <p:cNvPr id="1" name=""/>
+        <p:cNvGrpSpPr/>
+        <p:nvPr/>
+      </p:nvGrpSpPr>
+      <p:grpSpPr>
+        <a:xfrm>
+          <a:off x="0" y="0"/>
+          <a:ext cx="0" cy="0"/>
+          <a:chOff x="0" y="0"/>
+          <a:chExt cx="0" cy="0"/>
+        </a:xfrm>
+      </p:grpSpPr>
+      <p:sp>
+        <p:nvSpPr>
+          <p:cNvPr id="2" name="Título 1"/>
+          <p:cNvSpPr>
+            <a:spLocks noGrp="1"/>
+          </p:cNvSpPr>
+          <p:nvPr>
+            <p:ph type="title"/>
+          </p:nvPr>
+        </p:nvSpPr>
+        <p:spPr>
+          <a:xfrm>
+            <a:off x="179513" y="323403"/>
+            <a:ext cx="7704856" cy="903630"/>
+          </a:xfrm>
+        </p:spPr>
+        <p:txBody>
+          <a:bodyPr>
+            <a:noAutofit/>
+          </a:bodyPr>
+          <a:lstStyle/>
+          <a:p>
+            <a:r>
+              <a:rPr lang="pt-BR" sz="2800" dirty="0" smtClean="0"/>
+              <a:t/>
+            </a:r>
+            <a:br>
+              <a:rPr lang="pt-BR" sz="2800" dirty="0" smtClean="0"/>
+            </a:br>
+            <a:r>
+              <a:rPr lang="pt-BR" sz="2800" dirty="0" smtClean="0"/>
+              <a:t>Angular CLI - Project</a:t>
+            </a:r>
+            <a:endParaRPr lang="pt-BR" sz="2700" dirty="0"/>
+          </a:p>
+        </p:txBody>
+      </p:sp>
+      <p:sp>
+        <p:nvSpPr>
+          <p:cNvPr id="3" name="Espaço Reservado para Conteúdo 2"/>
+          <p:cNvSpPr>
+            <a:spLocks noGrp="1"/>
+          </p:cNvSpPr>
+          <p:nvPr>
+            <p:ph idx="1"/>
+          </p:nvPr>
+        </p:nvSpPr>
+        <p:spPr>
+          <a:xfrm>
+            <a:off x="2339752" y="1772816"/>
+            <a:ext cx="6480720" cy="4320480"/>
+          </a:xfrm>
+        </p:spPr>
+        <p:txBody>
+          <a:bodyPr>
+            <a:noAutofit/>
+          </a:bodyPr>
+          <a:lstStyle/>
+          <a:p>
+            <a:pPr marL="457200" indent="-457200">
+              <a:buFont typeface="Arial" panose="020B0604020202020204" pitchFamily="34" charset="0"/>
+              <a:buChar char="•"/>
+            </a:pPr>
+            <a:r>
+              <a:rPr lang="pt-BR" b="0" dirty="0" err="1">
+                <a:latin typeface="Times New Roman" pitchFamily="18" charset="0"/>
+                <a:cs typeface="Times New Roman" pitchFamily="18" charset="0"/>
+              </a:rPr>
+              <a:t>p</a:t>
+            </a:r>
+            <a:r>
+              <a:rPr lang="pt-BR" b="0" dirty="0" err="1" smtClean="0">
+                <a:latin typeface="Times New Roman" pitchFamily="18" charset="0"/>
+                <a:cs typeface="Times New Roman" pitchFamily="18" charset="0"/>
+              </a:rPr>
+              <a:t>ackage.json</a:t>
+            </a:r>
+            <a:endParaRPr lang="pt-BR" b="0" dirty="0" smtClean="0">
+              <a:latin typeface="Times New Roman" pitchFamily="18" charset="0"/>
+              <a:cs typeface="Times New Roman" pitchFamily="18" charset="0"/>
+            </a:endParaRPr>
+          </a:p>
+          <a:p>
+            <a:pPr marL="457200" indent="-457200">
+              <a:buFont typeface="Arial" panose="020B0604020202020204" pitchFamily="34" charset="0"/>
+              <a:buChar char="•"/>
+            </a:pPr>
+            <a:r>
+              <a:rPr lang="pt-BR" b="0" dirty="0" err="1" smtClean="0">
+                <a:latin typeface="Times New Roman" pitchFamily="18" charset="0"/>
+                <a:cs typeface="Times New Roman" pitchFamily="18" charset="0"/>
+              </a:rPr>
+              <a:t>angular.json</a:t>
+            </a:r>
+            <a:r>
+              <a:rPr lang="pt-BR" b="0" dirty="0" smtClean="0">
+                <a:latin typeface="Times New Roman" pitchFamily="18" charset="0"/>
+                <a:cs typeface="Times New Roman" pitchFamily="18" charset="0"/>
+              </a:rPr>
+              <a:t> ou angular-</a:t>
+            </a:r>
+            <a:r>
+              <a:rPr lang="pt-BR" b="0" dirty="0" err="1" smtClean="0">
+                <a:latin typeface="Times New Roman" pitchFamily="18" charset="0"/>
+                <a:cs typeface="Times New Roman" pitchFamily="18" charset="0"/>
+              </a:rPr>
+              <a:t>cli.json</a:t>
+            </a:r>
+            <a:endParaRPr lang="pt-BR" b="0" dirty="0" smtClean="0">
+              <a:latin typeface="Times New Roman" pitchFamily="18" charset="0"/>
+              <a:cs typeface="Times New Roman" pitchFamily="18" charset="0"/>
+            </a:endParaRPr>
+          </a:p>
+          <a:p>
+            <a:pPr marL="457200" indent="-457200">
+              <a:buFont typeface="Arial" panose="020B0604020202020204" pitchFamily="34" charset="0"/>
+              <a:buChar char="•"/>
+            </a:pPr>
+            <a:r>
+              <a:rPr lang="pt-BR" b="0" dirty="0" smtClean="0">
+                <a:latin typeface="Times New Roman" pitchFamily="18" charset="0"/>
+                <a:cs typeface="Times New Roman" pitchFamily="18" charset="0"/>
+              </a:rPr>
+              <a:t>/</a:t>
+            </a:r>
+            <a:r>
+              <a:rPr lang="pt-BR" b="0" dirty="0" err="1" smtClean="0">
+                <a:latin typeface="Times New Roman" pitchFamily="18" charset="0"/>
+                <a:cs typeface="Times New Roman" pitchFamily="18" charset="0"/>
+              </a:rPr>
+              <a:t>node_modules</a:t>
+            </a:r>
+            <a:endParaRPr lang="pt-BR" b="0" dirty="0" smtClean="0">
+              <a:latin typeface="Times New Roman" pitchFamily="18" charset="0"/>
+              <a:cs typeface="Times New Roman" pitchFamily="18" charset="0"/>
+            </a:endParaRPr>
+          </a:p>
+          <a:p>
+            <a:pPr marL="457200" indent="-457200">
+              <a:buFont typeface="Arial" panose="020B0604020202020204" pitchFamily="34" charset="0"/>
+              <a:buChar char="•"/>
+            </a:pPr>
+            <a:r>
+              <a:rPr lang="pt-BR" b="0" dirty="0" smtClean="0">
+                <a:latin typeface="Times New Roman" pitchFamily="18" charset="0"/>
+                <a:cs typeface="Times New Roman" pitchFamily="18" charset="0"/>
+              </a:rPr>
+              <a:t>/</a:t>
+            </a:r>
+            <a:r>
+              <a:rPr lang="pt-BR" b="0" dirty="0" err="1" smtClean="0">
+                <a:latin typeface="Times New Roman" pitchFamily="18" charset="0"/>
+                <a:cs typeface="Times New Roman" pitchFamily="18" charset="0"/>
+              </a:rPr>
+              <a:t>src</a:t>
+            </a:r>
+            <a:endParaRPr lang="pt-BR" b="0" dirty="0" smtClean="0">
+              <a:latin typeface="Times New Roman" pitchFamily="18" charset="0"/>
+              <a:cs typeface="Times New Roman" pitchFamily="18" charset="0"/>
+            </a:endParaRPr>
+          </a:p>
+          <a:p>
+            <a:pPr marL="457200" indent="-457200">
+              <a:buFont typeface="Arial" panose="020B0604020202020204" pitchFamily="34" charset="0"/>
+              <a:buChar char="•"/>
+            </a:pPr>
+            <a:r>
+              <a:rPr lang="pt-BR" b="0" dirty="0">
+                <a:latin typeface="Times New Roman" pitchFamily="18" charset="0"/>
+                <a:cs typeface="Times New Roman" pitchFamily="18" charset="0"/>
+              </a:rPr>
+              <a:t>i</a:t>
+            </a:r>
+            <a:r>
+              <a:rPr lang="pt-BR" b="0" dirty="0" smtClean="0">
+                <a:latin typeface="Times New Roman" pitchFamily="18" charset="0"/>
+                <a:cs typeface="Times New Roman" pitchFamily="18" charset="0"/>
+              </a:rPr>
+              <a:t>ndex.html, style.css e </a:t>
+            </a:r>
+            <a:r>
+              <a:rPr lang="pt-BR" b="0" dirty="0" err="1" smtClean="0">
+                <a:latin typeface="Times New Roman" pitchFamily="18" charset="0"/>
+                <a:cs typeface="Times New Roman" pitchFamily="18" charset="0"/>
+              </a:rPr>
+              <a:t>main.ts</a:t>
+            </a:r>
+            <a:endParaRPr lang="pt-BR" b="0" dirty="0" smtClean="0">
+              <a:latin typeface="Times New Roman" pitchFamily="18" charset="0"/>
+              <a:cs typeface="Times New Roman" pitchFamily="18" charset="0"/>
+            </a:endParaRPr>
+          </a:p>
+          <a:p>
+            <a:pPr marL="457200" indent="-457200">
+              <a:buFont typeface="Arial" panose="020B0604020202020204" pitchFamily="34" charset="0"/>
+              <a:buChar char="•"/>
+            </a:pPr>
+            <a:r>
+              <a:rPr lang="pt-BR" b="0" dirty="0" smtClean="0">
+                <a:latin typeface="Times New Roman" pitchFamily="18" charset="0"/>
+                <a:cs typeface="Times New Roman" pitchFamily="18" charset="0"/>
+              </a:rPr>
+              <a:t>/</a:t>
+            </a:r>
+            <a:r>
+              <a:rPr lang="pt-BR" b="0" dirty="0" err="1" smtClean="0">
+                <a:latin typeface="Times New Roman" pitchFamily="18" charset="0"/>
+                <a:cs typeface="Times New Roman" pitchFamily="18" charset="0"/>
+              </a:rPr>
+              <a:t>environment</a:t>
+            </a:r>
+            <a:endParaRPr lang="pt-BR" b="0" dirty="0" smtClean="0">
+              <a:latin typeface="Times New Roman" pitchFamily="18" charset="0"/>
+              <a:cs typeface="Times New Roman" pitchFamily="18" charset="0"/>
+            </a:endParaRPr>
+          </a:p>
+          <a:p>
+            <a:pPr marL="457200" indent="-457200">
+              <a:buFont typeface="Arial" panose="020B0604020202020204" pitchFamily="34" charset="0"/>
+              <a:buChar char="•"/>
+            </a:pPr>
+            <a:r>
+              <a:rPr lang="pt-BR" b="0" dirty="0" smtClean="0">
+                <a:latin typeface="Times New Roman" pitchFamily="18" charset="0"/>
+                <a:cs typeface="Times New Roman" pitchFamily="18" charset="0"/>
+              </a:rPr>
+              <a:t>/</a:t>
+            </a:r>
+            <a:r>
+              <a:rPr lang="pt-BR" b="0" dirty="0" err="1" smtClean="0">
+                <a:latin typeface="Times New Roman" pitchFamily="18" charset="0"/>
+                <a:cs typeface="Times New Roman" pitchFamily="18" charset="0"/>
+              </a:rPr>
+              <a:t>assets</a:t>
+            </a:r>
+            <a:endParaRPr lang="pt-BR" b="0" dirty="0" smtClean="0">
+              <a:latin typeface="Times New Roman" pitchFamily="18" charset="0"/>
+              <a:cs typeface="Times New Roman" pitchFamily="18" charset="0"/>
+            </a:endParaRPr>
+          </a:p>
+          <a:p>
+            <a:pPr marL="457200" indent="-457200">
+              <a:buFont typeface="Arial" panose="020B0604020202020204" pitchFamily="34" charset="0"/>
+              <a:buChar char="•"/>
+            </a:pPr>
+            <a:r>
+              <a:rPr lang="pt-BR" b="0" dirty="0" smtClean="0">
+                <a:latin typeface="Times New Roman" pitchFamily="18" charset="0"/>
+                <a:cs typeface="Times New Roman" pitchFamily="18" charset="0"/>
+              </a:rPr>
+              <a:t>/</a:t>
+            </a:r>
+            <a:r>
+              <a:rPr lang="pt-BR" b="0" dirty="0" err="1" smtClean="0">
+                <a:latin typeface="Times New Roman" pitchFamily="18" charset="0"/>
+                <a:cs typeface="Times New Roman" pitchFamily="18" charset="0"/>
+              </a:rPr>
+              <a:t>app</a:t>
+            </a:r>
+            <a:endParaRPr lang="pt-BR" b="0" dirty="0" smtClean="0">
+              <a:latin typeface="Times New Roman" pitchFamily="18" charset="0"/>
+              <a:cs typeface="Times New Roman" pitchFamily="18" charset="0"/>
+            </a:endParaRPr>
+          </a:p>
+          <a:p>
+            <a:pPr algn="just"/>
+            <a:endParaRPr lang="pt-BR" sz="2600" b="0" dirty="0" smtClean="0">
+              <a:latin typeface="Times New Roman" pitchFamily="18" charset="0"/>
+              <a:cs typeface="Times New Roman" pitchFamily="18" charset="0"/>
+            </a:endParaRPr>
+          </a:p>
+          <a:p>
+            <a:pPr algn="just"/>
+            <a:endParaRPr lang="pt-BR" sz="2600" b="0" dirty="0" smtClean="0">
+              <a:latin typeface="Times New Roman" pitchFamily="18" charset="0"/>
+              <a:cs typeface="Times New Roman" pitchFamily="18" charset="0"/>
+            </a:endParaRPr>
+          </a:p>
+          <a:p>
+            <a:pPr algn="just">
+              <a:lnSpc>
+                <a:spcPct val="120000"/>
+              </a:lnSpc>
+            </a:pPr>
+            <a:endParaRPr lang="pt-BR" sz="2600" b="0" u="sng" dirty="0" smtClean="0">
+              <a:latin typeface="Times New Roman" pitchFamily="18" charset="0"/>
+              <a:cs typeface="Times New Roman" pitchFamily="18" charset="0"/>
+            </a:endParaRPr>
+          </a:p>
+          <a:p>
+            <a:endParaRPr lang="pt-BR" sz="2600" dirty="0"/>
+          </a:p>
+          <a:p>
+            <a:endParaRPr lang="pt-BR" sz="2600" dirty="0"/>
+          </a:p>
+        </p:txBody>
+      </p:sp>
+      <p:cxnSp>
+        <p:nvCxnSpPr>
+          <p:cNvPr id="5" name="Conector reto 4"/>
+          <p:cNvCxnSpPr/>
+          <p:nvPr/>
+        </p:nvCxnSpPr>
+        <p:spPr>
+          <a:xfrm>
+            <a:off x="251520" y="1340768"/>
+            <a:ext cx="6480720" cy="0"/>
+          </a:xfrm>
+          <a:prstGeom prst="line">
+            <a:avLst/>
+          </a:prstGeom>
+          <a:ln/>
+        </p:spPr>
+        <p:style>
+          <a:lnRef idx="2">
+            <a:schemeClr val="accent5"/>
+          </a:lnRef>
+          <a:fillRef idx="0">
+            <a:schemeClr val="accent5"/>
+          </a:fillRef>
+          <a:effectRef idx="1">
+            <a:schemeClr val="accent5"/>
+          </a:effectRef>
+          <a:fontRef idx="minor">
+            <a:schemeClr val="tx1"/>
+          </a:fontRef>
+        </p:style>
+      </p:cxnSp>
+      <p:pic>
+        <p:nvPicPr>
+          <p:cNvPr id="6" name="Picture 7" descr="Angular-Logo-PNG-Image.png"/>
+          <p:cNvPicPr>
+            <a:picLocks noChangeAspect="1" noChangeArrowheads="1"/>
+          </p:cNvPicPr>
+          <p:nvPr/>
+        </p:nvPicPr>
+        <p:blipFill rotWithShape="1">
+          <a:blip r:embed="rId2" cstate="print">
+            <a:extLst>
+              <a:ext uri="{28A0092B-C50C-407E-A947-70E740481C1C}">
+                <a14:useLocalDpi xmlns:a14="http://schemas.microsoft.com/office/drawing/2010/main" val="0"/>
+              </a:ext>
+            </a:extLst>
+          </a:blip>
+          <a:srcRect l="2299" t="36731" r="73370" b="36781"/>
+          <a:stretch/>
+        </p:blipFill>
+        <p:spPr bwMode="auto">
+          <a:xfrm>
+            <a:off x="7156265" y="160338"/>
+            <a:ext cx="1317026" cy="1433826"/>
+          </a:xfrm>
+          <a:prstGeom prst="rect">
+            <a:avLst/>
+          </a:prstGeom>
+          <a:noFill/>
+          <a:extLst>
+            <a:ext uri="{909E8E84-426E-40DD-AFC4-6F175D3DCCD1}">
+              <a14:hiddenFill xmlns:a14="http://schemas.microsoft.com/office/drawing/2010/main">
+                <a:solidFill>
+                  <a:srgbClr val="FFFFFF"/>
+                </a:solidFill>
+              </a14:hiddenFill>
+            </a:ext>
+          </a:extLst>
+        </p:spPr>
+      </p:pic>
+      <p:pic>
+        <p:nvPicPr>
+          <p:cNvPr id="1026" name="Picture 2"/>
+          <p:cNvPicPr>
+            <a:picLocks noChangeAspect="1" noChangeArrowheads="1"/>
+          </p:cNvPicPr>
+          <p:nvPr/>
+        </p:nvPicPr>
+        <p:blipFill rotWithShape="1">
+          <a:blip r:embed="rId3">
+            <a:extLst>
+              <a:ext uri="{28A0092B-C50C-407E-A947-70E740481C1C}">
+                <a14:useLocalDpi xmlns:a14="http://schemas.microsoft.com/office/drawing/2010/main" val="0"/>
+              </a:ext>
+            </a:extLst>
+          </a:blip>
+          <a:srcRect l="4113" t="14084" r="78916" b="6009"/>
+          <a:stretch/>
+        </p:blipFill>
+        <p:spPr bwMode="auto">
+          <a:xfrm>
+            <a:off x="251520" y="1412776"/>
+            <a:ext cx="2088232" cy="5239909"/>
+          </a:xfrm>
+          <a:prstGeom prst="rect">
+            <a:avLst/>
+          </a:prstGeom>
+          <a:noFill/>
+          <a:ln>
+            <a:noFill/>
+          </a:ln>
+          <a:extLst>
+            <a:ext uri="{909E8E84-426E-40DD-AFC4-6F175D3DCCD1}">
+              <a14:hiddenFill xmlns:a14="http://schemas.microsoft.com/office/drawing/2010/main">
+                <a:solidFill>
+                  <a:schemeClr val="accent1"/>
+                </a:solidFill>
+              </a14:hiddenFill>
+            </a:ext>
+            <a:ext uri="{91240B29-F687-4F45-9708-019B960494DF}">
+              <a14:hiddenLine xmlns:a14="http://schemas.microsoft.com/office/drawing/2010/main" w="9525">
+                <a:solidFill>
+                  <a:schemeClr val="tx1"/>
+                </a:solidFill>
+                <a:miter lim="800000"/>
+                <a:headEnd/>
+                <a:tailEnd/>
+              </a14:hiddenLine>
+            </a:ext>
+          </a:extLst>
+        </p:spPr>
+      </p:pic>
+    </p:spTree>
+    <p:extLst>
+      <p:ext uri="{BB962C8B-B14F-4D97-AF65-F5344CB8AC3E}">
+        <p14:creationId xmlns:p14="http://schemas.microsoft.com/office/powerpoint/2010/main" val="3621483971"/>
       </p:ext>
     </p:extLst>
   </p:cSld>
@@ -10069,15 +10298,8 @@
           <a:lstStyle/>
           <a:p>
             <a:r>
-              <a:rPr lang="pt-BR" sz="2800" dirty="0" smtClean="0"/>
-              <a:t/>
-            </a:r>
-            <a:br>
-              <a:rPr lang="pt-BR" sz="2800" dirty="0" smtClean="0"/>
-            </a:br>
-            <a:r>
-              <a:rPr lang="pt-BR" sz="2800" dirty="0" smtClean="0"/>
-              <a:t>Angular CLI - Project</a:t>
+              <a:rPr lang="pt-BR" sz="2700" smtClean="0"/>
+              <a:t>Modules </a:t>
             </a:r>
             <a:endParaRPr lang="pt-BR" sz="2700" dirty="0"/>
           </a:p>
@@ -10095,8 +10317,8 @@
         </p:nvSpPr>
         <p:spPr>
           <a:xfrm>
-            <a:off x="2339752" y="1772816"/>
-            <a:ext cx="6480720" cy="4320480"/>
+            <a:off x="611560" y="2132856"/>
+            <a:ext cx="7894973" cy="3960440"/>
           </a:xfrm>
         </p:spPr>
         <p:txBody>
@@ -10105,231 +10327,74 @@
           </a:bodyPr>
           <a:lstStyle/>
           <a:p>
-            <a:pPr marL="457200" indent="-457200">
-              <a:buFont typeface="Arial" panose="020B0604020202020204" pitchFamily="34" charset="0"/>
-              <a:buChar char="•"/>
-            </a:pPr>
-            <a:r>
-              <a:rPr lang="pt-BR" b="0" dirty="0" err="1">
-                <a:latin typeface="Times New Roman" pitchFamily="18" charset="0"/>
-                <a:cs typeface="Times New Roman" pitchFamily="18" charset="0"/>
-              </a:rPr>
-              <a:t>p</a:t>
-            </a:r>
-            <a:r>
-              <a:rPr lang="pt-BR" b="0" dirty="0" err="1" smtClean="0">
-                <a:latin typeface="Times New Roman" pitchFamily="18" charset="0"/>
-                <a:cs typeface="Times New Roman" pitchFamily="18" charset="0"/>
-              </a:rPr>
-              <a:t>ackage.json</a:t>
-            </a:r>
-            <a:endParaRPr lang="pt-BR" b="0" dirty="0" smtClean="0">
-              <a:latin typeface="Times New Roman" pitchFamily="18" charset="0"/>
-              <a:cs typeface="Times New Roman" pitchFamily="18" charset="0"/>
-            </a:endParaRPr>
-          </a:p>
-          <a:p>
-            <a:pPr marL="457200" indent="-457200">
-              <a:buFont typeface="Arial" panose="020B0604020202020204" pitchFamily="34" charset="0"/>
-              <a:buChar char="•"/>
-            </a:pPr>
-            <a:r>
-              <a:rPr lang="pt-BR" b="0" dirty="0" err="1" smtClean="0">
-                <a:latin typeface="Times New Roman" pitchFamily="18" charset="0"/>
-                <a:cs typeface="Times New Roman" pitchFamily="18" charset="0"/>
-              </a:rPr>
-              <a:t>angular.json</a:t>
-            </a:r>
-            <a:r>
-              <a:rPr lang="pt-BR" b="0" dirty="0" smtClean="0">
-                <a:latin typeface="Times New Roman" pitchFamily="18" charset="0"/>
-                <a:cs typeface="Times New Roman" pitchFamily="18" charset="0"/>
-              </a:rPr>
-              <a:t> ou angular-</a:t>
-            </a:r>
-            <a:r>
-              <a:rPr lang="pt-BR" b="0" dirty="0" err="1" smtClean="0">
-                <a:latin typeface="Times New Roman" pitchFamily="18" charset="0"/>
-                <a:cs typeface="Times New Roman" pitchFamily="18" charset="0"/>
-              </a:rPr>
-              <a:t>cli.json</a:t>
-            </a:r>
-            <a:endParaRPr lang="pt-BR" b="0" dirty="0" smtClean="0">
-              <a:latin typeface="Times New Roman" pitchFamily="18" charset="0"/>
-              <a:cs typeface="Times New Roman" pitchFamily="18" charset="0"/>
-            </a:endParaRPr>
-          </a:p>
-          <a:p>
-            <a:pPr marL="457200" indent="-457200">
-              <a:buFont typeface="Arial" panose="020B0604020202020204" pitchFamily="34" charset="0"/>
-              <a:buChar char="•"/>
-            </a:pPr>
-            <a:r>
-              <a:rPr lang="pt-BR" b="0" dirty="0" smtClean="0">
-                <a:latin typeface="Times New Roman" pitchFamily="18" charset="0"/>
-                <a:cs typeface="Times New Roman" pitchFamily="18" charset="0"/>
-              </a:rPr>
-              <a:t>/</a:t>
-            </a:r>
-            <a:r>
-              <a:rPr lang="pt-BR" b="0" dirty="0" err="1" smtClean="0">
-                <a:latin typeface="Times New Roman" pitchFamily="18" charset="0"/>
-                <a:cs typeface="Times New Roman" pitchFamily="18" charset="0"/>
-              </a:rPr>
-              <a:t>node_modules</a:t>
-            </a:r>
-            <a:endParaRPr lang="pt-BR" b="0" dirty="0" smtClean="0">
-              <a:latin typeface="Times New Roman" pitchFamily="18" charset="0"/>
-              <a:cs typeface="Times New Roman" pitchFamily="18" charset="0"/>
-            </a:endParaRPr>
-          </a:p>
-          <a:p>
-            <a:pPr marL="457200" indent="-457200">
-              <a:buFont typeface="Arial" panose="020B0604020202020204" pitchFamily="34" charset="0"/>
-              <a:buChar char="•"/>
-            </a:pPr>
-            <a:r>
-              <a:rPr lang="pt-BR" b="0" dirty="0" smtClean="0">
-                <a:latin typeface="Times New Roman" pitchFamily="18" charset="0"/>
-                <a:cs typeface="Times New Roman" pitchFamily="18" charset="0"/>
-              </a:rPr>
-              <a:t>/</a:t>
-            </a:r>
-            <a:r>
-              <a:rPr lang="pt-BR" b="0" dirty="0" err="1" smtClean="0">
-                <a:latin typeface="Times New Roman" pitchFamily="18" charset="0"/>
-                <a:cs typeface="Times New Roman" pitchFamily="18" charset="0"/>
-              </a:rPr>
-              <a:t>src</a:t>
-            </a:r>
-            <a:endParaRPr lang="pt-BR" b="0" dirty="0" smtClean="0">
-              <a:latin typeface="Times New Roman" pitchFamily="18" charset="0"/>
-              <a:cs typeface="Times New Roman" pitchFamily="18" charset="0"/>
-            </a:endParaRPr>
-          </a:p>
-          <a:p>
-            <a:pPr marL="457200" indent="-457200">
-              <a:buFont typeface="Arial" panose="020B0604020202020204" pitchFamily="34" charset="0"/>
-              <a:buChar char="•"/>
-            </a:pPr>
-            <a:r>
-              <a:rPr lang="pt-BR" b="0" dirty="0">
-                <a:latin typeface="Times New Roman" pitchFamily="18" charset="0"/>
-                <a:cs typeface="Times New Roman" pitchFamily="18" charset="0"/>
-              </a:rPr>
-              <a:t>i</a:t>
-            </a:r>
-            <a:r>
-              <a:rPr lang="pt-BR" b="0" dirty="0" smtClean="0">
-                <a:latin typeface="Times New Roman" pitchFamily="18" charset="0"/>
-                <a:cs typeface="Times New Roman" pitchFamily="18" charset="0"/>
-              </a:rPr>
-              <a:t>ndex.html, style.css e </a:t>
-            </a:r>
-            <a:r>
-              <a:rPr lang="pt-BR" b="0" dirty="0" err="1" smtClean="0">
-                <a:latin typeface="Times New Roman" pitchFamily="18" charset="0"/>
-                <a:cs typeface="Times New Roman" pitchFamily="18" charset="0"/>
-              </a:rPr>
-              <a:t>main.ts</a:t>
-            </a:r>
-            <a:endParaRPr lang="pt-BR" b="0" dirty="0" smtClean="0">
-              <a:latin typeface="Times New Roman" pitchFamily="18" charset="0"/>
-              <a:cs typeface="Times New Roman" pitchFamily="18" charset="0"/>
-            </a:endParaRPr>
-          </a:p>
-          <a:p>
-            <a:pPr marL="457200" indent="-457200">
-              <a:buFont typeface="Arial" panose="020B0604020202020204" pitchFamily="34" charset="0"/>
-              <a:buChar char="•"/>
-            </a:pPr>
-            <a:r>
-              <a:rPr lang="pt-BR" b="0" dirty="0" smtClean="0">
-                <a:latin typeface="Times New Roman" pitchFamily="18" charset="0"/>
-                <a:cs typeface="Times New Roman" pitchFamily="18" charset="0"/>
-              </a:rPr>
-              <a:t>/</a:t>
-            </a:r>
-            <a:r>
-              <a:rPr lang="pt-BR" b="0" dirty="0" err="1" smtClean="0">
-                <a:latin typeface="Times New Roman" pitchFamily="18" charset="0"/>
-                <a:cs typeface="Times New Roman" pitchFamily="18" charset="0"/>
-              </a:rPr>
-              <a:t>environment</a:t>
-            </a:r>
-            <a:endParaRPr lang="pt-BR" b="0" dirty="0" smtClean="0">
-              <a:latin typeface="Times New Roman" pitchFamily="18" charset="0"/>
-              <a:cs typeface="Times New Roman" pitchFamily="18" charset="0"/>
-            </a:endParaRPr>
-          </a:p>
-          <a:p>
-            <a:pPr marL="457200" indent="-457200">
-              <a:buFont typeface="Arial" panose="020B0604020202020204" pitchFamily="34" charset="0"/>
-              <a:buChar char="•"/>
-            </a:pPr>
-            <a:r>
-              <a:rPr lang="pt-BR" b="0" dirty="0" smtClean="0">
-                <a:latin typeface="Times New Roman" pitchFamily="18" charset="0"/>
-                <a:cs typeface="Times New Roman" pitchFamily="18" charset="0"/>
-              </a:rPr>
-              <a:t>/</a:t>
-            </a:r>
-            <a:r>
-              <a:rPr lang="pt-BR" b="0" dirty="0" err="1" smtClean="0">
-                <a:latin typeface="Times New Roman" pitchFamily="18" charset="0"/>
-                <a:cs typeface="Times New Roman" pitchFamily="18" charset="0"/>
-              </a:rPr>
-              <a:t>assets</a:t>
-            </a:r>
-            <a:endParaRPr lang="pt-BR" b="0" dirty="0" smtClean="0">
-              <a:latin typeface="Times New Roman" pitchFamily="18" charset="0"/>
-              <a:cs typeface="Times New Roman" pitchFamily="18" charset="0"/>
-            </a:endParaRPr>
-          </a:p>
-          <a:p>
-            <a:pPr marL="457200" indent="-457200">
-              <a:buFont typeface="Arial" panose="020B0604020202020204" pitchFamily="34" charset="0"/>
-              <a:buChar char="•"/>
-            </a:pPr>
-            <a:r>
-              <a:rPr lang="pt-BR" b="0" dirty="0" smtClean="0">
-                <a:latin typeface="Times New Roman" pitchFamily="18" charset="0"/>
-                <a:cs typeface="Times New Roman" pitchFamily="18" charset="0"/>
-              </a:rPr>
-              <a:t>/</a:t>
-            </a:r>
-            <a:r>
-              <a:rPr lang="pt-BR" b="0" dirty="0" err="1" smtClean="0">
-                <a:latin typeface="Times New Roman" pitchFamily="18" charset="0"/>
-                <a:cs typeface="Times New Roman" pitchFamily="18" charset="0"/>
-              </a:rPr>
-              <a:t>app</a:t>
-            </a:r>
-            <a:endParaRPr lang="pt-BR" b="0" dirty="0" smtClean="0">
-              <a:latin typeface="Times New Roman" pitchFamily="18" charset="0"/>
-              <a:cs typeface="Times New Roman" pitchFamily="18" charset="0"/>
-            </a:endParaRPr>
-          </a:p>
-          <a:p>
-            <a:pPr algn="just"/>
-            <a:endParaRPr lang="pt-BR" sz="2600" b="0" dirty="0" smtClean="0">
-              <a:latin typeface="Times New Roman" pitchFamily="18" charset="0"/>
-              <a:cs typeface="Times New Roman" pitchFamily="18" charset="0"/>
-            </a:endParaRPr>
-          </a:p>
-          <a:p>
-            <a:pPr algn="just"/>
-            <a:endParaRPr lang="pt-BR" sz="2600" b="0" dirty="0" smtClean="0">
-              <a:latin typeface="Times New Roman" pitchFamily="18" charset="0"/>
-              <a:cs typeface="Times New Roman" pitchFamily="18" charset="0"/>
-            </a:endParaRPr>
-          </a:p>
-          <a:p>
             <a:pPr algn="just">
               <a:lnSpc>
                 <a:spcPct val="120000"/>
               </a:lnSpc>
             </a:pPr>
+            <a:r>
+              <a:rPr lang="pt-BR" sz="2600" b="0" dirty="0" smtClean="0">
+                <a:latin typeface="Times New Roman" pitchFamily="18" charset="0"/>
+                <a:cs typeface="Times New Roman" pitchFamily="18" charset="0"/>
+              </a:rPr>
+              <a:t>Módulos </a:t>
+            </a:r>
+            <a:r>
+              <a:rPr lang="pt-BR" sz="2600" b="0" dirty="0">
+                <a:latin typeface="Times New Roman" pitchFamily="18" charset="0"/>
+                <a:cs typeface="Times New Roman" pitchFamily="18" charset="0"/>
+              </a:rPr>
+              <a:t>tem a função de configurar o injetor e o compilador do módulo e auxiliar a organização de todos os componentes relacionados ao mesmo.</a:t>
+            </a:r>
+          </a:p>
+          <a:p>
+            <a:pPr algn="just">
+              <a:lnSpc>
+                <a:spcPct val="120000"/>
+              </a:lnSpc>
+            </a:pPr>
+            <a:r>
+              <a:rPr lang="pt-BR" sz="2600" b="0" dirty="0">
+                <a:latin typeface="Times New Roman" pitchFamily="18" charset="0"/>
+                <a:cs typeface="Times New Roman" pitchFamily="18" charset="0"/>
+              </a:rPr>
+              <a:t>Dentro do </a:t>
+            </a:r>
+            <a:r>
+              <a:rPr lang="pt-BR" sz="2600" b="0" dirty="0" err="1">
+                <a:latin typeface="Times New Roman" pitchFamily="18" charset="0"/>
+                <a:cs typeface="Times New Roman" pitchFamily="18" charset="0"/>
+              </a:rPr>
+              <a:t>decorator</a:t>
+            </a:r>
+            <a:r>
+              <a:rPr lang="pt-BR" sz="2600" b="0" dirty="0">
+                <a:latin typeface="Times New Roman" pitchFamily="18" charset="0"/>
+                <a:cs typeface="Times New Roman" pitchFamily="18" charset="0"/>
+              </a:rPr>
+              <a:t> </a:t>
+            </a:r>
+            <a:r>
+              <a:rPr lang="pt-BR" sz="2600" b="0" dirty="0" err="1">
+                <a:latin typeface="Times New Roman" pitchFamily="18" charset="0"/>
+                <a:cs typeface="Times New Roman" pitchFamily="18" charset="0"/>
+              </a:rPr>
+              <a:t>NgModule</a:t>
+            </a:r>
+            <a:r>
+              <a:rPr lang="pt-BR" sz="2600" b="0" dirty="0">
+                <a:latin typeface="Times New Roman" pitchFamily="18" charset="0"/>
+                <a:cs typeface="Times New Roman" pitchFamily="18" charset="0"/>
+              </a:rPr>
+              <a:t>, podemos identificar alguns itens importantes na construção de um módulo</a:t>
+            </a:r>
+            <a:r>
+              <a:rPr lang="pt-BR" sz="2600" b="0" dirty="0" smtClean="0">
+                <a:latin typeface="Times New Roman" pitchFamily="18" charset="0"/>
+                <a:cs typeface="Times New Roman" pitchFamily="18" charset="0"/>
+              </a:rPr>
+              <a:t>.</a:t>
+            </a:r>
             <a:endParaRPr lang="pt-BR" sz="2600" b="0" u="sng" dirty="0" smtClean="0">
               <a:latin typeface="Times New Roman" pitchFamily="18" charset="0"/>
               <a:cs typeface="Times New Roman" pitchFamily="18" charset="0"/>
@@ -10413,62 +10478,10 @@
           </a:extLst>
         </p:spPr>
       </p:pic>
-      <p:pic>
-        <p:nvPicPr>
-          <p:cNvPr id="1026" name="Picture 2"/>
-          <p:cNvPicPr>
-            <a:picLocks noChangeAspect="1" noChangeArrowheads="1"/>
-          </p:cNvPicPr>
-          <p:nvPr/>
-        </p:nvPicPr>
-        <p:blipFill rotWithShape="1">
-          <a:blip r:embed="rId3">
-            <a:extLst>
-              <a:ext uri="{28A0092B-C50C-407E-A947-70E740481C1C}">
-                <a14:useLocalDpi xmlns:a14="http://schemas.microsoft.com/office/drawing/2010/main" val="0"/>
-              </a:ext>
-            </a:extLst>
-          </a:blip>
-          <a:srcRect l="4113" t="14084" r="78916" b="6009"/>
-          <a:stretch/>
-        </p:blipFill>
-        <p:spPr bwMode="auto">
-          <a:xfrm>
-            <a:off x="251520" y="1412776"/>
-            <a:ext cx="2088232" cy="5239909"/>
-          </a:xfrm>
-          <a:prstGeom prst="rect">
-            <a:avLst/>
-          </a:prstGeom>
-          <a:noFill/>
-          <a:ln>
-            <a:noFill/>
-          </a:ln>
-          <a:extLst>
-            <a:ext uri="{909E8E84-426E-40DD-AFC4-6F175D3DCCD1}">
-              <a14:hiddenFill xmlns:a14="http://schemas.microsoft.com/office/drawing/2010/main">
-                <a:solidFill>
-                  <a:schemeClr val="accent1"/>
-                </a:solidFill>
-              </a14:hiddenFill>
-            </a:ext>
-            <a:ext uri="{91240B29-F687-4F45-9708-019B960494DF}">
-              <a14:hiddenLine xmlns:a14="http://schemas.microsoft.com/office/drawing/2010/main" w="9525">
-                <a:solidFill>
-                  <a:schemeClr val="tx1"/>
-                </a:solidFill>
-                <a:miter lim="800000"/>
-                <a:headEnd/>
-                <a:tailEnd/>
-              </a14:hiddenLine>
-            </a:ext>
-          </a:extLst>
-        </p:spPr>
-      </p:pic>
     </p:spTree>
     <p:extLst>
       <p:ext uri="{BB962C8B-B14F-4D97-AF65-F5344CB8AC3E}">
-        <p14:creationId xmlns:p14="http://schemas.microsoft.com/office/powerpoint/2010/main" val="3621483971"/>
+        <p14:creationId xmlns:p14="http://schemas.microsoft.com/office/powerpoint/2010/main" val="540966798"/>
       </p:ext>
     </p:extLst>
   </p:cSld>
@@ -10533,8 +10546,24 @@
           <a:lstStyle/>
           <a:p>
             <a:r>
-              <a:rPr lang="pt-BR" sz="2700" smtClean="0"/>
-              <a:t>Modules </a:t>
+              <a:rPr lang="pt-BR" sz="2700" dirty="0" smtClean="0"/>
+              <a:t>Modules - @</a:t>
+            </a:r>
+            <a:r>
+              <a:rPr lang="pt-BR" sz="2700" cap="none" dirty="0" err="1" smtClean="0"/>
+              <a:t>ng</a:t>
+            </a:r>
+            <a:r>
+              <a:rPr lang="pt-BR" sz="2700" dirty="0" err="1" smtClean="0"/>
+              <a:t>M</a:t>
+            </a:r>
+            <a:r>
+              <a:rPr lang="pt-BR" sz="2700" cap="none" dirty="0" err="1" smtClean="0"/>
+              <a:t>odule</a:t>
+            </a:r>
+            <a:r>
+              <a:rPr lang="pt-BR" sz="2700" dirty="0" smtClean="0"/>
+              <a:t> </a:t>
             </a:r>
             <a:endParaRPr lang="pt-BR" sz="2700" dirty="0"/>
           </a:p>
@@ -10562,24 +10591,155 @@
           </a:bodyPr>
           <a:lstStyle/>
           <a:p>
+            <a:pPr marL="342900" indent="-342900" algn="just">
+              <a:lnSpc>
+                <a:spcPct val="120000"/>
+              </a:lnSpc>
+              <a:buFont typeface="Arial" panose="020B0604020202020204" pitchFamily="34" charset="0"/>
+              <a:buChar char="•"/>
+            </a:pPr>
+            <a:r>
+              <a:rPr lang="pt-BR" dirty="0" err="1" smtClean="0">
+                <a:latin typeface="Times New Roman" pitchFamily="18" charset="0"/>
+                <a:cs typeface="Times New Roman" pitchFamily="18" charset="0"/>
+              </a:rPr>
+              <a:t>Imports</a:t>
+            </a:r>
+            <a:r>
+              <a:rPr lang="pt-BR" dirty="0" smtClean="0">
+                <a:latin typeface="Times New Roman" pitchFamily="18" charset="0"/>
+                <a:cs typeface="Times New Roman" pitchFamily="18" charset="0"/>
+              </a:rPr>
+              <a:t> </a:t>
+            </a:r>
+            <a:r>
+              <a:rPr lang="pt-BR" b="0" dirty="0" smtClean="0">
+                <a:latin typeface="Times New Roman" pitchFamily="18" charset="0"/>
+                <a:cs typeface="Times New Roman" pitchFamily="18" charset="0"/>
+              </a:rPr>
+              <a:t>-</a:t>
+            </a:r>
+            <a:r>
+              <a:rPr lang="pt-BR" dirty="0" smtClean="0">
+                <a:latin typeface="Times New Roman" pitchFamily="18" charset="0"/>
+                <a:cs typeface="Times New Roman" pitchFamily="18" charset="0"/>
+              </a:rPr>
+              <a:t> </a:t>
+            </a:r>
+            <a:r>
+              <a:rPr lang="pt-BR" b="0" dirty="0" err="1" smtClean="0">
+                <a:latin typeface="Times New Roman" pitchFamily="18" charset="0"/>
+                <a:cs typeface="Times New Roman" pitchFamily="18" charset="0"/>
+              </a:rPr>
+              <a:t>Imports</a:t>
+            </a:r>
+            <a:r>
+              <a:rPr lang="pt-BR" b="0" dirty="0" smtClean="0">
+                <a:latin typeface="Times New Roman" pitchFamily="18" charset="0"/>
+                <a:cs typeface="Times New Roman" pitchFamily="18" charset="0"/>
+              </a:rPr>
+              <a:t> </a:t>
+            </a:r>
+            <a:r>
+              <a:rPr lang="pt-BR" b="0" dirty="0">
+                <a:latin typeface="Times New Roman" pitchFamily="18" charset="0"/>
+                <a:cs typeface="Times New Roman" pitchFamily="18" charset="0"/>
+              </a:rPr>
+              <a:t>são responsáveis por tornar as declarações exportadas de outros módulos disponíveis para o módulo atual. </a:t>
+            </a:r>
+            <a:endParaRPr lang="pt-BR" b="0" dirty="0" smtClean="0">
+              <a:latin typeface="Times New Roman" pitchFamily="18" charset="0"/>
+              <a:cs typeface="Times New Roman" pitchFamily="18" charset="0"/>
+            </a:endParaRPr>
+          </a:p>
+          <a:p>
             <a:pPr algn="just">
               <a:lnSpc>
                 <a:spcPct val="120000"/>
               </a:lnSpc>
             </a:pPr>
-            <a:r>
-              <a:rPr lang="pt-BR" sz="2600" b="0" dirty="0" smtClean="0">
-                <a:latin typeface="Times New Roman" pitchFamily="18" charset="0"/>
-                <a:cs typeface="Times New Roman" pitchFamily="18" charset="0"/>
-              </a:rPr>
-              <a:t>Módulos </a:t>
-            </a:r>
-            <a:r>
-              <a:rPr lang="pt-BR" sz="2600" b="0" dirty="0">
-                <a:latin typeface="Times New Roman" pitchFamily="18" charset="0"/>
-                <a:cs typeface="Times New Roman" pitchFamily="18" charset="0"/>
-              </a:rPr>
-              <a:t>tem a função de configurar o injetor e o compilador do módulo e auxiliar a organização de todos os componentes relacionados ao mesmo.</a:t>
+            <a:endParaRPr lang="pt-BR" b="0" dirty="0" smtClean="0">
+              <a:latin typeface="Times New Roman" pitchFamily="18" charset="0"/>
+              <a:cs typeface="Times New Roman" pitchFamily="18" charset="0"/>
+            </a:endParaRPr>
+          </a:p>
+          <a:p>
+            <a:pPr marL="342900" indent="-342900" algn="just">
+              <a:lnSpc>
+                <a:spcPct val="120000"/>
+              </a:lnSpc>
+              <a:buFont typeface="Arial" panose="020B0604020202020204" pitchFamily="34" charset="0"/>
+              <a:buChar char="•"/>
+            </a:pPr>
+            <a:r>
+              <a:rPr lang="pt-BR" dirty="0" err="1" smtClean="0">
+                <a:latin typeface="Times New Roman" pitchFamily="18" charset="0"/>
+                <a:cs typeface="Times New Roman" pitchFamily="18" charset="0"/>
+              </a:rPr>
+              <a:t>Declarations</a:t>
+            </a:r>
+            <a:r>
+              <a:rPr lang="pt-BR" dirty="0" smtClean="0">
+                <a:latin typeface="Times New Roman" pitchFamily="18" charset="0"/>
+                <a:cs typeface="Times New Roman" pitchFamily="18" charset="0"/>
+              </a:rPr>
+              <a:t> </a:t>
+            </a:r>
+            <a:r>
+              <a:rPr lang="pt-BR" b="0" dirty="0">
+                <a:latin typeface="Times New Roman" pitchFamily="18" charset="0"/>
+                <a:cs typeface="Times New Roman" pitchFamily="18" charset="0"/>
+              </a:rPr>
+              <a:t>-</a:t>
+            </a:r>
+            <a:r>
+              <a:rPr lang="pt-BR" dirty="0">
+                <a:latin typeface="Times New Roman" pitchFamily="18" charset="0"/>
+                <a:cs typeface="Times New Roman" pitchFamily="18" charset="0"/>
+              </a:rPr>
+              <a:t> </a:t>
+            </a:r>
+            <a:r>
+              <a:rPr lang="pt-BR" b="0" dirty="0" smtClean="0">
+                <a:latin typeface="Times New Roman" pitchFamily="18" charset="0"/>
+                <a:cs typeface="Times New Roman" pitchFamily="18" charset="0"/>
+              </a:rPr>
+              <a:t>Em </a:t>
+            </a:r>
+            <a:r>
+              <a:rPr lang="pt-BR" b="0" dirty="0" err="1">
+                <a:latin typeface="Times New Roman" pitchFamily="18" charset="0"/>
+                <a:cs typeface="Times New Roman" pitchFamily="18" charset="0"/>
+              </a:rPr>
+              <a:t>declarations</a:t>
+            </a:r>
+            <a:r>
+              <a:rPr lang="pt-BR" b="0" dirty="0">
+                <a:latin typeface="Times New Roman" pitchFamily="18" charset="0"/>
+                <a:cs typeface="Times New Roman" pitchFamily="18" charset="0"/>
+              </a:rPr>
+              <a:t>, incluímos todos os Componentes, diretivas, </a:t>
+            </a:r>
+            <a:r>
+              <a:rPr lang="pt-BR" b="0" dirty="0" err="1">
+                <a:latin typeface="Times New Roman" pitchFamily="18" charset="0"/>
+                <a:cs typeface="Times New Roman" pitchFamily="18" charset="0"/>
+              </a:rPr>
+              <a:t>pipes</a:t>
+            </a:r>
+            <a:r>
+              <a:rPr lang="pt-BR" b="0" dirty="0">
+                <a:latin typeface="Times New Roman" pitchFamily="18" charset="0"/>
+                <a:cs typeface="Times New Roman" pitchFamily="18" charset="0"/>
+              </a:rPr>
+              <a:t> que serão usados pelo módulo atual</a:t>
+            </a:r>
+            <a:r>
+              <a:rPr lang="pt-BR" b="0" dirty="0" smtClean="0">
+                <a:latin typeface="Times New Roman" pitchFamily="18" charset="0"/>
+                <a:cs typeface="Times New Roman" pitchFamily="18" charset="0"/>
+              </a:rPr>
+              <a:t>.</a:t>
             </a:r>
           </a:p>
           <a:p>
@@ -10588,55 +10748,91 @@
                 <a:spcPct val="120000"/>
               </a:lnSpc>
             </a:pPr>
-            <a:r>
-              <a:rPr lang="pt-BR" sz="2600" b="0" dirty="0">
-                <a:latin typeface="Times New Roman" pitchFamily="18" charset="0"/>
-                <a:cs typeface="Times New Roman" pitchFamily="18" charset="0"/>
-              </a:rPr>
-              <a:t>Dentro do </a:t>
-            </a:r>
-            <a:r>
-              <a:rPr lang="pt-BR" sz="2600" b="0" dirty="0" err="1">
-                <a:latin typeface="Times New Roman" pitchFamily="18" charset="0"/>
-                <a:cs typeface="Times New Roman" pitchFamily="18" charset="0"/>
-              </a:rPr>
-              <a:t>decorator</a:t>
-            </a:r>
-            <a:r>
-              <a:rPr lang="pt-BR" sz="2600" b="0" dirty="0">
-                <a:latin typeface="Times New Roman" pitchFamily="18" charset="0"/>
-                <a:cs typeface="Times New Roman" pitchFamily="18" charset="0"/>
-              </a:rPr>
-              <a:t> </a:t>
-            </a:r>
-            <a:r>
-              <a:rPr lang="pt-BR" sz="2600" b="0" dirty="0" err="1">
-                <a:latin typeface="Times New Roman" pitchFamily="18" charset="0"/>
-                <a:cs typeface="Times New Roman" pitchFamily="18" charset="0"/>
-              </a:rPr>
-              <a:t>NgModule</a:t>
-            </a:r>
-            <a:r>
-              <a:rPr lang="pt-BR" sz="2600" b="0" dirty="0">
-                <a:latin typeface="Times New Roman" pitchFamily="18" charset="0"/>
-                <a:cs typeface="Times New Roman" pitchFamily="18" charset="0"/>
-              </a:rPr>
-              <a:t>, podemos identificar alguns itens importantes na construção de um módulo</a:t>
-            </a:r>
-            <a:r>
-              <a:rPr lang="pt-BR" sz="2600" b="0" dirty="0" smtClean="0">
-                <a:latin typeface="Times New Roman" pitchFamily="18" charset="0"/>
-                <a:cs typeface="Times New Roman" pitchFamily="18" charset="0"/>
-              </a:rPr>
-              <a:t>.</a:t>
-            </a:r>
-            <a:endParaRPr lang="pt-BR" sz="2600" b="0" u="sng" dirty="0" smtClean="0">
+            <a:endParaRPr lang="pt-BR" b="0" dirty="0" smtClean="0">
               <a:latin typeface="Times New Roman" pitchFamily="18" charset="0"/>
               <a:cs typeface="Times New Roman" pitchFamily="18" charset="0"/>
             </a:endParaRPr>
           </a:p>
           <a:p>
-            <a:endParaRPr lang="pt-BR" sz="2600" dirty="0"/>
+            <a:pPr marL="342900" indent="-342900" algn="just">
+              <a:lnSpc>
+                <a:spcPct val="120000"/>
+              </a:lnSpc>
+              <a:buFont typeface="Arial" panose="020B0604020202020204" pitchFamily="34" charset="0"/>
+              <a:buChar char="•"/>
+            </a:pPr>
+            <a:r>
+              <a:rPr lang="pt-BR" dirty="0" err="1" smtClean="0">
+                <a:latin typeface="Times New Roman" pitchFamily="18" charset="0"/>
+                <a:cs typeface="Times New Roman" pitchFamily="18" charset="0"/>
+              </a:rPr>
+              <a:t>Providers</a:t>
+            </a:r>
+            <a:r>
+              <a:rPr lang="pt-BR" dirty="0" smtClean="0">
+                <a:latin typeface="Times New Roman" pitchFamily="18" charset="0"/>
+                <a:cs typeface="Times New Roman" pitchFamily="18" charset="0"/>
+              </a:rPr>
+              <a:t> </a:t>
+            </a:r>
+            <a:r>
+              <a:rPr lang="pt-BR" b="0" dirty="0" smtClean="0">
+                <a:latin typeface="Times New Roman" pitchFamily="18" charset="0"/>
+                <a:cs typeface="Times New Roman" pitchFamily="18" charset="0"/>
+              </a:rPr>
+              <a:t>- Qualquer </a:t>
+            </a:r>
+            <a:r>
+              <a:rPr lang="pt-BR" b="0" dirty="0">
+                <a:latin typeface="Times New Roman" pitchFamily="18" charset="0"/>
+                <a:cs typeface="Times New Roman" pitchFamily="18" charset="0"/>
+              </a:rPr>
+              <a:t>tipo de serviço, incluímos em </a:t>
+            </a:r>
+            <a:r>
+              <a:rPr lang="pt-BR" b="0" dirty="0" err="1">
+                <a:latin typeface="Times New Roman" pitchFamily="18" charset="0"/>
+                <a:cs typeface="Times New Roman" pitchFamily="18" charset="0"/>
+              </a:rPr>
+              <a:t>providers</a:t>
+            </a:r>
+            <a:r>
+              <a:rPr lang="pt-BR" b="0" dirty="0">
+                <a:latin typeface="Times New Roman" pitchFamily="18" charset="0"/>
+                <a:cs typeface="Times New Roman" pitchFamily="18" charset="0"/>
+              </a:rPr>
+              <a:t> para que assim possa ser injetado e utilizado pelos componentes do módulo atual através da injeção de dependência.</a:t>
+            </a:r>
+          </a:p>
+          <a:p>
+            <a:pPr algn="just">
+              <a:lnSpc>
+                <a:spcPct val="120000"/>
+              </a:lnSpc>
+            </a:pPr>
+            <a:endParaRPr lang="pt-BR" b="0" dirty="0" smtClean="0">
+              <a:latin typeface="Times New Roman" pitchFamily="18" charset="0"/>
+              <a:cs typeface="Times New Roman" pitchFamily="18" charset="0"/>
+            </a:endParaRPr>
+          </a:p>
+          <a:p>
+            <a:pPr algn="just">
+              <a:lnSpc>
+                <a:spcPct val="120000"/>
+              </a:lnSpc>
+            </a:pPr>
+            <a:endParaRPr lang="pt-BR" sz="2600" b="0" dirty="0" smtClean="0">
+              <a:latin typeface="Times New Roman" pitchFamily="18" charset="0"/>
+              <a:cs typeface="Times New Roman" pitchFamily="18" charset="0"/>
+            </a:endParaRPr>
+          </a:p>
+          <a:p>
+            <a:pPr algn="just">
+              <a:lnSpc>
+                <a:spcPct val="120000"/>
+              </a:lnSpc>
+            </a:pPr>
+            <a:endParaRPr lang="pt-BR" sz="2600" dirty="0" smtClean="0"/>
           </a:p>
           <a:p>
             <a:endParaRPr lang="pt-BR" sz="2600" dirty="0"/>
@@ -10716,7 +10912,7 @@
     </p:spTree>
     <p:extLst>
       <p:ext uri="{BB962C8B-B14F-4D97-AF65-F5344CB8AC3E}">
-        <p14:creationId xmlns:p14="http://schemas.microsoft.com/office/powerpoint/2010/main" val="540966798"/>
+        <p14:creationId xmlns:p14="http://schemas.microsoft.com/office/powerpoint/2010/main" val="2950937488"/>
       </p:ext>
     </p:extLst>
   </p:cSld>
@@ -11095,437 +11291,6 @@
 </file>
 
 <file path=ppt/slides/slide30.xml><?xml version="1.0" encoding="utf-8"?>
-<p:sld xmlns:a="http://schemas.openxmlformats.org/drawingml/2006/main" xmlns:r="http://schemas.openxmlformats.org/officeDocument/2006/relationships" xmlns:p="http://schemas.openxmlformats.org/presentationml/2006/main">
-  <p:cSld>
-    <p:spTree>
-      <p:nvGrpSpPr>
-        <p:cNvPr id="1" name=""/>
-        <p:cNvGrpSpPr/>
-        <p:nvPr/>
-      </p:nvGrpSpPr>
-      <p:grpSpPr>
-        <a:xfrm>
-          <a:off x="0" y="0"/>
-          <a:ext cx="0" cy="0"/>
-          <a:chOff x="0" y="0"/>
-          <a:chExt cx="0" cy="0"/>
-        </a:xfrm>
-      </p:grpSpPr>
-      <p:sp>
-        <p:nvSpPr>
-          <p:cNvPr id="2" name="Título 1"/>
-          <p:cNvSpPr>
-            <a:spLocks noGrp="1"/>
-          </p:cNvSpPr>
-          <p:nvPr>
-            <p:ph type="title"/>
-          </p:nvPr>
-        </p:nvSpPr>
-        <p:spPr>
-          <a:xfrm>
-            <a:off x="179513" y="323403"/>
-            <a:ext cx="7704856" cy="903630"/>
-          </a:xfrm>
-        </p:spPr>
-        <p:txBody>
-          <a:bodyPr>
-            <a:noAutofit/>
-          </a:bodyPr>
-          <a:lstStyle/>
-          <a:p>
-            <a:r>
-              <a:rPr lang="pt-BR" sz="2700" dirty="0" smtClean="0"/>
-              <a:t>Modules - @</a:t>
-            </a:r>
-            <a:r>
-              <a:rPr lang="pt-BR" sz="2700" cap="none" dirty="0" err="1" smtClean="0"/>
-              <a:t>ng</a:t>
-            </a:r>
-            <a:r>
-              <a:rPr lang="pt-BR" sz="2700" dirty="0" err="1" smtClean="0"/>
-              <a:t>M</a:t>
-            </a:r>
-            <a:r>
-              <a:rPr lang="pt-BR" sz="2700" cap="none" dirty="0" err="1" smtClean="0"/>
-              <a:t>odule</a:t>
-            </a:r>
-            <a:r>
-              <a:rPr lang="pt-BR" sz="2700" dirty="0" smtClean="0"/>
-              <a:t> </a:t>
-            </a:r>
-            <a:endParaRPr lang="pt-BR" sz="2700" dirty="0"/>
-          </a:p>
-        </p:txBody>
-      </p:sp>
-      <p:sp>
-        <p:nvSpPr>
-          <p:cNvPr id="3" name="Espaço Reservado para Conteúdo 2"/>
-          <p:cNvSpPr>
-            <a:spLocks noGrp="1"/>
-          </p:cNvSpPr>
-          <p:nvPr>
-            <p:ph idx="1"/>
-          </p:nvPr>
-        </p:nvSpPr>
-        <p:spPr>
-          <a:xfrm>
-            <a:off x="611560" y="2132856"/>
-            <a:ext cx="7894973" cy="3960440"/>
-          </a:xfrm>
-        </p:spPr>
-        <p:txBody>
-          <a:bodyPr>
-            <a:noAutofit/>
-          </a:bodyPr>
-          <a:lstStyle/>
-          <a:p>
-            <a:pPr marL="342900" indent="-342900" algn="just">
-              <a:lnSpc>
-                <a:spcPct val="120000"/>
-              </a:lnSpc>
-              <a:buFont typeface="Arial" panose="020B0604020202020204" pitchFamily="34" charset="0"/>
-              <a:buChar char="•"/>
-            </a:pPr>
-            <a:r>
-              <a:rPr lang="pt-BR" dirty="0" err="1" smtClean="0">
-                <a:latin typeface="Times New Roman" pitchFamily="18" charset="0"/>
-                <a:cs typeface="Times New Roman" pitchFamily="18" charset="0"/>
-              </a:rPr>
-              <a:t>Imports</a:t>
-            </a:r>
-            <a:r>
-              <a:rPr lang="pt-BR" dirty="0" smtClean="0">
-                <a:latin typeface="Times New Roman" pitchFamily="18" charset="0"/>
-                <a:cs typeface="Times New Roman" pitchFamily="18" charset="0"/>
-              </a:rPr>
-              <a:t> </a:t>
-            </a:r>
-            <a:r>
-              <a:rPr lang="pt-BR" b="0" dirty="0" smtClean="0">
-                <a:latin typeface="Times New Roman" pitchFamily="18" charset="0"/>
-                <a:cs typeface="Times New Roman" pitchFamily="18" charset="0"/>
-              </a:rPr>
-              <a:t>-</a:t>
-            </a:r>
-            <a:r>
-              <a:rPr lang="pt-BR" dirty="0" smtClean="0">
-                <a:latin typeface="Times New Roman" pitchFamily="18" charset="0"/>
-                <a:cs typeface="Times New Roman" pitchFamily="18" charset="0"/>
-              </a:rPr>
-              <a:t> </a:t>
-            </a:r>
-            <a:r>
-              <a:rPr lang="pt-BR" b="0" dirty="0" err="1" smtClean="0">
-                <a:latin typeface="Times New Roman" pitchFamily="18" charset="0"/>
-                <a:cs typeface="Times New Roman" pitchFamily="18" charset="0"/>
-              </a:rPr>
-              <a:t>Imports</a:t>
-            </a:r>
-            <a:r>
-              <a:rPr lang="pt-BR" b="0" dirty="0" smtClean="0">
-                <a:latin typeface="Times New Roman" pitchFamily="18" charset="0"/>
-                <a:cs typeface="Times New Roman" pitchFamily="18" charset="0"/>
-              </a:rPr>
-              <a:t> </a:t>
-            </a:r>
-            <a:r>
-              <a:rPr lang="pt-BR" b="0" dirty="0">
-                <a:latin typeface="Times New Roman" pitchFamily="18" charset="0"/>
-                <a:cs typeface="Times New Roman" pitchFamily="18" charset="0"/>
-              </a:rPr>
-              <a:t>são responsáveis por tornar as declarações exportadas de outros módulos disponíveis para o módulo atual. </a:t>
-            </a:r>
-            <a:endParaRPr lang="pt-BR" b="0" dirty="0" smtClean="0">
-              <a:latin typeface="Times New Roman" pitchFamily="18" charset="0"/>
-              <a:cs typeface="Times New Roman" pitchFamily="18" charset="0"/>
-            </a:endParaRPr>
-          </a:p>
-          <a:p>
-            <a:pPr algn="just">
-              <a:lnSpc>
-                <a:spcPct val="120000"/>
-              </a:lnSpc>
-            </a:pPr>
-            <a:endParaRPr lang="pt-BR" b="0" dirty="0" smtClean="0">
-              <a:latin typeface="Times New Roman" pitchFamily="18" charset="0"/>
-              <a:cs typeface="Times New Roman" pitchFamily="18" charset="0"/>
-            </a:endParaRPr>
-          </a:p>
-          <a:p>
-            <a:pPr marL="342900" indent="-342900" algn="just">
-              <a:lnSpc>
-                <a:spcPct val="120000"/>
-              </a:lnSpc>
-              <a:buFont typeface="Arial" panose="020B0604020202020204" pitchFamily="34" charset="0"/>
-              <a:buChar char="•"/>
-            </a:pPr>
-            <a:r>
-              <a:rPr lang="pt-BR" dirty="0" err="1" smtClean="0">
-                <a:latin typeface="Times New Roman" pitchFamily="18" charset="0"/>
-                <a:cs typeface="Times New Roman" pitchFamily="18" charset="0"/>
-              </a:rPr>
-              <a:t>Declarations</a:t>
-            </a:r>
-            <a:r>
-              <a:rPr lang="pt-BR" dirty="0" smtClean="0">
-                <a:latin typeface="Times New Roman" pitchFamily="18" charset="0"/>
-                <a:cs typeface="Times New Roman" pitchFamily="18" charset="0"/>
-              </a:rPr>
-              <a:t> </a:t>
-            </a:r>
-            <a:r>
-              <a:rPr lang="pt-BR" b="0" dirty="0">
-                <a:latin typeface="Times New Roman" pitchFamily="18" charset="0"/>
-                <a:cs typeface="Times New Roman" pitchFamily="18" charset="0"/>
-              </a:rPr>
-              <a:t>-</a:t>
-            </a:r>
-            <a:r>
-              <a:rPr lang="pt-BR" dirty="0">
-                <a:latin typeface="Times New Roman" pitchFamily="18" charset="0"/>
-                <a:cs typeface="Times New Roman" pitchFamily="18" charset="0"/>
-              </a:rPr>
-              <a:t> </a:t>
-            </a:r>
-            <a:r>
-              <a:rPr lang="pt-BR" b="0" dirty="0" smtClean="0">
-                <a:latin typeface="Times New Roman" pitchFamily="18" charset="0"/>
-                <a:cs typeface="Times New Roman" pitchFamily="18" charset="0"/>
-              </a:rPr>
-              <a:t>Em </a:t>
-            </a:r>
-            <a:r>
-              <a:rPr lang="pt-BR" b="0" dirty="0" err="1">
-                <a:latin typeface="Times New Roman" pitchFamily="18" charset="0"/>
-                <a:cs typeface="Times New Roman" pitchFamily="18" charset="0"/>
-              </a:rPr>
-              <a:t>declarations</a:t>
-            </a:r>
-            <a:r>
-              <a:rPr lang="pt-BR" b="0" dirty="0">
-                <a:latin typeface="Times New Roman" pitchFamily="18" charset="0"/>
-                <a:cs typeface="Times New Roman" pitchFamily="18" charset="0"/>
-              </a:rPr>
-              <a:t>, incluímos todos os Componentes, diretivas, </a:t>
-            </a:r>
-            <a:r>
-              <a:rPr lang="pt-BR" b="0" dirty="0" err="1">
-                <a:latin typeface="Times New Roman" pitchFamily="18" charset="0"/>
-                <a:cs typeface="Times New Roman" pitchFamily="18" charset="0"/>
-              </a:rPr>
-              <a:t>pipes</a:t>
-            </a:r>
-            <a:r>
-              <a:rPr lang="pt-BR" b="0" dirty="0">
-                <a:latin typeface="Times New Roman" pitchFamily="18" charset="0"/>
-                <a:cs typeface="Times New Roman" pitchFamily="18" charset="0"/>
-              </a:rPr>
-              <a:t> que serão usados pelo módulo atual</a:t>
-            </a:r>
-            <a:r>
-              <a:rPr lang="pt-BR" b="0" dirty="0" smtClean="0">
-                <a:latin typeface="Times New Roman" pitchFamily="18" charset="0"/>
-                <a:cs typeface="Times New Roman" pitchFamily="18" charset="0"/>
-              </a:rPr>
-              <a:t>.</a:t>
-            </a:r>
-          </a:p>
-          <a:p>
-            <a:pPr algn="just">
-              <a:lnSpc>
-                <a:spcPct val="120000"/>
-              </a:lnSpc>
-            </a:pPr>
-            <a:endParaRPr lang="pt-BR" b="0" dirty="0" smtClean="0">
-              <a:latin typeface="Times New Roman" pitchFamily="18" charset="0"/>
-              <a:cs typeface="Times New Roman" pitchFamily="18" charset="0"/>
-            </a:endParaRPr>
-          </a:p>
-          <a:p>
-            <a:pPr marL="342900" indent="-342900" algn="just">
-              <a:lnSpc>
-                <a:spcPct val="120000"/>
-              </a:lnSpc>
-              <a:buFont typeface="Arial" panose="020B0604020202020204" pitchFamily="34" charset="0"/>
-              <a:buChar char="•"/>
-            </a:pPr>
-            <a:r>
-              <a:rPr lang="pt-BR" dirty="0" err="1" smtClean="0">
-                <a:latin typeface="Times New Roman" pitchFamily="18" charset="0"/>
-                <a:cs typeface="Times New Roman" pitchFamily="18" charset="0"/>
-              </a:rPr>
-              <a:t>Providers</a:t>
-            </a:r>
-            <a:r>
-              <a:rPr lang="pt-BR" dirty="0" smtClean="0">
-                <a:latin typeface="Times New Roman" pitchFamily="18" charset="0"/>
-                <a:cs typeface="Times New Roman" pitchFamily="18" charset="0"/>
-              </a:rPr>
-              <a:t> </a:t>
-            </a:r>
-            <a:r>
-              <a:rPr lang="pt-BR" b="0" dirty="0" smtClean="0">
-                <a:latin typeface="Times New Roman" pitchFamily="18" charset="0"/>
-                <a:cs typeface="Times New Roman" pitchFamily="18" charset="0"/>
-              </a:rPr>
-              <a:t>- Qualquer </a:t>
-            </a:r>
-            <a:r>
-              <a:rPr lang="pt-BR" b="0" dirty="0">
-                <a:latin typeface="Times New Roman" pitchFamily="18" charset="0"/>
-                <a:cs typeface="Times New Roman" pitchFamily="18" charset="0"/>
-              </a:rPr>
-              <a:t>tipo de serviço, incluímos em </a:t>
-            </a:r>
-            <a:r>
-              <a:rPr lang="pt-BR" b="0" dirty="0" err="1">
-                <a:latin typeface="Times New Roman" pitchFamily="18" charset="0"/>
-                <a:cs typeface="Times New Roman" pitchFamily="18" charset="0"/>
-              </a:rPr>
-              <a:t>providers</a:t>
-            </a:r>
-            <a:r>
-              <a:rPr lang="pt-BR" b="0" dirty="0">
-                <a:latin typeface="Times New Roman" pitchFamily="18" charset="0"/>
-                <a:cs typeface="Times New Roman" pitchFamily="18" charset="0"/>
-              </a:rPr>
-              <a:t> para que assim possa ser injetado e utilizado pelos componentes do módulo atual através da injeção de dependência.</a:t>
-            </a:r>
-          </a:p>
-          <a:p>
-            <a:pPr algn="just">
-              <a:lnSpc>
-                <a:spcPct val="120000"/>
-              </a:lnSpc>
-            </a:pPr>
-            <a:endParaRPr lang="pt-BR" b="0" dirty="0" smtClean="0">
-              <a:latin typeface="Times New Roman" pitchFamily="18" charset="0"/>
-              <a:cs typeface="Times New Roman" pitchFamily="18" charset="0"/>
-            </a:endParaRPr>
-          </a:p>
-          <a:p>
-            <a:pPr algn="just">
-              <a:lnSpc>
-                <a:spcPct val="120000"/>
-              </a:lnSpc>
-            </a:pPr>
-            <a:endParaRPr lang="pt-BR" sz="2600" b="0" dirty="0" smtClean="0">
-              <a:latin typeface="Times New Roman" pitchFamily="18" charset="0"/>
-              <a:cs typeface="Times New Roman" pitchFamily="18" charset="0"/>
-            </a:endParaRPr>
-          </a:p>
-          <a:p>
-            <a:pPr algn="just">
-              <a:lnSpc>
-                <a:spcPct val="120000"/>
-              </a:lnSpc>
-            </a:pPr>
-            <a:endParaRPr lang="pt-BR" sz="2600" dirty="0" smtClean="0"/>
-          </a:p>
-          <a:p>
-            <a:endParaRPr lang="pt-BR" sz="2600" dirty="0"/>
-          </a:p>
-        </p:txBody>
-      </p:sp>
-      <p:cxnSp>
-        <p:nvCxnSpPr>
-          <p:cNvPr id="5" name="Conector reto 4"/>
-          <p:cNvCxnSpPr/>
-          <p:nvPr/>
-        </p:nvCxnSpPr>
-        <p:spPr>
-          <a:xfrm>
-            <a:off x="251520" y="1340768"/>
-            <a:ext cx="6480720" cy="0"/>
-          </a:xfrm>
-          <a:prstGeom prst="line">
-            <a:avLst/>
-          </a:prstGeom>
-          <a:ln/>
-        </p:spPr>
-        <p:style>
-          <a:lnRef idx="2">
-            <a:schemeClr val="accent5"/>
-          </a:lnRef>
-          <a:fillRef idx="0">
-            <a:schemeClr val="accent5"/>
-          </a:fillRef>
-          <a:effectRef idx="1">
-            <a:schemeClr val="accent5"/>
-          </a:effectRef>
-          <a:fontRef idx="minor">
-            <a:schemeClr val="tx1"/>
-          </a:fontRef>
-        </p:style>
-      </p:cxnSp>
-      <p:pic>
-        <p:nvPicPr>
-          <p:cNvPr id="6" name="Picture 7" descr="Angular-Logo-PNG-Image.png"/>
-          <p:cNvPicPr>
-            <a:picLocks noChangeAspect="1" noChangeArrowheads="1"/>
-          </p:cNvPicPr>
-          <p:nvPr/>
-        </p:nvPicPr>
-        <p:blipFill rotWithShape="1">
-          <a:blip r:embed="rId2" cstate="print">
-            <a:extLst>
-              <a:ext uri="{28A0092B-C50C-407E-A947-70E740481C1C}">
-                <a14:useLocalDpi xmlns:a14="http://schemas.microsoft.com/office/drawing/2010/main" val="0"/>
-              </a:ext>
-            </a:extLst>
-          </a:blip>
-          <a:srcRect l="2299" t="36731" r="73370" b="36781"/>
-          <a:stretch/>
-        </p:blipFill>
-        <p:spPr bwMode="auto">
-          <a:xfrm>
-            <a:off x="7156265" y="160338"/>
-            <a:ext cx="1317026" cy="1433826"/>
-          </a:xfrm>
-          <a:prstGeom prst="rect">
-            <a:avLst/>
-          </a:prstGeom>
-          <a:noFill/>
-          <a:extLst>
-            <a:ext uri="{909E8E84-426E-40DD-AFC4-6F175D3DCCD1}">
-              <a14:hiddenFill xmlns:a14="http://schemas.microsoft.com/office/drawing/2010/main">
-                <a:solidFill>
-                  <a:srgbClr val="FFFFFF"/>
-                </a:solidFill>
-              </a14:hiddenFill>
-            </a:ext>
-          </a:extLst>
-        </p:spPr>
-      </p:pic>
-    </p:spTree>
-    <p:extLst>
-      <p:ext uri="{BB962C8B-B14F-4D97-AF65-F5344CB8AC3E}">
-        <p14:creationId xmlns:p14="http://schemas.microsoft.com/office/powerpoint/2010/main" val="2950937488"/>
-      </p:ext>
-    </p:extLst>
-  </p:cSld>
-  <p:clrMapOvr>
-    <a:masterClrMapping/>
-  </p:clrMapOvr>
-  <mc:AlternateContent xmlns:mc="http://schemas.openxmlformats.org/markup-compatibility/2006" xmlns:p14="http://schemas.microsoft.com/office/powerpoint/2010/main">
-    <mc:Choice Requires="p14">
-      <p:transition spd="slow" p14:dur="2000"/>
-    </mc:Choice>
-    <mc:Fallback xmlns="">
-      <p:transition spd="slow"/>
-    </mc:Fallback>
-  </mc:AlternateContent>
-  <p:timing>
-    <p:tnLst>
-      <p:par>
-        <p:cTn id="1" dur="indefinite" restart="never" nodeType="tmRoot"/>
-      </p:par>
-    </p:tnLst>
-  </p:timing>
-</p:sld>
-</file>
-
-<file path=ppt/slides/slide31.xml><?xml version="1.0" encoding="utf-8"?>
 <p:sld xmlns:a="http://schemas.openxmlformats.org/drawingml/2006/main" xmlns:r="http://schemas.openxmlformats.org/officeDocument/2006/relationships" xmlns:p="http://schemas.openxmlformats.org/presentationml/2006/main">
   <p:cSld>
     <p:spTree>
@@ -11881,7 +11646,7 @@
 </p:sld>
 </file>
 
-<file path=ppt/slides/slide32.xml><?xml version="1.0" encoding="utf-8"?>
+<file path=ppt/slides/slide31.xml><?xml version="1.0" encoding="utf-8"?>
 <p:sld xmlns:a="http://schemas.openxmlformats.org/drawingml/2006/main" xmlns:r="http://schemas.openxmlformats.org/officeDocument/2006/relationships" xmlns:p="http://schemas.openxmlformats.org/presentationml/2006/main">
   <p:cSld>
     <p:spTree>
@@ -12277,7 +12042,7 @@
 </p:sld>
 </file>
 
-<file path=ppt/slides/slide33.xml><?xml version="1.0" encoding="utf-8"?>
+<file path=ppt/slides/slide32.xml><?xml version="1.0" encoding="utf-8"?>
 <p:sld xmlns:a="http://schemas.openxmlformats.org/drawingml/2006/main" xmlns:r="http://schemas.openxmlformats.org/officeDocument/2006/relationships" xmlns:p="http://schemas.openxmlformats.org/presentationml/2006/main">
   <p:cSld>
     <p:spTree>
@@ -12597,7 +12362,7 @@
 </p:sld>
 </file>
 
-<file path=ppt/slides/slide34.xml><?xml version="1.0" encoding="utf-8"?>
+<file path=ppt/slides/slide33.xml><?xml version="1.0" encoding="utf-8"?>
 <p:sld xmlns:a="http://schemas.openxmlformats.org/drawingml/2006/main" xmlns:r="http://schemas.openxmlformats.org/officeDocument/2006/relationships" xmlns:p="http://schemas.openxmlformats.org/presentationml/2006/main">
   <p:cSld>
     <p:spTree>
@@ -12856,7 +12621,7 @@
 </p:sld>
 </file>
 
-<file path=ppt/slides/slide35.xml><?xml version="1.0" encoding="utf-8"?>
+<file path=ppt/slides/slide34.xml><?xml version="1.0" encoding="utf-8"?>
 <p:sld xmlns:a="http://schemas.openxmlformats.org/drawingml/2006/main" xmlns:r="http://schemas.openxmlformats.org/officeDocument/2006/relationships" xmlns:p="http://schemas.openxmlformats.org/presentationml/2006/main">
   <p:cSld>
     <p:spTree>
@@ -13186,7 +12951,21 @@
                 <a:latin typeface="Times New Roman" panose="02020603050405020304" pitchFamily="18" charset="0"/>
                 <a:cs typeface="Times New Roman" panose="02020603050405020304" pitchFamily="18" charset="0"/>
               </a:rPr>
-              <a:t>de realizarmos um componente utilizando um </a:t>
+              <a:t>de </a:t>
+            </a:r>
+            <a:r>
+              <a:rPr lang="pt-BR" sz="2400" b="0" dirty="0" smtClean="0">
+                <a:latin typeface="Times New Roman" panose="02020603050405020304" pitchFamily="18" charset="0"/>
+                <a:cs typeface="Times New Roman" panose="02020603050405020304" pitchFamily="18" charset="0"/>
+              </a:rPr>
+              <a:t>criarmos um </a:t>
+            </a:r>
+            <a:r>
+              <a:rPr lang="pt-BR" sz="2400" b="0" dirty="0">
+                <a:latin typeface="Times New Roman" panose="02020603050405020304" pitchFamily="18" charset="0"/>
+                <a:cs typeface="Times New Roman" panose="02020603050405020304" pitchFamily="18" charset="0"/>
+              </a:rPr>
+              <a:t>componente utilizando um </a:t>
             </a:r>
             <a:r>
               <a:rPr lang="pt-BR" sz="2400" b="0" dirty="0" err="1">
@@ -13463,6 +13242,257 @@
     <p:extLst>
       <p:ext uri="{BB962C8B-B14F-4D97-AF65-F5344CB8AC3E}">
         <p14:creationId xmlns:p14="http://schemas.microsoft.com/office/powerpoint/2010/main" val="686878545"/>
+      </p:ext>
+    </p:extLst>
+  </p:cSld>
+  <p:clrMapOvr>
+    <a:masterClrMapping/>
+  </p:clrMapOvr>
+  <mc:AlternateContent xmlns:mc="http://schemas.openxmlformats.org/markup-compatibility/2006" xmlns:p14="http://schemas.microsoft.com/office/powerpoint/2010/main">
+    <mc:Choice Requires="p14">
+      <p:transition spd="slow" p14:dur="2000"/>
+    </mc:Choice>
+    <mc:Fallback xmlns="">
+      <p:transition spd="slow"/>
+    </mc:Fallback>
+  </mc:AlternateContent>
+  <p:timing>
+    <p:tnLst>
+      <p:par>
+        <p:cTn id="1" dur="indefinite" restart="never" nodeType="tmRoot"/>
+      </p:par>
+    </p:tnLst>
+  </p:timing>
+</p:sld>
+</file>
+
+<file path=ppt/slides/slide35.xml><?xml version="1.0" encoding="utf-8"?>
+<p:sld xmlns:a="http://schemas.openxmlformats.org/drawingml/2006/main" xmlns:r="http://schemas.openxmlformats.org/officeDocument/2006/relationships" xmlns:p="http://schemas.openxmlformats.org/presentationml/2006/main">
+  <p:cSld>
+    <p:spTree>
+      <p:nvGrpSpPr>
+        <p:cNvPr id="1" name=""/>
+        <p:cNvGrpSpPr/>
+        <p:nvPr/>
+      </p:nvGrpSpPr>
+      <p:grpSpPr>
+        <a:xfrm>
+          <a:off x="0" y="0"/>
+          <a:ext cx="0" cy="0"/>
+          <a:chOff x="0" y="0"/>
+          <a:chExt cx="0" cy="0"/>
+        </a:xfrm>
+      </p:grpSpPr>
+      <p:sp>
+        <p:nvSpPr>
+          <p:cNvPr id="2" name="Título 1"/>
+          <p:cNvSpPr>
+            <a:spLocks noGrp="1"/>
+          </p:cNvSpPr>
+          <p:nvPr>
+            <p:ph type="title"/>
+          </p:nvPr>
+        </p:nvSpPr>
+        <p:spPr>
+          <a:xfrm>
+            <a:off x="179513" y="323403"/>
+            <a:ext cx="7704856" cy="903630"/>
+          </a:xfrm>
+        </p:spPr>
+        <p:txBody>
+          <a:bodyPr>
+            <a:noAutofit/>
+          </a:bodyPr>
+          <a:lstStyle/>
+          <a:p>
+            <a:r>
+              <a:rPr lang="pt-BR" sz="2700" dirty="0" err="1" smtClean="0"/>
+              <a:t>Two-way</a:t>
+            </a:r>
+            <a:r>
+              <a:rPr lang="pt-BR" sz="2700" dirty="0" smtClean="0"/>
+              <a:t> data </a:t>
+            </a:r>
+            <a:r>
+              <a:rPr lang="pt-BR" sz="2700" dirty="0" err="1" smtClean="0"/>
+              <a:t>binding</a:t>
+            </a:r>
+            <a:endParaRPr lang="pt-BR" sz="2700" dirty="0"/>
+          </a:p>
+        </p:txBody>
+      </p:sp>
+      <p:sp>
+        <p:nvSpPr>
+          <p:cNvPr id="3" name="Espaço Reservado para Conteúdo 2"/>
+          <p:cNvSpPr>
+            <a:spLocks noGrp="1"/>
+          </p:cNvSpPr>
+          <p:nvPr>
+            <p:ph idx="1"/>
+          </p:nvPr>
+        </p:nvSpPr>
+        <p:spPr>
+          <a:xfrm>
+            <a:off x="611560" y="1772816"/>
+            <a:ext cx="7894973" cy="4320480"/>
+          </a:xfrm>
+        </p:spPr>
+        <p:txBody>
+          <a:bodyPr>
+            <a:noAutofit/>
+          </a:bodyPr>
+          <a:lstStyle/>
+          <a:p>
+            <a:pPr algn="just">
+              <a:lnSpc>
+                <a:spcPct val="120000"/>
+              </a:lnSpc>
+            </a:pPr>
+            <a:endParaRPr lang="pt-BR" sz="2600" b="0" dirty="0" smtClean="0">
+              <a:latin typeface="Times New Roman" pitchFamily="18" charset="0"/>
+              <a:cs typeface="Times New Roman" pitchFamily="18" charset="0"/>
+            </a:endParaRPr>
+          </a:p>
+          <a:p>
+            <a:pPr algn="just">
+              <a:lnSpc>
+                <a:spcPct val="120000"/>
+              </a:lnSpc>
+            </a:pPr>
+            <a:endParaRPr lang="pt-BR" sz="2600" b="0" dirty="0" smtClean="0">
+              <a:latin typeface="Times New Roman" pitchFamily="18" charset="0"/>
+              <a:cs typeface="Times New Roman" pitchFamily="18" charset="0"/>
+            </a:endParaRPr>
+          </a:p>
+          <a:p>
+            <a:pPr algn="just">
+              <a:lnSpc>
+                <a:spcPct val="120000"/>
+              </a:lnSpc>
+            </a:pPr>
+            <a:r>
+              <a:rPr lang="pt-BR" sz="2600" b="0" dirty="0" smtClean="0">
+                <a:latin typeface="Times New Roman" pitchFamily="18" charset="0"/>
+                <a:cs typeface="Times New Roman" pitchFamily="18" charset="0"/>
+              </a:rPr>
+              <a:t>.</a:t>
+            </a:r>
+            <a:endParaRPr lang="pt-BR" sz="2600" b="0" u="sng" dirty="0" smtClean="0">
+              <a:latin typeface="Times New Roman" pitchFamily="18" charset="0"/>
+              <a:cs typeface="Times New Roman" pitchFamily="18" charset="0"/>
+            </a:endParaRPr>
+          </a:p>
+          <a:p>
+            <a:endParaRPr lang="pt-BR" sz="2600" dirty="0"/>
+          </a:p>
+          <a:p>
+            <a:endParaRPr lang="pt-BR" sz="2600" dirty="0"/>
+          </a:p>
+        </p:txBody>
+      </p:sp>
+      <p:cxnSp>
+        <p:nvCxnSpPr>
+          <p:cNvPr id="5" name="Conector reto 4"/>
+          <p:cNvCxnSpPr/>
+          <p:nvPr/>
+        </p:nvCxnSpPr>
+        <p:spPr>
+          <a:xfrm>
+            <a:off x="251520" y="1340768"/>
+            <a:ext cx="6480720" cy="0"/>
+          </a:xfrm>
+          <a:prstGeom prst="line">
+            <a:avLst/>
+          </a:prstGeom>
+          <a:ln/>
+        </p:spPr>
+        <p:style>
+          <a:lnRef idx="2">
+            <a:schemeClr val="accent5"/>
+          </a:lnRef>
+          <a:fillRef idx="0">
+            <a:schemeClr val="accent5"/>
+          </a:fillRef>
+          <a:effectRef idx="1">
+            <a:schemeClr val="accent5"/>
+          </a:effectRef>
+          <a:fontRef idx="minor">
+            <a:schemeClr val="tx1"/>
+          </a:fontRef>
+        </p:style>
+      </p:cxnSp>
+      <p:pic>
+        <p:nvPicPr>
+          <p:cNvPr id="6" name="Picture 7" descr="Angular-Logo-PNG-Image.png"/>
+          <p:cNvPicPr>
+            <a:picLocks noChangeAspect="1" noChangeArrowheads="1"/>
+          </p:cNvPicPr>
+          <p:nvPr/>
+        </p:nvPicPr>
+        <p:blipFill rotWithShape="1">
+          <a:blip r:embed="rId2" cstate="print">
+            <a:extLst>
+              <a:ext uri="{28A0092B-C50C-407E-A947-70E740481C1C}">
+                <a14:useLocalDpi xmlns:a14="http://schemas.microsoft.com/office/drawing/2010/main" val="0"/>
+              </a:ext>
+            </a:extLst>
+          </a:blip>
+          <a:srcRect l="2299" t="36731" r="73370" b="36781"/>
+          <a:stretch/>
+        </p:blipFill>
+        <p:spPr bwMode="auto">
+          <a:xfrm>
+            <a:off x="7156265" y="160338"/>
+            <a:ext cx="1317026" cy="1433826"/>
+          </a:xfrm>
+          <a:prstGeom prst="rect">
+            <a:avLst/>
+          </a:prstGeom>
+          <a:noFill/>
+          <a:extLst>
+            <a:ext uri="{909E8E84-426E-40DD-AFC4-6F175D3DCCD1}">
+              <a14:hiddenFill xmlns:a14="http://schemas.microsoft.com/office/drawing/2010/main">
+                <a:solidFill>
+                  <a:srgbClr val="FFFFFF"/>
+                </a:solidFill>
+              </a14:hiddenFill>
+            </a:ext>
+          </a:extLst>
+        </p:spPr>
+      </p:pic>
+      <p:pic>
+        <p:nvPicPr>
+          <p:cNvPr id="7" name="Imagem 6"/>
+          <p:cNvPicPr/>
+          <p:nvPr/>
+        </p:nvPicPr>
+        <p:blipFill rotWithShape="1">
+          <a:blip r:embed="rId3"/>
+          <a:srcRect l="16941" t="37086" r="52177" b="30132"/>
+          <a:stretch/>
+        </p:blipFill>
+        <p:spPr bwMode="auto">
+          <a:xfrm>
+            <a:off x="611560" y="1594164"/>
+            <a:ext cx="6768751" cy="4824536"/>
+          </a:xfrm>
+          <a:prstGeom prst="rect">
+            <a:avLst/>
+          </a:prstGeom>
+          <a:ln>
+            <a:noFill/>
+          </a:ln>
+          <a:extLst>
+            <a:ext uri="{53640926-AAD7-44D8-BBD7-CCE9431645EC}">
+              <a14:shadowObscured xmlns:a14="http://schemas.microsoft.com/office/drawing/2010/main"/>
+            </a:ext>
+          </a:extLst>
+        </p:spPr>
+      </p:pic>
+    </p:spTree>
+    <p:extLst>
+      <p:ext uri="{BB962C8B-B14F-4D97-AF65-F5344CB8AC3E}">
+        <p14:creationId xmlns:p14="http://schemas.microsoft.com/office/powerpoint/2010/main" val="3596310086"/>
       </p:ext>
     </p:extLst>
   </p:cSld>
@@ -13516,111 +13546,73 @@
         </p:nvSpPr>
         <p:spPr>
           <a:xfrm>
-            <a:off x="179513" y="323403"/>
-            <a:ext cx="7704856" cy="903630"/>
+            <a:off x="390363" y="2996952"/>
+            <a:ext cx="8363272" cy="2952328"/>
           </a:xfrm>
         </p:spPr>
         <p:txBody>
           <a:bodyPr>
-            <a:noAutofit/>
+            <a:normAutofit/>
           </a:bodyPr>
           <a:lstStyle/>
           <a:p>
-            <a:r>
-              <a:rPr lang="pt-BR" sz="2700" dirty="0" err="1" smtClean="0"/>
-              <a:t>Two-way</a:t>
-            </a:r>
-            <a:r>
-              <a:rPr lang="pt-BR" sz="2700" dirty="0" smtClean="0"/>
-              <a:t> data </a:t>
-            </a:r>
-            <a:r>
-              <a:rPr lang="pt-BR" sz="2700" dirty="0" err="1" smtClean="0"/>
-              <a:t>binding</a:t>
-            </a:r>
-            <a:endParaRPr lang="pt-BR" sz="2700" dirty="0"/>
-          </a:p>
-        </p:txBody>
-      </p:sp>
-      <p:sp>
-        <p:nvSpPr>
-          <p:cNvPr id="3" name="Espaço Reservado para Conteúdo 2"/>
-          <p:cNvSpPr>
-            <a:spLocks noGrp="1"/>
-          </p:cNvSpPr>
-          <p:nvPr>
-            <p:ph idx="1"/>
-          </p:nvPr>
-        </p:nvSpPr>
-        <p:spPr>
-          <a:xfrm>
-            <a:off x="611560" y="1772816"/>
-            <a:ext cx="7894973" cy="4320480"/>
-          </a:xfrm>
-        </p:spPr>
-        <p:txBody>
-          <a:bodyPr>
-            <a:noAutofit/>
-          </a:bodyPr>
-          <a:lstStyle/>
-          <a:p>
-            <a:pPr algn="just">
-              <a:lnSpc>
-                <a:spcPct val="120000"/>
-              </a:lnSpc>
-            </a:pPr>
-            <a:endParaRPr lang="pt-BR" sz="2600" b="0" dirty="0" smtClean="0">
-              <a:latin typeface="Times New Roman" pitchFamily="18" charset="0"/>
-              <a:cs typeface="Times New Roman" pitchFamily="18" charset="0"/>
+            <a:pPr algn="ctr"/>
+            <a:r>
+              <a:rPr lang="pt-BR" sz="4600" b="1" dirty="0" smtClean="0">
+                <a:solidFill>
+                  <a:schemeClr val="tx1"/>
+                </a:solidFill>
+                <a:latin typeface="Times New Roman" pitchFamily="18" charset="0"/>
+                <a:cs typeface="Times New Roman" pitchFamily="18" charset="0"/>
+              </a:rPr>
+              <a:t>Projeto Angular</a:t>
+            </a:r>
+            <a:r>
+              <a:rPr lang="pt-BR" b="1" dirty="0" smtClean="0">
+                <a:latin typeface="Times New Roman" pitchFamily="18" charset="0"/>
+                <a:cs typeface="Times New Roman" pitchFamily="18" charset="0"/>
+              </a:rPr>
+              <a:t/>
+            </a:r>
+            <a:br>
+              <a:rPr lang="pt-BR" b="1" dirty="0" smtClean="0">
+                <a:latin typeface="Times New Roman" pitchFamily="18" charset="0"/>
+                <a:cs typeface="Times New Roman" pitchFamily="18" charset="0"/>
+              </a:rPr>
+            </a:br>
+            <a:r>
+              <a:rPr lang="pt-BR" b="1" dirty="0">
+                <a:solidFill>
+                  <a:schemeClr val="tx1"/>
+                </a:solidFill>
+              </a:rPr>
+              <a:t/>
+            </a:r>
+            <a:br>
+              <a:rPr lang="pt-BR" b="1" dirty="0">
+                <a:solidFill>
+                  <a:schemeClr val="tx1"/>
+                </a:solidFill>
+              </a:rPr>
+            </a:br>
+            <a:endParaRPr lang="pt-BR" b="1" dirty="0">
+              <a:solidFill>
+                <a:schemeClr val="tx1"/>
+              </a:solidFill>
             </a:endParaRPr>
-          </a:p>
-          <a:p>
-            <a:pPr algn="just">
-              <a:lnSpc>
-                <a:spcPct val="120000"/>
-              </a:lnSpc>
-            </a:pPr>
-            <a:endParaRPr lang="pt-BR" sz="2600" b="0" dirty="0" smtClean="0">
-              <a:latin typeface="Times New Roman" pitchFamily="18" charset="0"/>
-              <a:cs typeface="Times New Roman" pitchFamily="18" charset="0"/>
-            </a:endParaRPr>
-          </a:p>
-          <a:p>
-            <a:pPr algn="just">
-              <a:lnSpc>
-                <a:spcPct val="120000"/>
-              </a:lnSpc>
-            </a:pPr>
-            <a:r>
-              <a:rPr lang="pt-BR" sz="2600" b="0" dirty="0" smtClean="0">
-                <a:latin typeface="Times New Roman" pitchFamily="18" charset="0"/>
-                <a:cs typeface="Times New Roman" pitchFamily="18" charset="0"/>
-              </a:rPr>
-              <a:t>.</a:t>
-            </a:r>
-            <a:endParaRPr lang="pt-BR" sz="2600" b="0" u="sng" dirty="0" smtClean="0">
-              <a:latin typeface="Times New Roman" pitchFamily="18" charset="0"/>
-              <a:cs typeface="Times New Roman" pitchFamily="18" charset="0"/>
-            </a:endParaRPr>
-          </a:p>
-          <a:p>
-            <a:endParaRPr lang="pt-BR" sz="2600" dirty="0"/>
-          </a:p>
-          <a:p>
-            <a:endParaRPr lang="pt-BR" sz="2600" dirty="0"/>
           </a:p>
         </p:txBody>
       </p:sp>
       <p:cxnSp>
         <p:nvCxnSpPr>
-          <p:cNvPr id="5" name="Conector reto 4"/>
+          <p:cNvPr id="4" name="Conector reto 3"/>
           <p:cNvCxnSpPr/>
           <p:nvPr/>
         </p:nvCxnSpPr>
         <p:spPr>
           <a:xfrm>
-            <a:off x="251520" y="1340768"/>
-            <a:ext cx="6480720" cy="0"/>
+            <a:off x="863588" y="4824596"/>
+            <a:ext cx="7416824" cy="0"/>
           </a:xfrm>
           <a:prstGeom prst="line">
             <a:avLst/>
@@ -13644,14 +13636,45 @@
       </p:cxnSp>
       <p:pic>
         <p:nvPicPr>
-          <p:cNvPr id="6" name="Picture 7" descr="Angular-Logo-PNG-Image.png"/>
+          <p:cNvPr id="14" name="Imagem 13" descr="C:\Users\User\Desktop\Workshop\angular-project\Apresentação\Imagens\angular2.png"/>
+          <p:cNvPicPr/>
+          <p:nvPr/>
+        </p:nvPicPr>
+        <p:blipFill rotWithShape="1">
+          <a:blip r:embed="rId2">
+            <a:extLst>
+              <a:ext uri="{28A0092B-C50C-407E-A947-70E740481C1C}">
+                <a14:useLocalDpi xmlns:a14="http://schemas.microsoft.com/office/drawing/2010/main" val="0"/>
+              </a:ext>
+            </a:extLst>
+          </a:blip>
+          <a:srcRect t="54477"/>
+          <a:stretch/>
+        </p:blipFill>
+        <p:spPr bwMode="auto">
+          <a:xfrm>
+            <a:off x="-1957" y="2107"/>
+            <a:ext cx="9038453" cy="2634805"/>
+          </a:xfrm>
+          <a:prstGeom prst="rect">
+            <a:avLst/>
+          </a:prstGeom>
+          <a:noFill/>
+          <a:ln>
+            <a:noFill/>
+          </a:ln>
+        </p:spPr>
+      </p:pic>
+      <p:pic>
+        <p:nvPicPr>
+          <p:cNvPr id="15" name="Picture 7" descr="Angular-Logo-PNG-Image.png"/>
           <p:cNvPicPr>
             <a:picLocks noChangeAspect="1" noChangeArrowheads="1"/>
           </p:cNvPicPr>
           <p:nvPr/>
         </p:nvPicPr>
         <p:blipFill rotWithShape="1">
-          <a:blip r:embed="rId2" cstate="print">
+          <a:blip r:embed="rId3" cstate="print">
             <a:extLst>
               <a:ext uri="{28A0092B-C50C-407E-A947-70E740481C1C}">
                 <a14:useLocalDpi xmlns:a14="http://schemas.microsoft.com/office/drawing/2010/main" val="0"/>
@@ -13663,8 +13686,8 @@
         </p:blipFill>
         <p:spPr bwMode="auto">
           <a:xfrm>
-            <a:off x="7156265" y="160338"/>
-            <a:ext cx="1317026" cy="1433826"/>
+            <a:off x="3666679" y="387026"/>
+            <a:ext cx="1810641" cy="1971217"/>
           </a:xfrm>
           <a:prstGeom prst="rect">
             <a:avLst/>
@@ -13681,39 +13704,10 @@
           </a:extLst>
         </p:spPr>
       </p:pic>
-      <p:pic>
-        <p:nvPicPr>
-          <p:cNvPr id="7" name="Imagem 6"/>
-          <p:cNvPicPr/>
-          <p:nvPr/>
-        </p:nvPicPr>
-        <p:blipFill rotWithShape="1">
-          <a:blip r:embed="rId3"/>
-          <a:srcRect l="16941" t="37086" r="52177" b="30132"/>
-          <a:stretch/>
-        </p:blipFill>
-        <p:spPr bwMode="auto">
-          <a:xfrm>
-            <a:off x="611560" y="1594164"/>
-            <a:ext cx="6768751" cy="4824536"/>
-          </a:xfrm>
-          <a:prstGeom prst="rect">
-            <a:avLst/>
-          </a:prstGeom>
-          <a:ln>
-            <a:noFill/>
-          </a:ln>
-          <a:extLst>
-            <a:ext uri="{53640926-AAD7-44D8-BBD7-CCE9431645EC}">
-              <a14:shadowObscured xmlns:a14="http://schemas.microsoft.com/office/drawing/2010/main"/>
-            </a:ext>
-          </a:extLst>
-        </p:spPr>
-      </p:pic>
     </p:spTree>
     <p:extLst>
       <p:ext uri="{BB962C8B-B14F-4D97-AF65-F5344CB8AC3E}">
-        <p14:creationId xmlns:p14="http://schemas.microsoft.com/office/powerpoint/2010/main" val="3596310086"/>
+        <p14:creationId xmlns:p14="http://schemas.microsoft.com/office/powerpoint/2010/main" val="2817869958"/>
       </p:ext>
     </p:extLst>
   </p:cSld>
@@ -13767,73 +13761,148 @@
         </p:nvSpPr>
         <p:spPr>
           <a:xfrm>
-            <a:off x="390363" y="2996952"/>
-            <a:ext cx="8363272" cy="2952328"/>
+            <a:off x="179513" y="323403"/>
+            <a:ext cx="7704856" cy="903630"/>
           </a:xfrm>
         </p:spPr>
         <p:txBody>
           <a:bodyPr>
-            <a:normAutofit/>
+            <a:noAutofit/>
           </a:bodyPr>
           <a:lstStyle/>
           <a:p>
-            <a:pPr algn="ctr"/>
-            <a:r>
-              <a:rPr lang="pt-BR" sz="4600" b="1" dirty="0" smtClean="0">
-                <a:solidFill>
-                  <a:schemeClr val="tx1"/>
-                </a:solidFill>
-                <a:latin typeface="Times New Roman" pitchFamily="18" charset="0"/>
-                <a:cs typeface="Times New Roman" pitchFamily="18" charset="0"/>
-              </a:rPr>
-              <a:t>Projeto Angular</a:t>
-            </a:r>
-            <a:r>
-              <a:rPr lang="pt-BR" b="1" dirty="0" smtClean="0">
-                <a:latin typeface="Times New Roman" pitchFamily="18" charset="0"/>
-                <a:cs typeface="Times New Roman" pitchFamily="18" charset="0"/>
-              </a:rPr>
-              <a:t/>
-            </a:r>
-            <a:br>
-              <a:rPr lang="pt-BR" b="1" dirty="0" smtClean="0">
-                <a:latin typeface="Times New Roman" pitchFamily="18" charset="0"/>
-                <a:cs typeface="Times New Roman" pitchFamily="18" charset="0"/>
-              </a:rPr>
-            </a:br>
-            <a:r>
-              <a:rPr lang="pt-BR" b="1" dirty="0">
-                <a:solidFill>
-                  <a:schemeClr val="tx1"/>
-                </a:solidFill>
-              </a:rPr>
-              <a:t/>
-            </a:r>
-            <a:br>
-              <a:rPr lang="pt-BR" b="1" dirty="0">
-                <a:solidFill>
-                  <a:schemeClr val="tx1"/>
-                </a:solidFill>
-              </a:rPr>
-            </a:br>
-            <a:endParaRPr lang="pt-BR" b="1" dirty="0">
-              <a:solidFill>
-                <a:schemeClr val="tx1"/>
-              </a:solidFill>
+            <a:r>
+              <a:rPr lang="pt-BR" sz="2700" dirty="0" smtClean="0"/>
+              <a:t>Criando um novo projeto</a:t>
+            </a:r>
+            <a:endParaRPr lang="pt-BR" sz="2700" dirty="0"/>
+          </a:p>
+        </p:txBody>
+      </p:sp>
+      <p:sp>
+        <p:nvSpPr>
+          <p:cNvPr id="3" name="Espaço Reservado para Conteúdo 2"/>
+          <p:cNvSpPr>
+            <a:spLocks noGrp="1"/>
+          </p:cNvSpPr>
+          <p:nvPr>
+            <p:ph idx="1"/>
+          </p:nvPr>
+        </p:nvSpPr>
+        <p:spPr>
+          <a:xfrm>
+            <a:off x="611560" y="1772816"/>
+            <a:ext cx="7894973" cy="4320480"/>
+          </a:xfrm>
+        </p:spPr>
+        <p:txBody>
+          <a:bodyPr>
+            <a:noAutofit/>
+          </a:bodyPr>
+          <a:lstStyle/>
+          <a:p>
+            <a:pPr algn="just">
+              <a:lnSpc>
+                <a:spcPct val="120000"/>
+              </a:lnSpc>
+            </a:pPr>
+            <a:r>
+              <a:rPr lang="pt-BR" b="0" dirty="0">
+                <a:latin typeface="Times New Roman" pitchFamily="18" charset="0"/>
+                <a:cs typeface="Times New Roman" pitchFamily="18" charset="0"/>
+              </a:rPr>
+              <a:t>	</a:t>
+            </a:r>
+            <a:r>
+              <a:rPr lang="pt-BR" sz="2800" b="0" dirty="0">
+                <a:latin typeface="Times New Roman" pitchFamily="18" charset="0"/>
+                <a:cs typeface="Times New Roman" pitchFamily="18" charset="0"/>
+              </a:rPr>
+              <a:t>Para criar um novo projeto vamos abrir nosso Visual Studio </a:t>
+            </a:r>
+            <a:r>
+              <a:rPr lang="pt-BR" sz="2800" b="0" dirty="0" err="1">
+                <a:latin typeface="Times New Roman" pitchFamily="18" charset="0"/>
+                <a:cs typeface="Times New Roman" pitchFamily="18" charset="0"/>
+              </a:rPr>
+              <a:t>Code</a:t>
+            </a:r>
+            <a:r>
+              <a:rPr lang="pt-BR" sz="2800" b="0" dirty="0">
+                <a:latin typeface="Times New Roman" pitchFamily="18" charset="0"/>
+                <a:cs typeface="Times New Roman" pitchFamily="18" charset="0"/>
+              </a:rPr>
+              <a:t> e digitar o seguinte comando no terminal interno</a:t>
+            </a:r>
+            <a:r>
+              <a:rPr lang="pt-BR" sz="2800" b="0" dirty="0" smtClean="0">
+                <a:latin typeface="Times New Roman" pitchFamily="18" charset="0"/>
+                <a:cs typeface="Times New Roman" pitchFamily="18" charset="0"/>
+              </a:rPr>
+              <a:t>: </a:t>
+            </a:r>
+            <a:r>
+              <a:rPr lang="pt-BR" sz="2800" b="0" dirty="0" err="1" smtClean="0">
+                <a:latin typeface="Times New Roman" pitchFamily="18" charset="0"/>
+                <a:cs typeface="Times New Roman" pitchFamily="18" charset="0"/>
+              </a:rPr>
+              <a:t>ng</a:t>
+            </a:r>
+            <a:r>
+              <a:rPr lang="pt-BR" sz="2800" b="0" dirty="0" smtClean="0">
+                <a:latin typeface="Times New Roman" pitchFamily="18" charset="0"/>
+                <a:cs typeface="Times New Roman" pitchFamily="18" charset="0"/>
+              </a:rPr>
+              <a:t> new concessionaria --</a:t>
+            </a:r>
+            <a:r>
+              <a:rPr lang="pt-BR" sz="2800" b="0" dirty="0" err="1" smtClean="0">
+                <a:latin typeface="Times New Roman" pitchFamily="18" charset="0"/>
+                <a:cs typeface="Times New Roman" pitchFamily="18" charset="0"/>
+              </a:rPr>
+              <a:t>routing</a:t>
+            </a:r>
+            <a:endParaRPr lang="pt-BR" sz="2600" b="0" dirty="0" smtClean="0">
+              <a:latin typeface="Times New Roman" pitchFamily="18" charset="0"/>
+              <a:cs typeface="Times New Roman" pitchFamily="18" charset="0"/>
             </a:endParaRPr>
+          </a:p>
+          <a:p>
+            <a:pPr algn="just">
+              <a:lnSpc>
+                <a:spcPct val="120000"/>
+              </a:lnSpc>
+            </a:pPr>
+            <a:r>
+              <a:rPr lang="pt-BR" sz="2600" b="0" dirty="0" smtClean="0">
+                <a:latin typeface="Times New Roman" pitchFamily="18" charset="0"/>
+                <a:cs typeface="Times New Roman" pitchFamily="18" charset="0"/>
+              </a:rPr>
+              <a:t>.</a:t>
+            </a:r>
+            <a:endParaRPr lang="pt-BR" sz="2600" b="0" u="sng" dirty="0" smtClean="0">
+              <a:latin typeface="Times New Roman" pitchFamily="18" charset="0"/>
+              <a:cs typeface="Times New Roman" pitchFamily="18" charset="0"/>
+            </a:endParaRPr>
+          </a:p>
+          <a:p>
+            <a:endParaRPr lang="pt-BR" sz="2600" dirty="0"/>
+          </a:p>
+          <a:p>
+            <a:endParaRPr lang="pt-BR" sz="2600" dirty="0"/>
           </a:p>
         </p:txBody>
       </p:sp>
       <p:cxnSp>
         <p:nvCxnSpPr>
-          <p:cNvPr id="4" name="Conector reto 3"/>
+          <p:cNvPr id="5" name="Conector reto 4"/>
           <p:cNvCxnSpPr/>
           <p:nvPr/>
         </p:nvCxnSpPr>
         <p:spPr>
           <a:xfrm>
-            <a:off x="863588" y="4824596"/>
-            <a:ext cx="7416824" cy="0"/>
+            <a:off x="251520" y="1340768"/>
+            <a:ext cx="6480720" cy="0"/>
           </a:xfrm>
           <a:prstGeom prst="line">
             <a:avLst/>
@@ -13857,45 +13926,14 @@
       </p:cxnSp>
       <p:pic>
         <p:nvPicPr>
-          <p:cNvPr id="14" name="Imagem 13" descr="C:\Users\User\Desktop\Workshop\angular-project\Apresentação\Imagens\angular2.png"/>
-          <p:cNvPicPr/>
-          <p:nvPr/>
-        </p:nvPicPr>
-        <p:blipFill rotWithShape="1">
-          <a:blip r:embed="rId2">
-            <a:extLst>
-              <a:ext uri="{28A0092B-C50C-407E-A947-70E740481C1C}">
-                <a14:useLocalDpi xmlns:a14="http://schemas.microsoft.com/office/drawing/2010/main" val="0"/>
-              </a:ext>
-            </a:extLst>
-          </a:blip>
-          <a:srcRect t="54477"/>
-          <a:stretch/>
-        </p:blipFill>
-        <p:spPr bwMode="auto">
-          <a:xfrm>
-            <a:off x="-1957" y="2107"/>
-            <a:ext cx="9038453" cy="2634805"/>
-          </a:xfrm>
-          <a:prstGeom prst="rect">
-            <a:avLst/>
-          </a:prstGeom>
-          <a:noFill/>
-          <a:ln>
-            <a:noFill/>
-          </a:ln>
-        </p:spPr>
-      </p:pic>
-      <p:pic>
-        <p:nvPicPr>
-          <p:cNvPr id="15" name="Picture 7" descr="Angular-Logo-PNG-Image.png"/>
+          <p:cNvPr id="6" name="Picture 7" descr="Angular-Logo-PNG-Image.png"/>
           <p:cNvPicPr>
             <a:picLocks noChangeAspect="1" noChangeArrowheads="1"/>
           </p:cNvPicPr>
           <p:nvPr/>
         </p:nvPicPr>
         <p:blipFill rotWithShape="1">
-          <a:blip r:embed="rId3" cstate="print">
+          <a:blip r:embed="rId2" cstate="print">
             <a:extLst>
               <a:ext uri="{28A0092B-C50C-407E-A947-70E740481C1C}">
                 <a14:useLocalDpi xmlns:a14="http://schemas.microsoft.com/office/drawing/2010/main" val="0"/>
@@ -13907,8 +13945,8 @@
         </p:blipFill>
         <p:spPr bwMode="auto">
           <a:xfrm>
-            <a:off x="3666679" y="387026"/>
-            <a:ext cx="1810641" cy="1971217"/>
+            <a:off x="7156265" y="160338"/>
+            <a:ext cx="1317026" cy="1433826"/>
           </a:xfrm>
           <a:prstGeom prst="rect">
             <a:avLst/>
@@ -13925,10 +13963,68 @@
           </a:extLst>
         </p:spPr>
       </p:pic>
+      <p:pic>
+        <p:nvPicPr>
+          <p:cNvPr id="8" name="Imagem 7"/>
+          <p:cNvPicPr/>
+          <p:nvPr/>
+        </p:nvPicPr>
+        <p:blipFill rotWithShape="1">
+          <a:blip r:embed="rId3"/>
+          <a:srcRect l="25940" t="49007" b="30463"/>
+          <a:stretch/>
+        </p:blipFill>
+        <p:spPr bwMode="auto">
+          <a:xfrm>
+            <a:off x="0" y="3429000"/>
+            <a:ext cx="9011759" cy="1331392"/>
+          </a:xfrm>
+          <a:prstGeom prst="rect">
+            <a:avLst/>
+          </a:prstGeom>
+          <a:ln>
+            <a:noFill/>
+          </a:ln>
+          <a:extLst>
+            <a:ext uri="{53640926-AAD7-44D8-BBD7-CCE9431645EC}">
+              <a14:shadowObscured xmlns:a14="http://schemas.microsoft.com/office/drawing/2010/main"/>
+            </a:ext>
+          </a:extLst>
+        </p:spPr>
+      </p:pic>
+      <p:pic>
+        <p:nvPicPr>
+          <p:cNvPr id="10" name="Imagem 9"/>
+          <p:cNvPicPr/>
+          <p:nvPr/>
+        </p:nvPicPr>
+        <p:blipFill rotWithShape="1">
+          <a:blip r:embed="rId4"/>
+          <a:srcRect l="26293" t="49338" r="-56" b="2318"/>
+          <a:stretch/>
+        </p:blipFill>
+        <p:spPr bwMode="auto">
+          <a:xfrm>
+            <a:off x="1487101" y="4799920"/>
+            <a:ext cx="5893211" cy="2058080"/>
+          </a:xfrm>
+          <a:prstGeom prst="rect">
+            <a:avLst/>
+          </a:prstGeom>
+          <a:ln>
+            <a:noFill/>
+          </a:ln>
+          <a:extLst>
+            <a:ext uri="{53640926-AAD7-44D8-BBD7-CCE9431645EC}">
+              <a14:shadowObscured xmlns:a14="http://schemas.microsoft.com/office/drawing/2010/main"/>
+            </a:ext>
+          </a:extLst>
+        </p:spPr>
+      </p:pic>
     </p:spTree>
     <p:extLst>
       <p:ext uri="{BB962C8B-B14F-4D97-AF65-F5344CB8AC3E}">
-        <p14:creationId xmlns:p14="http://schemas.microsoft.com/office/powerpoint/2010/main" val="2817869958"/>
+        <p14:creationId xmlns:p14="http://schemas.microsoft.com/office/powerpoint/2010/main" val="3007994266"/>
       </p:ext>
     </p:extLst>
   </p:cSld>
@@ -14022,95 +14118,206 @@
           </a:bodyPr>
           <a:lstStyle/>
           <a:p>
+            <a:pPr marL="342900" indent="-342900">
+              <a:buFont typeface="Arial" panose="020B0604020202020204" pitchFamily="34" charset="0"/>
+              <a:buChar char="•"/>
+            </a:pPr>
+            <a:r>
+              <a:rPr lang="pt-BR" dirty="0">
+                <a:solidFill>
+                  <a:srgbClr val="FF0000"/>
+                </a:solidFill>
+              </a:rPr>
+              <a:t>Criar novo </a:t>
+            </a:r>
+            <a:r>
+              <a:rPr lang="pt-BR" dirty="0" smtClean="0">
+                <a:solidFill>
+                  <a:srgbClr val="FF0000"/>
+                </a:solidFill>
+              </a:rPr>
+              <a:t>módulo</a:t>
+            </a:r>
+            <a:endParaRPr lang="pt-BR" dirty="0">
+              <a:solidFill>
+                <a:srgbClr val="FF0000"/>
+              </a:solidFill>
+            </a:endParaRPr>
+          </a:p>
+          <a:p>
+            <a:r>
+              <a:rPr lang="pt-BR" b="0" dirty="0"/>
+              <a:t> 	</a:t>
+            </a:r>
+            <a:r>
+              <a:rPr lang="pt-BR" b="0" dirty="0" smtClean="0"/>
+              <a:t>- </a:t>
+            </a:r>
+            <a:r>
+              <a:rPr lang="pt-BR" b="0" dirty="0" err="1" smtClean="0"/>
+              <a:t>ng</a:t>
+            </a:r>
+            <a:r>
+              <a:rPr lang="pt-BR" b="0" dirty="0" smtClean="0"/>
+              <a:t> </a:t>
+            </a:r>
+            <a:r>
+              <a:rPr lang="pt-BR" b="0" dirty="0"/>
+              <a:t>g m clientes --</a:t>
+            </a:r>
+            <a:r>
+              <a:rPr lang="pt-BR" b="0" dirty="0" err="1" smtClean="0"/>
+              <a:t>routing</a:t>
+            </a:r>
+            <a:endParaRPr lang="pt-BR" b="0" dirty="0"/>
+          </a:p>
+          <a:p>
+            <a:pPr marL="342900" indent="-342900">
+              <a:buFont typeface="Arial" panose="020B0604020202020204" pitchFamily="34" charset="0"/>
+              <a:buChar char="•"/>
+            </a:pPr>
+            <a:r>
+              <a:rPr lang="pt-BR" dirty="0">
+                <a:solidFill>
+                  <a:srgbClr val="FF0000"/>
+                </a:solidFill>
+              </a:rPr>
+              <a:t>Criar novos componentes do </a:t>
+            </a:r>
+            <a:r>
+              <a:rPr lang="pt-BR" dirty="0" smtClean="0">
+                <a:solidFill>
+                  <a:srgbClr val="FF0000"/>
+                </a:solidFill>
+              </a:rPr>
+              <a:t>módulo</a:t>
+            </a:r>
+            <a:endParaRPr lang="pt-BR" dirty="0">
+              <a:solidFill>
+                <a:srgbClr val="FF0000"/>
+              </a:solidFill>
+            </a:endParaRPr>
+          </a:p>
+          <a:p>
+            <a:r>
+              <a:rPr lang="pt-BR" b="0" dirty="0"/>
+              <a:t> 	</a:t>
+            </a:r>
+            <a:r>
+              <a:rPr lang="pt-BR" b="0" dirty="0" smtClean="0"/>
+              <a:t>- </a:t>
+            </a:r>
+            <a:r>
+              <a:rPr lang="pt-BR" b="0" dirty="0" err="1"/>
+              <a:t>n</a:t>
+            </a:r>
+            <a:r>
+              <a:rPr lang="pt-BR" b="0" dirty="0" err="1" smtClean="0"/>
+              <a:t>g</a:t>
+            </a:r>
+            <a:r>
+              <a:rPr lang="pt-BR" b="0" dirty="0" smtClean="0"/>
+              <a:t> </a:t>
+            </a:r>
+            <a:r>
+              <a:rPr lang="pt-BR" b="0" dirty="0"/>
+              <a:t>g c clientes /cadastro-clientes</a:t>
+            </a:r>
+          </a:p>
+          <a:p>
+            <a:r>
+              <a:rPr lang="pt-BR" b="0" dirty="0"/>
+              <a:t> 	</a:t>
+            </a:r>
+            <a:r>
+              <a:rPr lang="pt-BR" b="0" dirty="0" smtClean="0"/>
+              <a:t>- </a:t>
+            </a:r>
+            <a:r>
+              <a:rPr lang="pt-BR" b="0" dirty="0" err="1"/>
+              <a:t>n</a:t>
+            </a:r>
+            <a:r>
+              <a:rPr lang="pt-BR" b="0" dirty="0" err="1" smtClean="0"/>
+              <a:t>g</a:t>
+            </a:r>
+            <a:r>
+              <a:rPr lang="pt-BR" b="0" dirty="0" smtClean="0"/>
+              <a:t> </a:t>
+            </a:r>
+            <a:r>
+              <a:rPr lang="pt-BR" b="0" dirty="0"/>
+              <a:t>g c clientes /consulta-clientes</a:t>
+            </a:r>
+          </a:p>
+          <a:p>
+            <a:r>
+              <a:rPr lang="pt-BR" b="0" dirty="0" smtClean="0"/>
+              <a:t>	- </a:t>
+            </a:r>
+            <a:r>
+              <a:rPr lang="pt-BR" b="0" dirty="0" err="1" smtClean="0"/>
+              <a:t>ng</a:t>
+            </a:r>
+            <a:r>
+              <a:rPr lang="pt-BR" b="0" dirty="0" smtClean="0"/>
+              <a:t> </a:t>
+            </a:r>
+            <a:r>
+              <a:rPr lang="pt-BR" b="0" dirty="0"/>
+              <a:t>g c </a:t>
+            </a:r>
+            <a:r>
+              <a:rPr lang="pt-BR" b="0" dirty="0" smtClean="0"/>
+              <a:t>home</a:t>
+            </a:r>
+          </a:p>
+          <a:p>
+            <a:pPr marL="342900" indent="-342900">
+              <a:buFont typeface="Arial" panose="020B0604020202020204" pitchFamily="34" charset="0"/>
+              <a:buChar char="•"/>
+            </a:pPr>
+            <a:r>
+              <a:rPr lang="pt-BR" dirty="0" smtClean="0">
+                <a:solidFill>
+                  <a:srgbClr val="FF0000"/>
+                </a:solidFill>
+              </a:rPr>
+              <a:t>Criar novos serviços dos componentes</a:t>
+            </a:r>
+          </a:p>
+          <a:p>
+            <a:r>
+              <a:rPr lang="pt-BR" b="0" dirty="0"/>
+              <a:t> 	</a:t>
+            </a:r>
+            <a:r>
+              <a:rPr lang="pt-BR" b="0" dirty="0" smtClean="0"/>
+              <a:t>- </a:t>
+            </a:r>
+            <a:r>
+              <a:rPr lang="pt-BR" b="0" dirty="0" err="1" smtClean="0"/>
+              <a:t>ng</a:t>
+            </a:r>
+            <a:r>
+              <a:rPr lang="pt-BR" b="0" dirty="0" smtClean="0"/>
+              <a:t> </a:t>
+            </a:r>
+            <a:r>
+              <a:rPr lang="pt-BR" b="0" dirty="0"/>
+              <a:t>g s clientes / clientes</a:t>
+            </a:r>
+          </a:p>
+          <a:p>
             <a:pPr algn="just">
               <a:lnSpc>
                 <a:spcPct val="120000"/>
               </a:lnSpc>
             </a:pPr>
-            <a:r>
-              <a:rPr lang="pt-BR" b="0" dirty="0">
-                <a:latin typeface="Times New Roman" pitchFamily="18" charset="0"/>
-                <a:cs typeface="Times New Roman" pitchFamily="18" charset="0"/>
-              </a:rPr>
-              <a:t>	</a:t>
-            </a:r>
-            <a:r>
-              <a:rPr lang="pt-BR" sz="2800" b="0" dirty="0">
-                <a:latin typeface="Times New Roman" pitchFamily="18" charset="0"/>
-                <a:cs typeface="Times New Roman" pitchFamily="18" charset="0"/>
-              </a:rPr>
-              <a:t>Para criar um novo projeto vamos abrir nosso Visual Studio </a:t>
-            </a:r>
-            <a:r>
-              <a:rPr lang="pt-BR" sz="2800" b="0" dirty="0" err="1">
-                <a:latin typeface="Times New Roman" pitchFamily="18" charset="0"/>
-                <a:cs typeface="Times New Roman" pitchFamily="18" charset="0"/>
-              </a:rPr>
-              <a:t>Code</a:t>
-            </a:r>
-            <a:r>
-              <a:rPr lang="pt-BR" sz="2800" b="0" dirty="0">
-                <a:latin typeface="Times New Roman" pitchFamily="18" charset="0"/>
-                <a:cs typeface="Times New Roman" pitchFamily="18" charset="0"/>
-              </a:rPr>
-              <a:t> e digitar o seguinte comando no terminal interno</a:t>
-            </a:r>
-            <a:r>
-              <a:rPr lang="pt-BR" sz="2800" b="0" dirty="0" smtClean="0">
-                <a:latin typeface="Times New Roman" pitchFamily="18" charset="0"/>
-                <a:cs typeface="Times New Roman" pitchFamily="18" charset="0"/>
-              </a:rPr>
-              <a:t>: </a:t>
-            </a:r>
-            <a:r>
-              <a:rPr lang="pt-BR" sz="2800" b="0" dirty="0" err="1" smtClean="0">
-                <a:latin typeface="Times New Roman" pitchFamily="18" charset="0"/>
-                <a:cs typeface="Times New Roman" pitchFamily="18" charset="0"/>
-              </a:rPr>
-              <a:t>ng</a:t>
-            </a:r>
-            <a:r>
-              <a:rPr lang="pt-BR" sz="2800" b="0" dirty="0" smtClean="0">
-                <a:latin typeface="Times New Roman" pitchFamily="18" charset="0"/>
-                <a:cs typeface="Times New Roman" pitchFamily="18" charset="0"/>
-              </a:rPr>
-              <a:t> new concessionaria --</a:t>
-            </a:r>
-            <a:r>
-              <a:rPr lang="pt-BR" sz="2800" b="0" dirty="0" err="1" smtClean="0">
-                <a:latin typeface="Times New Roman" pitchFamily="18" charset="0"/>
-                <a:cs typeface="Times New Roman" pitchFamily="18" charset="0"/>
-              </a:rPr>
-              <a:t>routing</a:t>
-            </a:r>
-            <a:endParaRPr lang="pt-BR" sz="2600" b="0" dirty="0" smtClean="0">
-              <a:latin typeface="Times New Roman" pitchFamily="18" charset="0"/>
-              <a:cs typeface="Times New Roman" pitchFamily="18" charset="0"/>
-            </a:endParaRPr>
-          </a:p>
-          <a:p>
-            <a:pPr algn="just">
-              <a:lnSpc>
-                <a:spcPct val="120000"/>
-              </a:lnSpc>
-            </a:pPr>
-            <a:r>
-              <a:rPr lang="pt-BR" sz="2600" b="0" dirty="0" smtClean="0">
-                <a:latin typeface="Times New Roman" pitchFamily="18" charset="0"/>
-                <a:cs typeface="Times New Roman" pitchFamily="18" charset="0"/>
-              </a:rPr>
-              <a:t>.</a:t>
-            </a:r>
-            <a:endParaRPr lang="pt-BR" sz="2600" b="0" u="sng" dirty="0" smtClean="0">
-              <a:latin typeface="Times New Roman" pitchFamily="18" charset="0"/>
-              <a:cs typeface="Times New Roman" pitchFamily="18" charset="0"/>
-            </a:endParaRPr>
-          </a:p>
-          <a:p>
-            <a:endParaRPr lang="pt-BR" sz="2600" dirty="0"/>
-          </a:p>
-          <a:p>
-            <a:endParaRPr lang="pt-BR" sz="2600" dirty="0"/>
+            <a:endParaRPr lang="pt-BR" b="0" dirty="0" smtClean="0"/>
+          </a:p>
+          <a:p>
+            <a:endParaRPr lang="pt-BR" b="0" dirty="0"/>
           </a:p>
         </p:txBody>
       </p:sp>
@@ -14184,68 +14391,10 @@
           </a:extLst>
         </p:spPr>
       </p:pic>
-      <p:pic>
-        <p:nvPicPr>
-          <p:cNvPr id="8" name="Imagem 7"/>
-          <p:cNvPicPr/>
-          <p:nvPr/>
-        </p:nvPicPr>
-        <p:blipFill rotWithShape="1">
-          <a:blip r:embed="rId3"/>
-          <a:srcRect l="25940" t="49007" b="30463"/>
-          <a:stretch/>
-        </p:blipFill>
-        <p:spPr bwMode="auto">
-          <a:xfrm>
-            <a:off x="0" y="3429000"/>
-            <a:ext cx="9011759" cy="1331392"/>
-          </a:xfrm>
-          <a:prstGeom prst="rect">
-            <a:avLst/>
-          </a:prstGeom>
-          <a:ln>
-            <a:noFill/>
-          </a:ln>
-          <a:extLst>
-            <a:ext uri="{53640926-AAD7-44D8-BBD7-CCE9431645EC}">
-              <a14:shadowObscured xmlns:a14="http://schemas.microsoft.com/office/drawing/2010/main"/>
-            </a:ext>
-          </a:extLst>
-        </p:spPr>
-      </p:pic>
-      <p:pic>
-        <p:nvPicPr>
-          <p:cNvPr id="10" name="Imagem 9"/>
-          <p:cNvPicPr/>
-          <p:nvPr/>
-        </p:nvPicPr>
-        <p:blipFill rotWithShape="1">
-          <a:blip r:embed="rId4"/>
-          <a:srcRect l="26293" t="49338" r="-56" b="2318"/>
-          <a:stretch/>
-        </p:blipFill>
-        <p:spPr bwMode="auto">
-          <a:xfrm>
-            <a:off x="1487101" y="4799920"/>
-            <a:ext cx="5893211" cy="2058080"/>
-          </a:xfrm>
-          <a:prstGeom prst="rect">
-            <a:avLst/>
-          </a:prstGeom>
-          <a:ln>
-            <a:noFill/>
-          </a:ln>
-          <a:extLst>
-            <a:ext uri="{53640926-AAD7-44D8-BBD7-CCE9431645EC}">
-              <a14:shadowObscured xmlns:a14="http://schemas.microsoft.com/office/drawing/2010/main"/>
-            </a:ext>
-          </a:extLst>
-        </p:spPr>
-      </p:pic>
     </p:spTree>
     <p:extLst>
       <p:ext uri="{BB962C8B-B14F-4D97-AF65-F5344CB8AC3E}">
-        <p14:creationId xmlns:p14="http://schemas.microsoft.com/office/powerpoint/2010/main" val="3007994266"/>
+        <p14:creationId xmlns:p14="http://schemas.microsoft.com/office/powerpoint/2010/main" val="435722434"/>
       </p:ext>
     </p:extLst>
   </p:cSld>
@@ -14311,7 +14460,7 @@
           <a:p>
             <a:r>
               <a:rPr lang="pt-BR" sz="2700" dirty="0" smtClean="0"/>
-              <a:t>Criando um novo projeto</a:t>
+              <a:t>Inicializando o projeto</a:t>
             </a:r>
             <a:endParaRPr lang="pt-BR" sz="2700" dirty="0"/>
           </a:p>
@@ -14339,206 +14488,63 @@
           </a:bodyPr>
           <a:lstStyle/>
           <a:p>
-            <a:pPr marL="342900" indent="-342900">
-              <a:buFont typeface="Arial" panose="020B0604020202020204" pitchFamily="34" charset="0"/>
-              <a:buChar char="•"/>
-            </a:pPr>
-            <a:r>
-              <a:rPr lang="pt-BR" dirty="0">
-                <a:solidFill>
-                  <a:srgbClr val="FF0000"/>
-                </a:solidFill>
-              </a:rPr>
-              <a:t>Criar novo </a:t>
-            </a:r>
-            <a:r>
-              <a:rPr lang="pt-BR" dirty="0" smtClean="0">
-                <a:solidFill>
-                  <a:srgbClr val="FF0000"/>
-                </a:solidFill>
-              </a:rPr>
-              <a:t>módulo</a:t>
-            </a:r>
-            <a:endParaRPr lang="pt-BR" dirty="0">
-              <a:solidFill>
-                <a:srgbClr val="FF0000"/>
-              </a:solidFill>
-            </a:endParaRPr>
-          </a:p>
-          <a:p>
-            <a:r>
-              <a:rPr lang="pt-BR" b="0" dirty="0"/>
-              <a:t> 	</a:t>
-            </a:r>
-            <a:r>
-              <a:rPr lang="pt-BR" b="0" dirty="0" smtClean="0"/>
-              <a:t>- </a:t>
-            </a:r>
-            <a:r>
-              <a:rPr lang="pt-BR" b="0" dirty="0" err="1" smtClean="0"/>
-              <a:t>ng</a:t>
-            </a:r>
-            <a:r>
-              <a:rPr lang="pt-BR" b="0" dirty="0" smtClean="0"/>
-              <a:t> </a:t>
-            </a:r>
-            <a:r>
-              <a:rPr lang="pt-BR" b="0" dirty="0"/>
-              <a:t>g m clientes --</a:t>
-            </a:r>
-            <a:r>
-              <a:rPr lang="pt-BR" b="0" dirty="0" err="1" smtClean="0"/>
-              <a:t>routing</a:t>
-            </a:r>
-            <a:endParaRPr lang="pt-BR" b="0" dirty="0"/>
-          </a:p>
-          <a:p>
-            <a:pPr marL="342900" indent="-342900">
-              <a:buFont typeface="Arial" panose="020B0604020202020204" pitchFamily="34" charset="0"/>
-              <a:buChar char="•"/>
-            </a:pPr>
-            <a:r>
-              <a:rPr lang="pt-BR" dirty="0">
-                <a:solidFill>
-                  <a:srgbClr val="FF0000"/>
-                </a:solidFill>
-              </a:rPr>
-              <a:t>Criar novos componentes do </a:t>
-            </a:r>
-            <a:r>
-              <a:rPr lang="pt-BR" dirty="0" smtClean="0">
-                <a:solidFill>
-                  <a:srgbClr val="FF0000"/>
-                </a:solidFill>
-              </a:rPr>
-              <a:t>módulo</a:t>
-            </a:r>
-            <a:endParaRPr lang="pt-BR" dirty="0">
-              <a:solidFill>
-                <a:srgbClr val="FF0000"/>
-              </a:solidFill>
-            </a:endParaRPr>
-          </a:p>
-          <a:p>
-            <a:r>
-              <a:rPr lang="pt-BR" b="0" dirty="0"/>
-              <a:t> 	</a:t>
-            </a:r>
-            <a:r>
-              <a:rPr lang="pt-BR" b="0" dirty="0" smtClean="0"/>
-              <a:t>- </a:t>
-            </a:r>
-            <a:r>
-              <a:rPr lang="pt-BR" b="0" dirty="0" err="1"/>
-              <a:t>n</a:t>
-            </a:r>
-            <a:r>
-              <a:rPr lang="pt-BR" b="0" dirty="0" err="1" smtClean="0"/>
-              <a:t>g</a:t>
-            </a:r>
-            <a:r>
-              <a:rPr lang="pt-BR" b="0" dirty="0" smtClean="0"/>
-              <a:t> </a:t>
-            </a:r>
-            <a:r>
-              <a:rPr lang="pt-BR" b="0" dirty="0"/>
-              <a:t>g c clientes /cadastro-clientes</a:t>
-            </a:r>
-          </a:p>
-          <a:p>
-            <a:r>
-              <a:rPr lang="pt-BR" b="0" dirty="0"/>
-              <a:t> 	</a:t>
-            </a:r>
-            <a:r>
-              <a:rPr lang="pt-BR" b="0" dirty="0" smtClean="0"/>
-              <a:t>- </a:t>
-            </a:r>
-            <a:r>
-              <a:rPr lang="pt-BR" b="0" dirty="0" err="1"/>
-              <a:t>n</a:t>
-            </a:r>
-            <a:r>
-              <a:rPr lang="pt-BR" b="0" dirty="0" err="1" smtClean="0"/>
-              <a:t>g</a:t>
-            </a:r>
-            <a:r>
-              <a:rPr lang="pt-BR" b="0" dirty="0" smtClean="0"/>
-              <a:t> </a:t>
-            </a:r>
-            <a:r>
-              <a:rPr lang="pt-BR" b="0" dirty="0"/>
-              <a:t>g c clientes /consulta-clientes</a:t>
-            </a:r>
-          </a:p>
-          <a:p>
-            <a:r>
-              <a:rPr lang="pt-BR" b="0" dirty="0" smtClean="0"/>
-              <a:t>	- </a:t>
-            </a:r>
-            <a:r>
-              <a:rPr lang="pt-BR" b="0" dirty="0" err="1" smtClean="0"/>
-              <a:t>ng</a:t>
-            </a:r>
-            <a:r>
-              <a:rPr lang="pt-BR" b="0" dirty="0" smtClean="0"/>
-              <a:t> </a:t>
-            </a:r>
-            <a:r>
-              <a:rPr lang="pt-BR" b="0" dirty="0"/>
-              <a:t>g c </a:t>
-            </a:r>
-            <a:r>
-              <a:rPr lang="pt-BR" b="0" dirty="0" smtClean="0"/>
-              <a:t>home</a:t>
-            </a:r>
-          </a:p>
-          <a:p>
-            <a:pPr marL="342900" indent="-342900">
-              <a:buFont typeface="Arial" panose="020B0604020202020204" pitchFamily="34" charset="0"/>
-              <a:buChar char="•"/>
-            </a:pPr>
-            <a:r>
-              <a:rPr lang="pt-BR" dirty="0" smtClean="0">
-                <a:solidFill>
-                  <a:srgbClr val="FF0000"/>
-                </a:solidFill>
-              </a:rPr>
-              <a:t>Criar novos serviços dos componentes</a:t>
-            </a:r>
-          </a:p>
-          <a:p>
-            <a:r>
-              <a:rPr lang="pt-BR" b="0" dirty="0"/>
-              <a:t> 	</a:t>
-            </a:r>
-            <a:r>
-              <a:rPr lang="pt-BR" b="0" dirty="0" smtClean="0"/>
-              <a:t>- </a:t>
-            </a:r>
-            <a:r>
-              <a:rPr lang="pt-BR" b="0" dirty="0" err="1" smtClean="0"/>
-              <a:t>ng</a:t>
-            </a:r>
-            <a:r>
-              <a:rPr lang="pt-BR" b="0" dirty="0" smtClean="0"/>
-              <a:t> </a:t>
-            </a:r>
-            <a:r>
-              <a:rPr lang="pt-BR" b="0" dirty="0"/>
-              <a:t>g s clientes / clientes</a:t>
-            </a:r>
-          </a:p>
-          <a:p>
             <a:pPr algn="just">
               <a:lnSpc>
                 <a:spcPct val="120000"/>
               </a:lnSpc>
             </a:pPr>
-            <a:endParaRPr lang="pt-BR" b="0" dirty="0" smtClean="0"/>
-          </a:p>
-          <a:p>
-            <a:endParaRPr lang="pt-BR" b="0" dirty="0"/>
+            <a:r>
+              <a:rPr lang="pt-BR" b="0" dirty="0" smtClean="0">
+                <a:latin typeface="Times New Roman" pitchFamily="18" charset="0"/>
+                <a:cs typeface="Times New Roman" pitchFamily="18" charset="0"/>
+              </a:rPr>
+              <a:t>	</a:t>
+            </a:r>
+            <a:r>
+              <a:rPr lang="pt-BR" b="0" dirty="0">
+                <a:latin typeface="Times New Roman" pitchFamily="18" charset="0"/>
+                <a:cs typeface="Times New Roman" pitchFamily="18" charset="0"/>
+              </a:rPr>
+              <a:t>Para inicializar a aplicação, basta executar o comando </a:t>
+            </a:r>
+            <a:r>
+              <a:rPr lang="pt-BR" dirty="0" err="1">
+                <a:latin typeface="Times New Roman" pitchFamily="18" charset="0"/>
+                <a:cs typeface="Times New Roman" pitchFamily="18" charset="0"/>
+              </a:rPr>
+              <a:t>ng</a:t>
+            </a:r>
+            <a:r>
+              <a:rPr lang="pt-BR" dirty="0">
+                <a:latin typeface="Times New Roman" pitchFamily="18" charset="0"/>
+                <a:cs typeface="Times New Roman" pitchFamily="18" charset="0"/>
+              </a:rPr>
+              <a:t> serve </a:t>
+            </a:r>
+            <a:r>
+              <a:rPr lang="pt-BR" b="0" dirty="0">
+                <a:latin typeface="Times New Roman" pitchFamily="18" charset="0"/>
+                <a:cs typeface="Times New Roman" pitchFamily="18" charset="0"/>
+              </a:rPr>
+              <a:t>no terminal conforme abaixo</a:t>
+            </a:r>
+            <a:r>
+              <a:rPr lang="pt-BR" b="0" dirty="0" smtClean="0">
+                <a:latin typeface="Times New Roman" pitchFamily="18" charset="0"/>
+                <a:cs typeface="Times New Roman" pitchFamily="18" charset="0"/>
+              </a:rPr>
+              <a:t>:</a:t>
+            </a:r>
+            <a:endParaRPr lang="pt-BR" sz="2600" b="0" u="sng" dirty="0" smtClean="0">
+              <a:latin typeface="Times New Roman" pitchFamily="18" charset="0"/>
+              <a:cs typeface="Times New Roman" pitchFamily="18" charset="0"/>
+            </a:endParaRPr>
+          </a:p>
+          <a:p>
+            <a:endParaRPr lang="pt-BR" sz="2600" dirty="0"/>
+          </a:p>
+          <a:p>
+            <a:endParaRPr lang="pt-BR" sz="2600" dirty="0"/>
           </a:p>
         </p:txBody>
       </p:sp>
@@ -14612,10 +14618,39 @@
           </a:extLst>
         </p:spPr>
       </p:pic>
+      <p:pic>
+        <p:nvPicPr>
+          <p:cNvPr id="11" name="Imagem 10"/>
+          <p:cNvPicPr/>
+          <p:nvPr/>
+        </p:nvPicPr>
+        <p:blipFill rotWithShape="1">
+          <a:blip r:embed="rId3"/>
+          <a:srcRect l="25400" t="15556" b="37445"/>
+          <a:stretch/>
+        </p:blipFill>
+        <p:spPr bwMode="auto">
+          <a:xfrm>
+            <a:off x="247315" y="2564904"/>
+            <a:ext cx="8640960" cy="3600400"/>
+          </a:xfrm>
+          <a:prstGeom prst="rect">
+            <a:avLst/>
+          </a:prstGeom>
+          <a:ln>
+            <a:noFill/>
+          </a:ln>
+          <a:extLst>
+            <a:ext uri="{53640926-AAD7-44D8-BBD7-CCE9431645EC}">
+              <a14:shadowObscured xmlns:a14="http://schemas.microsoft.com/office/drawing/2010/main"/>
+            </a:ext>
+          </a:extLst>
+        </p:spPr>
+      </p:pic>
     </p:spTree>
     <p:extLst>
       <p:ext uri="{BB962C8B-B14F-4D97-AF65-F5344CB8AC3E}">
-        <p14:creationId xmlns:p14="http://schemas.microsoft.com/office/powerpoint/2010/main" val="435722434"/>
+        <p14:creationId xmlns:p14="http://schemas.microsoft.com/office/powerpoint/2010/main" val="1275077576"/>
       </p:ext>
     </p:extLst>
   </p:cSld>
@@ -14934,88 +14969,6 @@
           </a:p>
         </p:txBody>
       </p:sp>
-      <p:sp>
-        <p:nvSpPr>
-          <p:cNvPr id="3" name="Espaço Reservado para Conteúdo 2"/>
-          <p:cNvSpPr>
-            <a:spLocks noGrp="1"/>
-          </p:cNvSpPr>
-          <p:nvPr>
-            <p:ph idx="1"/>
-          </p:nvPr>
-        </p:nvSpPr>
-        <p:spPr>
-          <a:xfrm>
-            <a:off x="611560" y="1772816"/>
-            <a:ext cx="7894973" cy="4320480"/>
-          </a:xfrm>
-        </p:spPr>
-        <p:txBody>
-          <a:bodyPr>
-            <a:noAutofit/>
-          </a:bodyPr>
-          <a:lstStyle/>
-          <a:p>
-            <a:pPr algn="just">
-              <a:lnSpc>
-                <a:spcPct val="120000"/>
-              </a:lnSpc>
-            </a:pPr>
-            <a:r>
-              <a:rPr lang="pt-BR" b="0" dirty="0" smtClean="0">
-                <a:latin typeface="Times New Roman" pitchFamily="18" charset="0"/>
-                <a:cs typeface="Times New Roman" pitchFamily="18" charset="0"/>
-              </a:rPr>
-              <a:t>	</a:t>
-            </a:r>
-            <a:r>
-              <a:rPr lang="pt-BR" b="0" dirty="0">
-                <a:latin typeface="Times New Roman" pitchFamily="18" charset="0"/>
-                <a:cs typeface="Times New Roman" pitchFamily="18" charset="0"/>
-              </a:rPr>
-              <a:t>Para inicializar a aplicação, basta executar o comando </a:t>
-            </a:r>
-            <a:r>
-              <a:rPr lang="pt-BR" dirty="0" err="1">
-                <a:latin typeface="Times New Roman" pitchFamily="18" charset="0"/>
-                <a:cs typeface="Times New Roman" pitchFamily="18" charset="0"/>
-              </a:rPr>
-              <a:t>ng</a:t>
-            </a:r>
-            <a:r>
-              <a:rPr lang="pt-BR" dirty="0">
-                <a:latin typeface="Times New Roman" pitchFamily="18" charset="0"/>
-                <a:cs typeface="Times New Roman" pitchFamily="18" charset="0"/>
-              </a:rPr>
-              <a:t> serve </a:t>
-            </a:r>
-            <a:r>
-              <a:rPr lang="pt-BR" b="0" dirty="0">
-                <a:latin typeface="Times New Roman" pitchFamily="18" charset="0"/>
-                <a:cs typeface="Times New Roman" pitchFamily="18" charset="0"/>
-              </a:rPr>
-              <a:t>no terminal conforme abaixo</a:t>
-            </a:r>
-            <a:r>
-              <a:rPr lang="pt-BR" b="0" dirty="0" smtClean="0">
-                <a:latin typeface="Times New Roman" pitchFamily="18" charset="0"/>
-                <a:cs typeface="Times New Roman" pitchFamily="18" charset="0"/>
-              </a:rPr>
-              <a:t>:</a:t>
-            </a:r>
-            <a:endParaRPr lang="pt-BR" sz="2600" b="0" u="sng" dirty="0" smtClean="0">
-              <a:latin typeface="Times New Roman" pitchFamily="18" charset="0"/>
-              <a:cs typeface="Times New Roman" pitchFamily="18" charset="0"/>
-            </a:endParaRPr>
-          </a:p>
-          <a:p>
-            <a:endParaRPr lang="pt-BR" sz="2600" dirty="0"/>
-          </a:p>
-          <a:p>
-            <a:endParaRPr lang="pt-BR" sz="2600" dirty="0"/>
-          </a:p>
-        </p:txBody>
-      </p:sp>
       <p:cxnSp>
         <p:nvCxnSpPr>
           <p:cNvPr id="5" name="Conector reto 4"/>
@@ -15088,37 +15041,33 @@
       </p:pic>
       <p:pic>
         <p:nvPicPr>
-          <p:cNvPr id="11" name="Imagem 10"/>
-          <p:cNvPicPr/>
-          <p:nvPr/>
+          <p:cNvPr id="7" name="Espaço Reservado para Conteúdo 6"/>
+          <p:cNvPicPr>
+            <a:picLocks noGrp="1"/>
+          </p:cNvPicPr>
+          <p:nvPr>
+            <p:ph idx="1"/>
+          </p:nvPr>
         </p:nvPicPr>
         <p:blipFill rotWithShape="1">
           <a:blip r:embed="rId3"/>
-          <a:srcRect l="25400" t="15556" b="37445"/>
+          <a:srcRect b="6473"/>
           <a:stretch/>
         </p:blipFill>
-        <p:spPr bwMode="auto">
-          <a:xfrm>
-            <a:off x="247315" y="2564904"/>
-            <a:ext cx="8640960" cy="3600400"/>
+        <p:spPr>
+          <a:xfrm>
+            <a:off x="179512" y="1772816"/>
+            <a:ext cx="8667938" cy="4320480"/>
           </a:xfrm>
           <a:prstGeom prst="rect">
             <a:avLst/>
           </a:prstGeom>
-          <a:ln>
-            <a:noFill/>
-          </a:ln>
-          <a:extLst>
-            <a:ext uri="{53640926-AAD7-44D8-BBD7-CCE9431645EC}">
-              <a14:shadowObscured xmlns:a14="http://schemas.microsoft.com/office/drawing/2010/main"/>
-            </a:ext>
-          </a:extLst>
         </p:spPr>
       </p:pic>
     </p:spTree>
     <p:extLst>
       <p:ext uri="{BB962C8B-B14F-4D97-AF65-F5344CB8AC3E}">
-        <p14:creationId xmlns:p14="http://schemas.microsoft.com/office/powerpoint/2010/main" val="1275077576"/>
+        <p14:creationId xmlns:p14="http://schemas.microsoft.com/office/powerpoint/2010/main" val="2907752901"/>
       </p:ext>
     </p:extLst>
   </p:cSld>
@@ -15184,7 +15133,7 @@
           <a:p>
             <a:r>
               <a:rPr lang="pt-BR" sz="2700" dirty="0" smtClean="0"/>
-              <a:t>Inicializando o projeto</a:t>
+              <a:t>Trabalhando com rotas</a:t>
             </a:r>
             <a:endParaRPr lang="pt-BR" sz="2700" dirty="0"/>
           </a:p>
@@ -15260,35 +15209,197 @@
           </a:extLst>
         </p:spPr>
       </p:pic>
-      <p:pic>
-        <p:nvPicPr>
-          <p:cNvPr id="7" name="Espaço Reservado para Conteúdo 6"/>
-          <p:cNvPicPr>
-            <a:picLocks noGrp="1"/>
-          </p:cNvPicPr>
+      <p:sp>
+        <p:nvSpPr>
+          <p:cNvPr id="3" name="Espaço Reservado para Conteúdo 2"/>
+          <p:cNvSpPr>
+            <a:spLocks noGrp="1"/>
+          </p:cNvSpPr>
           <p:nvPr>
             <p:ph idx="1"/>
           </p:nvPr>
-        </p:nvPicPr>
-        <p:blipFill rotWithShape="1">
-          <a:blip r:embed="rId3"/>
-          <a:srcRect b="6473"/>
-          <a:stretch/>
-        </p:blipFill>
-        <p:spPr>
-          <a:xfrm>
-            <a:off x="179512" y="1772816"/>
-            <a:ext cx="8667938" cy="4320480"/>
-          </a:xfrm>
-          <a:prstGeom prst="rect">
-            <a:avLst/>
-          </a:prstGeom>
-        </p:spPr>
-      </p:pic>
+        </p:nvSpPr>
+        <p:spPr/>
+        <p:txBody>
+          <a:bodyPr>
+            <a:normAutofit fontScale="92500" lnSpcReduction="10000"/>
+          </a:bodyPr>
+          <a:lstStyle/>
+          <a:p>
+            <a:pPr lvl="0">
+              <a:lnSpc>
+                <a:spcPct val="120000"/>
+              </a:lnSpc>
+            </a:pPr>
+            <a:r>
+              <a:rPr lang="pt-BR" b="0" dirty="0" smtClean="0"/>
+              <a:t>	</a:t>
+            </a:r>
+            <a:r>
+              <a:rPr lang="pt-BR" sz="2800" b="0" dirty="0" smtClean="0">
+                <a:solidFill>
+                  <a:srgbClr val="000000"/>
+                </a:solidFill>
+                <a:latin typeface="Times New Roman" pitchFamily="18" charset="0"/>
+                <a:cs typeface="Times New Roman" pitchFamily="18" charset="0"/>
+              </a:rPr>
+              <a:t>As </a:t>
+            </a:r>
+            <a:r>
+              <a:rPr lang="pt-BR" sz="2800" b="0" dirty="0">
+                <a:solidFill>
+                  <a:srgbClr val="000000"/>
+                </a:solidFill>
+                <a:latin typeface="Times New Roman" pitchFamily="18" charset="0"/>
+                <a:cs typeface="Times New Roman" pitchFamily="18" charset="0"/>
+              </a:rPr>
+              <a:t>rotas da aplicação, por padrão são configuradas em </a:t>
+            </a:r>
+            <a:r>
+              <a:rPr lang="pt-BR" sz="2800" b="0" dirty="0" err="1">
+                <a:solidFill>
+                  <a:srgbClr val="000000"/>
+                </a:solidFill>
+                <a:latin typeface="Times New Roman" pitchFamily="18" charset="0"/>
+                <a:cs typeface="Times New Roman" pitchFamily="18" charset="0"/>
+              </a:rPr>
+              <a:t>modulos</a:t>
+            </a:r>
+            <a:r>
+              <a:rPr lang="pt-BR" sz="2800" b="0" dirty="0">
+                <a:solidFill>
+                  <a:srgbClr val="000000"/>
+                </a:solidFill>
+                <a:latin typeface="Times New Roman" pitchFamily="18" charset="0"/>
+                <a:cs typeface="Times New Roman" pitchFamily="18" charset="0"/>
+              </a:rPr>
+              <a:t> denominados como </a:t>
+            </a:r>
+            <a:r>
+              <a:rPr lang="pt-BR" sz="2800" b="0" dirty="0" err="1" smtClean="0">
+                <a:solidFill>
+                  <a:srgbClr val="000000"/>
+                </a:solidFill>
+                <a:latin typeface="Times New Roman" pitchFamily="18" charset="0"/>
+                <a:cs typeface="Times New Roman" pitchFamily="18" charset="0"/>
+              </a:rPr>
+              <a:t>routing.module.ts</a:t>
+            </a:r>
+            <a:r>
+              <a:rPr lang="pt-BR" sz="2800" b="0" dirty="0" smtClean="0">
+                <a:solidFill>
+                  <a:srgbClr val="000000"/>
+                </a:solidFill>
+                <a:latin typeface="Times New Roman" pitchFamily="18" charset="0"/>
+                <a:cs typeface="Times New Roman" pitchFamily="18" charset="0"/>
+              </a:rPr>
+              <a:t>.</a:t>
+            </a:r>
+            <a:endParaRPr lang="pt-BR" sz="2800" b="0" dirty="0">
+              <a:solidFill>
+                <a:srgbClr val="000000"/>
+              </a:solidFill>
+              <a:latin typeface="Times New Roman" pitchFamily="18" charset="0"/>
+              <a:cs typeface="Times New Roman" pitchFamily="18" charset="0"/>
+            </a:endParaRPr>
+          </a:p>
+          <a:p>
+            <a:pPr lvl="0" algn="just">
+              <a:lnSpc>
+                <a:spcPct val="120000"/>
+              </a:lnSpc>
+            </a:pPr>
+            <a:r>
+              <a:rPr lang="pt-BR" sz="2800" b="0" dirty="0" smtClean="0">
+                <a:solidFill>
+                  <a:srgbClr val="000000"/>
+                </a:solidFill>
+                <a:latin typeface="Times New Roman" pitchFamily="18" charset="0"/>
+                <a:cs typeface="Times New Roman" pitchFamily="18" charset="0"/>
+              </a:rPr>
+              <a:t>	Podemos </a:t>
+            </a:r>
+            <a:r>
+              <a:rPr lang="pt-BR" sz="2800" b="0" dirty="0">
+                <a:solidFill>
+                  <a:srgbClr val="000000"/>
+                </a:solidFill>
+                <a:latin typeface="Times New Roman" pitchFamily="18" charset="0"/>
+                <a:cs typeface="Times New Roman" pitchFamily="18" charset="0"/>
+              </a:rPr>
+              <a:t>destacar o </a:t>
+            </a:r>
+            <a:r>
+              <a:rPr lang="pt-BR" sz="2800" b="0" dirty="0" err="1" smtClean="0">
+                <a:solidFill>
+                  <a:srgbClr val="000000"/>
+                </a:solidFill>
+                <a:latin typeface="Times New Roman" pitchFamily="18" charset="0"/>
+                <a:cs typeface="Times New Roman" pitchFamily="18" charset="0"/>
+              </a:rPr>
+              <a:t>app.routing.module.ts</a:t>
+            </a:r>
+            <a:r>
+              <a:rPr lang="pt-BR" sz="2800" b="0" dirty="0" smtClean="0">
+                <a:solidFill>
+                  <a:srgbClr val="000000"/>
+                </a:solidFill>
+                <a:latin typeface="Times New Roman" pitchFamily="18" charset="0"/>
+                <a:cs typeface="Times New Roman" pitchFamily="18" charset="0"/>
+              </a:rPr>
+              <a:t> </a:t>
+            </a:r>
+            <a:r>
+              <a:rPr lang="pt-BR" sz="2800" b="0" dirty="0">
+                <a:solidFill>
+                  <a:srgbClr val="000000"/>
+                </a:solidFill>
+                <a:latin typeface="Times New Roman" pitchFamily="18" charset="0"/>
+                <a:cs typeface="Times New Roman" pitchFamily="18" charset="0"/>
+              </a:rPr>
+              <a:t>como o roteador principal da aplicação sendo ele o responsável por dar as rotas iniciais dos outros módulos da aplicação e os </a:t>
+            </a:r>
+            <a:r>
+              <a:rPr lang="pt-BR" sz="2800" b="0" dirty="0" err="1">
+                <a:solidFill>
+                  <a:srgbClr val="000000"/>
+                </a:solidFill>
+                <a:latin typeface="Times New Roman" pitchFamily="18" charset="0"/>
+                <a:cs typeface="Times New Roman" pitchFamily="18" charset="0"/>
+              </a:rPr>
+              <a:t>routing.modules</a:t>
+            </a:r>
+            <a:r>
+              <a:rPr lang="pt-BR" sz="2800" b="0" dirty="0">
+                <a:solidFill>
+                  <a:srgbClr val="000000"/>
+                </a:solidFill>
+                <a:latin typeface="Times New Roman" pitchFamily="18" charset="0"/>
+                <a:cs typeface="Times New Roman" pitchFamily="18" charset="0"/>
+              </a:rPr>
+              <a:t> de cada um destes módulos são responsáveis por declarar as rotas específicas dos seus componentes.</a:t>
+            </a:r>
+          </a:p>
+          <a:p>
+            <a:pPr lvl="0" algn="just">
+              <a:lnSpc>
+                <a:spcPct val="120000"/>
+              </a:lnSpc>
+            </a:pPr>
+            <a:endParaRPr lang="pt-BR" sz="2600" b="0" dirty="0">
+              <a:solidFill>
+                <a:srgbClr val="000000"/>
+              </a:solidFill>
+              <a:latin typeface="Times New Roman" pitchFamily="18" charset="0"/>
+              <a:cs typeface="Times New Roman" pitchFamily="18" charset="0"/>
+            </a:endParaRPr>
+          </a:p>
+        </p:txBody>
+      </p:sp>
     </p:spTree>
     <p:extLst>
       <p:ext uri="{BB962C8B-B14F-4D97-AF65-F5344CB8AC3E}">
-        <p14:creationId xmlns:p14="http://schemas.microsoft.com/office/powerpoint/2010/main" val="2907752901"/>
+        <p14:creationId xmlns:p14="http://schemas.microsoft.com/office/powerpoint/2010/main" val="4137036803"/>
       </p:ext>
     </p:extLst>
   </p:cSld>
@@ -15354,7 +15465,14 @@
           <a:p>
             <a:r>
               <a:rPr lang="pt-BR" sz="2700" dirty="0" smtClean="0"/>
-              <a:t>Trabalhando com rotas</a:t>
+              <a:t>Trabalhando com rotas </a:t>
+            </a:r>
+            <a:br>
+              <a:rPr lang="pt-BR" sz="2700" dirty="0" smtClean="0"/>
+            </a:br>
+            <a:r>
+              <a:rPr lang="pt-BR" sz="2800" dirty="0" err="1" smtClean="0"/>
+              <a:t>app-routing.module.ts</a:t>
             </a:r>
             <a:endParaRPr lang="pt-BR" sz="2700" dirty="0"/>
           </a:p>
@@ -15430,197 +15548,45 @@
           </a:extLst>
         </p:spPr>
       </p:pic>
-      <p:sp>
-        <p:nvSpPr>
-          <p:cNvPr id="3" name="Espaço Reservado para Conteúdo 2"/>
-          <p:cNvSpPr>
-            <a:spLocks noGrp="1"/>
-          </p:cNvSpPr>
+      <p:pic>
+        <p:nvPicPr>
+          <p:cNvPr id="7" name="Espaço Reservado para Conteúdo 6"/>
+          <p:cNvPicPr>
+            <a:picLocks noGrp="1"/>
+          </p:cNvPicPr>
           <p:nvPr>
             <p:ph idx="1"/>
           </p:nvPr>
-        </p:nvSpPr>
-        <p:spPr/>
-        <p:txBody>
-          <a:bodyPr>
-            <a:normAutofit fontScale="92500" lnSpcReduction="10000"/>
-          </a:bodyPr>
-          <a:lstStyle/>
-          <a:p>
-            <a:pPr lvl="0">
-              <a:lnSpc>
-                <a:spcPct val="120000"/>
-              </a:lnSpc>
-            </a:pPr>
-            <a:r>
-              <a:rPr lang="pt-BR" b="0" dirty="0" smtClean="0"/>
-              <a:t>	</a:t>
-            </a:r>
-            <a:r>
-              <a:rPr lang="pt-BR" sz="2800" b="0" dirty="0" smtClean="0">
-                <a:solidFill>
-                  <a:srgbClr val="000000"/>
-                </a:solidFill>
-                <a:latin typeface="Times New Roman" pitchFamily="18" charset="0"/>
-                <a:cs typeface="Times New Roman" pitchFamily="18" charset="0"/>
-              </a:rPr>
-              <a:t>As </a:t>
-            </a:r>
-            <a:r>
-              <a:rPr lang="pt-BR" sz="2800" b="0" dirty="0">
-                <a:solidFill>
-                  <a:srgbClr val="000000"/>
-                </a:solidFill>
-                <a:latin typeface="Times New Roman" pitchFamily="18" charset="0"/>
-                <a:cs typeface="Times New Roman" pitchFamily="18" charset="0"/>
-              </a:rPr>
-              <a:t>rotas da aplicação, por padrão são configuradas em </a:t>
-            </a:r>
-            <a:r>
-              <a:rPr lang="pt-BR" sz="2800" b="0" dirty="0" err="1">
-                <a:solidFill>
-                  <a:srgbClr val="000000"/>
-                </a:solidFill>
-                <a:latin typeface="Times New Roman" pitchFamily="18" charset="0"/>
-                <a:cs typeface="Times New Roman" pitchFamily="18" charset="0"/>
-              </a:rPr>
-              <a:t>modulos</a:t>
-            </a:r>
-            <a:r>
-              <a:rPr lang="pt-BR" sz="2800" b="0" dirty="0">
-                <a:solidFill>
-                  <a:srgbClr val="000000"/>
-                </a:solidFill>
-                <a:latin typeface="Times New Roman" pitchFamily="18" charset="0"/>
-                <a:cs typeface="Times New Roman" pitchFamily="18" charset="0"/>
-              </a:rPr>
-              <a:t> denominados como </a:t>
-            </a:r>
-            <a:r>
-              <a:rPr lang="pt-BR" sz="2800" b="0" dirty="0" err="1" smtClean="0">
-                <a:solidFill>
-                  <a:srgbClr val="000000"/>
-                </a:solidFill>
-                <a:latin typeface="Times New Roman" pitchFamily="18" charset="0"/>
-                <a:cs typeface="Times New Roman" pitchFamily="18" charset="0"/>
-              </a:rPr>
-              <a:t>routing.module.ts</a:t>
-            </a:r>
-            <a:r>
-              <a:rPr lang="pt-BR" sz="2800" b="0" dirty="0" smtClean="0">
-                <a:solidFill>
-                  <a:srgbClr val="000000"/>
-                </a:solidFill>
-                <a:latin typeface="Times New Roman" pitchFamily="18" charset="0"/>
-                <a:cs typeface="Times New Roman" pitchFamily="18" charset="0"/>
-              </a:rPr>
-              <a:t>.</a:t>
-            </a:r>
-            <a:endParaRPr lang="pt-BR" sz="2800" b="0" dirty="0">
-              <a:solidFill>
-                <a:srgbClr val="000000"/>
-              </a:solidFill>
-              <a:latin typeface="Times New Roman" pitchFamily="18" charset="0"/>
-              <a:cs typeface="Times New Roman" pitchFamily="18" charset="0"/>
-            </a:endParaRPr>
-          </a:p>
-          <a:p>
-            <a:pPr lvl="0" algn="just">
-              <a:lnSpc>
-                <a:spcPct val="120000"/>
-              </a:lnSpc>
-            </a:pPr>
-            <a:r>
-              <a:rPr lang="pt-BR" sz="2800" b="0" dirty="0" smtClean="0">
-                <a:solidFill>
-                  <a:srgbClr val="000000"/>
-                </a:solidFill>
-                <a:latin typeface="Times New Roman" pitchFamily="18" charset="0"/>
-                <a:cs typeface="Times New Roman" pitchFamily="18" charset="0"/>
-              </a:rPr>
-              <a:t>	Podemos </a:t>
-            </a:r>
-            <a:r>
-              <a:rPr lang="pt-BR" sz="2800" b="0" dirty="0">
-                <a:solidFill>
-                  <a:srgbClr val="000000"/>
-                </a:solidFill>
-                <a:latin typeface="Times New Roman" pitchFamily="18" charset="0"/>
-                <a:cs typeface="Times New Roman" pitchFamily="18" charset="0"/>
-              </a:rPr>
-              <a:t>destacar o </a:t>
-            </a:r>
-            <a:r>
-              <a:rPr lang="pt-BR" sz="2800" b="0" dirty="0" err="1" smtClean="0">
-                <a:solidFill>
-                  <a:srgbClr val="000000"/>
-                </a:solidFill>
-                <a:latin typeface="Times New Roman" pitchFamily="18" charset="0"/>
-                <a:cs typeface="Times New Roman" pitchFamily="18" charset="0"/>
-              </a:rPr>
-              <a:t>app.routing.module.ts</a:t>
-            </a:r>
-            <a:r>
-              <a:rPr lang="pt-BR" sz="2800" b="0" dirty="0" smtClean="0">
-                <a:solidFill>
-                  <a:srgbClr val="000000"/>
-                </a:solidFill>
-                <a:latin typeface="Times New Roman" pitchFamily="18" charset="0"/>
-                <a:cs typeface="Times New Roman" pitchFamily="18" charset="0"/>
-              </a:rPr>
-              <a:t> </a:t>
-            </a:r>
-            <a:r>
-              <a:rPr lang="pt-BR" sz="2800" b="0" dirty="0">
-                <a:solidFill>
-                  <a:srgbClr val="000000"/>
-                </a:solidFill>
-                <a:latin typeface="Times New Roman" pitchFamily="18" charset="0"/>
-                <a:cs typeface="Times New Roman" pitchFamily="18" charset="0"/>
-              </a:rPr>
-              <a:t>como o roteador principal da aplicação sendo ele o responsável por dar as rotas iniciais dos outros módulos da aplicação e os </a:t>
-            </a:r>
-            <a:r>
-              <a:rPr lang="pt-BR" sz="2800" b="0" dirty="0" err="1">
-                <a:solidFill>
-                  <a:srgbClr val="000000"/>
-                </a:solidFill>
-                <a:latin typeface="Times New Roman" pitchFamily="18" charset="0"/>
-                <a:cs typeface="Times New Roman" pitchFamily="18" charset="0"/>
-              </a:rPr>
-              <a:t>routing.modules</a:t>
-            </a:r>
-            <a:r>
-              <a:rPr lang="pt-BR" sz="2800" b="0" dirty="0">
-                <a:solidFill>
-                  <a:srgbClr val="000000"/>
-                </a:solidFill>
-                <a:latin typeface="Times New Roman" pitchFamily="18" charset="0"/>
-                <a:cs typeface="Times New Roman" pitchFamily="18" charset="0"/>
-              </a:rPr>
-              <a:t> de cada um destes módulos são responsáveis por declarar as rotas específicas dos seus componentes.</a:t>
-            </a:r>
-          </a:p>
-          <a:p>
-            <a:pPr lvl="0" algn="just">
-              <a:lnSpc>
-                <a:spcPct val="120000"/>
-              </a:lnSpc>
-            </a:pPr>
-            <a:endParaRPr lang="pt-BR" sz="2600" b="0" dirty="0">
-              <a:solidFill>
-                <a:srgbClr val="000000"/>
-              </a:solidFill>
-              <a:latin typeface="Times New Roman" pitchFamily="18" charset="0"/>
-              <a:cs typeface="Times New Roman" pitchFamily="18" charset="0"/>
-            </a:endParaRPr>
-          </a:p>
-        </p:txBody>
-      </p:sp>
+        </p:nvPicPr>
+        <p:blipFill rotWithShape="1">
+          <a:blip r:embed="rId3">
+            <a:extLst>
+              <a:ext uri="{28A0092B-C50C-407E-A947-70E740481C1C}">
+                <a14:useLocalDpi xmlns:a14="http://schemas.microsoft.com/office/drawing/2010/main" val="0"/>
+              </a:ext>
+            </a:extLst>
+          </a:blip>
+          <a:srcRect l="28588" t="5630" r="22853" b="44701"/>
+          <a:stretch/>
+        </p:blipFill>
+        <p:spPr bwMode="auto">
+          <a:xfrm>
+            <a:off x="457200" y="1916832"/>
+            <a:ext cx="8219256" cy="4392488"/>
+          </a:xfrm>
+          <a:prstGeom prst="rect">
+            <a:avLst/>
+          </a:prstGeom>
+          <a:noFill/>
+          <a:ln>
+            <a:noFill/>
+          </a:ln>
+        </p:spPr>
+      </p:pic>
     </p:spTree>
     <p:extLst>
       <p:ext uri="{BB962C8B-B14F-4D97-AF65-F5344CB8AC3E}">
-        <p14:creationId xmlns:p14="http://schemas.microsoft.com/office/powerpoint/2010/main" val="4137036803"/>
+        <p14:creationId xmlns:p14="http://schemas.microsoft.com/office/powerpoint/2010/main" val="3888969133"/>
       </p:ext>
     </p:extLst>
   </p:cSld>
@@ -15692,8 +15658,12 @@
               <a:rPr lang="pt-BR" sz="2700" dirty="0" smtClean="0"/>
             </a:br>
             <a:r>
+              <a:rPr lang="pt-BR" sz="2800" dirty="0" smtClean="0"/>
+              <a:t>clientes-</a:t>
+            </a:r>
+            <a:r>
               <a:rPr lang="pt-BR" sz="2800" dirty="0" err="1" smtClean="0"/>
-              <a:t>app-routing.module.ts</a:t>
+              <a:t>routing.module.ts</a:t>
             </a:r>
             <a:endParaRPr lang="pt-BR" sz="2700" dirty="0"/>
           </a:p>
@@ -15771,13 +15741,9 @@
       </p:pic>
       <p:pic>
         <p:nvPicPr>
-          <p:cNvPr id="7" name="Espaço Reservado para Conteúdo 6"/>
-          <p:cNvPicPr>
-            <a:picLocks noGrp="1"/>
-          </p:cNvPicPr>
-          <p:nvPr>
-            <p:ph idx="1"/>
-          </p:nvPr>
+          <p:cNvPr id="9" name="Imagem 8"/>
+          <p:cNvPicPr/>
+          <p:nvPr/>
         </p:nvPicPr>
         <p:blipFill rotWithShape="1">
           <a:blip r:embed="rId3">
@@ -15787,13 +15753,13 @@
               </a:ext>
             </a:extLst>
           </a:blip>
-          <a:srcRect l="28588" t="5630" r="22853" b="44701"/>
+          <a:srcRect l="28410" t="5629" r="29496" b="46689"/>
           <a:stretch/>
         </p:blipFill>
         <p:spPr bwMode="auto">
           <a:xfrm>
-            <a:off x="457200" y="1916832"/>
-            <a:ext cx="8219256" cy="4392488"/>
+            <a:off x="707468" y="1772816"/>
+            <a:ext cx="7776864" cy="4698579"/>
           </a:xfrm>
           <a:prstGeom prst="rect">
             <a:avLst/>
@@ -15807,7 +15773,7 @@
     </p:spTree>
     <p:extLst>
       <p:ext uri="{BB962C8B-B14F-4D97-AF65-F5344CB8AC3E}">
-        <p14:creationId xmlns:p14="http://schemas.microsoft.com/office/powerpoint/2010/main" val="3888969133"/>
+        <p14:creationId xmlns:p14="http://schemas.microsoft.com/office/powerpoint/2010/main" val="2959272171"/>
       </p:ext>
     </p:extLst>
   </p:cSld>
@@ -15873,18 +15839,7 @@
           <a:p>
             <a:r>
               <a:rPr lang="pt-BR" sz="2700" dirty="0" smtClean="0"/>
-              <a:t>Trabalhando com rotas </a:t>
-            </a:r>
-            <a:br>
-              <a:rPr lang="pt-BR" sz="2700" dirty="0" smtClean="0"/>
-            </a:br>
-            <a:r>
-              <a:rPr lang="pt-BR" sz="2800" dirty="0" smtClean="0"/>
-              <a:t>clientes-</a:t>
-            </a:r>
-            <a:r>
-              <a:rPr lang="pt-BR" sz="2800" dirty="0" err="1" smtClean="0"/>
-              <a:t>routing.module.ts</a:t>
+              <a:t>Exercícios</a:t>
             </a:r>
             <a:endParaRPr lang="pt-BR" sz="2700" dirty="0"/>
           </a:p>
@@ -15960,182 +15915,6 @@
           </a:extLst>
         </p:spPr>
       </p:pic>
-      <p:pic>
-        <p:nvPicPr>
-          <p:cNvPr id="9" name="Imagem 8"/>
-          <p:cNvPicPr/>
-          <p:nvPr/>
-        </p:nvPicPr>
-        <p:blipFill rotWithShape="1">
-          <a:blip r:embed="rId3">
-            <a:extLst>
-              <a:ext uri="{28A0092B-C50C-407E-A947-70E740481C1C}">
-                <a14:useLocalDpi xmlns:a14="http://schemas.microsoft.com/office/drawing/2010/main" val="0"/>
-              </a:ext>
-            </a:extLst>
-          </a:blip>
-          <a:srcRect l="28410" t="5629" r="29496" b="46689"/>
-          <a:stretch/>
-        </p:blipFill>
-        <p:spPr bwMode="auto">
-          <a:xfrm>
-            <a:off x="707468" y="1772816"/>
-            <a:ext cx="7776864" cy="4698579"/>
-          </a:xfrm>
-          <a:prstGeom prst="rect">
-            <a:avLst/>
-          </a:prstGeom>
-          <a:noFill/>
-          <a:ln>
-            <a:noFill/>
-          </a:ln>
-        </p:spPr>
-      </p:pic>
-    </p:spTree>
-    <p:extLst>
-      <p:ext uri="{BB962C8B-B14F-4D97-AF65-F5344CB8AC3E}">
-        <p14:creationId xmlns:p14="http://schemas.microsoft.com/office/powerpoint/2010/main" val="2959272171"/>
-      </p:ext>
-    </p:extLst>
-  </p:cSld>
-  <p:clrMapOvr>
-    <a:masterClrMapping/>
-  </p:clrMapOvr>
-  <mc:AlternateContent xmlns:mc="http://schemas.openxmlformats.org/markup-compatibility/2006" xmlns:p14="http://schemas.microsoft.com/office/powerpoint/2010/main">
-    <mc:Choice Requires="p14">
-      <p:transition spd="slow" p14:dur="2000"/>
-    </mc:Choice>
-    <mc:Fallback xmlns="">
-      <p:transition spd="slow"/>
-    </mc:Fallback>
-  </mc:AlternateContent>
-  <p:timing>
-    <p:tnLst>
-      <p:par>
-        <p:cTn id="1" dur="indefinite" restart="never" nodeType="tmRoot"/>
-      </p:par>
-    </p:tnLst>
-  </p:timing>
-</p:sld>
-</file>
-
-<file path=ppt/slides/slide45.xml><?xml version="1.0" encoding="utf-8"?>
-<p:sld xmlns:a="http://schemas.openxmlformats.org/drawingml/2006/main" xmlns:r="http://schemas.openxmlformats.org/officeDocument/2006/relationships" xmlns:p="http://schemas.openxmlformats.org/presentationml/2006/main">
-  <p:cSld>
-    <p:spTree>
-      <p:nvGrpSpPr>
-        <p:cNvPr id="1" name=""/>
-        <p:cNvGrpSpPr/>
-        <p:nvPr/>
-      </p:nvGrpSpPr>
-      <p:grpSpPr>
-        <a:xfrm>
-          <a:off x="0" y="0"/>
-          <a:ext cx="0" cy="0"/>
-          <a:chOff x="0" y="0"/>
-          <a:chExt cx="0" cy="0"/>
-        </a:xfrm>
-      </p:grpSpPr>
-      <p:sp>
-        <p:nvSpPr>
-          <p:cNvPr id="2" name="Título 1"/>
-          <p:cNvSpPr>
-            <a:spLocks noGrp="1"/>
-          </p:cNvSpPr>
-          <p:nvPr>
-            <p:ph type="title"/>
-          </p:nvPr>
-        </p:nvSpPr>
-        <p:spPr>
-          <a:xfrm>
-            <a:off x="179513" y="323403"/>
-            <a:ext cx="7704856" cy="903630"/>
-          </a:xfrm>
-        </p:spPr>
-        <p:txBody>
-          <a:bodyPr>
-            <a:noAutofit/>
-          </a:bodyPr>
-          <a:lstStyle/>
-          <a:p>
-            <a:r>
-              <a:rPr lang="pt-BR" sz="2700" dirty="0" smtClean="0"/>
-              <a:t>Exercícios</a:t>
-            </a:r>
-            <a:endParaRPr lang="pt-BR" sz="2700" dirty="0"/>
-          </a:p>
-        </p:txBody>
-      </p:sp>
-      <p:cxnSp>
-        <p:nvCxnSpPr>
-          <p:cNvPr id="5" name="Conector reto 4"/>
-          <p:cNvCxnSpPr/>
-          <p:nvPr/>
-        </p:nvCxnSpPr>
-        <p:spPr>
-          <a:xfrm>
-            <a:off x="251520" y="1340768"/>
-            <a:ext cx="6480720" cy="0"/>
-          </a:xfrm>
-          <a:prstGeom prst="line">
-            <a:avLst/>
-          </a:prstGeom>
-          <a:ln/>
-        </p:spPr>
-        <p:style>
-          <a:lnRef idx="2">
-            <a:schemeClr val="accent5"/>
-          </a:lnRef>
-          <a:fillRef idx="0">
-            <a:schemeClr val="accent5"/>
-          </a:fillRef>
-          <a:effectRef idx="1">
-            <a:schemeClr val="accent5"/>
-          </a:effectRef>
-          <a:fontRef idx="minor">
-            <a:schemeClr val="tx1"/>
-          </a:fontRef>
-        </p:style>
-      </p:cxnSp>
-      <p:pic>
-        <p:nvPicPr>
-          <p:cNvPr id="6" name="Picture 7" descr="Angular-Logo-PNG-Image.png"/>
-          <p:cNvPicPr>
-            <a:picLocks noChangeAspect="1" noChangeArrowheads="1"/>
-          </p:cNvPicPr>
-          <p:nvPr/>
-        </p:nvPicPr>
-        <p:blipFill rotWithShape="1">
-          <a:blip r:embed="rId2" cstate="print">
-            <a:extLst>
-              <a:ext uri="{28A0092B-C50C-407E-A947-70E740481C1C}">
-                <a14:useLocalDpi xmlns:a14="http://schemas.microsoft.com/office/drawing/2010/main" val="0"/>
-              </a:ext>
-            </a:extLst>
-          </a:blip>
-          <a:srcRect l="2299" t="36731" r="73370" b="36781"/>
-          <a:stretch/>
-        </p:blipFill>
-        <p:spPr bwMode="auto">
-          <a:xfrm>
-            <a:off x="7156265" y="160338"/>
-            <a:ext cx="1317026" cy="1433826"/>
-          </a:xfrm>
-          <a:prstGeom prst="rect">
-            <a:avLst/>
-          </a:prstGeom>
-          <a:noFill/>
-          <a:extLst>
-            <a:ext uri="{909E8E84-426E-40DD-AFC4-6F175D3DCCD1}">
-              <a14:hiddenFill xmlns:a14="http://schemas.microsoft.com/office/drawing/2010/main">
-                <a:solidFill>
-                  <a:srgbClr val="FFFFFF"/>
-                </a:solidFill>
-              </a14:hiddenFill>
-            </a:ext>
-          </a:extLst>
-        </p:spPr>
-      </p:pic>
       <p:sp>
         <p:nvSpPr>
           <p:cNvPr id="7" name="Espaço Reservado para Conteúdo 2"/>
@@ -16227,7 +16006,7 @@
 </p:sld>
 </file>
 
-<file path=ppt/slides/slide46.xml><?xml version="1.0" encoding="utf-8"?>
+<file path=ppt/slides/slide45.xml><?xml version="1.0" encoding="utf-8"?>
 <p:sld xmlns:a="http://schemas.openxmlformats.org/drawingml/2006/main" xmlns:r="http://schemas.openxmlformats.org/officeDocument/2006/relationships" xmlns:p="http://schemas.openxmlformats.org/presentationml/2006/main">
   <p:cSld>
     <p:spTree>

--- a/Módulo 1/Modulo 1.pptx
+++ b/Módulo 1/Modulo 1.pptx
@@ -344,7 +344,7 @@
           <a:p>
             <a:fld id="{05D07FE6-D4F0-43B8-8724-69D32D78BC5B}" type="datetimeFigureOut">
               <a:rPr lang="pt-BR" smtClean="0"/>
-              <a:t>18/04/2019</a:t>
+              <a:t>20/04/2019</a:t>
             </a:fld>
             <a:endParaRPr lang="pt-BR"/>
           </a:p>
@@ -609,7 +609,7 @@
           <a:p>
             <a:fld id="{05D07FE6-D4F0-43B8-8724-69D32D78BC5B}" type="datetimeFigureOut">
               <a:rPr lang="pt-BR" smtClean="0"/>
-              <a:t>18/04/2019</a:t>
+              <a:t>20/04/2019</a:t>
             </a:fld>
             <a:endParaRPr lang="pt-BR"/>
           </a:p>
@@ -784,7 +784,7 @@
           <a:p>
             <a:fld id="{05D07FE6-D4F0-43B8-8724-69D32D78BC5B}" type="datetimeFigureOut">
               <a:rPr lang="pt-BR" smtClean="0"/>
-              <a:t>18/04/2019</a:t>
+              <a:t>20/04/2019</a:t>
             </a:fld>
             <a:endParaRPr lang="pt-BR"/>
           </a:p>
@@ -949,7 +949,7 @@
           <a:p>
             <a:fld id="{05D07FE6-D4F0-43B8-8724-69D32D78BC5B}" type="datetimeFigureOut">
               <a:rPr lang="pt-BR" smtClean="0"/>
-              <a:t>18/04/2019</a:t>
+              <a:t>20/04/2019</a:t>
             </a:fld>
             <a:endParaRPr lang="pt-BR"/>
           </a:p>
@@ -1198,7 +1198,7 @@
           <a:p>
             <a:fld id="{05D07FE6-D4F0-43B8-8724-69D32D78BC5B}" type="datetimeFigureOut">
               <a:rPr lang="pt-BR" smtClean="0"/>
-              <a:t>18/04/2019</a:t>
+              <a:t>20/04/2019</a:t>
             </a:fld>
             <a:endParaRPr lang="pt-BR"/>
           </a:p>
@@ -1481,7 +1481,7 @@
           <a:p>
             <a:fld id="{05D07FE6-D4F0-43B8-8724-69D32D78BC5B}" type="datetimeFigureOut">
               <a:rPr lang="pt-BR" smtClean="0"/>
-              <a:t>18/04/2019</a:t>
+              <a:t>20/04/2019</a:t>
             </a:fld>
             <a:endParaRPr lang="pt-BR"/>
           </a:p>
@@ -1920,7 +1920,7 @@
           <a:p>
             <a:fld id="{05D07FE6-D4F0-43B8-8724-69D32D78BC5B}" type="datetimeFigureOut">
               <a:rPr lang="pt-BR" smtClean="0"/>
-              <a:t>18/04/2019</a:t>
+              <a:t>20/04/2019</a:t>
             </a:fld>
             <a:endParaRPr lang="pt-BR"/>
           </a:p>
@@ -2033,7 +2033,7 @@
           <a:p>
             <a:fld id="{05D07FE6-D4F0-43B8-8724-69D32D78BC5B}" type="datetimeFigureOut">
               <a:rPr lang="pt-BR" smtClean="0"/>
-              <a:t>18/04/2019</a:t>
+              <a:t>20/04/2019</a:t>
             </a:fld>
             <a:endParaRPr lang="pt-BR"/>
           </a:p>
@@ -2123,7 +2123,7 @@
           <a:p>
             <a:fld id="{05D07FE6-D4F0-43B8-8724-69D32D78BC5B}" type="datetimeFigureOut">
               <a:rPr lang="pt-BR" smtClean="0"/>
-              <a:t>18/04/2019</a:t>
+              <a:t>20/04/2019</a:t>
             </a:fld>
             <a:endParaRPr lang="pt-BR"/>
           </a:p>
@@ -2365,7 +2365,7 @@
           <a:p>
             <a:fld id="{05D07FE6-D4F0-43B8-8724-69D32D78BC5B}" type="datetimeFigureOut">
               <a:rPr lang="pt-BR" smtClean="0"/>
-              <a:t>18/04/2019</a:t>
+              <a:t>20/04/2019</a:t>
             </a:fld>
             <a:endParaRPr lang="pt-BR"/>
           </a:p>
@@ -2659,7 +2659,7 @@
           <a:p>
             <a:fld id="{05D07FE6-D4F0-43B8-8724-69D32D78BC5B}" type="datetimeFigureOut">
               <a:rPr lang="pt-BR" smtClean="0"/>
-              <a:t>18/04/2019</a:t>
+              <a:t>20/04/2019</a:t>
             </a:fld>
             <a:endParaRPr lang="pt-BR"/>
           </a:p>
@@ -2953,7 +2953,7 @@
           <a:p>
             <a:fld id="{05D07FE6-D4F0-43B8-8724-69D32D78BC5B}" type="datetimeFigureOut">
               <a:rPr lang="pt-BR" smtClean="0"/>
-              <a:t>18/04/2019</a:t>
+              <a:t>20/04/2019</a:t>
             </a:fld>
             <a:endParaRPr lang="pt-BR"/>
           </a:p>
@@ -3446,7 +3446,7 @@
           </p:cNvPicPr>
           <p:nvPr/>
         </p:nvPicPr>
-        <p:blipFill>
+        <p:blipFill rotWithShape="1">
           <a:blip r:embed="rId2">
             <a:extLst>
               <a:ext uri="{28A0092B-C50C-407E-A947-70E740481C1C}">
@@ -3454,15 +3454,13 @@
               </a:ext>
             </a:extLst>
           </a:blip>
-          <a:srcRect/>
-          <a:stretch>
-            <a:fillRect/>
-          </a:stretch>
+          <a:srcRect r="956"/>
+          <a:stretch/>
         </p:blipFill>
         <p:spPr bwMode="auto">
           <a:xfrm>
-            <a:off x="-27204" y="3762"/>
-            <a:ext cx="9171203" cy="4997129"/>
+            <a:off x="-27203" y="3762"/>
+            <a:ext cx="9048281" cy="4997129"/>
           </a:xfrm>
           <a:prstGeom prst="rect">
             <a:avLst/>
@@ -16637,19 +16635,19 @@
             <a:pPr algn="ctr"/>
             <a:r>
               <a:rPr lang="pt-BR" sz="3200" b="1" dirty="0" err="1" smtClean="0"/>
-              <a:t>Fra</a:t>
-            </a:r>
-            <a:r>
-              <a:rPr lang="pt-BR" sz="3200" b="1" dirty="0" err="1"/>
-              <a:t>mwo</a:t>
-            </a:r>
-            <a:r>
-              <a:rPr lang="pt-BR" sz="3200" b="1" dirty="0" err="1" smtClean="0"/>
-              <a:t>rks</a:t>
+              <a:t>AngularJS</a:t>
             </a:r>
             <a:r>
               <a:rPr lang="pt-BR" sz="3200" b="1" dirty="0" smtClean="0"/>
-              <a:t> x Angular</a:t>
+              <a:t> </a:t>
+            </a:r>
+            <a:r>
+              <a:rPr lang="pt-BR" sz="3200" b="1" dirty="0" smtClean="0"/>
+              <a:t>x </a:t>
+            </a:r>
+            <a:r>
+              <a:rPr lang="pt-BR" sz="3200" b="1" dirty="0" smtClean="0"/>
+              <a:t>Angular 2</a:t>
             </a:r>
             <a:endParaRPr lang="pt-BR" sz="3200" b="1" dirty="0"/>
           </a:p>
@@ -16737,21 +16735,14 @@
                 <a:latin typeface="Times New Roman" pitchFamily="18" charset="0"/>
                 <a:cs typeface="Times New Roman" pitchFamily="18" charset="0"/>
               </a:rPr>
-              <a:t>Framework </a:t>
-            </a:r>
-            <a:r>
-              <a:rPr lang="pt-BR" sz="4200" b="0" dirty="0" err="1">
-                <a:latin typeface="Times New Roman" pitchFamily="18" charset="0"/>
-                <a:cs typeface="Times New Roman" pitchFamily="18" charset="0"/>
-              </a:rPr>
-              <a:t>JavaScript</a:t>
+              <a:t>Framework onde </a:t>
             </a:r>
             <a:r>
               <a:rPr lang="pt-BR" sz="4200" b="0" dirty="0">
                 <a:latin typeface="Times New Roman" pitchFamily="18" charset="0"/>
                 <a:cs typeface="Times New Roman" pitchFamily="18" charset="0"/>
               </a:rPr>
-              <a:t> onde ele estende atributos HTML com diretivas e vincula dados a HTML com expressões. A sua incorporação no projeto pode ser feita através de um </a:t>
+              <a:t>ele estende atributos HTML com diretivas e vincula dados a HTML com expressões. A sua incorporação no projeto pode ser feita através de um </a:t>
             </a:r>
             <a:r>
               <a:rPr lang="pt-BR" sz="4200" b="0" dirty="0" err="1">
@@ -17241,53 +17232,6 @@
       </p:grpSpPr>
       <p:sp>
         <p:nvSpPr>
-          <p:cNvPr id="2" name="Título 1"/>
-          <p:cNvSpPr>
-            <a:spLocks noGrp="1"/>
-          </p:cNvSpPr>
-          <p:nvPr>
-            <p:ph type="title"/>
-          </p:nvPr>
-        </p:nvSpPr>
-        <p:spPr>
-          <a:xfrm>
-            <a:off x="179513" y="323403"/>
-            <a:ext cx="7704856" cy="903630"/>
-          </a:xfrm>
-        </p:spPr>
-        <p:txBody>
-          <a:bodyPr>
-            <a:noAutofit/>
-          </a:bodyPr>
-          <a:lstStyle/>
-          <a:p>
-            <a:pPr algn="ctr"/>
-            <a:r>
-              <a:rPr lang="pt-BR" sz="2800" dirty="0" smtClean="0"/>
-              <a:t> </a:t>
-            </a:r>
-            <a:r>
-              <a:rPr lang="pt-BR" sz="2800" dirty="0" err="1"/>
-              <a:t>AngularJS</a:t>
-            </a:r>
-            <a:r>
-              <a:rPr lang="pt-BR" sz="2800" dirty="0"/>
-              <a:t> </a:t>
-            </a:r>
-            <a:r>
-              <a:rPr lang="pt-BR" sz="2800" dirty="0" smtClean="0"/>
-              <a:t>x Angular </a:t>
-            </a:r>
-            <a:r>
-              <a:rPr lang="pt-BR" sz="2800" dirty="0"/>
-              <a:t>2</a:t>
-            </a:r>
-            <a:endParaRPr lang="pt-BR" sz="2700" dirty="0"/>
-          </a:p>
-        </p:txBody>
-      </p:sp>
-      <p:sp>
-        <p:nvSpPr>
           <p:cNvPr id="3" name="Espaço Reservado para Conteúdo 2"/>
           <p:cNvSpPr>
             <a:spLocks noGrp="1"/>
@@ -17491,6 +17435,40 @@
           </a:extLst>
         </p:spPr>
       </p:pic>
+      <p:sp>
+        <p:nvSpPr>
+          <p:cNvPr id="9" name="Título 1"/>
+          <p:cNvSpPr>
+            <a:spLocks noGrp="1"/>
+          </p:cNvSpPr>
+          <p:nvPr>
+            <p:ph type="title"/>
+          </p:nvPr>
+        </p:nvSpPr>
+        <p:spPr>
+          <a:xfrm>
+            <a:off x="179513" y="323403"/>
+            <a:ext cx="7704856" cy="903630"/>
+          </a:xfrm>
+        </p:spPr>
+        <p:txBody>
+          <a:bodyPr>
+            <a:noAutofit/>
+          </a:bodyPr>
+          <a:lstStyle/>
+          <a:p>
+            <a:r>
+              <a:rPr lang="pt-BR" sz="2700" dirty="0"/>
+              <a:t>Por que foi criado o Angular </a:t>
+            </a:r>
+            <a:r>
+              <a:rPr lang="pt-BR" sz="2700" dirty="0" smtClean="0"/>
+              <a:t>2? </a:t>
+            </a:r>
+            <a:endParaRPr lang="pt-BR" sz="2700" dirty="0"/>
+          </a:p>
+        </p:txBody>
+      </p:sp>
     </p:spTree>
     <p:extLst>
       <p:ext uri="{BB962C8B-B14F-4D97-AF65-F5344CB8AC3E}">

--- a/Módulo 1/Modulo 1.pptx
+++ b/Módulo 1/Modulo 1.pptx
@@ -4,6 +4,9 @@
   <p:sldMasterIdLst>
     <p:sldMasterId id="2147483660" r:id="rId1"/>
   </p:sldMasterIdLst>
+  <p:notesMasterIdLst>
+    <p:notesMasterId r:id="rId48"/>
+  </p:notesMasterIdLst>
   <p:sldIdLst>
     <p:sldId id="257" r:id="rId2"/>
     <p:sldId id="258" r:id="rId3"/>
@@ -32,9 +35,9 @@
     <p:sldId id="280" r:id="rId26"/>
     <p:sldId id="281" r:id="rId27"/>
     <p:sldId id="283" r:id="rId28"/>
-    <p:sldId id="285" r:id="rId29"/>
-    <p:sldId id="286" r:id="rId30"/>
-    <p:sldId id="287" r:id="rId31"/>
+    <p:sldId id="287" r:id="rId29"/>
+    <p:sldId id="285" r:id="rId30"/>
+    <p:sldId id="286" r:id="rId31"/>
     <p:sldId id="288" r:id="rId32"/>
     <p:sldId id="289" r:id="rId33"/>
     <p:sldId id="291" r:id="rId34"/>
@@ -50,6 +53,7 @@
     <p:sldId id="300" r:id="rId44"/>
     <p:sldId id="301" r:id="rId45"/>
     <p:sldId id="302" r:id="rId46"/>
+    <p:sldId id="308" r:id="rId47"/>
   </p:sldIdLst>
   <p:sldSz cx="9144000" cy="6858000" type="screen4x3"/>
   <p:notesSz cx="6858000" cy="9144000"/>
@@ -151,6 +155,440 @@
 </p:presentation>
 </file>
 
+<file path=ppt/notesMasters/notesMaster1.xml><?xml version="1.0" encoding="utf-8"?>
+<p:notesMaster xmlns:a="http://schemas.openxmlformats.org/drawingml/2006/main" xmlns:r="http://schemas.openxmlformats.org/officeDocument/2006/relationships" xmlns:p="http://schemas.openxmlformats.org/presentationml/2006/main">
+  <p:cSld>
+    <p:bg>
+      <p:bgRef idx="1001">
+        <a:schemeClr val="bg1"/>
+      </p:bgRef>
+    </p:bg>
+    <p:spTree>
+      <p:nvGrpSpPr>
+        <p:cNvPr id="1" name=""/>
+        <p:cNvGrpSpPr/>
+        <p:nvPr/>
+      </p:nvGrpSpPr>
+      <p:grpSpPr>
+        <a:xfrm>
+          <a:off x="0" y="0"/>
+          <a:ext cx="0" cy="0"/>
+          <a:chOff x="0" y="0"/>
+          <a:chExt cx="0" cy="0"/>
+        </a:xfrm>
+      </p:grpSpPr>
+      <p:sp>
+        <p:nvSpPr>
+          <p:cNvPr id="2" name="Espaço Reservado para Cabeçalho 1"/>
+          <p:cNvSpPr>
+            <a:spLocks noGrp="1"/>
+          </p:cNvSpPr>
+          <p:nvPr>
+            <p:ph type="hdr" sz="quarter"/>
+          </p:nvPr>
+        </p:nvSpPr>
+        <p:spPr>
+          <a:xfrm>
+            <a:off x="0" y="0"/>
+            <a:ext cx="2971800" cy="457200"/>
+          </a:xfrm>
+          <a:prstGeom prst="rect">
+            <a:avLst/>
+          </a:prstGeom>
+        </p:spPr>
+        <p:txBody>
+          <a:bodyPr vert="horz" lIns="91440" tIns="45720" rIns="91440" bIns="45720" rtlCol="0"/>
+          <a:lstStyle>
+            <a:lvl1pPr algn="l">
+              <a:defRPr sz="1200"/>
+            </a:lvl1pPr>
+          </a:lstStyle>
+          <a:p>
+            <a:endParaRPr lang="pt-BR"/>
+          </a:p>
+        </p:txBody>
+      </p:sp>
+      <p:sp>
+        <p:nvSpPr>
+          <p:cNvPr id="3" name="Espaço Reservado para Data 2"/>
+          <p:cNvSpPr>
+            <a:spLocks noGrp="1"/>
+          </p:cNvSpPr>
+          <p:nvPr>
+            <p:ph type="dt" idx="1"/>
+          </p:nvPr>
+        </p:nvSpPr>
+        <p:spPr>
+          <a:xfrm>
+            <a:off x="3884613" y="0"/>
+            <a:ext cx="2971800" cy="457200"/>
+          </a:xfrm>
+          <a:prstGeom prst="rect">
+            <a:avLst/>
+          </a:prstGeom>
+        </p:spPr>
+        <p:txBody>
+          <a:bodyPr vert="horz" lIns="91440" tIns="45720" rIns="91440" bIns="45720" rtlCol="0"/>
+          <a:lstStyle>
+            <a:lvl1pPr algn="r">
+              <a:defRPr sz="1200"/>
+            </a:lvl1pPr>
+          </a:lstStyle>
+          <a:p>
+            <a:fld id="{1FC68E21-18B9-409D-8FB1-9C8F001691F5}" type="datetimeFigureOut">
+              <a:rPr lang="pt-BR" smtClean="0"/>
+              <a:t>21/04/2019</a:t>
+            </a:fld>
+            <a:endParaRPr lang="pt-BR"/>
+          </a:p>
+        </p:txBody>
+      </p:sp>
+      <p:sp>
+        <p:nvSpPr>
+          <p:cNvPr id="4" name="Espaço Reservado para Imagem de Slide 3"/>
+          <p:cNvSpPr>
+            <a:spLocks noGrp="1" noRot="1" noChangeAspect="1"/>
+          </p:cNvSpPr>
+          <p:nvPr>
+            <p:ph type="sldImg" idx="2"/>
+          </p:nvPr>
+        </p:nvSpPr>
+        <p:spPr>
+          <a:xfrm>
+            <a:off x="1143000" y="685800"/>
+            <a:ext cx="4572000" cy="3429000"/>
+          </a:xfrm>
+          <a:prstGeom prst="rect">
+            <a:avLst/>
+          </a:prstGeom>
+          <a:noFill/>
+          <a:ln w="12700">
+            <a:solidFill>
+              <a:prstClr val="black"/>
+            </a:solidFill>
+          </a:ln>
+        </p:spPr>
+        <p:txBody>
+          <a:bodyPr vert="horz" lIns="91440" tIns="45720" rIns="91440" bIns="45720" rtlCol="0" anchor="ctr"/>
+          <a:lstStyle/>
+          <a:p>
+            <a:endParaRPr lang="pt-BR"/>
+          </a:p>
+        </p:txBody>
+      </p:sp>
+      <p:sp>
+        <p:nvSpPr>
+          <p:cNvPr id="5" name="Espaço Reservado para Anotações 4"/>
+          <p:cNvSpPr>
+            <a:spLocks noGrp="1"/>
+          </p:cNvSpPr>
+          <p:nvPr>
+            <p:ph type="body" sz="quarter" idx="3"/>
+          </p:nvPr>
+        </p:nvSpPr>
+        <p:spPr>
+          <a:xfrm>
+            <a:off x="685800" y="4343400"/>
+            <a:ext cx="5486400" cy="4114800"/>
+          </a:xfrm>
+          <a:prstGeom prst="rect">
+            <a:avLst/>
+          </a:prstGeom>
+        </p:spPr>
+        <p:txBody>
+          <a:bodyPr vert="horz" lIns="91440" tIns="45720" rIns="91440" bIns="45720" rtlCol="0"/>
+          <a:lstStyle/>
+          <a:p>
+            <a:pPr lvl="0"/>
+            <a:r>
+              <a:rPr lang="pt-BR" smtClean="0"/>
+              <a:t>Clique para editar o texto mestre</a:t>
+            </a:r>
+          </a:p>
+          <a:p>
+            <a:pPr lvl="1"/>
+            <a:r>
+              <a:rPr lang="pt-BR" smtClean="0"/>
+              <a:t>Segundo nível</a:t>
+            </a:r>
+          </a:p>
+          <a:p>
+            <a:pPr lvl="2"/>
+            <a:r>
+              <a:rPr lang="pt-BR" smtClean="0"/>
+              <a:t>Terceiro nível</a:t>
+            </a:r>
+          </a:p>
+          <a:p>
+            <a:pPr lvl="3"/>
+            <a:r>
+              <a:rPr lang="pt-BR" smtClean="0"/>
+              <a:t>Quarto nível</a:t>
+            </a:r>
+          </a:p>
+          <a:p>
+            <a:pPr lvl="4"/>
+            <a:r>
+              <a:rPr lang="pt-BR" smtClean="0"/>
+              <a:t>Quinto nível</a:t>
+            </a:r>
+            <a:endParaRPr lang="pt-BR"/>
+          </a:p>
+        </p:txBody>
+      </p:sp>
+      <p:sp>
+        <p:nvSpPr>
+          <p:cNvPr id="6" name="Espaço Reservado para Rodapé 5"/>
+          <p:cNvSpPr>
+            <a:spLocks noGrp="1"/>
+          </p:cNvSpPr>
+          <p:nvPr>
+            <p:ph type="ftr" sz="quarter" idx="4"/>
+          </p:nvPr>
+        </p:nvSpPr>
+        <p:spPr>
+          <a:xfrm>
+            <a:off x="0" y="8685213"/>
+            <a:ext cx="2971800" cy="457200"/>
+          </a:xfrm>
+          <a:prstGeom prst="rect">
+            <a:avLst/>
+          </a:prstGeom>
+        </p:spPr>
+        <p:txBody>
+          <a:bodyPr vert="horz" lIns="91440" tIns="45720" rIns="91440" bIns="45720" rtlCol="0" anchor="b"/>
+          <a:lstStyle>
+            <a:lvl1pPr algn="l">
+              <a:defRPr sz="1200"/>
+            </a:lvl1pPr>
+          </a:lstStyle>
+          <a:p>
+            <a:endParaRPr lang="pt-BR"/>
+          </a:p>
+        </p:txBody>
+      </p:sp>
+      <p:sp>
+        <p:nvSpPr>
+          <p:cNvPr id="7" name="Espaço Reservado para Número de Slide 6"/>
+          <p:cNvSpPr>
+            <a:spLocks noGrp="1"/>
+          </p:cNvSpPr>
+          <p:nvPr>
+            <p:ph type="sldNum" sz="quarter" idx="5"/>
+          </p:nvPr>
+        </p:nvSpPr>
+        <p:spPr>
+          <a:xfrm>
+            <a:off x="3884613" y="8685213"/>
+            <a:ext cx="2971800" cy="457200"/>
+          </a:xfrm>
+          <a:prstGeom prst="rect">
+            <a:avLst/>
+          </a:prstGeom>
+        </p:spPr>
+        <p:txBody>
+          <a:bodyPr vert="horz" lIns="91440" tIns="45720" rIns="91440" bIns="45720" rtlCol="0" anchor="b"/>
+          <a:lstStyle>
+            <a:lvl1pPr algn="r">
+              <a:defRPr sz="1200"/>
+            </a:lvl1pPr>
+          </a:lstStyle>
+          <a:p>
+            <a:fld id="{8C4A54CE-19B8-4495-AB61-03E996C9B9E1}" type="slidenum">
+              <a:rPr lang="pt-BR" smtClean="0"/>
+              <a:t>‹nº›</a:t>
+            </a:fld>
+            <a:endParaRPr lang="pt-BR"/>
+          </a:p>
+        </p:txBody>
+      </p:sp>
+    </p:spTree>
+    <p:extLst>
+      <p:ext uri="{BB962C8B-B14F-4D97-AF65-F5344CB8AC3E}">
+        <p14:creationId xmlns:p14="http://schemas.microsoft.com/office/powerpoint/2010/main" val="3447574562"/>
+      </p:ext>
+    </p:extLst>
+  </p:cSld>
+  <p:clrMap bg1="lt1" tx1="dk1" bg2="lt2" tx2="dk2" accent1="accent1" accent2="accent2" accent3="accent3" accent4="accent4" accent5="accent5" accent6="accent6" hlink="hlink" folHlink="folHlink"/>
+  <p:notesStyle>
+    <a:lvl1pPr marL="0" algn="l" defTabSz="914400" rtl="0" eaLnBrk="1" latinLnBrk="0" hangingPunct="1">
+      <a:defRPr sz="1200" kern="1200">
+        <a:solidFill>
+          <a:schemeClr val="tx1"/>
+        </a:solidFill>
+        <a:latin typeface="+mn-lt"/>
+        <a:ea typeface="+mn-ea"/>
+        <a:cs typeface="+mn-cs"/>
+      </a:defRPr>
+    </a:lvl1pPr>
+    <a:lvl2pPr marL="457200" algn="l" defTabSz="914400" rtl="0" eaLnBrk="1" latinLnBrk="0" hangingPunct="1">
+      <a:defRPr sz="1200" kern="1200">
+        <a:solidFill>
+          <a:schemeClr val="tx1"/>
+        </a:solidFill>
+        <a:latin typeface="+mn-lt"/>
+        <a:ea typeface="+mn-ea"/>
+        <a:cs typeface="+mn-cs"/>
+      </a:defRPr>
+    </a:lvl2pPr>
+    <a:lvl3pPr marL="914400" algn="l" defTabSz="914400" rtl="0" eaLnBrk="1" latinLnBrk="0" hangingPunct="1">
+      <a:defRPr sz="1200" kern="1200">
+        <a:solidFill>
+          <a:schemeClr val="tx1"/>
+        </a:solidFill>
+        <a:latin typeface="+mn-lt"/>
+        <a:ea typeface="+mn-ea"/>
+        <a:cs typeface="+mn-cs"/>
+      </a:defRPr>
+    </a:lvl3pPr>
+    <a:lvl4pPr marL="1371600" algn="l" defTabSz="914400" rtl="0" eaLnBrk="1" latinLnBrk="0" hangingPunct="1">
+      <a:defRPr sz="1200" kern="1200">
+        <a:solidFill>
+          <a:schemeClr val="tx1"/>
+        </a:solidFill>
+        <a:latin typeface="+mn-lt"/>
+        <a:ea typeface="+mn-ea"/>
+        <a:cs typeface="+mn-cs"/>
+      </a:defRPr>
+    </a:lvl4pPr>
+    <a:lvl5pPr marL="1828800" algn="l" defTabSz="914400" rtl="0" eaLnBrk="1" latinLnBrk="0" hangingPunct="1">
+      <a:defRPr sz="1200" kern="1200">
+        <a:solidFill>
+          <a:schemeClr val="tx1"/>
+        </a:solidFill>
+        <a:latin typeface="+mn-lt"/>
+        <a:ea typeface="+mn-ea"/>
+        <a:cs typeface="+mn-cs"/>
+      </a:defRPr>
+    </a:lvl5pPr>
+    <a:lvl6pPr marL="2286000" algn="l" defTabSz="914400" rtl="0" eaLnBrk="1" latinLnBrk="0" hangingPunct="1">
+      <a:defRPr sz="1200" kern="1200">
+        <a:solidFill>
+          <a:schemeClr val="tx1"/>
+        </a:solidFill>
+        <a:latin typeface="+mn-lt"/>
+        <a:ea typeface="+mn-ea"/>
+        <a:cs typeface="+mn-cs"/>
+      </a:defRPr>
+    </a:lvl6pPr>
+    <a:lvl7pPr marL="2743200" algn="l" defTabSz="914400" rtl="0" eaLnBrk="1" latinLnBrk="0" hangingPunct="1">
+      <a:defRPr sz="1200" kern="1200">
+        <a:solidFill>
+          <a:schemeClr val="tx1"/>
+        </a:solidFill>
+        <a:latin typeface="+mn-lt"/>
+        <a:ea typeface="+mn-ea"/>
+        <a:cs typeface="+mn-cs"/>
+      </a:defRPr>
+    </a:lvl7pPr>
+    <a:lvl8pPr marL="3200400" algn="l" defTabSz="914400" rtl="0" eaLnBrk="1" latinLnBrk="0" hangingPunct="1">
+      <a:defRPr sz="1200" kern="1200">
+        <a:solidFill>
+          <a:schemeClr val="tx1"/>
+        </a:solidFill>
+        <a:latin typeface="+mn-lt"/>
+        <a:ea typeface="+mn-ea"/>
+        <a:cs typeface="+mn-cs"/>
+      </a:defRPr>
+    </a:lvl8pPr>
+    <a:lvl9pPr marL="3657600" algn="l" defTabSz="914400" rtl="0" eaLnBrk="1" latinLnBrk="0" hangingPunct="1">
+      <a:defRPr sz="1200" kern="1200">
+        <a:solidFill>
+          <a:schemeClr val="tx1"/>
+        </a:solidFill>
+        <a:latin typeface="+mn-lt"/>
+        <a:ea typeface="+mn-ea"/>
+        <a:cs typeface="+mn-cs"/>
+      </a:defRPr>
+    </a:lvl9pPr>
+  </p:notesStyle>
+</p:notesMaster>
+</file>
+
+<file path=ppt/notesSlides/notesSlide1.xml><?xml version="1.0" encoding="utf-8"?>
+<p:notes xmlns:a="http://schemas.openxmlformats.org/drawingml/2006/main" xmlns:r="http://schemas.openxmlformats.org/officeDocument/2006/relationships" xmlns:p="http://schemas.openxmlformats.org/presentationml/2006/main">
+  <p:cSld>
+    <p:spTree>
+      <p:nvGrpSpPr>
+        <p:cNvPr id="1" name=""/>
+        <p:cNvGrpSpPr/>
+        <p:nvPr/>
+      </p:nvGrpSpPr>
+      <p:grpSpPr>
+        <a:xfrm>
+          <a:off x="0" y="0"/>
+          <a:ext cx="0" cy="0"/>
+          <a:chOff x="0" y="0"/>
+          <a:chExt cx="0" cy="0"/>
+        </a:xfrm>
+      </p:grpSpPr>
+      <p:sp>
+        <p:nvSpPr>
+          <p:cNvPr id="2" name="Espaço Reservado para Imagem de Slide 1"/>
+          <p:cNvSpPr>
+            <a:spLocks noGrp="1" noRot="1" noChangeAspect="1"/>
+          </p:cNvSpPr>
+          <p:nvPr>
+            <p:ph type="sldImg"/>
+          </p:nvPr>
+        </p:nvSpPr>
+        <p:spPr/>
+      </p:sp>
+      <p:sp>
+        <p:nvSpPr>
+          <p:cNvPr id="3" name="Espaço Reservado para Anotações 2"/>
+          <p:cNvSpPr>
+            <a:spLocks noGrp="1"/>
+          </p:cNvSpPr>
+          <p:nvPr>
+            <p:ph type="body" idx="1"/>
+          </p:nvPr>
+        </p:nvSpPr>
+        <p:spPr/>
+        <p:txBody>
+          <a:bodyPr/>
+          <a:lstStyle/>
+          <a:p>
+            <a:endParaRPr lang="pt-BR" dirty="0"/>
+          </a:p>
+        </p:txBody>
+      </p:sp>
+      <p:sp>
+        <p:nvSpPr>
+          <p:cNvPr id="4" name="Espaço Reservado para Número de Slide 3"/>
+          <p:cNvSpPr>
+            <a:spLocks noGrp="1"/>
+          </p:cNvSpPr>
+          <p:nvPr>
+            <p:ph type="sldNum" sz="quarter" idx="10"/>
+          </p:nvPr>
+        </p:nvSpPr>
+        <p:spPr/>
+        <p:txBody>
+          <a:bodyPr/>
+          <a:lstStyle/>
+          <a:p>
+            <a:fld id="{8C4A54CE-19B8-4495-AB61-03E996C9B9E1}" type="slidenum">
+              <a:rPr lang="pt-BR" smtClean="0"/>
+              <a:t>31</a:t>
+            </a:fld>
+            <a:endParaRPr lang="pt-BR"/>
+          </a:p>
+        </p:txBody>
+      </p:sp>
+    </p:spTree>
+    <p:extLst>
+      <p:ext uri="{BB962C8B-B14F-4D97-AF65-F5344CB8AC3E}">
+        <p14:creationId xmlns:p14="http://schemas.microsoft.com/office/powerpoint/2010/main" val="2474781002"/>
+      </p:ext>
+    </p:extLst>
+  </p:cSld>
+  <p:clrMapOvr>
+    <a:masterClrMapping/>
+  </p:clrMapOvr>
+</p:notes>
+</file>
+
 <file path=ppt/slideLayouts/slideLayout1.xml><?xml version="1.0" encoding="utf-8"?>
 <p:sldLayout xmlns:a="http://schemas.openxmlformats.org/drawingml/2006/main" xmlns:r="http://schemas.openxmlformats.org/officeDocument/2006/relationships" xmlns:p="http://schemas.openxmlformats.org/presentationml/2006/main" showMasterSp="0" type="title" preserve="1">
   <p:cSld name="Slide de título">
@@ -344,7 +782,7 @@
           <a:p>
             <a:fld id="{05D07FE6-D4F0-43B8-8724-69D32D78BC5B}" type="datetimeFigureOut">
               <a:rPr lang="pt-BR" smtClean="0"/>
-              <a:t>20/04/2019</a:t>
+              <a:t>21/04/2019</a:t>
             </a:fld>
             <a:endParaRPr lang="pt-BR"/>
           </a:p>
@@ -609,7 +1047,7 @@
           <a:p>
             <a:fld id="{05D07FE6-D4F0-43B8-8724-69D32D78BC5B}" type="datetimeFigureOut">
               <a:rPr lang="pt-BR" smtClean="0"/>
-              <a:t>20/04/2019</a:t>
+              <a:t>21/04/2019</a:t>
             </a:fld>
             <a:endParaRPr lang="pt-BR"/>
           </a:p>
@@ -784,7 +1222,7 @@
           <a:p>
             <a:fld id="{05D07FE6-D4F0-43B8-8724-69D32D78BC5B}" type="datetimeFigureOut">
               <a:rPr lang="pt-BR" smtClean="0"/>
-              <a:t>20/04/2019</a:t>
+              <a:t>21/04/2019</a:t>
             </a:fld>
             <a:endParaRPr lang="pt-BR"/>
           </a:p>
@@ -949,7 +1387,7 @@
           <a:p>
             <a:fld id="{05D07FE6-D4F0-43B8-8724-69D32D78BC5B}" type="datetimeFigureOut">
               <a:rPr lang="pt-BR" smtClean="0"/>
-              <a:t>20/04/2019</a:t>
+              <a:t>21/04/2019</a:t>
             </a:fld>
             <a:endParaRPr lang="pt-BR"/>
           </a:p>
@@ -1198,7 +1636,7 @@
           <a:p>
             <a:fld id="{05D07FE6-D4F0-43B8-8724-69D32D78BC5B}" type="datetimeFigureOut">
               <a:rPr lang="pt-BR" smtClean="0"/>
-              <a:t>20/04/2019</a:t>
+              <a:t>21/04/2019</a:t>
             </a:fld>
             <a:endParaRPr lang="pt-BR"/>
           </a:p>
@@ -1481,7 +1919,7 @@
           <a:p>
             <a:fld id="{05D07FE6-D4F0-43B8-8724-69D32D78BC5B}" type="datetimeFigureOut">
               <a:rPr lang="pt-BR" smtClean="0"/>
-              <a:t>20/04/2019</a:t>
+              <a:t>21/04/2019</a:t>
             </a:fld>
             <a:endParaRPr lang="pt-BR"/>
           </a:p>
@@ -1920,7 +2358,7 @@
           <a:p>
             <a:fld id="{05D07FE6-D4F0-43B8-8724-69D32D78BC5B}" type="datetimeFigureOut">
               <a:rPr lang="pt-BR" smtClean="0"/>
-              <a:t>20/04/2019</a:t>
+              <a:t>21/04/2019</a:t>
             </a:fld>
             <a:endParaRPr lang="pt-BR"/>
           </a:p>
@@ -2033,7 +2471,7 @@
           <a:p>
             <a:fld id="{05D07FE6-D4F0-43B8-8724-69D32D78BC5B}" type="datetimeFigureOut">
               <a:rPr lang="pt-BR" smtClean="0"/>
-              <a:t>20/04/2019</a:t>
+              <a:t>21/04/2019</a:t>
             </a:fld>
             <a:endParaRPr lang="pt-BR"/>
           </a:p>
@@ -2123,7 +2561,7 @@
           <a:p>
             <a:fld id="{05D07FE6-D4F0-43B8-8724-69D32D78BC5B}" type="datetimeFigureOut">
               <a:rPr lang="pt-BR" smtClean="0"/>
-              <a:t>20/04/2019</a:t>
+              <a:t>21/04/2019</a:t>
             </a:fld>
             <a:endParaRPr lang="pt-BR"/>
           </a:p>
@@ -2365,7 +2803,7 @@
           <a:p>
             <a:fld id="{05D07FE6-D4F0-43B8-8724-69D32D78BC5B}" type="datetimeFigureOut">
               <a:rPr lang="pt-BR" smtClean="0"/>
-              <a:t>20/04/2019</a:t>
+              <a:t>21/04/2019</a:t>
             </a:fld>
             <a:endParaRPr lang="pt-BR"/>
           </a:p>
@@ -2659,7 +3097,7 @@
           <a:p>
             <a:fld id="{05D07FE6-D4F0-43B8-8724-69D32D78BC5B}" type="datetimeFigureOut">
               <a:rPr lang="pt-BR" smtClean="0"/>
-              <a:t>20/04/2019</a:t>
+              <a:t>21/04/2019</a:t>
             </a:fld>
             <a:endParaRPr lang="pt-BR"/>
           </a:p>
@@ -2953,7 +3391,7 @@
           <a:p>
             <a:fld id="{05D07FE6-D4F0-43B8-8724-69D32D78BC5B}" type="datetimeFigureOut">
               <a:rPr lang="pt-BR" smtClean="0"/>
-              <a:t>20/04/2019</a:t>
+              <a:t>21/04/2019</a:t>
             </a:fld>
             <a:endParaRPr lang="pt-BR"/>
           </a:p>
@@ -3562,8 +4000,8 @@
         </p:nvSpPr>
         <p:spPr>
           <a:xfrm>
-            <a:off x="7092280" y="5761748"/>
-            <a:ext cx="1817549" cy="369332"/>
+            <a:off x="5884158" y="5570076"/>
+            <a:ext cx="3152338" cy="523220"/>
           </a:xfrm>
           <a:prstGeom prst="rect">
             <a:avLst/>
@@ -3577,21 +4015,15 @@
           <a:lstStyle/>
           <a:p>
             <a:r>
-              <a:rPr lang="pt-BR" b="1" dirty="0" smtClean="0">
-                <a:solidFill>
-                  <a:schemeClr val="tx2">
-                    <a:lumMod val="75000"/>
-                  </a:schemeClr>
-                </a:solidFill>
-              </a:rPr>
-              <a:t>Roney Amorim</a:t>
-            </a:r>
-            <a:endParaRPr lang="pt-BR" b="1" dirty="0">
-              <a:solidFill>
-                <a:schemeClr val="tx2">
-                  <a:lumMod val="75000"/>
-                </a:schemeClr>
-              </a:solidFill>
+              <a:rPr lang="pt-BR" sz="2800" b="1" dirty="0" smtClean="0">
+                <a:latin typeface="Times New Roman" panose="02020603050405020304" pitchFamily="18" charset="0"/>
+                <a:cs typeface="Times New Roman" panose="02020603050405020304" pitchFamily="18" charset="0"/>
+              </a:rPr>
+              <a:t>RONEY AMORIM</a:t>
+            </a:r>
+            <a:endParaRPr lang="pt-BR" sz="2800" b="1" dirty="0">
+              <a:latin typeface="Times New Roman" panose="02020603050405020304" pitchFamily="18" charset="0"/>
+              <a:cs typeface="Times New Roman" panose="02020603050405020304" pitchFamily="18" charset="0"/>
             </a:endParaRPr>
           </a:p>
         </p:txBody>
@@ -3604,8 +4036,8 @@
         </p:nvSpPr>
         <p:spPr>
           <a:xfrm>
-            <a:off x="6194663" y="6156012"/>
-            <a:ext cx="2826415" cy="369332"/>
+            <a:off x="6153719" y="5981218"/>
+            <a:ext cx="2810769" cy="400110"/>
           </a:xfrm>
           <a:prstGeom prst="rect">
             <a:avLst/>
@@ -3619,21 +4051,21 @@
           <a:lstStyle/>
           <a:p>
             <a:r>
-              <a:rPr lang="pt-BR" b="1" dirty="0" smtClean="0">
+              <a:rPr lang="pt-BR" sz="2000" b="1" dirty="0" smtClean="0">
                 <a:solidFill>
-                  <a:schemeClr val="tx2">
-                    <a:lumMod val="75000"/>
-                  </a:schemeClr>
+                  <a:schemeClr val="tx2"/>
                 </a:solidFill>
+                <a:latin typeface="Times New Roman" panose="02020603050405020304" pitchFamily="18" charset="0"/>
+                <a:cs typeface="Times New Roman" panose="02020603050405020304" pitchFamily="18" charset="0"/>
               </a:rPr>
               <a:t>Engenheiro de Software</a:t>
             </a:r>
-            <a:endParaRPr lang="pt-BR" b="1" dirty="0">
+            <a:endParaRPr lang="pt-BR" sz="2000" b="1" dirty="0">
               <a:solidFill>
-                <a:schemeClr val="tx2">
-                  <a:lumMod val="75000"/>
-                </a:schemeClr>
+                <a:schemeClr val="tx2"/>
               </a:solidFill>
+              <a:latin typeface="Times New Roman" panose="02020603050405020304" pitchFamily="18" charset="0"/>
+              <a:cs typeface="Times New Roman" panose="02020603050405020304" pitchFamily="18" charset="0"/>
             </a:endParaRPr>
           </a:p>
         </p:txBody>
@@ -4176,8 +4608,8 @@
         </p:nvSpPr>
         <p:spPr>
           <a:xfrm>
-            <a:off x="539552" y="1772816"/>
-            <a:ext cx="7894973" cy="3960440"/>
+            <a:off x="251520" y="1772816"/>
+            <a:ext cx="8183005" cy="3960440"/>
           </a:xfrm>
         </p:spPr>
         <p:txBody>
@@ -4482,8 +4914,8 @@
         </p:nvSpPr>
         <p:spPr>
           <a:xfrm>
-            <a:off x="539552" y="1916832"/>
-            <a:ext cx="7894973" cy="3816424"/>
+            <a:off x="251520" y="1916832"/>
+            <a:ext cx="8183005" cy="3816424"/>
           </a:xfrm>
         </p:spPr>
         <p:txBody>
@@ -4756,8 +5188,8 @@
         </p:nvSpPr>
         <p:spPr>
           <a:xfrm>
-            <a:off x="604690" y="1916832"/>
-            <a:ext cx="7894973" cy="3960440"/>
+            <a:off x="251520" y="1916832"/>
+            <a:ext cx="8248143" cy="3960440"/>
           </a:xfrm>
         </p:spPr>
         <p:txBody>
@@ -5239,8 +5671,8 @@
         </p:nvSpPr>
         <p:spPr>
           <a:xfrm>
-            <a:off x="604690" y="1916832"/>
-            <a:ext cx="7894973" cy="3960440"/>
+            <a:off x="251520" y="1916832"/>
+            <a:ext cx="8248143" cy="3960440"/>
           </a:xfrm>
         </p:spPr>
         <p:txBody>
@@ -5477,8 +5909,8 @@
         </p:nvSpPr>
         <p:spPr>
           <a:xfrm>
-            <a:off x="395536" y="1916832"/>
-            <a:ext cx="8352928" cy="4320480"/>
+            <a:off x="251520" y="1916832"/>
+            <a:ext cx="8496944" cy="4320480"/>
           </a:xfrm>
         </p:spPr>
         <p:txBody>
@@ -6098,8 +6530,8 @@
         </p:nvSpPr>
         <p:spPr>
           <a:xfrm>
-            <a:off x="395536" y="1772816"/>
-            <a:ext cx="8352928" cy="4608512"/>
+            <a:off x="251520" y="1772816"/>
+            <a:ext cx="8496944" cy="4608512"/>
           </a:xfrm>
         </p:spPr>
         <p:txBody>
@@ -6528,8 +6960,8 @@
         </p:nvSpPr>
         <p:spPr>
           <a:xfrm>
-            <a:off x="539552" y="2204864"/>
-            <a:ext cx="7787208" cy="2880320"/>
+            <a:off x="251520" y="2204864"/>
+            <a:ext cx="8075240" cy="2880320"/>
           </a:xfrm>
         </p:spPr>
         <p:txBody>
@@ -6800,35 +7232,32 @@
         </p:nvSpPr>
         <p:spPr>
           <a:xfrm>
-            <a:off x="539552" y="2204864"/>
-            <a:ext cx="7787208" cy="2880320"/>
+            <a:off x="251520" y="1916832"/>
+            <a:ext cx="8075240" cy="4536504"/>
           </a:xfrm>
         </p:spPr>
         <p:txBody>
           <a:bodyPr>
-            <a:normAutofit fontScale="85000" lnSpcReduction="20000"/>
+            <a:normAutofit fontScale="92500"/>
           </a:bodyPr>
           <a:lstStyle/>
           <a:p>
-            <a:pPr marL="457200" indent="-457200" algn="just">
-              <a:buFont typeface="Arial" panose="020B0604020202020204" pitchFamily="34" charset="0"/>
-              <a:buChar char="•"/>
-            </a:pPr>
-            <a:r>
-              <a:rPr lang="pt-BR" sz="2600" dirty="0" smtClean="0">
+            <a:pPr algn="just"/>
+            <a:r>
+              <a:rPr lang="pt-BR" sz="2800" dirty="0">
                 <a:latin typeface="Times New Roman" pitchFamily="18" charset="0"/>
                 <a:cs typeface="Times New Roman" pitchFamily="18" charset="0"/>
               </a:rPr>
               <a:t>Pré-visualização do Projeto </a:t>
             </a:r>
             <a:r>
-              <a:rPr lang="pt-BR" sz="2600" dirty="0" err="1" smtClean="0">
+              <a:rPr lang="pt-BR" sz="2800" dirty="0" err="1">
                 <a:latin typeface="Times New Roman" pitchFamily="18" charset="0"/>
                 <a:cs typeface="Times New Roman" pitchFamily="18" charset="0"/>
               </a:rPr>
               <a:t>Ivy</a:t>
             </a:r>
-            <a:endParaRPr lang="pt-BR" sz="2600" dirty="0" smtClean="0">
+            <a:endParaRPr lang="pt-BR" sz="2800" dirty="0">
               <a:latin typeface="Times New Roman" pitchFamily="18" charset="0"/>
               <a:cs typeface="Times New Roman" pitchFamily="18" charset="0"/>
             </a:endParaRPr>
@@ -6836,91 +7265,91 @@
           <a:p>
             <a:pPr algn="just"/>
             <a:r>
-              <a:rPr lang="pt-BR" sz="2600" b="0" dirty="0" smtClean="0">
-                <a:latin typeface="Times New Roman" pitchFamily="18" charset="0"/>
-                <a:cs typeface="Times New Roman" pitchFamily="18" charset="0"/>
-              </a:rPr>
-              <a:t>	O </a:t>
-            </a:r>
-            <a:r>
-              <a:rPr lang="pt-BR" sz="2600" b="0" dirty="0" err="1">
+              <a:rPr lang="pt-BR" sz="2800" b="0" dirty="0" smtClean="0">
+                <a:latin typeface="Times New Roman" pitchFamily="18" charset="0"/>
+                <a:cs typeface="Times New Roman" pitchFamily="18" charset="0"/>
+              </a:rPr>
+              <a:t>O </a:t>
+            </a:r>
+            <a:r>
+              <a:rPr lang="pt-BR" sz="2800" b="0" dirty="0" err="1">
                 <a:latin typeface="Times New Roman" pitchFamily="18" charset="0"/>
                 <a:cs typeface="Times New Roman" pitchFamily="18" charset="0"/>
               </a:rPr>
               <a:t>Ivy</a:t>
             </a:r>
             <a:r>
-              <a:rPr lang="pt-BR" sz="2600" b="0" dirty="0">
+              <a:rPr lang="pt-BR" sz="2800" b="0" dirty="0">
                 <a:latin typeface="Times New Roman" pitchFamily="18" charset="0"/>
                 <a:cs typeface="Times New Roman" pitchFamily="18" charset="0"/>
               </a:rPr>
               <a:t> </a:t>
             </a:r>
             <a:r>
-              <a:rPr lang="pt-BR" sz="2600" b="0" dirty="0" err="1">
+              <a:rPr lang="pt-BR" sz="2800" b="0" dirty="0" err="1">
                 <a:latin typeface="Times New Roman" pitchFamily="18" charset="0"/>
                 <a:cs typeface="Times New Roman" pitchFamily="18" charset="0"/>
               </a:rPr>
               <a:t>Renderer</a:t>
             </a:r>
             <a:r>
-              <a:rPr lang="pt-BR" sz="2600" b="0" dirty="0">
+              <a:rPr lang="pt-BR" sz="2800" b="0" dirty="0">
                 <a:latin typeface="Times New Roman" pitchFamily="18" charset="0"/>
                 <a:cs typeface="Times New Roman" pitchFamily="18" charset="0"/>
               </a:rPr>
               <a:t> é um novo mecanismo de </a:t>
             </a:r>
             <a:r>
-              <a:rPr lang="pt-BR" sz="2600" b="0" dirty="0" err="1">
+              <a:rPr lang="pt-BR" sz="2800" b="0" dirty="0" err="1">
                 <a:latin typeface="Times New Roman" pitchFamily="18" charset="0"/>
                 <a:cs typeface="Times New Roman" pitchFamily="18" charset="0"/>
               </a:rPr>
               <a:t>renderização</a:t>
             </a:r>
             <a:r>
-              <a:rPr lang="pt-BR" sz="2600" b="0" dirty="0">
+              <a:rPr lang="pt-BR" sz="2800" b="0" dirty="0">
                 <a:latin typeface="Times New Roman" pitchFamily="18" charset="0"/>
                 <a:cs typeface="Times New Roman" pitchFamily="18" charset="0"/>
               </a:rPr>
               <a:t> que foi projetado para ser compatível com a </a:t>
             </a:r>
             <a:r>
-              <a:rPr lang="pt-BR" sz="2600" b="0" dirty="0" err="1">
+              <a:rPr lang="pt-BR" sz="2800" b="0" dirty="0" err="1">
                 <a:latin typeface="Times New Roman" pitchFamily="18" charset="0"/>
                 <a:cs typeface="Times New Roman" pitchFamily="18" charset="0"/>
               </a:rPr>
               <a:t>renderização</a:t>
             </a:r>
             <a:r>
-              <a:rPr lang="pt-BR" sz="2600" b="0" dirty="0">
+              <a:rPr lang="pt-BR" sz="2800" b="0" dirty="0">
                 <a:latin typeface="Times New Roman" pitchFamily="18" charset="0"/>
                 <a:cs typeface="Times New Roman" pitchFamily="18" charset="0"/>
               </a:rPr>
               <a:t> existente e focado para melhorar a velocidade de </a:t>
             </a:r>
             <a:r>
-              <a:rPr lang="pt-BR" sz="2600" b="0" dirty="0" err="1">
+              <a:rPr lang="pt-BR" sz="2800" b="0" dirty="0" err="1">
                 <a:latin typeface="Times New Roman" pitchFamily="18" charset="0"/>
                 <a:cs typeface="Times New Roman" pitchFamily="18" charset="0"/>
               </a:rPr>
               <a:t>renderização</a:t>
             </a:r>
             <a:r>
-              <a:rPr lang="pt-BR" sz="2600" b="0" dirty="0">
+              <a:rPr lang="pt-BR" sz="2800" b="0" dirty="0">
                 <a:latin typeface="Times New Roman" pitchFamily="18" charset="0"/>
                 <a:cs typeface="Times New Roman" pitchFamily="18" charset="0"/>
               </a:rPr>
               <a:t> e otimiza o tamanho do pacote final. Para o Angular, esse não será o </a:t>
             </a:r>
             <a:r>
-              <a:rPr lang="pt-BR" sz="2600" b="0" dirty="0" err="1">
+              <a:rPr lang="pt-BR" sz="2800" b="0" dirty="0" err="1">
                 <a:latin typeface="Times New Roman" pitchFamily="18" charset="0"/>
                 <a:cs typeface="Times New Roman" pitchFamily="18" charset="0"/>
               </a:rPr>
               <a:t>renderizador</a:t>
             </a:r>
             <a:r>
-              <a:rPr lang="pt-BR" sz="2600" b="0" dirty="0">
+              <a:rPr lang="pt-BR" sz="2800" b="0" dirty="0">
                 <a:latin typeface="Times New Roman" pitchFamily="18" charset="0"/>
                 <a:cs typeface="Times New Roman" pitchFamily="18" charset="0"/>
               </a:rPr>
@@ -6930,42 +7359,42 @@
           <a:p>
             <a:pPr algn="just"/>
             <a:r>
-              <a:rPr lang="pt-BR" sz="2600" b="0" dirty="0" smtClean="0">
-                <a:latin typeface="Times New Roman" pitchFamily="18" charset="0"/>
-                <a:cs typeface="Times New Roman" pitchFamily="18" charset="0"/>
-              </a:rPr>
-              <a:t>	Com </a:t>
-            </a:r>
-            <a:r>
-              <a:rPr lang="pt-BR" sz="2600" b="0" dirty="0">
+              <a:rPr lang="pt-BR" sz="2800" b="0" dirty="0" smtClean="0">
+                <a:latin typeface="Times New Roman" pitchFamily="18" charset="0"/>
+                <a:cs typeface="Times New Roman" pitchFamily="18" charset="0"/>
+              </a:rPr>
+              <a:t>Com </a:t>
+            </a:r>
+            <a:r>
+              <a:rPr lang="pt-BR" sz="2800" b="0" dirty="0">
                 <a:latin typeface="Times New Roman" pitchFamily="18" charset="0"/>
                 <a:cs typeface="Times New Roman" pitchFamily="18" charset="0"/>
               </a:rPr>
               <a:t>o </a:t>
             </a:r>
             <a:r>
-              <a:rPr lang="pt-BR" sz="2600" b="0" dirty="0" err="1">
+              <a:rPr lang="pt-BR" sz="2800" b="0" dirty="0" err="1">
                 <a:latin typeface="Times New Roman" pitchFamily="18" charset="0"/>
                 <a:cs typeface="Times New Roman" pitchFamily="18" charset="0"/>
               </a:rPr>
               <a:t>Ivy</a:t>
             </a:r>
             <a:r>
-              <a:rPr lang="pt-BR" sz="2600" b="0" dirty="0">
+              <a:rPr lang="pt-BR" sz="2800" b="0" dirty="0">
                 <a:latin typeface="Times New Roman" pitchFamily="18" charset="0"/>
                 <a:cs typeface="Times New Roman" pitchFamily="18" charset="0"/>
               </a:rPr>
               <a:t> você pode esperar melhora na velocidade de </a:t>
             </a:r>
             <a:r>
-              <a:rPr lang="pt-BR" sz="2600" b="0" dirty="0" err="1">
+              <a:rPr lang="pt-BR" sz="2800" b="0" dirty="0" err="1">
                 <a:latin typeface="Times New Roman" pitchFamily="18" charset="0"/>
                 <a:cs typeface="Times New Roman" pitchFamily="18" charset="0"/>
               </a:rPr>
               <a:t>renderização</a:t>
             </a:r>
             <a:r>
-              <a:rPr lang="pt-BR" sz="2600" b="0" dirty="0">
+              <a:rPr lang="pt-BR" sz="2800" b="0" dirty="0">
                 <a:latin typeface="Times New Roman" pitchFamily="18" charset="0"/>
                 <a:cs typeface="Times New Roman" pitchFamily="18" charset="0"/>
               </a:rPr>
@@ -7182,13 +7611,13 @@
         </p:nvSpPr>
         <p:spPr>
           <a:xfrm>
-            <a:off x="611560" y="1988840"/>
-            <a:ext cx="7776864" cy="3384376"/>
+            <a:off x="307975" y="1988840"/>
+            <a:ext cx="8080449" cy="3384376"/>
           </a:xfrm>
         </p:spPr>
         <p:txBody>
           <a:bodyPr>
-            <a:normAutofit fontScale="92500" lnSpcReduction="10000"/>
+            <a:noAutofit/>
           </a:bodyPr>
           <a:lstStyle/>
           <a:p>
@@ -7197,10 +7626,6 @@
                 <a:spcPct val="150000"/>
               </a:lnSpc>
             </a:pPr>
-            <a:r>
-              <a:rPr lang="pt-BR" sz="1900" b="0" dirty="0" smtClean="0"/>
-              <a:t>	</a:t>
-            </a:r>
             <a:r>
               <a:rPr lang="pt-BR" sz="2600" b="0" dirty="0" smtClean="0">
                 <a:latin typeface="Times New Roman" pitchFamily="18" charset="0"/>
@@ -7291,10 +7716,16 @@
             </a:endParaRPr>
           </a:p>
           <a:p>
-            <a:endParaRPr lang="pt-BR" dirty="0"/>
-          </a:p>
-          <a:p>
-            <a:endParaRPr lang="pt-BR" dirty="0"/>
+            <a:endParaRPr lang="pt-BR" sz="2600" dirty="0">
+              <a:latin typeface="Times New Roman" panose="02020603050405020304" pitchFamily="18" charset="0"/>
+              <a:cs typeface="Times New Roman" panose="02020603050405020304" pitchFamily="18" charset="0"/>
+            </a:endParaRPr>
+          </a:p>
+          <a:p>
+            <a:endParaRPr lang="pt-BR" sz="2600" dirty="0">
+              <a:latin typeface="Times New Roman" panose="02020603050405020304" pitchFamily="18" charset="0"/>
+              <a:cs typeface="Times New Roman" panose="02020603050405020304" pitchFamily="18" charset="0"/>
+            </a:endParaRPr>
           </a:p>
         </p:txBody>
       </p:sp>
@@ -7672,255 +8103,717 @@
           </a:p>
         </p:txBody>
       </p:sp>
+      <p:sp>
+        <p:nvSpPr>
+          <p:cNvPr id="4" name="CaixaDeTexto 3"/>
+          <p:cNvSpPr txBox="1"/>
+          <p:nvPr/>
+        </p:nvSpPr>
+        <p:spPr>
+          <a:xfrm>
+            <a:off x="539552" y="1844824"/>
+            <a:ext cx="1656184" cy="369332"/>
+          </a:xfrm>
+          <a:prstGeom prst="rect">
+            <a:avLst/>
+          </a:prstGeom>
+          <a:noFill/>
+        </p:spPr>
+        <p:txBody>
+          <a:bodyPr wrap="square" rtlCol="0">
+            <a:spAutoFit/>
+          </a:bodyPr>
+          <a:lstStyle/>
+          <a:p>
+            <a:endParaRPr lang="pt-BR" dirty="0"/>
+          </a:p>
+        </p:txBody>
+      </p:sp>
       <p:graphicFrame>
         <p:nvGraphicFramePr>
-          <p:cNvPr id="3" name="Tabela 2"/>
+          <p:cNvPr id="9" name="Tabela 8"/>
           <p:cNvGraphicFramePr>
-            <a:graphicFrameLocks noGrp="1"/>
+            <a:graphicFrameLocks noGrp="1" noChangeAspect="1"/>
           </p:cNvGraphicFramePr>
           <p:nvPr>
             <p:extLst>
               <p:ext uri="{D42A27DB-BD31-4B8C-83A1-F6EECF244321}">
-                <p14:modId xmlns:p14="http://schemas.microsoft.com/office/powerpoint/2010/main" val="2679746559"/>
+                <p14:modId xmlns:p14="http://schemas.microsoft.com/office/powerpoint/2010/main" val="2961089260"/>
               </p:ext>
             </p:extLst>
           </p:nvPr>
         </p:nvGraphicFramePr>
         <p:xfrm>
-          <a:off x="467543" y="2492896"/>
-          <a:ext cx="8075688" cy="2592288"/>
+          <a:off x="251520" y="2852936"/>
+          <a:ext cx="8571359" cy="1941631"/>
         </p:xfrm>
         <a:graphic>
           <a:graphicData uri="http://schemas.openxmlformats.org/drawingml/2006/table">
             <a:tbl>
-              <a:tblPr>
-                <a:tableStyleId>{D03447BB-5D67-496B-8E87-E561075AD55C}</a:tableStyleId>
-              </a:tblPr>
+              <a:tblPr firstRow="1" firstCol="1" bandRow="1"/>
               <a:tblGrid>
-                <a:gridCol w="2691896"/>
-                <a:gridCol w="2060633"/>
-                <a:gridCol w="3323159"/>
+                <a:gridCol w="2634851"/>
+                <a:gridCol w="3086540"/>
+                <a:gridCol w="2849968"/>
               </a:tblGrid>
-              <a:tr h="611478">
+              <a:tr h="353347">
                 <a:tc>
                   <a:txBody>
                     <a:bodyPr/>
                     <a:lstStyle/>
                     <a:p>
-                      <a:pPr algn="ctr"/>
+                      <a:pPr algn="ctr">
+                        <a:lnSpc>
+                          <a:spcPct val="115000"/>
+                        </a:lnSpc>
+                        <a:spcAft>
+                          <a:spcPts val="0"/>
+                        </a:spcAft>
+                      </a:pPr>
                       <a:r>
-                        <a:rPr lang="pt-BR" sz="2400" b="1" cap="all" dirty="0" smtClean="0">
+                        <a:rPr lang="pt-BR" sz="2200" b="1" dirty="0" smtClean="0">
+                          <a:solidFill>
+                            <a:schemeClr val="bg1"/>
+                          </a:solidFill>
                           <a:effectLst/>
+                          <a:latin typeface="Times New Roman" pitchFamily="18" charset="0"/>
+                          <a:ea typeface="Calibri"/>
+                          <a:cs typeface="Times New Roman" pitchFamily="18" charset="0"/>
                         </a:rPr>
-                        <a:t>Lançamento</a:t>
+                        <a:t>LANÇAMENTO</a:t>
                       </a:r>
-                      <a:endParaRPr lang="pt-BR" sz="2400" b="1" cap="all" dirty="0">
+                      <a:endParaRPr lang="pt-BR" sz="2200" b="1" dirty="0">
                         <a:solidFill>
-                          <a:srgbClr val="333333"/>
+                          <a:schemeClr val="bg1"/>
                         </a:solidFill>
                         <a:effectLst/>
+                        <a:latin typeface="Times New Roman" pitchFamily="18" charset="0"/>
+                        <a:ea typeface="Calibri"/>
+                        <a:cs typeface="Times New Roman" pitchFamily="18" charset="0"/>
                       </a:endParaRPr>
                     </a:p>
                   </a:txBody>
-                  <a:tcPr marL="228600" marR="228600" marT="76200" marB="76200" anchor="ctr"/>
+                  <a:tcPr marL="68580" marR="68580" marT="0" marB="0">
+                    <a:lnL w="12700" cap="flat" cmpd="sng" algn="ctr">
+                      <a:solidFill>
+                        <a:srgbClr val="000000"/>
+                      </a:solidFill>
+                      <a:prstDash val="solid"/>
+                      <a:round/>
+                      <a:headEnd type="none" w="med" len="med"/>
+                      <a:tailEnd type="none" w="med" len="med"/>
+                    </a:lnL>
+                    <a:lnR w="12700" cap="flat" cmpd="sng" algn="ctr">
+                      <a:solidFill>
+                        <a:srgbClr val="000000"/>
+                      </a:solidFill>
+                      <a:prstDash val="solid"/>
+                      <a:round/>
+                      <a:headEnd type="none" w="med" len="med"/>
+                      <a:tailEnd type="none" w="med" len="med"/>
+                    </a:lnR>
+                    <a:lnT w="12700" cap="flat" cmpd="sng" algn="ctr">
+                      <a:solidFill>
+                        <a:srgbClr val="000000"/>
+                      </a:solidFill>
+                      <a:prstDash val="solid"/>
+                      <a:round/>
+                      <a:headEnd type="none" w="med" len="med"/>
+                      <a:tailEnd type="none" w="med" len="med"/>
+                    </a:lnT>
+                    <a:lnB w="12700" cap="flat" cmpd="sng" algn="ctr">
+                      <a:solidFill>
+                        <a:srgbClr val="000000"/>
+                      </a:solidFill>
+                      <a:prstDash val="solid"/>
+                      <a:round/>
+                      <a:headEnd type="none" w="med" len="med"/>
+                      <a:tailEnd type="none" w="med" len="med"/>
+                    </a:lnB>
+                    <a:solidFill>
+                      <a:schemeClr val="tx2">
+                        <a:lumMod val="60000"/>
+                        <a:lumOff val="40000"/>
+                      </a:schemeClr>
+                    </a:solidFill>
+                  </a:tcPr>
                 </a:tc>
                 <a:tc>
                   <a:txBody>
                     <a:bodyPr/>
                     <a:lstStyle/>
                     <a:p>
-                      <a:pPr algn="ctr"/>
+                      <a:pPr algn="ctr">
+                        <a:lnSpc>
+                          <a:spcPct val="115000"/>
+                        </a:lnSpc>
+                        <a:spcAft>
+                          <a:spcPts val="0"/>
+                        </a:spcAft>
+                      </a:pPr>
                       <a:r>
-                        <a:rPr lang="pt-BR" sz="2400" b="1" cap="all" dirty="0" smtClean="0">
+                        <a:rPr lang="pt-BR" sz="2200" b="1" dirty="0" smtClean="0">
+                          <a:solidFill>
+                            <a:schemeClr val="bg1"/>
+                          </a:solidFill>
                           <a:effectLst/>
+                          <a:latin typeface="Times New Roman" pitchFamily="18" charset="0"/>
+                          <a:ea typeface="Calibri"/>
+                          <a:cs typeface="Times New Roman" pitchFamily="18" charset="0"/>
                         </a:rPr>
-                        <a:t>Versão estável</a:t>
+                        <a:t>VERSÃO ESTÁVEL</a:t>
                       </a:r>
-                      <a:endParaRPr lang="pt-BR" sz="2400" b="1" cap="all" dirty="0">
+                      <a:endParaRPr lang="pt-BR" sz="2200" b="1" dirty="0">
                         <a:solidFill>
-                          <a:srgbClr val="333333"/>
+                          <a:schemeClr val="bg1"/>
                         </a:solidFill>
                         <a:effectLst/>
+                        <a:latin typeface="Times New Roman" pitchFamily="18" charset="0"/>
+                        <a:ea typeface="Calibri"/>
+                        <a:cs typeface="Times New Roman" pitchFamily="18" charset="0"/>
                       </a:endParaRPr>
                     </a:p>
                   </a:txBody>
-                  <a:tcPr marL="228600" marR="228600" marT="76200" marB="76200" anchor="ctr"/>
+                  <a:tcPr marL="68580" marR="68580" marT="0" marB="0">
+                    <a:lnL w="12700" cap="flat" cmpd="sng" algn="ctr">
+                      <a:solidFill>
+                        <a:srgbClr val="000000"/>
+                      </a:solidFill>
+                      <a:prstDash val="solid"/>
+                      <a:round/>
+                      <a:headEnd type="none" w="med" len="med"/>
+                      <a:tailEnd type="none" w="med" len="med"/>
+                    </a:lnL>
+                    <a:lnR w="12700" cap="flat" cmpd="sng" algn="ctr">
+                      <a:solidFill>
+                        <a:srgbClr val="000000"/>
+                      </a:solidFill>
+                      <a:prstDash val="solid"/>
+                      <a:round/>
+                      <a:headEnd type="none" w="med" len="med"/>
+                      <a:tailEnd type="none" w="med" len="med"/>
+                    </a:lnR>
+                    <a:lnT w="12700" cap="flat" cmpd="sng" algn="ctr">
+                      <a:solidFill>
+                        <a:srgbClr val="000000"/>
+                      </a:solidFill>
+                      <a:prstDash val="solid"/>
+                      <a:round/>
+                      <a:headEnd type="none" w="med" len="med"/>
+                      <a:tailEnd type="none" w="med" len="med"/>
+                    </a:lnT>
+                    <a:lnB w="12700" cap="flat" cmpd="sng" algn="ctr">
+                      <a:solidFill>
+                        <a:srgbClr val="000000"/>
+                      </a:solidFill>
+                      <a:prstDash val="solid"/>
+                      <a:round/>
+                      <a:headEnd type="none" w="med" len="med"/>
+                      <a:tailEnd type="none" w="med" len="med"/>
+                    </a:lnB>
+                    <a:solidFill>
+                      <a:schemeClr val="tx2">
+                        <a:lumMod val="60000"/>
+                        <a:lumOff val="40000"/>
+                      </a:schemeClr>
+                    </a:solidFill>
+                  </a:tcPr>
                 </a:tc>
                 <a:tc>
                   <a:txBody>
                     <a:bodyPr/>
                     <a:lstStyle/>
                     <a:p>
-                      <a:pPr algn="ctr"/>
+                      <a:pPr algn="ctr">
+                        <a:lnSpc>
+                          <a:spcPct val="115000"/>
+                        </a:lnSpc>
+                        <a:spcAft>
+                          <a:spcPts val="0"/>
+                        </a:spcAft>
+                      </a:pPr>
                       <a:r>
-                        <a:rPr lang="pt-BR" sz="2400" b="1" cap="all" dirty="0" smtClean="0">
+                        <a:rPr lang="pt-BR" sz="2200" b="1" dirty="0" smtClean="0">
+                          <a:solidFill>
+                            <a:schemeClr val="bg1"/>
+                          </a:solidFill>
                           <a:effectLst/>
+                          <a:latin typeface="Times New Roman" pitchFamily="18" charset="0"/>
+                          <a:ea typeface="Calibri"/>
+                          <a:cs typeface="Times New Roman" pitchFamily="18" charset="0"/>
                         </a:rPr>
-                        <a:t>Compatibilidade</a:t>
+                        <a:t>COMPATIBILIDADE</a:t>
                       </a:r>
-                      <a:endParaRPr lang="pt-BR" sz="2400" b="1" cap="all" dirty="0">
+                      <a:endParaRPr lang="pt-BR" sz="2200" b="1" dirty="0">
                         <a:solidFill>
-                          <a:srgbClr val="333333"/>
+                          <a:schemeClr val="bg1"/>
                         </a:solidFill>
                         <a:effectLst/>
+                        <a:latin typeface="Times New Roman" pitchFamily="18" charset="0"/>
+                        <a:ea typeface="Calibri"/>
+                        <a:cs typeface="Times New Roman" pitchFamily="18" charset="0"/>
                       </a:endParaRPr>
                     </a:p>
                   </a:txBody>
-                  <a:tcPr marL="228600" marR="228600" marT="76200" marB="76200" anchor="ctr"/>
+                  <a:tcPr marL="68580" marR="68580" marT="0" marB="0">
+                    <a:lnL w="12700" cap="flat" cmpd="sng" algn="ctr">
+                      <a:solidFill>
+                        <a:srgbClr val="000000"/>
+                      </a:solidFill>
+                      <a:prstDash val="solid"/>
+                      <a:round/>
+                      <a:headEnd type="none" w="med" len="med"/>
+                      <a:tailEnd type="none" w="med" len="med"/>
+                    </a:lnL>
+                    <a:lnR w="12700" cap="flat" cmpd="sng" algn="ctr">
+                      <a:solidFill>
+                        <a:srgbClr val="000000"/>
+                      </a:solidFill>
+                      <a:prstDash val="solid"/>
+                      <a:round/>
+                      <a:headEnd type="none" w="med" len="med"/>
+                      <a:tailEnd type="none" w="med" len="med"/>
+                    </a:lnR>
+                    <a:lnT w="12700" cap="flat" cmpd="sng" algn="ctr">
+                      <a:solidFill>
+                        <a:srgbClr val="000000"/>
+                      </a:solidFill>
+                      <a:prstDash val="solid"/>
+                      <a:round/>
+                      <a:headEnd type="none" w="med" len="med"/>
+                      <a:tailEnd type="none" w="med" len="med"/>
+                    </a:lnT>
+                    <a:lnB w="12700" cap="flat" cmpd="sng" algn="ctr">
+                      <a:solidFill>
+                        <a:srgbClr val="000000"/>
+                      </a:solidFill>
+                      <a:prstDash val="solid"/>
+                      <a:round/>
+                      <a:headEnd type="none" w="med" len="med"/>
+                      <a:tailEnd type="none" w="med" len="med"/>
+                    </a:lnB>
+                    <a:solidFill>
+                      <a:schemeClr val="tx2">
+                        <a:lumMod val="60000"/>
+                        <a:lumOff val="40000"/>
+                      </a:schemeClr>
+                    </a:solidFill>
+                  </a:tcPr>
                 </a:tc>
               </a:tr>
-              <a:tr h="829863">
+              <a:tr h="660957">
                 <a:tc>
                   <a:txBody>
                     <a:bodyPr/>
                     <a:lstStyle/>
                     <a:p>
-                      <a:pPr algn="ctr" fontAlgn="t"/>
+                      <a:pPr algn="l">
+                        <a:lnSpc>
+                          <a:spcPct val="115000"/>
+                        </a:lnSpc>
+                        <a:spcAft>
+                          <a:spcPts val="0"/>
+                        </a:spcAft>
+                      </a:pPr>
                       <a:r>
                         <a:rPr lang="pt-BR" sz="2400" dirty="0" smtClean="0">
                           <a:effectLst/>
+                          <a:latin typeface="Times New Roman" panose="02020603050405020304" pitchFamily="18" charset="0"/>
+                          <a:ea typeface="Calibri"/>
+                          <a:cs typeface="Times New Roman" panose="02020603050405020304" pitchFamily="18" charset="0"/>
                         </a:rPr>
-                        <a:t>Maio</a:t>
+                        <a:t>Maio de 2019</a:t>
                       </a:r>
-                      <a:r>
-                        <a:rPr lang="pt-BR" sz="2400" baseline="0" dirty="0" smtClean="0">
-                          <a:effectLst/>
-                        </a:rPr>
-                        <a:t> de</a:t>
-                      </a:r>
-                      <a:r>
-                        <a:rPr lang="pt-BR" sz="2400" dirty="0" smtClean="0">
-                          <a:effectLst/>
-                        </a:rPr>
-                        <a:t> </a:t>
-                      </a:r>
-                      <a:r>
-                        <a:rPr lang="pt-BR" sz="2400" dirty="0">
-                          <a:effectLst/>
-                        </a:rPr>
-                        <a:t>2019</a:t>
-                      </a:r>
-                      <a:endParaRPr lang="pt-BR" sz="2400" b="0" dirty="0">
+                      <a:endParaRPr lang="pt-BR" sz="2400" dirty="0">
                         <a:effectLst/>
+                        <a:latin typeface="Times New Roman" panose="02020603050405020304" pitchFamily="18" charset="0"/>
+                        <a:ea typeface="Calibri"/>
+                        <a:cs typeface="Times New Roman" panose="02020603050405020304" pitchFamily="18" charset="0"/>
                       </a:endParaRPr>
                     </a:p>
                   </a:txBody>
-                  <a:tcPr marL="152400" marR="152400" marT="152400" marB="152400"/>
+                  <a:tcPr marL="68580" marR="68580" marT="0" marB="0" anchor="ctr">
+                    <a:lnL w="12700" cap="flat" cmpd="sng" algn="ctr">
+                      <a:solidFill>
+                        <a:srgbClr val="000000"/>
+                      </a:solidFill>
+                      <a:prstDash val="solid"/>
+                      <a:round/>
+                      <a:headEnd type="none" w="med" len="med"/>
+                      <a:tailEnd type="none" w="med" len="med"/>
+                    </a:lnL>
+                    <a:lnR w="12700" cap="flat" cmpd="sng" algn="ctr">
+                      <a:solidFill>
+                        <a:srgbClr val="000000"/>
+                      </a:solidFill>
+                      <a:prstDash val="solid"/>
+                      <a:round/>
+                      <a:headEnd type="none" w="med" len="med"/>
+                      <a:tailEnd type="none" w="med" len="med"/>
+                    </a:lnR>
+                    <a:lnT w="12700" cap="flat" cmpd="sng" algn="ctr">
+                      <a:solidFill>
+                        <a:srgbClr val="000000"/>
+                      </a:solidFill>
+                      <a:prstDash val="solid"/>
+                      <a:round/>
+                      <a:headEnd type="none" w="med" len="med"/>
+                      <a:tailEnd type="none" w="med" len="med"/>
+                    </a:lnT>
+                    <a:lnB w="12700" cap="flat" cmpd="sng" algn="ctr">
+                      <a:solidFill>
+                        <a:srgbClr val="000000"/>
+                      </a:solidFill>
+                      <a:prstDash val="solid"/>
+                      <a:round/>
+                      <a:headEnd type="none" w="med" len="med"/>
+                      <a:tailEnd type="none" w="med" len="med"/>
+                    </a:lnB>
+                  </a:tcPr>
                 </a:tc>
                 <a:tc>
                   <a:txBody>
                     <a:bodyPr/>
                     <a:lstStyle/>
                     <a:p>
-                      <a:pPr algn="ctr" fontAlgn="t"/>
+                      <a:pPr algn="ctr">
+                        <a:lnSpc>
+                          <a:spcPct val="115000"/>
+                        </a:lnSpc>
+                        <a:spcAft>
+                          <a:spcPts val="0"/>
+                        </a:spcAft>
+                      </a:pPr>
                       <a:r>
-                        <a:rPr lang="pt-BR" sz="2400" dirty="0">
+                        <a:rPr lang="pt-BR" sz="2400" dirty="0" smtClean="0">
                           <a:effectLst/>
+                          <a:latin typeface="Times New Roman" panose="02020603050405020304" pitchFamily="18" charset="0"/>
+                          <a:ea typeface="Calibri"/>
+                          <a:cs typeface="Times New Roman" panose="02020603050405020304" pitchFamily="18" charset="0"/>
                         </a:rPr>
                         <a:t>8.0.0</a:t>
                       </a:r>
-                      <a:endParaRPr lang="pt-BR" sz="2400" b="0" dirty="0">
+                      <a:endParaRPr lang="pt-BR" sz="2400" dirty="0">
                         <a:effectLst/>
+                        <a:latin typeface="Times New Roman" panose="02020603050405020304" pitchFamily="18" charset="0"/>
+                        <a:ea typeface="Calibri"/>
+                        <a:cs typeface="Times New Roman" panose="02020603050405020304" pitchFamily="18" charset="0"/>
                       </a:endParaRPr>
                     </a:p>
                   </a:txBody>
-                  <a:tcPr marL="152400" marR="152400" marT="152400" marB="152400"/>
+                  <a:tcPr marL="68580" marR="68580" marT="0" marB="0" anchor="ctr">
+                    <a:lnL w="12700" cap="flat" cmpd="sng" algn="ctr">
+                      <a:solidFill>
+                        <a:srgbClr val="000000"/>
+                      </a:solidFill>
+                      <a:prstDash val="solid"/>
+                      <a:round/>
+                      <a:headEnd type="none" w="med" len="med"/>
+                      <a:tailEnd type="none" w="med" len="med"/>
+                    </a:lnL>
+                    <a:lnR w="12700" cap="flat" cmpd="sng" algn="ctr">
+                      <a:solidFill>
+                        <a:srgbClr val="000000"/>
+                      </a:solidFill>
+                      <a:prstDash val="solid"/>
+                      <a:round/>
+                      <a:headEnd type="none" w="med" len="med"/>
+                      <a:tailEnd type="none" w="med" len="med"/>
+                    </a:lnR>
+                    <a:lnT w="12700" cap="flat" cmpd="sng" algn="ctr">
+                      <a:solidFill>
+                        <a:srgbClr val="000000"/>
+                      </a:solidFill>
+                      <a:prstDash val="solid"/>
+                      <a:round/>
+                      <a:headEnd type="none" w="med" len="med"/>
+                      <a:tailEnd type="none" w="med" len="med"/>
+                    </a:lnT>
+                    <a:lnB w="12700" cap="flat" cmpd="sng" algn="ctr">
+                      <a:solidFill>
+                        <a:srgbClr val="000000"/>
+                      </a:solidFill>
+                      <a:prstDash val="solid"/>
+                      <a:round/>
+                      <a:headEnd type="none" w="med" len="med"/>
+                      <a:tailEnd type="none" w="med" len="med"/>
+                    </a:lnB>
+                  </a:tcPr>
                 </a:tc>
                 <a:tc>
                   <a:txBody>
                     <a:bodyPr/>
                     <a:lstStyle/>
                     <a:p>
-                      <a:pPr algn="ctr" fontAlgn="t"/>
+                      <a:pPr algn="ctr">
+                        <a:lnSpc>
+                          <a:spcPct val="115000"/>
+                        </a:lnSpc>
+                        <a:spcAft>
+                          <a:spcPts val="0"/>
+                        </a:spcAft>
+                      </a:pPr>
                       <a:r>
-                        <a:rPr lang="pt-BR" sz="2400" dirty="0">
+                        <a:rPr lang="pt-BR" sz="2400" kern="1200" dirty="0" smtClean="0">
+                          <a:solidFill>
+                            <a:schemeClr val="tx1"/>
+                          </a:solidFill>
                           <a:effectLst/>
+                          <a:latin typeface="Times New Roman" panose="02020603050405020304" pitchFamily="18" charset="0"/>
+                          <a:ea typeface="Calibri"/>
+                          <a:cs typeface="Times New Roman" panose="02020603050405020304" pitchFamily="18" charset="0"/>
                         </a:rPr>
                         <a:t>^7.0.0</a:t>
                       </a:r>
-                      <a:endParaRPr lang="pt-BR" sz="2400" b="0" dirty="0">
-                        <a:effectLst/>
-                      </a:endParaRPr>
                     </a:p>
                   </a:txBody>
-                  <a:tcPr marL="152400" marR="152400" marT="152400" marB="152400"/>
+                  <a:tcPr marL="68580" marR="68580" marT="0" marB="0" anchor="ctr">
+                    <a:lnL w="12700" cap="flat" cmpd="sng" algn="ctr">
+                      <a:solidFill>
+                        <a:srgbClr val="000000"/>
+                      </a:solidFill>
+                      <a:prstDash val="solid"/>
+                      <a:round/>
+                      <a:headEnd type="none" w="med" len="med"/>
+                      <a:tailEnd type="none" w="med" len="med"/>
+                    </a:lnL>
+                    <a:lnR w="12700" cap="flat" cmpd="sng" algn="ctr">
+                      <a:solidFill>
+                        <a:srgbClr val="000000"/>
+                      </a:solidFill>
+                      <a:prstDash val="solid"/>
+                      <a:round/>
+                      <a:headEnd type="none" w="med" len="med"/>
+                      <a:tailEnd type="none" w="med" len="med"/>
+                    </a:lnR>
+                    <a:lnT w="12700" cap="flat" cmpd="sng" algn="ctr">
+                      <a:solidFill>
+                        <a:srgbClr val="000000"/>
+                      </a:solidFill>
+                      <a:prstDash val="solid"/>
+                      <a:round/>
+                      <a:headEnd type="none" w="med" len="med"/>
+                      <a:tailEnd type="none" w="med" len="med"/>
+                    </a:lnT>
+                    <a:lnB w="12700" cap="flat" cmpd="sng" algn="ctr">
+                      <a:solidFill>
+                        <a:srgbClr val="000000"/>
+                      </a:solidFill>
+                      <a:prstDash val="solid"/>
+                      <a:round/>
+                      <a:headEnd type="none" w="med" len="med"/>
+                      <a:tailEnd type="none" w="med" len="med"/>
+                    </a:lnB>
+                  </a:tcPr>
                 </a:tc>
               </a:tr>
-              <a:tr h="878505">
+              <a:tr h="895102">
                 <a:tc>
                   <a:txBody>
                     <a:bodyPr/>
                     <a:lstStyle/>
                     <a:p>
-                      <a:pPr algn="ctr" fontAlgn="t"/>
+                      <a:pPr marL="0" algn="l" defTabSz="914400" rtl="0" eaLnBrk="1" latinLnBrk="0" hangingPunct="1">
+                        <a:lnSpc>
+                          <a:spcPct val="115000"/>
+                        </a:lnSpc>
+                        <a:spcAft>
+                          <a:spcPts val="0"/>
+                        </a:spcAft>
+                      </a:pPr>
                       <a:r>
-                        <a:rPr lang="pt-BR" sz="2400" dirty="0" smtClean="0">
+                        <a:rPr lang="pt-BR" sz="2400" kern="1200" dirty="0" smtClean="0">
+                          <a:solidFill>
+                            <a:schemeClr val="tx1"/>
+                          </a:solidFill>
                           <a:effectLst/>
+                          <a:latin typeface="Times New Roman" panose="02020603050405020304" pitchFamily="18" charset="0"/>
+                          <a:ea typeface="Calibri"/>
+                          <a:cs typeface="Times New Roman" panose="02020603050405020304" pitchFamily="18" charset="0"/>
                         </a:rPr>
-                        <a:t>Out/</a:t>
+                        <a:t>Out./Nov. de 2019</a:t>
                       </a:r>
-                      <a:r>
-                        <a:rPr lang="pt-BR" sz="2400" dirty="0" err="1" smtClean="0">
-                          <a:effectLst/>
-                        </a:rPr>
-                        <a:t>Nov</a:t>
-                      </a:r>
-                      <a:r>
-                        <a:rPr lang="pt-BR" sz="2400" baseline="0" dirty="0" smtClean="0">
-                          <a:effectLst/>
-                        </a:rPr>
-                        <a:t> de </a:t>
-                      </a:r>
-                      <a:r>
-                        <a:rPr lang="pt-BR" sz="2400" dirty="0" smtClean="0">
-                          <a:effectLst/>
-                        </a:rPr>
-                        <a:t>2019</a:t>
-                      </a:r>
-                      <a:endParaRPr lang="pt-BR" sz="2400" b="0" dirty="0">
+                      <a:endParaRPr lang="pt-BR" sz="2400" kern="1200" dirty="0">
+                        <a:solidFill>
+                          <a:schemeClr val="tx1"/>
+                        </a:solidFill>
                         <a:effectLst/>
+                        <a:latin typeface="Times New Roman" panose="02020603050405020304" pitchFamily="18" charset="0"/>
+                        <a:ea typeface="Calibri"/>
+                        <a:cs typeface="Times New Roman" panose="02020603050405020304" pitchFamily="18" charset="0"/>
                       </a:endParaRPr>
                     </a:p>
                   </a:txBody>
-                  <a:tcPr marL="152400" marR="152400" marT="152400" marB="152400"/>
+                  <a:tcPr marL="68580" marR="68580" marT="0" marB="0" anchor="ctr">
+                    <a:lnL w="12700" cap="flat" cmpd="sng" algn="ctr">
+                      <a:solidFill>
+                        <a:srgbClr val="000000"/>
+                      </a:solidFill>
+                      <a:prstDash val="solid"/>
+                      <a:round/>
+                      <a:headEnd type="none" w="med" len="med"/>
+                      <a:tailEnd type="none" w="med" len="med"/>
+                    </a:lnL>
+                    <a:lnR w="12700" cap="flat" cmpd="sng" algn="ctr">
+                      <a:solidFill>
+                        <a:srgbClr val="000000"/>
+                      </a:solidFill>
+                      <a:prstDash val="solid"/>
+                      <a:round/>
+                      <a:headEnd type="none" w="med" len="med"/>
+                      <a:tailEnd type="none" w="med" len="med"/>
+                    </a:lnR>
+                    <a:lnT w="12700" cap="flat" cmpd="sng" algn="ctr">
+                      <a:solidFill>
+                        <a:srgbClr val="000000"/>
+                      </a:solidFill>
+                      <a:prstDash val="solid"/>
+                      <a:round/>
+                      <a:headEnd type="none" w="med" len="med"/>
+                      <a:tailEnd type="none" w="med" len="med"/>
+                    </a:lnT>
+                    <a:lnB w="12700" cap="flat" cmpd="sng" algn="ctr">
+                      <a:solidFill>
+                        <a:srgbClr val="000000"/>
+                      </a:solidFill>
+                      <a:prstDash val="solid"/>
+                      <a:round/>
+                      <a:headEnd type="none" w="med" len="med"/>
+                      <a:tailEnd type="none" w="med" len="med"/>
+                    </a:lnB>
+                  </a:tcPr>
                 </a:tc>
                 <a:tc>
                   <a:txBody>
                     <a:bodyPr/>
                     <a:lstStyle/>
                     <a:p>
-                      <a:pPr algn="ctr" fontAlgn="t"/>
+                      <a:pPr algn="ctr">
+                        <a:lnSpc>
+                          <a:spcPct val="115000"/>
+                        </a:lnSpc>
+                        <a:spcAft>
+                          <a:spcPts val="0"/>
+                        </a:spcAft>
+                      </a:pPr>
                       <a:r>
-                        <a:rPr lang="pt-BR" sz="2400" dirty="0">
+                        <a:rPr lang="pt-BR" sz="2400" dirty="0" smtClean="0">
                           <a:effectLst/>
+                          <a:latin typeface="Times New Roman" panose="02020603050405020304" pitchFamily="18" charset="0"/>
+                          <a:ea typeface="Calibri"/>
+                          <a:cs typeface="Times New Roman" panose="02020603050405020304" pitchFamily="18" charset="0"/>
                         </a:rPr>
                         <a:t>9.0.0</a:t>
                       </a:r>
-                      <a:endParaRPr lang="pt-BR" sz="2400" b="0" dirty="0">
+                      <a:endParaRPr lang="pt-BR" sz="2400" dirty="0" smtClean="0">
                         <a:effectLst/>
+                        <a:latin typeface="Times New Roman" panose="02020603050405020304" pitchFamily="18" charset="0"/>
+                        <a:ea typeface="Calibri"/>
+                        <a:cs typeface="Times New Roman" panose="02020603050405020304" pitchFamily="18" charset="0"/>
                       </a:endParaRPr>
                     </a:p>
                   </a:txBody>
-                  <a:tcPr marL="152400" marR="152400" marT="152400" marB="152400"/>
+                  <a:tcPr marL="68580" marR="68580" marT="0" marB="0" anchor="ctr">
+                    <a:lnL w="12700" cap="flat" cmpd="sng" algn="ctr">
+                      <a:solidFill>
+                        <a:srgbClr val="000000"/>
+                      </a:solidFill>
+                      <a:prstDash val="solid"/>
+                      <a:round/>
+                      <a:headEnd type="none" w="med" len="med"/>
+                      <a:tailEnd type="none" w="med" len="med"/>
+                    </a:lnL>
+                    <a:lnR w="12700" cap="flat" cmpd="sng" algn="ctr">
+                      <a:solidFill>
+                        <a:srgbClr val="000000"/>
+                      </a:solidFill>
+                      <a:prstDash val="solid"/>
+                      <a:round/>
+                      <a:headEnd type="none" w="med" len="med"/>
+                      <a:tailEnd type="none" w="med" len="med"/>
+                    </a:lnR>
+                    <a:lnT w="12700" cap="flat" cmpd="sng" algn="ctr">
+                      <a:solidFill>
+                        <a:srgbClr val="000000"/>
+                      </a:solidFill>
+                      <a:prstDash val="solid"/>
+                      <a:round/>
+                      <a:headEnd type="none" w="med" len="med"/>
+                      <a:tailEnd type="none" w="med" len="med"/>
+                    </a:lnT>
+                    <a:lnB w="12700" cap="flat" cmpd="sng" algn="ctr">
+                      <a:solidFill>
+                        <a:srgbClr val="000000"/>
+                      </a:solidFill>
+                      <a:prstDash val="solid"/>
+                      <a:round/>
+                      <a:headEnd type="none" w="med" len="med"/>
+                      <a:tailEnd type="none" w="med" len="med"/>
+                    </a:lnB>
+                  </a:tcPr>
                 </a:tc>
                 <a:tc>
                   <a:txBody>
                     <a:bodyPr/>
                     <a:lstStyle/>
                     <a:p>
-                      <a:pPr algn="ctr" fontAlgn="t"/>
+                      <a:pPr algn="ctr">
+                        <a:lnSpc>
+                          <a:spcPct val="115000"/>
+                        </a:lnSpc>
+                        <a:spcAft>
+                          <a:spcPts val="0"/>
+                        </a:spcAft>
+                      </a:pPr>
                       <a:r>
-                        <a:rPr lang="pt-BR" sz="2400" dirty="0">
+                        <a:rPr lang="pt-BR" sz="2400" dirty="0" smtClean="0">
                           <a:effectLst/>
+                          <a:latin typeface="Times New Roman" panose="02020603050405020304" pitchFamily="18" charset="0"/>
+                          <a:ea typeface="Calibri"/>
+                          <a:cs typeface="Times New Roman" panose="02020603050405020304" pitchFamily="18" charset="0"/>
                         </a:rPr>
                         <a:t>^8.0.0</a:t>
                       </a:r>
-                      <a:endParaRPr lang="pt-BR" sz="2400" b="0" dirty="0">
-                        <a:effectLst/>
-                      </a:endParaRPr>
                     </a:p>
                   </a:txBody>
-                  <a:tcPr marL="152400" marR="152400" marT="152400" marB="152400"/>
+                  <a:tcPr marL="68580" marR="68580" marT="0" marB="0" anchor="ctr">
+                    <a:lnL w="12700" cap="flat" cmpd="sng" algn="ctr">
+                      <a:solidFill>
+                        <a:srgbClr val="000000"/>
+                      </a:solidFill>
+                      <a:prstDash val="solid"/>
+                      <a:round/>
+                      <a:headEnd type="none" w="med" len="med"/>
+                      <a:tailEnd type="none" w="med" len="med"/>
+                    </a:lnL>
+                    <a:lnR w="12700" cap="flat" cmpd="sng" algn="ctr">
+                      <a:solidFill>
+                        <a:srgbClr val="000000"/>
+                      </a:solidFill>
+                      <a:prstDash val="solid"/>
+                      <a:round/>
+                      <a:headEnd type="none" w="med" len="med"/>
+                      <a:tailEnd type="none" w="med" len="med"/>
+                    </a:lnR>
+                    <a:lnT w="12700" cap="flat" cmpd="sng" algn="ctr">
+                      <a:solidFill>
+                        <a:srgbClr val="000000"/>
+                      </a:solidFill>
+                      <a:prstDash val="solid"/>
+                      <a:round/>
+                      <a:headEnd type="none" w="med" len="med"/>
+                      <a:tailEnd type="none" w="med" len="med"/>
+                    </a:lnT>
+                    <a:lnB w="12700" cap="flat" cmpd="sng" algn="ctr">
+                      <a:solidFill>
+                        <a:srgbClr val="000000"/>
+                      </a:solidFill>
+                      <a:prstDash val="solid"/>
+                      <a:round/>
+                      <a:headEnd type="none" w="med" len="med"/>
+                      <a:tailEnd type="none" w="med" len="med"/>
+                    </a:lnB>
+                  </a:tcPr>
                 </a:tc>
               </a:tr>
             </a:tbl>
@@ -8014,8 +8907,8 @@
         </p:nvSpPr>
         <p:spPr>
           <a:xfrm>
-            <a:off x="395536" y="1772816"/>
-            <a:ext cx="8424936" cy="4320480"/>
+            <a:off x="251520" y="1621307"/>
+            <a:ext cx="8568952" cy="4320480"/>
           </a:xfrm>
         </p:spPr>
         <p:txBody>
@@ -8024,9 +8917,10 @@
           </a:bodyPr>
           <a:lstStyle/>
           <a:p>
+            <a:pPr algn="just"/>
             <a:r>
               <a:rPr lang="pt-BR" sz="2600" dirty="0" err="1" smtClean="0">
-                <a:latin typeface="Times New Roman" pitchFamily="18" charset="0"/>
+                <a:latin typeface="Times New Roman" panose="02020603050405020304" pitchFamily="18" charset="0"/>
                 <a:cs typeface="Times New Roman" pitchFamily="18" charset="0"/>
               </a:rPr>
               <a:t>NodeJS</a:t>
@@ -8049,80 +8943,80 @@
           <a:p>
             <a:pPr algn="just"/>
             <a:r>
-              <a:rPr lang="pt-BR" sz="2400" b="0" dirty="0" smtClean="0">
+              <a:rPr lang="pt-BR" sz="2600" b="0" dirty="0" smtClean="0">
                 <a:latin typeface="Times New Roman" panose="02020603050405020304" pitchFamily="18" charset="0"/>
                 <a:cs typeface="Times New Roman" pitchFamily="18" charset="0"/>
               </a:rPr>
               <a:t>O </a:t>
             </a:r>
             <a:r>
-              <a:rPr lang="pt-BR" sz="2400" b="0" dirty="0" err="1">
+              <a:rPr lang="pt-BR" sz="2600" b="0" dirty="0" err="1">
                 <a:latin typeface="Times New Roman" pitchFamily="18" charset="0"/>
                 <a:cs typeface="Times New Roman" pitchFamily="18" charset="0"/>
               </a:rPr>
               <a:t>NodeJS</a:t>
             </a:r>
             <a:r>
-              <a:rPr lang="pt-BR" sz="2400" b="0" dirty="0">
+              <a:rPr lang="pt-BR" sz="2600" b="0" dirty="0">
                 <a:latin typeface="Times New Roman" pitchFamily="18" charset="0"/>
                 <a:cs typeface="Times New Roman" pitchFamily="18" charset="0"/>
               </a:rPr>
               <a:t> é um interpretador de código </a:t>
             </a:r>
             <a:r>
-              <a:rPr lang="pt-BR" sz="2400" b="0" dirty="0" err="1">
+              <a:rPr lang="pt-BR" sz="2600" b="0" dirty="0" err="1">
                 <a:latin typeface="Times New Roman" pitchFamily="18" charset="0"/>
                 <a:cs typeface="Times New Roman" pitchFamily="18" charset="0"/>
               </a:rPr>
               <a:t>JavaScript</a:t>
             </a:r>
             <a:r>
-              <a:rPr lang="pt-BR" sz="2400" b="0" dirty="0">
+              <a:rPr lang="pt-BR" sz="2600" b="0" dirty="0">
                 <a:latin typeface="Times New Roman" pitchFamily="18" charset="0"/>
                 <a:cs typeface="Times New Roman" pitchFamily="18" charset="0"/>
               </a:rPr>
               <a:t> com o código aberto, focado em migrar o </a:t>
             </a:r>
             <a:r>
-              <a:rPr lang="pt-BR" sz="2400" b="0" dirty="0" err="1">
+              <a:rPr lang="pt-BR" sz="2600" b="0" dirty="0" err="1">
                 <a:latin typeface="Times New Roman" pitchFamily="18" charset="0"/>
                 <a:cs typeface="Times New Roman" pitchFamily="18" charset="0"/>
               </a:rPr>
               <a:t>Javascript</a:t>
             </a:r>
             <a:r>
-              <a:rPr lang="pt-BR" sz="2400" b="0" dirty="0">
+              <a:rPr lang="pt-BR" sz="2600" b="0" dirty="0">
                 <a:latin typeface="Times New Roman" pitchFamily="18" charset="0"/>
                 <a:cs typeface="Times New Roman" pitchFamily="18" charset="0"/>
               </a:rPr>
               <a:t> do lado do cliente para servidores</a:t>
             </a:r>
             <a:r>
-              <a:rPr lang="pt-BR" sz="2400" b="0" dirty="0" smtClean="0">
+              <a:rPr lang="pt-BR" sz="2600" b="0" dirty="0" smtClean="0">
                 <a:latin typeface="Times New Roman" pitchFamily="18" charset="0"/>
                 <a:cs typeface="Times New Roman" pitchFamily="18" charset="0"/>
               </a:rPr>
               <a:t>.</a:t>
             </a:r>
-            <a:endParaRPr lang="pt-BR" sz="2400" b="0" dirty="0">
+            <a:endParaRPr lang="pt-BR" sz="2600" b="0" dirty="0">
               <a:latin typeface="Times New Roman" pitchFamily="18" charset="0"/>
               <a:cs typeface="Times New Roman" pitchFamily="18" charset="0"/>
             </a:endParaRPr>
           </a:p>
           <a:p>
-            <a:pPr marL="457200" indent="-457200">
+            <a:pPr marL="457200" indent="-457200" algn="just">
               <a:buFont typeface="Arial" pitchFamily="34" charset="0"/>
               <a:buChar char="•"/>
             </a:pPr>
             <a:r>
-              <a:rPr lang="pt-BR" b="0" dirty="0">
+              <a:rPr lang="pt-BR" sz="2600" b="0" dirty="0">
                 <a:latin typeface="Times New Roman" pitchFamily="18" charset="0"/>
                 <a:cs typeface="Times New Roman" pitchFamily="18" charset="0"/>
               </a:rPr>
               <a:t>Acesse o link abaixo para realizar o download do </a:t>
             </a:r>
             <a:r>
-              <a:rPr lang="pt-BR" b="0" dirty="0" smtClean="0">
+              <a:rPr lang="pt-BR" sz="2600" b="0" dirty="0" smtClean="0">
                 <a:latin typeface="Times New Roman" pitchFamily="18" charset="0"/>
                 <a:cs typeface="Times New Roman" pitchFamily="18" charset="0"/>
               </a:rPr>
@@ -8130,133 +9024,98 @@
             </a:r>
           </a:p>
           <a:p>
-            <a:pPr marL="914400" lvl="1" indent="-457200"/>
-            <a:r>
-              <a:rPr lang="pt-BR" b="0" u="sng" dirty="0" smtClean="0">
+            <a:pPr lvl="1" indent="0" algn="just">
+              <a:buNone/>
+            </a:pPr>
+            <a:r>
+              <a:rPr lang="pt-BR" sz="2600" u="sng" dirty="0" smtClean="0">
                 <a:solidFill>
                   <a:srgbClr val="0070C0"/>
                 </a:solidFill>
                 <a:latin typeface="Times New Roman" pitchFamily="18" charset="0"/>
                 <a:cs typeface="Times New Roman" pitchFamily="18" charset="0"/>
-                <a:hlinkClick r:id="rId2"/>
               </a:rPr>
               <a:t>https</a:t>
             </a:r>
             <a:r>
-              <a:rPr lang="pt-BR" b="0" u="sng" dirty="0">
+              <a:rPr lang="pt-BR" sz="2600" u="sng" dirty="0">
                 <a:solidFill>
                   <a:srgbClr val="0070C0"/>
                 </a:solidFill>
                 <a:latin typeface="Times New Roman" pitchFamily="18" charset="0"/>
                 <a:cs typeface="Times New Roman" pitchFamily="18" charset="0"/>
-                <a:hlinkClick r:id="rId2"/>
-              </a:rPr>
-              <a:t>://</a:t>
-            </a:r>
-            <a:r>
-              <a:rPr lang="pt-BR" b="0" u="sng" dirty="0" smtClean="0">
+              </a:rPr>
+              <a:t>://nodejs.org/en/download</a:t>
+            </a:r>
+          </a:p>
+          <a:p>
+            <a:pPr marL="457200" indent="-457200" algn="just">
+              <a:buFont typeface="Arial" pitchFamily="34" charset="0"/>
+              <a:buChar char="•"/>
+            </a:pPr>
+            <a:r>
+              <a:rPr lang="pt-BR" sz="2600" b="0" dirty="0" smtClean="0">
+                <a:latin typeface="Times New Roman" pitchFamily="18" charset="0"/>
+                <a:cs typeface="Times New Roman" pitchFamily="18" charset="0"/>
+              </a:rPr>
+              <a:t>Baixe os arquivos do repositório:</a:t>
+            </a:r>
+          </a:p>
+          <a:p>
+            <a:pPr lvl="1" indent="0" algn="just">
+              <a:buNone/>
+            </a:pPr>
+            <a:r>
+              <a:rPr lang="pt-BR" sz="2600" u="sng" dirty="0">
                 <a:solidFill>
                   <a:srgbClr val="0070C0"/>
                 </a:solidFill>
                 <a:latin typeface="Times New Roman" pitchFamily="18" charset="0"/>
                 <a:cs typeface="Times New Roman" pitchFamily="18" charset="0"/>
-                <a:hlinkClick r:id="rId2"/>
-              </a:rPr>
-              <a:t>nodejs.org/en/download</a:t>
-            </a:r>
-            <a:endParaRPr lang="pt-BR" b="0" u="sng" dirty="0" smtClean="0">
-              <a:solidFill>
-                <a:srgbClr val="0070C0"/>
-              </a:solidFill>
-              <a:latin typeface="Times New Roman" pitchFamily="18" charset="0"/>
-              <a:cs typeface="Times New Roman" pitchFamily="18" charset="0"/>
-            </a:endParaRPr>
-          </a:p>
-          <a:p>
-            <a:pPr marL="457200" indent="-457200">
+              </a:rPr>
+              <a:t>https://github.com/roney-amorim/workshop-angular</a:t>
+            </a:r>
+          </a:p>
+          <a:p>
+            <a:pPr marL="457200" indent="-457200" algn="just">
               <a:buFont typeface="Arial" pitchFamily="34" charset="0"/>
               <a:buChar char="•"/>
             </a:pPr>
             <a:r>
-              <a:rPr lang="pt-BR" b="0" dirty="0" smtClean="0">
-                <a:latin typeface="Times New Roman" pitchFamily="18" charset="0"/>
-                <a:cs typeface="Times New Roman" pitchFamily="18" charset="0"/>
-              </a:rPr>
-              <a:t>Baixe os arquivos do repositório:</a:t>
-            </a:r>
-          </a:p>
-          <a:p>
-            <a:pPr marL="914400" lvl="1" indent="-457200"/>
-            <a:r>
-              <a:rPr lang="pt-BR" dirty="0" smtClean="0">
-                <a:solidFill>
-                  <a:srgbClr val="0070C0"/>
-                </a:solidFill>
-                <a:latin typeface="Times New Roman" panose="02020603050405020304" pitchFamily="18" charset="0"/>
-                <a:cs typeface="Times New Roman" panose="02020603050405020304" pitchFamily="18" charset="0"/>
-                <a:hlinkClick r:id="rId3"/>
-              </a:rPr>
-              <a:t>https</a:t>
-            </a:r>
-            <a:r>
-              <a:rPr lang="pt-BR" dirty="0">
-                <a:solidFill>
-                  <a:srgbClr val="0070C0"/>
-                </a:solidFill>
-                <a:latin typeface="Times New Roman" panose="02020603050405020304" pitchFamily="18" charset="0"/>
-                <a:cs typeface="Times New Roman" panose="02020603050405020304" pitchFamily="18" charset="0"/>
-                <a:hlinkClick r:id="rId3"/>
-              </a:rPr>
-              <a:t>://github.com/roney-amorim/workshop-angular</a:t>
-            </a:r>
-            <a:endParaRPr lang="pt-BR" b="0" u="sng" dirty="0" smtClean="0">
-              <a:solidFill>
-                <a:srgbClr val="0070C0"/>
-              </a:solidFill>
-              <a:latin typeface="Times New Roman" pitchFamily="18" charset="0"/>
-              <a:cs typeface="Times New Roman" pitchFamily="18" charset="0"/>
-            </a:endParaRPr>
-          </a:p>
-          <a:p>
-            <a:pPr marL="457200" indent="-457200">
+              <a:rPr lang="pt-BR" sz="2600" b="0" dirty="0" smtClean="0">
+                <a:latin typeface="Times New Roman" pitchFamily="18" charset="0"/>
+                <a:cs typeface="Times New Roman" pitchFamily="18" charset="0"/>
+              </a:rPr>
+              <a:t>Realize a instalação do </a:t>
+            </a:r>
+            <a:r>
+              <a:rPr lang="pt-BR" sz="2600" b="0" dirty="0" err="1" smtClean="0">
+                <a:latin typeface="Times New Roman" pitchFamily="18" charset="0"/>
+                <a:cs typeface="Times New Roman" pitchFamily="18" charset="0"/>
+              </a:rPr>
+              <a:t>NodeJs</a:t>
+            </a:r>
+            <a:r>
+              <a:rPr lang="pt-BR" sz="2600" b="0" dirty="0" smtClean="0">
+                <a:latin typeface="Times New Roman" pitchFamily="18" charset="0"/>
+                <a:cs typeface="Times New Roman" pitchFamily="18" charset="0"/>
+              </a:rPr>
+              <a:t>.</a:t>
+            </a:r>
+          </a:p>
+          <a:p>
+            <a:pPr marL="457200" indent="-457200" algn="just">
               <a:buFont typeface="Arial" pitchFamily="34" charset="0"/>
               <a:buChar char="•"/>
             </a:pPr>
             <a:r>
-              <a:rPr lang="pt-BR" b="0" dirty="0" smtClean="0">
-                <a:latin typeface="Times New Roman" pitchFamily="18" charset="0"/>
-                <a:cs typeface="Times New Roman" pitchFamily="18" charset="0"/>
-              </a:rPr>
-              <a:t>Realize a instalação do </a:t>
-            </a:r>
-            <a:r>
-              <a:rPr lang="pt-BR" b="0" dirty="0" err="1" smtClean="0">
-                <a:latin typeface="Times New Roman" pitchFamily="18" charset="0"/>
-                <a:cs typeface="Times New Roman" pitchFamily="18" charset="0"/>
-              </a:rPr>
-              <a:t>NodeJs</a:t>
-            </a:r>
-            <a:r>
-              <a:rPr lang="pt-BR" b="0" dirty="0" smtClean="0">
-                <a:latin typeface="Times New Roman" pitchFamily="18" charset="0"/>
-                <a:cs typeface="Times New Roman" pitchFamily="18" charset="0"/>
-              </a:rPr>
-              <a:t>.</a:t>
-            </a:r>
-          </a:p>
-          <a:p>
-            <a:pPr marL="457200" indent="-457200">
-              <a:buFont typeface="Arial" pitchFamily="34" charset="0"/>
-              <a:buChar char="•"/>
-            </a:pPr>
-            <a:r>
-              <a:rPr lang="pt-BR" b="0" dirty="0" smtClean="0">
+              <a:rPr lang="pt-BR" sz="2600" b="0" dirty="0" smtClean="0">
                 <a:latin typeface="Times New Roman" pitchFamily="18" charset="0"/>
                 <a:cs typeface="Times New Roman" pitchFamily="18" charset="0"/>
               </a:rPr>
               <a:t>Executar os comandos do arquivo proxy-config.txt</a:t>
             </a:r>
-            <a:endParaRPr lang="pt-BR" b="0" dirty="0">
+            <a:endParaRPr lang="pt-BR" sz="2600" b="0" dirty="0">
               <a:latin typeface="Times New Roman" pitchFamily="18" charset="0"/>
               <a:cs typeface="Times New Roman" pitchFamily="18" charset="0"/>
             </a:endParaRPr>
@@ -8320,7 +9179,7 @@
           <p:nvPr/>
         </p:nvPicPr>
         <p:blipFill rotWithShape="1">
-          <a:blip r:embed="rId4" cstate="print">
+          <a:blip r:embed="rId2" cstate="print">
             <a:extLst>
               <a:ext uri="{28A0092B-C50C-407E-A947-70E740481C1C}">
                 <a14:useLocalDpi xmlns:a14="http://schemas.microsoft.com/office/drawing/2010/main" val="0"/>
@@ -8714,8 +9573,8 @@
         </p:nvSpPr>
         <p:spPr>
           <a:xfrm>
-            <a:off x="395536" y="1772816"/>
-            <a:ext cx="8424936" cy="4320480"/>
+            <a:off x="251520" y="1772816"/>
+            <a:ext cx="8568952" cy="4320480"/>
           </a:xfrm>
         </p:spPr>
         <p:txBody>
@@ -9873,20 +10732,20 @@
               <a:buChar char="•"/>
             </a:pPr>
             <a:r>
-              <a:rPr lang="pt-BR" b="0" dirty="0" err="1">
+              <a:rPr lang="pt-BR" sz="2600" b="0" dirty="0" err="1">
                 <a:latin typeface="Times New Roman" pitchFamily="18" charset="0"/>
                 <a:cs typeface="Times New Roman" pitchFamily="18" charset="0"/>
               </a:rPr>
               <a:t>p</a:t>
             </a:r>
             <a:r>
-              <a:rPr lang="pt-BR" b="0" dirty="0" err="1" smtClean="0">
+              <a:rPr lang="pt-BR" sz="2600" b="0" dirty="0" err="1" smtClean="0">
                 <a:latin typeface="Times New Roman" pitchFamily="18" charset="0"/>
                 <a:cs typeface="Times New Roman" pitchFamily="18" charset="0"/>
               </a:rPr>
               <a:t>ackage.json</a:t>
             </a:r>
-            <a:endParaRPr lang="pt-BR" b="0" dirty="0" smtClean="0">
+            <a:endParaRPr lang="pt-BR" sz="2600" b="0" dirty="0" smtClean="0">
               <a:latin typeface="Times New Roman" pitchFamily="18" charset="0"/>
               <a:cs typeface="Times New Roman" pitchFamily="18" charset="0"/>
             </a:endParaRPr>
@@ -9897,27 +10756,27 @@
               <a:buChar char="•"/>
             </a:pPr>
             <a:r>
-              <a:rPr lang="pt-BR" b="0" dirty="0" err="1" smtClean="0">
+              <a:rPr lang="pt-BR" sz="2600" b="0" dirty="0" err="1" smtClean="0">
                 <a:latin typeface="Times New Roman" pitchFamily="18" charset="0"/>
                 <a:cs typeface="Times New Roman" pitchFamily="18" charset="0"/>
               </a:rPr>
               <a:t>angular.json</a:t>
             </a:r>
             <a:r>
-              <a:rPr lang="pt-BR" b="0" dirty="0" smtClean="0">
+              <a:rPr lang="pt-BR" sz="2600" b="0" dirty="0" smtClean="0">
                 <a:latin typeface="Times New Roman" pitchFamily="18" charset="0"/>
                 <a:cs typeface="Times New Roman" pitchFamily="18" charset="0"/>
               </a:rPr>
               <a:t> ou angular-</a:t>
             </a:r>
             <a:r>
-              <a:rPr lang="pt-BR" b="0" dirty="0" err="1" smtClean="0">
+              <a:rPr lang="pt-BR" sz="2600" b="0" dirty="0" err="1" smtClean="0">
                 <a:latin typeface="Times New Roman" pitchFamily="18" charset="0"/>
                 <a:cs typeface="Times New Roman" pitchFamily="18" charset="0"/>
               </a:rPr>
               <a:t>cli.json</a:t>
             </a:r>
-            <a:endParaRPr lang="pt-BR" b="0" dirty="0" smtClean="0">
+            <a:endParaRPr lang="pt-BR" sz="2600" b="0" dirty="0" smtClean="0">
               <a:latin typeface="Times New Roman" pitchFamily="18" charset="0"/>
               <a:cs typeface="Times New Roman" pitchFamily="18" charset="0"/>
             </a:endParaRPr>
@@ -9928,20 +10787,20 @@
               <a:buChar char="•"/>
             </a:pPr>
             <a:r>
-              <a:rPr lang="pt-BR" b="0" dirty="0" smtClean="0">
+              <a:rPr lang="pt-BR" sz="2600" b="0" dirty="0" smtClean="0">
                 <a:latin typeface="Times New Roman" pitchFamily="18" charset="0"/>
                 <a:cs typeface="Times New Roman" pitchFamily="18" charset="0"/>
               </a:rPr>
               <a:t>/</a:t>
             </a:r>
             <a:r>
-              <a:rPr lang="pt-BR" b="0" dirty="0" err="1" smtClean="0">
+              <a:rPr lang="pt-BR" sz="2600" b="0" dirty="0" err="1" smtClean="0">
                 <a:latin typeface="Times New Roman" pitchFamily="18" charset="0"/>
                 <a:cs typeface="Times New Roman" pitchFamily="18" charset="0"/>
               </a:rPr>
               <a:t>node_modules</a:t>
             </a:r>
-            <a:endParaRPr lang="pt-BR" b="0" dirty="0" smtClean="0">
+            <a:endParaRPr lang="pt-BR" sz="2600" b="0" dirty="0" smtClean="0">
               <a:latin typeface="Times New Roman" pitchFamily="18" charset="0"/>
               <a:cs typeface="Times New Roman" pitchFamily="18" charset="0"/>
             </a:endParaRPr>
@@ -9952,20 +10811,20 @@
               <a:buChar char="•"/>
             </a:pPr>
             <a:r>
-              <a:rPr lang="pt-BR" b="0" dirty="0" smtClean="0">
+              <a:rPr lang="pt-BR" sz="2600" b="0" dirty="0" smtClean="0">
                 <a:latin typeface="Times New Roman" pitchFamily="18" charset="0"/>
                 <a:cs typeface="Times New Roman" pitchFamily="18" charset="0"/>
               </a:rPr>
               <a:t>/</a:t>
             </a:r>
             <a:r>
-              <a:rPr lang="pt-BR" b="0" dirty="0" err="1" smtClean="0">
+              <a:rPr lang="pt-BR" sz="2600" b="0" dirty="0" err="1" smtClean="0">
                 <a:latin typeface="Times New Roman" pitchFamily="18" charset="0"/>
                 <a:cs typeface="Times New Roman" pitchFamily="18" charset="0"/>
               </a:rPr>
               <a:t>src</a:t>
             </a:r>
-            <a:endParaRPr lang="pt-BR" b="0" dirty="0" smtClean="0">
+            <a:endParaRPr lang="pt-BR" sz="2600" b="0" dirty="0" smtClean="0">
               <a:latin typeface="Times New Roman" pitchFamily="18" charset="0"/>
               <a:cs typeface="Times New Roman" pitchFamily="18" charset="0"/>
             </a:endParaRPr>
@@ -9976,27 +10835,27 @@
               <a:buChar char="•"/>
             </a:pPr>
             <a:r>
-              <a:rPr lang="pt-BR" b="0" dirty="0">
+              <a:rPr lang="pt-BR" sz="2600" b="0" dirty="0">
                 <a:latin typeface="Times New Roman" pitchFamily="18" charset="0"/>
                 <a:cs typeface="Times New Roman" pitchFamily="18" charset="0"/>
               </a:rPr>
               <a:t>i</a:t>
             </a:r>
             <a:r>
-              <a:rPr lang="pt-BR" b="0" dirty="0" smtClean="0">
+              <a:rPr lang="pt-BR" sz="2600" b="0" dirty="0" smtClean="0">
                 <a:latin typeface="Times New Roman" pitchFamily="18" charset="0"/>
                 <a:cs typeface="Times New Roman" pitchFamily="18" charset="0"/>
               </a:rPr>
               <a:t>ndex.html, style.css e </a:t>
             </a:r>
             <a:r>
-              <a:rPr lang="pt-BR" b="0" dirty="0" err="1" smtClean="0">
+              <a:rPr lang="pt-BR" sz="2600" b="0" dirty="0" err="1" smtClean="0">
                 <a:latin typeface="Times New Roman" pitchFamily="18" charset="0"/>
                 <a:cs typeface="Times New Roman" pitchFamily="18" charset="0"/>
               </a:rPr>
               <a:t>main.ts</a:t>
             </a:r>
-            <a:endParaRPr lang="pt-BR" b="0" dirty="0" smtClean="0">
+            <a:endParaRPr lang="pt-BR" sz="2600" b="0" dirty="0" smtClean="0">
               <a:latin typeface="Times New Roman" pitchFamily="18" charset="0"/>
               <a:cs typeface="Times New Roman" pitchFamily="18" charset="0"/>
             </a:endParaRPr>
@@ -10007,20 +10866,20 @@
               <a:buChar char="•"/>
             </a:pPr>
             <a:r>
-              <a:rPr lang="pt-BR" b="0" dirty="0" smtClean="0">
+              <a:rPr lang="pt-BR" sz="2600" b="0" dirty="0" smtClean="0">
                 <a:latin typeface="Times New Roman" pitchFamily="18" charset="0"/>
                 <a:cs typeface="Times New Roman" pitchFamily="18" charset="0"/>
               </a:rPr>
               <a:t>/</a:t>
             </a:r>
             <a:r>
-              <a:rPr lang="pt-BR" b="0" dirty="0" err="1" smtClean="0">
+              <a:rPr lang="pt-BR" sz="2600" b="0" dirty="0" err="1" smtClean="0">
                 <a:latin typeface="Times New Roman" pitchFamily="18" charset="0"/>
                 <a:cs typeface="Times New Roman" pitchFamily="18" charset="0"/>
               </a:rPr>
               <a:t>environment</a:t>
             </a:r>
-            <a:endParaRPr lang="pt-BR" b="0" dirty="0" smtClean="0">
+            <a:endParaRPr lang="pt-BR" sz="2600" b="0" dirty="0" smtClean="0">
               <a:latin typeface="Times New Roman" pitchFamily="18" charset="0"/>
               <a:cs typeface="Times New Roman" pitchFamily="18" charset="0"/>
             </a:endParaRPr>
@@ -10031,20 +10890,20 @@
               <a:buChar char="•"/>
             </a:pPr>
             <a:r>
-              <a:rPr lang="pt-BR" b="0" dirty="0" smtClean="0">
+              <a:rPr lang="pt-BR" sz="2600" b="0" dirty="0" smtClean="0">
                 <a:latin typeface="Times New Roman" pitchFamily="18" charset="0"/>
                 <a:cs typeface="Times New Roman" pitchFamily="18" charset="0"/>
               </a:rPr>
               <a:t>/</a:t>
             </a:r>
             <a:r>
-              <a:rPr lang="pt-BR" b="0" dirty="0" err="1" smtClean="0">
+              <a:rPr lang="pt-BR" sz="2600" b="0" dirty="0" err="1" smtClean="0">
                 <a:latin typeface="Times New Roman" pitchFamily="18" charset="0"/>
                 <a:cs typeface="Times New Roman" pitchFamily="18" charset="0"/>
               </a:rPr>
               <a:t>assets</a:t>
             </a:r>
-            <a:endParaRPr lang="pt-BR" b="0" dirty="0" smtClean="0">
+            <a:endParaRPr lang="pt-BR" sz="2600" b="0" dirty="0" smtClean="0">
               <a:latin typeface="Times New Roman" pitchFamily="18" charset="0"/>
               <a:cs typeface="Times New Roman" pitchFamily="18" charset="0"/>
             </a:endParaRPr>
@@ -10055,20 +10914,20 @@
               <a:buChar char="•"/>
             </a:pPr>
             <a:r>
-              <a:rPr lang="pt-BR" b="0" dirty="0" smtClean="0">
+              <a:rPr lang="pt-BR" sz="2600" b="0" dirty="0" smtClean="0">
                 <a:latin typeface="Times New Roman" pitchFamily="18" charset="0"/>
                 <a:cs typeface="Times New Roman" pitchFamily="18" charset="0"/>
               </a:rPr>
               <a:t>/</a:t>
             </a:r>
             <a:r>
-              <a:rPr lang="pt-BR" b="0" dirty="0" err="1" smtClean="0">
+              <a:rPr lang="pt-BR" sz="2600" b="0" dirty="0" err="1" smtClean="0">
                 <a:latin typeface="Times New Roman" pitchFamily="18" charset="0"/>
                 <a:cs typeface="Times New Roman" pitchFamily="18" charset="0"/>
               </a:rPr>
               <a:t>app</a:t>
             </a:r>
-            <a:endParaRPr lang="pt-BR" b="0" dirty="0" smtClean="0">
+            <a:endParaRPr lang="pt-BR" sz="2600" b="0" dirty="0" smtClean="0">
               <a:latin typeface="Times New Roman" pitchFamily="18" charset="0"/>
               <a:cs typeface="Times New Roman" pitchFamily="18" charset="0"/>
             </a:endParaRPr>
@@ -10273,1038 +11132,6 @@
           <a:chExt cx="0" cy="0"/>
         </a:xfrm>
       </p:grpSpPr>
-      <p:sp>
-        <p:nvSpPr>
-          <p:cNvPr id="2" name="Título 1"/>
-          <p:cNvSpPr>
-            <a:spLocks noGrp="1"/>
-          </p:cNvSpPr>
-          <p:nvPr>
-            <p:ph type="title"/>
-          </p:nvPr>
-        </p:nvSpPr>
-        <p:spPr>
-          <a:xfrm>
-            <a:off x="179513" y="323403"/>
-            <a:ext cx="7704856" cy="903630"/>
-          </a:xfrm>
-        </p:spPr>
-        <p:txBody>
-          <a:bodyPr>
-            <a:noAutofit/>
-          </a:bodyPr>
-          <a:lstStyle/>
-          <a:p>
-            <a:r>
-              <a:rPr lang="pt-BR" sz="2700" smtClean="0"/>
-              <a:t>Modules </a:t>
-            </a:r>
-            <a:endParaRPr lang="pt-BR" sz="2700" dirty="0"/>
-          </a:p>
-        </p:txBody>
-      </p:sp>
-      <p:sp>
-        <p:nvSpPr>
-          <p:cNvPr id="3" name="Espaço Reservado para Conteúdo 2"/>
-          <p:cNvSpPr>
-            <a:spLocks noGrp="1"/>
-          </p:cNvSpPr>
-          <p:nvPr>
-            <p:ph idx="1"/>
-          </p:nvPr>
-        </p:nvSpPr>
-        <p:spPr>
-          <a:xfrm>
-            <a:off x="611560" y="2132856"/>
-            <a:ext cx="7894973" cy="3960440"/>
-          </a:xfrm>
-        </p:spPr>
-        <p:txBody>
-          <a:bodyPr>
-            <a:noAutofit/>
-          </a:bodyPr>
-          <a:lstStyle/>
-          <a:p>
-            <a:pPr algn="just">
-              <a:lnSpc>
-                <a:spcPct val="120000"/>
-              </a:lnSpc>
-            </a:pPr>
-            <a:r>
-              <a:rPr lang="pt-BR" sz="2600" b="0" dirty="0" smtClean="0">
-                <a:latin typeface="Times New Roman" pitchFamily="18" charset="0"/>
-                <a:cs typeface="Times New Roman" pitchFamily="18" charset="0"/>
-              </a:rPr>
-              <a:t>Módulos </a:t>
-            </a:r>
-            <a:r>
-              <a:rPr lang="pt-BR" sz="2600" b="0" dirty="0">
-                <a:latin typeface="Times New Roman" pitchFamily="18" charset="0"/>
-                <a:cs typeface="Times New Roman" pitchFamily="18" charset="0"/>
-              </a:rPr>
-              <a:t>tem a função de configurar o injetor e o compilador do módulo e auxiliar a organização de todos os componentes relacionados ao mesmo.</a:t>
-            </a:r>
-          </a:p>
-          <a:p>
-            <a:pPr algn="just">
-              <a:lnSpc>
-                <a:spcPct val="120000"/>
-              </a:lnSpc>
-            </a:pPr>
-            <a:r>
-              <a:rPr lang="pt-BR" sz="2600" b="0" dirty="0">
-                <a:latin typeface="Times New Roman" pitchFamily="18" charset="0"/>
-                <a:cs typeface="Times New Roman" pitchFamily="18" charset="0"/>
-              </a:rPr>
-              <a:t>Dentro do </a:t>
-            </a:r>
-            <a:r>
-              <a:rPr lang="pt-BR" sz="2600" b="0" dirty="0" err="1">
-                <a:latin typeface="Times New Roman" pitchFamily="18" charset="0"/>
-                <a:cs typeface="Times New Roman" pitchFamily="18" charset="0"/>
-              </a:rPr>
-              <a:t>decorator</a:t>
-            </a:r>
-            <a:r>
-              <a:rPr lang="pt-BR" sz="2600" b="0" dirty="0">
-                <a:latin typeface="Times New Roman" pitchFamily="18" charset="0"/>
-                <a:cs typeface="Times New Roman" pitchFamily="18" charset="0"/>
-              </a:rPr>
-              <a:t> </a:t>
-            </a:r>
-            <a:r>
-              <a:rPr lang="pt-BR" sz="2600" b="0" dirty="0" err="1">
-                <a:latin typeface="Times New Roman" pitchFamily="18" charset="0"/>
-                <a:cs typeface="Times New Roman" pitchFamily="18" charset="0"/>
-              </a:rPr>
-              <a:t>NgModule</a:t>
-            </a:r>
-            <a:r>
-              <a:rPr lang="pt-BR" sz="2600" b="0" dirty="0">
-                <a:latin typeface="Times New Roman" pitchFamily="18" charset="0"/>
-                <a:cs typeface="Times New Roman" pitchFamily="18" charset="0"/>
-              </a:rPr>
-              <a:t>, podemos identificar alguns itens importantes na construção de um módulo</a:t>
-            </a:r>
-            <a:r>
-              <a:rPr lang="pt-BR" sz="2600" b="0" dirty="0" smtClean="0">
-                <a:latin typeface="Times New Roman" pitchFamily="18" charset="0"/>
-                <a:cs typeface="Times New Roman" pitchFamily="18" charset="0"/>
-              </a:rPr>
-              <a:t>.</a:t>
-            </a:r>
-            <a:endParaRPr lang="pt-BR" sz="2600" b="0" u="sng" dirty="0" smtClean="0">
-              <a:latin typeface="Times New Roman" pitchFamily="18" charset="0"/>
-              <a:cs typeface="Times New Roman" pitchFamily="18" charset="0"/>
-            </a:endParaRPr>
-          </a:p>
-          <a:p>
-            <a:endParaRPr lang="pt-BR" sz="2600" dirty="0"/>
-          </a:p>
-          <a:p>
-            <a:endParaRPr lang="pt-BR" sz="2600" dirty="0"/>
-          </a:p>
-        </p:txBody>
-      </p:sp>
-      <p:cxnSp>
-        <p:nvCxnSpPr>
-          <p:cNvPr id="5" name="Conector reto 4"/>
-          <p:cNvCxnSpPr/>
-          <p:nvPr/>
-        </p:nvCxnSpPr>
-        <p:spPr>
-          <a:xfrm>
-            <a:off x="251520" y="1340768"/>
-            <a:ext cx="6480720" cy="0"/>
-          </a:xfrm>
-          <a:prstGeom prst="line">
-            <a:avLst/>
-          </a:prstGeom>
-          <a:ln/>
-        </p:spPr>
-        <p:style>
-          <a:lnRef idx="2">
-            <a:schemeClr val="accent5"/>
-          </a:lnRef>
-          <a:fillRef idx="0">
-            <a:schemeClr val="accent5"/>
-          </a:fillRef>
-          <a:effectRef idx="1">
-            <a:schemeClr val="accent5"/>
-          </a:effectRef>
-          <a:fontRef idx="minor">
-            <a:schemeClr val="tx1"/>
-          </a:fontRef>
-        </p:style>
-      </p:cxnSp>
-      <p:pic>
-        <p:nvPicPr>
-          <p:cNvPr id="6" name="Picture 7" descr="Angular-Logo-PNG-Image.png"/>
-          <p:cNvPicPr>
-            <a:picLocks noChangeAspect="1" noChangeArrowheads="1"/>
-          </p:cNvPicPr>
-          <p:nvPr/>
-        </p:nvPicPr>
-        <p:blipFill rotWithShape="1">
-          <a:blip r:embed="rId2" cstate="print">
-            <a:extLst>
-              <a:ext uri="{28A0092B-C50C-407E-A947-70E740481C1C}">
-                <a14:useLocalDpi xmlns:a14="http://schemas.microsoft.com/office/drawing/2010/main" val="0"/>
-              </a:ext>
-            </a:extLst>
-          </a:blip>
-          <a:srcRect l="2299" t="36731" r="73370" b="36781"/>
-          <a:stretch/>
-        </p:blipFill>
-        <p:spPr bwMode="auto">
-          <a:xfrm>
-            <a:off x="7156265" y="160338"/>
-            <a:ext cx="1317026" cy="1433826"/>
-          </a:xfrm>
-          <a:prstGeom prst="rect">
-            <a:avLst/>
-          </a:prstGeom>
-          <a:noFill/>
-          <a:extLst>
-            <a:ext uri="{909E8E84-426E-40DD-AFC4-6F175D3DCCD1}">
-              <a14:hiddenFill xmlns:a14="http://schemas.microsoft.com/office/drawing/2010/main">
-                <a:solidFill>
-                  <a:srgbClr val="FFFFFF"/>
-                </a:solidFill>
-              </a14:hiddenFill>
-            </a:ext>
-          </a:extLst>
-        </p:spPr>
-      </p:pic>
-    </p:spTree>
-    <p:extLst>
-      <p:ext uri="{BB962C8B-B14F-4D97-AF65-F5344CB8AC3E}">
-        <p14:creationId xmlns:p14="http://schemas.microsoft.com/office/powerpoint/2010/main" val="540966798"/>
-      </p:ext>
-    </p:extLst>
-  </p:cSld>
-  <p:clrMapOvr>
-    <a:masterClrMapping/>
-  </p:clrMapOvr>
-  <mc:AlternateContent xmlns:mc="http://schemas.openxmlformats.org/markup-compatibility/2006" xmlns:p14="http://schemas.microsoft.com/office/powerpoint/2010/main">
-    <mc:Choice Requires="p14">
-      <p:transition spd="slow" p14:dur="2000"/>
-    </mc:Choice>
-    <mc:Fallback xmlns="">
-      <p:transition spd="slow"/>
-    </mc:Fallback>
-  </mc:AlternateContent>
-  <p:timing>
-    <p:tnLst>
-      <p:par>
-        <p:cTn id="1" dur="indefinite" restart="never" nodeType="tmRoot"/>
-      </p:par>
-    </p:tnLst>
-  </p:timing>
-</p:sld>
-</file>
-
-<file path=ppt/slides/slide29.xml><?xml version="1.0" encoding="utf-8"?>
-<p:sld xmlns:a="http://schemas.openxmlformats.org/drawingml/2006/main" xmlns:r="http://schemas.openxmlformats.org/officeDocument/2006/relationships" xmlns:p="http://schemas.openxmlformats.org/presentationml/2006/main">
-  <p:cSld>
-    <p:spTree>
-      <p:nvGrpSpPr>
-        <p:cNvPr id="1" name=""/>
-        <p:cNvGrpSpPr/>
-        <p:nvPr/>
-      </p:nvGrpSpPr>
-      <p:grpSpPr>
-        <a:xfrm>
-          <a:off x="0" y="0"/>
-          <a:ext cx="0" cy="0"/>
-          <a:chOff x="0" y="0"/>
-          <a:chExt cx="0" cy="0"/>
-        </a:xfrm>
-      </p:grpSpPr>
-      <p:sp>
-        <p:nvSpPr>
-          <p:cNvPr id="2" name="Título 1"/>
-          <p:cNvSpPr>
-            <a:spLocks noGrp="1"/>
-          </p:cNvSpPr>
-          <p:nvPr>
-            <p:ph type="title"/>
-          </p:nvPr>
-        </p:nvSpPr>
-        <p:spPr>
-          <a:xfrm>
-            <a:off x="179513" y="323403"/>
-            <a:ext cx="7704856" cy="903630"/>
-          </a:xfrm>
-        </p:spPr>
-        <p:txBody>
-          <a:bodyPr>
-            <a:noAutofit/>
-          </a:bodyPr>
-          <a:lstStyle/>
-          <a:p>
-            <a:r>
-              <a:rPr lang="pt-BR" sz="2700" dirty="0" smtClean="0"/>
-              <a:t>Modules - @</a:t>
-            </a:r>
-            <a:r>
-              <a:rPr lang="pt-BR" sz="2700" cap="none" dirty="0" err="1" smtClean="0"/>
-              <a:t>ng</a:t>
-            </a:r>
-            <a:r>
-              <a:rPr lang="pt-BR" sz="2700" dirty="0" err="1" smtClean="0"/>
-              <a:t>M</a:t>
-            </a:r>
-            <a:r>
-              <a:rPr lang="pt-BR" sz="2700" cap="none" dirty="0" err="1" smtClean="0"/>
-              <a:t>odule</a:t>
-            </a:r>
-            <a:r>
-              <a:rPr lang="pt-BR" sz="2700" dirty="0" smtClean="0"/>
-              <a:t> </a:t>
-            </a:r>
-            <a:endParaRPr lang="pt-BR" sz="2700" dirty="0"/>
-          </a:p>
-        </p:txBody>
-      </p:sp>
-      <p:sp>
-        <p:nvSpPr>
-          <p:cNvPr id="3" name="Espaço Reservado para Conteúdo 2"/>
-          <p:cNvSpPr>
-            <a:spLocks noGrp="1"/>
-          </p:cNvSpPr>
-          <p:nvPr>
-            <p:ph idx="1"/>
-          </p:nvPr>
-        </p:nvSpPr>
-        <p:spPr>
-          <a:xfrm>
-            <a:off x="611560" y="2132856"/>
-            <a:ext cx="7894973" cy="3960440"/>
-          </a:xfrm>
-        </p:spPr>
-        <p:txBody>
-          <a:bodyPr>
-            <a:noAutofit/>
-          </a:bodyPr>
-          <a:lstStyle/>
-          <a:p>
-            <a:pPr marL="342900" indent="-342900" algn="just">
-              <a:lnSpc>
-                <a:spcPct val="120000"/>
-              </a:lnSpc>
-              <a:buFont typeface="Arial" panose="020B0604020202020204" pitchFamily="34" charset="0"/>
-              <a:buChar char="•"/>
-            </a:pPr>
-            <a:r>
-              <a:rPr lang="pt-BR" dirty="0" err="1" smtClean="0">
-                <a:latin typeface="Times New Roman" pitchFamily="18" charset="0"/>
-                <a:cs typeface="Times New Roman" pitchFamily="18" charset="0"/>
-              </a:rPr>
-              <a:t>Imports</a:t>
-            </a:r>
-            <a:r>
-              <a:rPr lang="pt-BR" dirty="0" smtClean="0">
-                <a:latin typeface="Times New Roman" pitchFamily="18" charset="0"/>
-                <a:cs typeface="Times New Roman" pitchFamily="18" charset="0"/>
-              </a:rPr>
-              <a:t> </a:t>
-            </a:r>
-            <a:r>
-              <a:rPr lang="pt-BR" b="0" dirty="0" smtClean="0">
-                <a:latin typeface="Times New Roman" pitchFamily="18" charset="0"/>
-                <a:cs typeface="Times New Roman" pitchFamily="18" charset="0"/>
-              </a:rPr>
-              <a:t>-</a:t>
-            </a:r>
-            <a:r>
-              <a:rPr lang="pt-BR" dirty="0" smtClean="0">
-                <a:latin typeface="Times New Roman" pitchFamily="18" charset="0"/>
-                <a:cs typeface="Times New Roman" pitchFamily="18" charset="0"/>
-              </a:rPr>
-              <a:t> </a:t>
-            </a:r>
-            <a:r>
-              <a:rPr lang="pt-BR" b="0" dirty="0" err="1" smtClean="0">
-                <a:latin typeface="Times New Roman" pitchFamily="18" charset="0"/>
-                <a:cs typeface="Times New Roman" pitchFamily="18" charset="0"/>
-              </a:rPr>
-              <a:t>Imports</a:t>
-            </a:r>
-            <a:r>
-              <a:rPr lang="pt-BR" b="0" dirty="0" smtClean="0">
-                <a:latin typeface="Times New Roman" pitchFamily="18" charset="0"/>
-                <a:cs typeface="Times New Roman" pitchFamily="18" charset="0"/>
-              </a:rPr>
-              <a:t> </a:t>
-            </a:r>
-            <a:r>
-              <a:rPr lang="pt-BR" b="0" dirty="0">
-                <a:latin typeface="Times New Roman" pitchFamily="18" charset="0"/>
-                <a:cs typeface="Times New Roman" pitchFamily="18" charset="0"/>
-              </a:rPr>
-              <a:t>são responsáveis por tornar as declarações exportadas de outros módulos disponíveis para o módulo atual. </a:t>
-            </a:r>
-            <a:endParaRPr lang="pt-BR" b="0" dirty="0" smtClean="0">
-              <a:latin typeface="Times New Roman" pitchFamily="18" charset="0"/>
-              <a:cs typeface="Times New Roman" pitchFamily="18" charset="0"/>
-            </a:endParaRPr>
-          </a:p>
-          <a:p>
-            <a:pPr algn="just">
-              <a:lnSpc>
-                <a:spcPct val="120000"/>
-              </a:lnSpc>
-            </a:pPr>
-            <a:endParaRPr lang="pt-BR" b="0" dirty="0" smtClean="0">
-              <a:latin typeface="Times New Roman" pitchFamily="18" charset="0"/>
-              <a:cs typeface="Times New Roman" pitchFamily="18" charset="0"/>
-            </a:endParaRPr>
-          </a:p>
-          <a:p>
-            <a:pPr marL="342900" indent="-342900" algn="just">
-              <a:lnSpc>
-                <a:spcPct val="120000"/>
-              </a:lnSpc>
-              <a:buFont typeface="Arial" panose="020B0604020202020204" pitchFamily="34" charset="0"/>
-              <a:buChar char="•"/>
-            </a:pPr>
-            <a:r>
-              <a:rPr lang="pt-BR" dirty="0" err="1" smtClean="0">
-                <a:latin typeface="Times New Roman" pitchFamily="18" charset="0"/>
-                <a:cs typeface="Times New Roman" pitchFamily="18" charset="0"/>
-              </a:rPr>
-              <a:t>Declarations</a:t>
-            </a:r>
-            <a:r>
-              <a:rPr lang="pt-BR" dirty="0" smtClean="0">
-                <a:latin typeface="Times New Roman" pitchFamily="18" charset="0"/>
-                <a:cs typeface="Times New Roman" pitchFamily="18" charset="0"/>
-              </a:rPr>
-              <a:t> </a:t>
-            </a:r>
-            <a:r>
-              <a:rPr lang="pt-BR" b="0" dirty="0">
-                <a:latin typeface="Times New Roman" pitchFamily="18" charset="0"/>
-                <a:cs typeface="Times New Roman" pitchFamily="18" charset="0"/>
-              </a:rPr>
-              <a:t>-</a:t>
-            </a:r>
-            <a:r>
-              <a:rPr lang="pt-BR" dirty="0">
-                <a:latin typeface="Times New Roman" pitchFamily="18" charset="0"/>
-                <a:cs typeface="Times New Roman" pitchFamily="18" charset="0"/>
-              </a:rPr>
-              <a:t> </a:t>
-            </a:r>
-            <a:r>
-              <a:rPr lang="pt-BR" b="0" dirty="0" smtClean="0">
-                <a:latin typeface="Times New Roman" pitchFamily="18" charset="0"/>
-                <a:cs typeface="Times New Roman" pitchFamily="18" charset="0"/>
-              </a:rPr>
-              <a:t>Em </a:t>
-            </a:r>
-            <a:r>
-              <a:rPr lang="pt-BR" b="0" dirty="0" err="1">
-                <a:latin typeface="Times New Roman" pitchFamily="18" charset="0"/>
-                <a:cs typeface="Times New Roman" pitchFamily="18" charset="0"/>
-              </a:rPr>
-              <a:t>declarations</a:t>
-            </a:r>
-            <a:r>
-              <a:rPr lang="pt-BR" b="0" dirty="0">
-                <a:latin typeface="Times New Roman" pitchFamily="18" charset="0"/>
-                <a:cs typeface="Times New Roman" pitchFamily="18" charset="0"/>
-              </a:rPr>
-              <a:t>, incluímos todos os Componentes, diretivas, </a:t>
-            </a:r>
-            <a:r>
-              <a:rPr lang="pt-BR" b="0" dirty="0" err="1">
-                <a:latin typeface="Times New Roman" pitchFamily="18" charset="0"/>
-                <a:cs typeface="Times New Roman" pitchFamily="18" charset="0"/>
-              </a:rPr>
-              <a:t>pipes</a:t>
-            </a:r>
-            <a:r>
-              <a:rPr lang="pt-BR" b="0" dirty="0">
-                <a:latin typeface="Times New Roman" pitchFamily="18" charset="0"/>
-                <a:cs typeface="Times New Roman" pitchFamily="18" charset="0"/>
-              </a:rPr>
-              <a:t> que serão usados pelo módulo atual</a:t>
-            </a:r>
-            <a:r>
-              <a:rPr lang="pt-BR" b="0" dirty="0" smtClean="0">
-                <a:latin typeface="Times New Roman" pitchFamily="18" charset="0"/>
-                <a:cs typeface="Times New Roman" pitchFamily="18" charset="0"/>
-              </a:rPr>
-              <a:t>.</a:t>
-            </a:r>
-          </a:p>
-          <a:p>
-            <a:pPr algn="just">
-              <a:lnSpc>
-                <a:spcPct val="120000"/>
-              </a:lnSpc>
-            </a:pPr>
-            <a:endParaRPr lang="pt-BR" b="0" dirty="0" smtClean="0">
-              <a:latin typeface="Times New Roman" pitchFamily="18" charset="0"/>
-              <a:cs typeface="Times New Roman" pitchFamily="18" charset="0"/>
-            </a:endParaRPr>
-          </a:p>
-          <a:p>
-            <a:pPr marL="342900" indent="-342900" algn="just">
-              <a:lnSpc>
-                <a:spcPct val="120000"/>
-              </a:lnSpc>
-              <a:buFont typeface="Arial" panose="020B0604020202020204" pitchFamily="34" charset="0"/>
-              <a:buChar char="•"/>
-            </a:pPr>
-            <a:r>
-              <a:rPr lang="pt-BR" dirty="0" err="1" smtClean="0">
-                <a:latin typeface="Times New Roman" pitchFamily="18" charset="0"/>
-                <a:cs typeface="Times New Roman" pitchFamily="18" charset="0"/>
-              </a:rPr>
-              <a:t>Providers</a:t>
-            </a:r>
-            <a:r>
-              <a:rPr lang="pt-BR" dirty="0" smtClean="0">
-                <a:latin typeface="Times New Roman" pitchFamily="18" charset="0"/>
-                <a:cs typeface="Times New Roman" pitchFamily="18" charset="0"/>
-              </a:rPr>
-              <a:t> </a:t>
-            </a:r>
-            <a:r>
-              <a:rPr lang="pt-BR" b="0" dirty="0" smtClean="0">
-                <a:latin typeface="Times New Roman" pitchFamily="18" charset="0"/>
-                <a:cs typeface="Times New Roman" pitchFamily="18" charset="0"/>
-              </a:rPr>
-              <a:t>- Qualquer </a:t>
-            </a:r>
-            <a:r>
-              <a:rPr lang="pt-BR" b="0" dirty="0">
-                <a:latin typeface="Times New Roman" pitchFamily="18" charset="0"/>
-                <a:cs typeface="Times New Roman" pitchFamily="18" charset="0"/>
-              </a:rPr>
-              <a:t>tipo de serviço, incluímos em </a:t>
-            </a:r>
-            <a:r>
-              <a:rPr lang="pt-BR" b="0" dirty="0" err="1">
-                <a:latin typeface="Times New Roman" pitchFamily="18" charset="0"/>
-                <a:cs typeface="Times New Roman" pitchFamily="18" charset="0"/>
-              </a:rPr>
-              <a:t>providers</a:t>
-            </a:r>
-            <a:r>
-              <a:rPr lang="pt-BR" b="0" dirty="0">
-                <a:latin typeface="Times New Roman" pitchFamily="18" charset="0"/>
-                <a:cs typeface="Times New Roman" pitchFamily="18" charset="0"/>
-              </a:rPr>
-              <a:t> para que assim possa ser injetado e utilizado pelos componentes do módulo atual através da injeção de dependência.</a:t>
-            </a:r>
-          </a:p>
-          <a:p>
-            <a:pPr algn="just">
-              <a:lnSpc>
-                <a:spcPct val="120000"/>
-              </a:lnSpc>
-            </a:pPr>
-            <a:endParaRPr lang="pt-BR" b="0" dirty="0" smtClean="0">
-              <a:latin typeface="Times New Roman" pitchFamily="18" charset="0"/>
-              <a:cs typeface="Times New Roman" pitchFamily="18" charset="0"/>
-            </a:endParaRPr>
-          </a:p>
-          <a:p>
-            <a:pPr algn="just">
-              <a:lnSpc>
-                <a:spcPct val="120000"/>
-              </a:lnSpc>
-            </a:pPr>
-            <a:endParaRPr lang="pt-BR" sz="2600" b="0" dirty="0" smtClean="0">
-              <a:latin typeface="Times New Roman" pitchFamily="18" charset="0"/>
-              <a:cs typeface="Times New Roman" pitchFamily="18" charset="0"/>
-            </a:endParaRPr>
-          </a:p>
-          <a:p>
-            <a:pPr algn="just">
-              <a:lnSpc>
-                <a:spcPct val="120000"/>
-              </a:lnSpc>
-            </a:pPr>
-            <a:endParaRPr lang="pt-BR" sz="2600" dirty="0" smtClean="0"/>
-          </a:p>
-          <a:p>
-            <a:endParaRPr lang="pt-BR" sz="2600" dirty="0"/>
-          </a:p>
-        </p:txBody>
-      </p:sp>
-      <p:cxnSp>
-        <p:nvCxnSpPr>
-          <p:cNvPr id="5" name="Conector reto 4"/>
-          <p:cNvCxnSpPr/>
-          <p:nvPr/>
-        </p:nvCxnSpPr>
-        <p:spPr>
-          <a:xfrm>
-            <a:off x="251520" y="1340768"/>
-            <a:ext cx="6480720" cy="0"/>
-          </a:xfrm>
-          <a:prstGeom prst="line">
-            <a:avLst/>
-          </a:prstGeom>
-          <a:ln/>
-        </p:spPr>
-        <p:style>
-          <a:lnRef idx="2">
-            <a:schemeClr val="accent5"/>
-          </a:lnRef>
-          <a:fillRef idx="0">
-            <a:schemeClr val="accent5"/>
-          </a:fillRef>
-          <a:effectRef idx="1">
-            <a:schemeClr val="accent5"/>
-          </a:effectRef>
-          <a:fontRef idx="minor">
-            <a:schemeClr val="tx1"/>
-          </a:fontRef>
-        </p:style>
-      </p:cxnSp>
-      <p:pic>
-        <p:nvPicPr>
-          <p:cNvPr id="6" name="Picture 7" descr="Angular-Logo-PNG-Image.png"/>
-          <p:cNvPicPr>
-            <a:picLocks noChangeAspect="1" noChangeArrowheads="1"/>
-          </p:cNvPicPr>
-          <p:nvPr/>
-        </p:nvPicPr>
-        <p:blipFill rotWithShape="1">
-          <a:blip r:embed="rId2" cstate="print">
-            <a:extLst>
-              <a:ext uri="{28A0092B-C50C-407E-A947-70E740481C1C}">
-                <a14:useLocalDpi xmlns:a14="http://schemas.microsoft.com/office/drawing/2010/main" val="0"/>
-              </a:ext>
-            </a:extLst>
-          </a:blip>
-          <a:srcRect l="2299" t="36731" r="73370" b="36781"/>
-          <a:stretch/>
-        </p:blipFill>
-        <p:spPr bwMode="auto">
-          <a:xfrm>
-            <a:off x="7156265" y="160338"/>
-            <a:ext cx="1317026" cy="1433826"/>
-          </a:xfrm>
-          <a:prstGeom prst="rect">
-            <a:avLst/>
-          </a:prstGeom>
-          <a:noFill/>
-          <a:extLst>
-            <a:ext uri="{909E8E84-426E-40DD-AFC4-6F175D3DCCD1}">
-              <a14:hiddenFill xmlns:a14="http://schemas.microsoft.com/office/drawing/2010/main">
-                <a:solidFill>
-                  <a:srgbClr val="FFFFFF"/>
-                </a:solidFill>
-              </a14:hiddenFill>
-            </a:ext>
-          </a:extLst>
-        </p:spPr>
-      </p:pic>
-    </p:spTree>
-    <p:extLst>
-      <p:ext uri="{BB962C8B-B14F-4D97-AF65-F5344CB8AC3E}">
-        <p14:creationId xmlns:p14="http://schemas.microsoft.com/office/powerpoint/2010/main" val="2950937488"/>
-      </p:ext>
-    </p:extLst>
-  </p:cSld>
-  <p:clrMapOvr>
-    <a:masterClrMapping/>
-  </p:clrMapOvr>
-  <mc:AlternateContent xmlns:mc="http://schemas.openxmlformats.org/markup-compatibility/2006" xmlns:p14="http://schemas.microsoft.com/office/powerpoint/2010/main">
-    <mc:Choice Requires="p14">
-      <p:transition spd="slow" p14:dur="2000"/>
-    </mc:Choice>
-    <mc:Fallback xmlns="">
-      <p:transition spd="slow"/>
-    </mc:Fallback>
-  </mc:AlternateContent>
-  <p:timing>
-    <p:tnLst>
-      <p:par>
-        <p:cTn id="1" dur="indefinite" restart="never" nodeType="tmRoot"/>
-      </p:par>
-    </p:tnLst>
-  </p:timing>
-</p:sld>
-</file>
-
-<file path=ppt/slides/slide3.xml><?xml version="1.0" encoding="utf-8"?>
-<p:sld xmlns:a="http://schemas.openxmlformats.org/drawingml/2006/main" xmlns:r="http://schemas.openxmlformats.org/officeDocument/2006/relationships" xmlns:p="http://schemas.openxmlformats.org/presentationml/2006/main">
-  <p:cSld>
-    <p:spTree>
-      <p:nvGrpSpPr>
-        <p:cNvPr id="1" name=""/>
-        <p:cNvGrpSpPr/>
-        <p:nvPr/>
-      </p:nvGrpSpPr>
-      <p:grpSpPr>
-        <a:xfrm>
-          <a:off x="0" y="0"/>
-          <a:ext cx="0" cy="0"/>
-          <a:chOff x="0" y="0"/>
-          <a:chExt cx="0" cy="0"/>
-        </a:xfrm>
-      </p:grpSpPr>
-      <p:sp>
-        <p:nvSpPr>
-          <p:cNvPr id="2" name="Título 1"/>
-          <p:cNvSpPr>
-            <a:spLocks noGrp="1"/>
-          </p:cNvSpPr>
-          <p:nvPr>
-            <p:ph type="title"/>
-          </p:nvPr>
-        </p:nvSpPr>
-        <p:spPr>
-          <a:xfrm>
-            <a:off x="-396552" y="437138"/>
-            <a:ext cx="5791200" cy="903630"/>
-          </a:xfrm>
-        </p:spPr>
-        <p:txBody>
-          <a:bodyPr/>
-          <a:lstStyle/>
-          <a:p>
-            <a:pPr algn="ctr"/>
-            <a:r>
-              <a:rPr lang="pt-BR" dirty="0" smtClean="0"/>
-              <a:t>introdução</a:t>
-            </a:r>
-            <a:endParaRPr lang="pt-BR" dirty="0"/>
-          </a:p>
-        </p:txBody>
-      </p:sp>
-      <p:sp>
-        <p:nvSpPr>
-          <p:cNvPr id="3" name="Espaço Reservado para Conteúdo 2"/>
-          <p:cNvSpPr>
-            <a:spLocks noGrp="1"/>
-          </p:cNvSpPr>
-          <p:nvPr>
-            <p:ph idx="1"/>
-          </p:nvPr>
-        </p:nvSpPr>
-        <p:spPr>
-          <a:xfrm>
-            <a:off x="611560" y="1988840"/>
-            <a:ext cx="7992888" cy="4104456"/>
-          </a:xfrm>
-        </p:spPr>
-        <p:txBody>
-          <a:bodyPr>
-            <a:noAutofit/>
-          </a:bodyPr>
-          <a:lstStyle/>
-          <a:p>
-            <a:r>
-              <a:rPr lang="pt-BR" sz="2600" u="sng" dirty="0" smtClean="0">
-                <a:latin typeface="Times New Roman" pitchFamily="18" charset="0"/>
-                <a:cs typeface="Times New Roman" pitchFamily="18" charset="0"/>
-              </a:rPr>
-              <a:t>Informações:</a:t>
-            </a:r>
-          </a:p>
-          <a:p>
-            <a:pPr lvl="0"/>
-            <a:r>
-              <a:rPr lang="pt-BR" sz="2600" b="0" dirty="0" smtClean="0">
-                <a:latin typeface="Times New Roman" pitchFamily="18" charset="0"/>
-                <a:cs typeface="Times New Roman" pitchFamily="18" charset="0"/>
-              </a:rPr>
-              <a:t> - Gravado </a:t>
-            </a:r>
-            <a:r>
-              <a:rPr lang="pt-BR" sz="2600" b="0" dirty="0">
-                <a:latin typeface="Times New Roman" pitchFamily="18" charset="0"/>
-                <a:cs typeface="Times New Roman" pitchFamily="18" charset="0"/>
-              </a:rPr>
-              <a:t>em: </a:t>
-            </a:r>
-            <a:r>
-              <a:rPr lang="pt-BR" sz="2600" b="0" dirty="0" err="1">
-                <a:latin typeface="Times New Roman" pitchFamily="18" charset="0"/>
-                <a:cs typeface="Times New Roman" pitchFamily="18" charset="0"/>
-              </a:rPr>
-              <a:t>TypeScript</a:t>
-            </a:r>
-            <a:endParaRPr lang="pt-BR" sz="2600" b="0" dirty="0">
-              <a:latin typeface="Times New Roman" pitchFamily="18" charset="0"/>
-              <a:cs typeface="Times New Roman" pitchFamily="18" charset="0"/>
-            </a:endParaRPr>
-          </a:p>
-          <a:p>
-            <a:pPr lvl="0"/>
-            <a:r>
-              <a:rPr lang="pt-BR" sz="2600" b="0" dirty="0" smtClean="0">
-                <a:latin typeface="Times New Roman" pitchFamily="18" charset="0"/>
-                <a:cs typeface="Times New Roman" pitchFamily="18" charset="0"/>
-              </a:rPr>
-              <a:t> - Plataforma</a:t>
-            </a:r>
-            <a:r>
-              <a:rPr lang="pt-BR" sz="2600" b="0" dirty="0">
-                <a:latin typeface="Times New Roman" pitchFamily="18" charset="0"/>
-                <a:cs typeface="Times New Roman" pitchFamily="18" charset="0"/>
-              </a:rPr>
-              <a:t>: Web </a:t>
-            </a:r>
-            <a:r>
-              <a:rPr lang="pt-BR" sz="2600" b="0" dirty="0" err="1">
-                <a:latin typeface="Times New Roman" pitchFamily="18" charset="0"/>
-                <a:cs typeface="Times New Roman" pitchFamily="18" charset="0"/>
-              </a:rPr>
-              <a:t>platform</a:t>
-            </a:r>
-            <a:endParaRPr lang="pt-BR" sz="2600" b="0" dirty="0">
-              <a:latin typeface="Times New Roman" pitchFamily="18" charset="0"/>
-              <a:cs typeface="Times New Roman" pitchFamily="18" charset="0"/>
-            </a:endParaRPr>
-          </a:p>
-          <a:p>
-            <a:pPr lvl="0"/>
-            <a:r>
-              <a:rPr lang="pt-BR" sz="2600" b="0" dirty="0" smtClean="0">
-                <a:latin typeface="Times New Roman" pitchFamily="18" charset="0"/>
-                <a:cs typeface="Times New Roman" pitchFamily="18" charset="0"/>
-              </a:rPr>
-              <a:t> - Lançamento</a:t>
-            </a:r>
-            <a:r>
-              <a:rPr lang="pt-BR" sz="2600" b="0" dirty="0">
-                <a:latin typeface="Times New Roman" pitchFamily="18" charset="0"/>
-                <a:cs typeface="Times New Roman" pitchFamily="18" charset="0"/>
-              </a:rPr>
-              <a:t>: 14 setembro 2016; há 2 anos</a:t>
-            </a:r>
-          </a:p>
-          <a:p>
-            <a:pPr lvl="0"/>
-            <a:r>
-              <a:rPr lang="pt-BR" sz="2600" b="0" dirty="0" smtClean="0">
-                <a:latin typeface="Times New Roman" pitchFamily="18" charset="0"/>
-                <a:cs typeface="Times New Roman" pitchFamily="18" charset="0"/>
-              </a:rPr>
-              <a:t> - Versão </a:t>
-            </a:r>
-            <a:r>
-              <a:rPr lang="pt-BR" sz="2600" b="0" dirty="0">
-                <a:latin typeface="Times New Roman" pitchFamily="18" charset="0"/>
-                <a:cs typeface="Times New Roman" pitchFamily="18" charset="0"/>
-              </a:rPr>
-              <a:t>estável: 7.1.4 (18 dezembro 2018; há 3 mês)</a:t>
-            </a:r>
-          </a:p>
-          <a:p>
-            <a:pPr lvl="0"/>
-            <a:r>
-              <a:rPr lang="pt-BR" sz="2600" b="0" dirty="0" smtClean="0">
-                <a:latin typeface="Times New Roman" pitchFamily="18" charset="0"/>
-                <a:cs typeface="Times New Roman" pitchFamily="18" charset="0"/>
-              </a:rPr>
-              <a:t> - Versão </a:t>
-            </a:r>
-            <a:r>
-              <a:rPr lang="pt-BR" sz="2600" b="0" dirty="0">
-                <a:latin typeface="Times New Roman" pitchFamily="18" charset="0"/>
-                <a:cs typeface="Times New Roman" pitchFamily="18" charset="0"/>
-              </a:rPr>
-              <a:t>em teste: 7.2.0-beta.2 (11 dezembro </a:t>
-            </a:r>
-            <a:r>
-              <a:rPr lang="pt-BR" sz="2600" b="0" dirty="0" smtClean="0">
-                <a:latin typeface="Times New Roman" pitchFamily="18" charset="0"/>
-                <a:cs typeface="Times New Roman" pitchFamily="18" charset="0"/>
-              </a:rPr>
-              <a:t>2018)</a:t>
-            </a:r>
-            <a:endParaRPr lang="pt-BR" sz="2600" b="0" dirty="0">
-              <a:latin typeface="Times New Roman" pitchFamily="18" charset="0"/>
-              <a:cs typeface="Times New Roman" pitchFamily="18" charset="0"/>
-            </a:endParaRPr>
-          </a:p>
-          <a:p>
-            <a:pPr lvl="0"/>
-            <a:r>
-              <a:rPr lang="pt-BR" sz="2600" b="0" dirty="0" smtClean="0">
-                <a:latin typeface="Times New Roman" pitchFamily="18" charset="0"/>
-                <a:cs typeface="Times New Roman" pitchFamily="18" charset="0"/>
-              </a:rPr>
-              <a:t> - Desenvolvedor</a:t>
-            </a:r>
-            <a:r>
-              <a:rPr lang="pt-BR" sz="2600" b="0" dirty="0">
-                <a:latin typeface="Times New Roman" pitchFamily="18" charset="0"/>
-                <a:cs typeface="Times New Roman" pitchFamily="18" charset="0"/>
-              </a:rPr>
-              <a:t>: Google/ </a:t>
-            </a:r>
-            <a:r>
-              <a:rPr lang="pt-BR" sz="2600" b="0" dirty="0" err="1">
-                <a:latin typeface="Times New Roman" pitchFamily="18" charset="0"/>
-                <a:cs typeface="Times New Roman" pitchFamily="18" charset="0"/>
-              </a:rPr>
-              <a:t>Misko</a:t>
-            </a:r>
-            <a:r>
-              <a:rPr lang="pt-BR" sz="2600" b="0" dirty="0">
-                <a:latin typeface="Times New Roman" pitchFamily="18" charset="0"/>
-                <a:cs typeface="Times New Roman" pitchFamily="18" charset="0"/>
-              </a:rPr>
-              <a:t> </a:t>
-            </a:r>
-            <a:r>
-              <a:rPr lang="pt-BR" sz="2600" b="0" dirty="0" err="1">
-                <a:latin typeface="Times New Roman" pitchFamily="18" charset="0"/>
-                <a:cs typeface="Times New Roman" pitchFamily="18" charset="0"/>
-              </a:rPr>
-              <a:t>Hevery</a:t>
-            </a:r>
-            <a:endParaRPr lang="pt-BR" sz="2600" b="0" dirty="0">
-              <a:latin typeface="Times New Roman" pitchFamily="18" charset="0"/>
-              <a:cs typeface="Times New Roman" pitchFamily="18" charset="0"/>
-            </a:endParaRPr>
-          </a:p>
-          <a:p>
-            <a:pPr algn="just">
-              <a:lnSpc>
-                <a:spcPct val="120000"/>
-              </a:lnSpc>
-            </a:pPr>
-            <a:endParaRPr lang="pt-BR" sz="2600" u="sng" dirty="0" smtClean="0">
-              <a:latin typeface="Times New Roman" pitchFamily="18" charset="0"/>
-              <a:cs typeface="Times New Roman" pitchFamily="18" charset="0"/>
-            </a:endParaRPr>
-          </a:p>
-          <a:p>
-            <a:endParaRPr lang="pt-BR" sz="2600" dirty="0"/>
-          </a:p>
-          <a:p>
-            <a:endParaRPr lang="pt-BR" sz="2600" dirty="0"/>
-          </a:p>
-        </p:txBody>
-      </p:sp>
-      <p:cxnSp>
-        <p:nvCxnSpPr>
-          <p:cNvPr id="5" name="Conector reto 4"/>
-          <p:cNvCxnSpPr/>
-          <p:nvPr/>
-        </p:nvCxnSpPr>
-        <p:spPr>
-          <a:xfrm>
-            <a:off x="251520" y="1340768"/>
-            <a:ext cx="6480720" cy="0"/>
-          </a:xfrm>
-          <a:prstGeom prst="line">
-            <a:avLst/>
-          </a:prstGeom>
-          <a:ln/>
-        </p:spPr>
-        <p:style>
-          <a:lnRef idx="2">
-            <a:schemeClr val="accent5"/>
-          </a:lnRef>
-          <a:fillRef idx="0">
-            <a:schemeClr val="accent5"/>
-          </a:fillRef>
-          <a:effectRef idx="1">
-            <a:schemeClr val="accent5"/>
-          </a:effectRef>
-          <a:fontRef idx="minor">
-            <a:schemeClr val="tx1"/>
-          </a:fontRef>
-        </p:style>
-      </p:cxnSp>
-      <p:pic>
-        <p:nvPicPr>
-          <p:cNvPr id="6" name="Picture 7" descr="Angular-Logo-PNG-Image.png"/>
-          <p:cNvPicPr>
-            <a:picLocks noChangeAspect="1" noChangeArrowheads="1"/>
-          </p:cNvPicPr>
-          <p:nvPr/>
-        </p:nvPicPr>
-        <p:blipFill rotWithShape="1">
-          <a:blip r:embed="rId2" cstate="print">
-            <a:extLst>
-              <a:ext uri="{28A0092B-C50C-407E-A947-70E740481C1C}">
-                <a14:useLocalDpi xmlns:a14="http://schemas.microsoft.com/office/drawing/2010/main" val="0"/>
-              </a:ext>
-            </a:extLst>
-          </a:blip>
-          <a:srcRect l="2299" t="36731" r="73370" b="36781"/>
-          <a:stretch/>
-        </p:blipFill>
-        <p:spPr bwMode="auto">
-          <a:xfrm>
-            <a:off x="7156265" y="160338"/>
-            <a:ext cx="1317026" cy="1433826"/>
-          </a:xfrm>
-          <a:prstGeom prst="rect">
-            <a:avLst/>
-          </a:prstGeom>
-          <a:noFill/>
-          <a:extLst>
-            <a:ext uri="{909E8E84-426E-40DD-AFC4-6F175D3DCCD1}">
-              <a14:hiddenFill xmlns:a14="http://schemas.microsoft.com/office/drawing/2010/main">
-                <a:solidFill>
-                  <a:srgbClr val="FFFFFF"/>
-                </a:solidFill>
-              </a14:hiddenFill>
-            </a:ext>
-          </a:extLst>
-        </p:spPr>
-      </p:pic>
-    </p:spTree>
-    <p:extLst>
-      <p:ext uri="{BB962C8B-B14F-4D97-AF65-F5344CB8AC3E}">
-        <p14:creationId xmlns:p14="http://schemas.microsoft.com/office/powerpoint/2010/main" val="858178383"/>
-      </p:ext>
-    </p:extLst>
-  </p:cSld>
-  <p:clrMapOvr>
-    <a:masterClrMapping/>
-  </p:clrMapOvr>
-  <mc:AlternateContent xmlns:mc="http://schemas.openxmlformats.org/markup-compatibility/2006" xmlns:p14="http://schemas.microsoft.com/office/powerpoint/2010/main">
-    <mc:Choice Requires="p14">
-      <p:transition spd="slow" p14:dur="2000"/>
-    </mc:Choice>
-    <mc:Fallback xmlns="">
-      <p:transition spd="slow"/>
-    </mc:Fallback>
-  </mc:AlternateContent>
-  <p:timing>
-    <p:tnLst>
-      <p:par>
-        <p:cTn id="1" dur="indefinite" restart="never" nodeType="tmRoot"/>
-      </p:par>
-    </p:tnLst>
-  </p:timing>
-</p:sld>
-</file>
-
-<file path=ppt/slides/slide30.xml><?xml version="1.0" encoding="utf-8"?>
-<p:sld xmlns:a="http://schemas.openxmlformats.org/drawingml/2006/main" xmlns:r="http://schemas.openxmlformats.org/officeDocument/2006/relationships" xmlns:p="http://schemas.openxmlformats.org/presentationml/2006/main">
-  <p:cSld>
-    <p:spTree>
-      <p:nvGrpSpPr>
-        <p:cNvPr id="1" name=""/>
-        <p:cNvGrpSpPr/>
-        <p:nvPr/>
-      </p:nvGrpSpPr>
-      <p:grpSpPr>
-        <a:xfrm>
-          <a:off x="0" y="0"/>
-          <a:ext cx="0" cy="0"/>
-          <a:chOff x="0" y="0"/>
-          <a:chExt cx="0" cy="0"/>
-        </a:xfrm>
-      </p:grpSpPr>
       <p:pic>
         <p:nvPicPr>
           <p:cNvPr id="2050" name="Picture 2"/>
@@ -11326,7 +11153,7 @@
         </p:blipFill>
         <p:spPr bwMode="auto">
           <a:xfrm>
-            <a:off x="4056022" y="1772816"/>
+            <a:off x="4355976" y="1772816"/>
             <a:ext cx="4417269" cy="4159820"/>
           </a:xfrm>
           <a:prstGeom prst="rect">
@@ -11399,8 +11226,8 @@
         </p:nvSpPr>
         <p:spPr>
           <a:xfrm>
-            <a:off x="578319" y="1603790"/>
-            <a:ext cx="3322972" cy="4705530"/>
+            <a:off x="107504" y="1988840"/>
+            <a:ext cx="4104456" cy="4489506"/>
           </a:xfrm>
         </p:spPr>
         <p:txBody>
@@ -11409,7 +11236,7 @@
           </a:bodyPr>
           <a:lstStyle/>
           <a:p>
-            <a:pPr>
+            <a:pPr algn="just">
               <a:lnSpc>
                 <a:spcPct val="120000"/>
               </a:lnSpc>
@@ -11644,6 +11471,1020 @@
 </p:sld>
 </file>
 
+<file path=ppt/slides/slide29.xml><?xml version="1.0" encoding="utf-8"?>
+<p:sld xmlns:a="http://schemas.openxmlformats.org/drawingml/2006/main" xmlns:r="http://schemas.openxmlformats.org/officeDocument/2006/relationships" xmlns:p="http://schemas.openxmlformats.org/presentationml/2006/main">
+  <p:cSld>
+    <p:spTree>
+      <p:nvGrpSpPr>
+        <p:cNvPr id="1" name=""/>
+        <p:cNvGrpSpPr/>
+        <p:nvPr/>
+      </p:nvGrpSpPr>
+      <p:grpSpPr>
+        <a:xfrm>
+          <a:off x="0" y="0"/>
+          <a:ext cx="0" cy="0"/>
+          <a:chOff x="0" y="0"/>
+          <a:chExt cx="0" cy="0"/>
+        </a:xfrm>
+      </p:grpSpPr>
+      <p:sp>
+        <p:nvSpPr>
+          <p:cNvPr id="2" name="Título 1"/>
+          <p:cNvSpPr>
+            <a:spLocks noGrp="1"/>
+          </p:cNvSpPr>
+          <p:nvPr>
+            <p:ph type="title"/>
+          </p:nvPr>
+        </p:nvSpPr>
+        <p:spPr>
+          <a:xfrm>
+            <a:off x="251519" y="323403"/>
+            <a:ext cx="7632849" cy="903630"/>
+          </a:xfrm>
+        </p:spPr>
+        <p:txBody>
+          <a:bodyPr>
+            <a:noAutofit/>
+          </a:bodyPr>
+          <a:lstStyle/>
+          <a:p>
+            <a:r>
+              <a:rPr lang="pt-BR" sz="2700" dirty="0" smtClean="0"/>
+              <a:t>Modules </a:t>
+            </a:r>
+            <a:endParaRPr lang="pt-BR" sz="2700" dirty="0"/>
+          </a:p>
+        </p:txBody>
+      </p:sp>
+      <p:sp>
+        <p:nvSpPr>
+          <p:cNvPr id="3" name="Espaço Reservado para Conteúdo 2"/>
+          <p:cNvSpPr>
+            <a:spLocks noGrp="1"/>
+          </p:cNvSpPr>
+          <p:nvPr>
+            <p:ph idx="1"/>
+          </p:nvPr>
+        </p:nvSpPr>
+        <p:spPr>
+          <a:xfrm>
+            <a:off x="251520" y="2132856"/>
+            <a:ext cx="8255013" cy="3960440"/>
+          </a:xfrm>
+        </p:spPr>
+        <p:txBody>
+          <a:bodyPr>
+            <a:noAutofit/>
+          </a:bodyPr>
+          <a:lstStyle/>
+          <a:p>
+            <a:pPr algn="just">
+              <a:lnSpc>
+                <a:spcPct val="120000"/>
+              </a:lnSpc>
+            </a:pPr>
+            <a:r>
+              <a:rPr lang="pt-BR" sz="2600" b="0" dirty="0" smtClean="0">
+                <a:latin typeface="Times New Roman" pitchFamily="18" charset="0"/>
+                <a:cs typeface="Times New Roman" pitchFamily="18" charset="0"/>
+              </a:rPr>
+              <a:t>Módulos </a:t>
+            </a:r>
+            <a:r>
+              <a:rPr lang="pt-BR" sz="2600" b="0" dirty="0">
+                <a:latin typeface="Times New Roman" pitchFamily="18" charset="0"/>
+                <a:cs typeface="Times New Roman" pitchFamily="18" charset="0"/>
+              </a:rPr>
+              <a:t>tem a função de configurar o injetor e o compilador do módulo e auxiliar a organização de todos os componentes relacionados ao mesmo.</a:t>
+            </a:r>
+          </a:p>
+          <a:p>
+            <a:pPr algn="just">
+              <a:lnSpc>
+                <a:spcPct val="120000"/>
+              </a:lnSpc>
+            </a:pPr>
+            <a:r>
+              <a:rPr lang="pt-BR" sz="2600" b="0" dirty="0">
+                <a:latin typeface="Times New Roman" pitchFamily="18" charset="0"/>
+                <a:cs typeface="Times New Roman" pitchFamily="18" charset="0"/>
+              </a:rPr>
+              <a:t>Dentro do </a:t>
+            </a:r>
+            <a:r>
+              <a:rPr lang="pt-BR" sz="2600" b="0" dirty="0" err="1">
+                <a:latin typeface="Times New Roman" pitchFamily="18" charset="0"/>
+                <a:cs typeface="Times New Roman" pitchFamily="18" charset="0"/>
+              </a:rPr>
+              <a:t>decorator</a:t>
+            </a:r>
+            <a:r>
+              <a:rPr lang="pt-BR" sz="2600" b="0" dirty="0">
+                <a:latin typeface="Times New Roman" pitchFamily="18" charset="0"/>
+                <a:cs typeface="Times New Roman" pitchFamily="18" charset="0"/>
+              </a:rPr>
+              <a:t> </a:t>
+            </a:r>
+            <a:r>
+              <a:rPr lang="pt-BR" sz="2600" b="0" dirty="0" err="1">
+                <a:latin typeface="Times New Roman" pitchFamily="18" charset="0"/>
+                <a:cs typeface="Times New Roman" pitchFamily="18" charset="0"/>
+              </a:rPr>
+              <a:t>NgModule</a:t>
+            </a:r>
+            <a:r>
+              <a:rPr lang="pt-BR" sz="2600" b="0" dirty="0">
+                <a:latin typeface="Times New Roman" pitchFamily="18" charset="0"/>
+                <a:cs typeface="Times New Roman" pitchFamily="18" charset="0"/>
+              </a:rPr>
+              <a:t>, podemos identificar alguns itens importantes na construção de um módulo</a:t>
+            </a:r>
+            <a:r>
+              <a:rPr lang="pt-BR" sz="2600" b="0" dirty="0" smtClean="0">
+                <a:latin typeface="Times New Roman" pitchFamily="18" charset="0"/>
+                <a:cs typeface="Times New Roman" pitchFamily="18" charset="0"/>
+              </a:rPr>
+              <a:t>.</a:t>
+            </a:r>
+            <a:endParaRPr lang="pt-BR" sz="2600" b="0" u="sng" dirty="0" smtClean="0">
+              <a:latin typeface="Times New Roman" pitchFamily="18" charset="0"/>
+              <a:cs typeface="Times New Roman" pitchFamily="18" charset="0"/>
+            </a:endParaRPr>
+          </a:p>
+          <a:p>
+            <a:endParaRPr lang="pt-BR" sz="2600" dirty="0"/>
+          </a:p>
+          <a:p>
+            <a:endParaRPr lang="pt-BR" sz="2600" dirty="0"/>
+          </a:p>
+        </p:txBody>
+      </p:sp>
+      <p:cxnSp>
+        <p:nvCxnSpPr>
+          <p:cNvPr id="5" name="Conector reto 4"/>
+          <p:cNvCxnSpPr/>
+          <p:nvPr/>
+        </p:nvCxnSpPr>
+        <p:spPr>
+          <a:xfrm>
+            <a:off x="251520" y="1340768"/>
+            <a:ext cx="6480720" cy="0"/>
+          </a:xfrm>
+          <a:prstGeom prst="line">
+            <a:avLst/>
+          </a:prstGeom>
+          <a:ln/>
+        </p:spPr>
+        <p:style>
+          <a:lnRef idx="2">
+            <a:schemeClr val="accent5"/>
+          </a:lnRef>
+          <a:fillRef idx="0">
+            <a:schemeClr val="accent5"/>
+          </a:fillRef>
+          <a:effectRef idx="1">
+            <a:schemeClr val="accent5"/>
+          </a:effectRef>
+          <a:fontRef idx="minor">
+            <a:schemeClr val="tx1"/>
+          </a:fontRef>
+        </p:style>
+      </p:cxnSp>
+      <p:pic>
+        <p:nvPicPr>
+          <p:cNvPr id="6" name="Picture 7" descr="Angular-Logo-PNG-Image.png"/>
+          <p:cNvPicPr>
+            <a:picLocks noChangeAspect="1" noChangeArrowheads="1"/>
+          </p:cNvPicPr>
+          <p:nvPr/>
+        </p:nvPicPr>
+        <p:blipFill rotWithShape="1">
+          <a:blip r:embed="rId2" cstate="print">
+            <a:extLst>
+              <a:ext uri="{28A0092B-C50C-407E-A947-70E740481C1C}">
+                <a14:useLocalDpi xmlns:a14="http://schemas.microsoft.com/office/drawing/2010/main" val="0"/>
+              </a:ext>
+            </a:extLst>
+          </a:blip>
+          <a:srcRect l="2299" t="36731" r="73370" b="36781"/>
+          <a:stretch/>
+        </p:blipFill>
+        <p:spPr bwMode="auto">
+          <a:xfrm>
+            <a:off x="7156265" y="160338"/>
+            <a:ext cx="1317026" cy="1433826"/>
+          </a:xfrm>
+          <a:prstGeom prst="rect">
+            <a:avLst/>
+          </a:prstGeom>
+          <a:noFill/>
+          <a:extLst>
+            <a:ext uri="{909E8E84-426E-40DD-AFC4-6F175D3DCCD1}">
+              <a14:hiddenFill xmlns:a14="http://schemas.microsoft.com/office/drawing/2010/main">
+                <a:solidFill>
+                  <a:srgbClr val="FFFFFF"/>
+                </a:solidFill>
+              </a14:hiddenFill>
+            </a:ext>
+          </a:extLst>
+        </p:spPr>
+      </p:pic>
+    </p:spTree>
+    <p:extLst>
+      <p:ext uri="{BB962C8B-B14F-4D97-AF65-F5344CB8AC3E}">
+        <p14:creationId xmlns:p14="http://schemas.microsoft.com/office/powerpoint/2010/main" val="540966798"/>
+      </p:ext>
+    </p:extLst>
+  </p:cSld>
+  <p:clrMapOvr>
+    <a:masterClrMapping/>
+  </p:clrMapOvr>
+  <mc:AlternateContent xmlns:mc="http://schemas.openxmlformats.org/markup-compatibility/2006" xmlns:p14="http://schemas.microsoft.com/office/powerpoint/2010/main">
+    <mc:Choice Requires="p14">
+      <p:transition spd="slow" p14:dur="2000"/>
+    </mc:Choice>
+    <mc:Fallback xmlns="">
+      <p:transition spd="slow"/>
+    </mc:Fallback>
+  </mc:AlternateContent>
+  <p:timing>
+    <p:tnLst>
+      <p:par>
+        <p:cTn id="1" dur="indefinite" restart="never" nodeType="tmRoot"/>
+      </p:par>
+    </p:tnLst>
+  </p:timing>
+</p:sld>
+</file>
+
+<file path=ppt/slides/slide3.xml><?xml version="1.0" encoding="utf-8"?>
+<p:sld xmlns:a="http://schemas.openxmlformats.org/drawingml/2006/main" xmlns:r="http://schemas.openxmlformats.org/officeDocument/2006/relationships" xmlns:p="http://schemas.openxmlformats.org/presentationml/2006/main">
+  <p:cSld>
+    <p:spTree>
+      <p:nvGrpSpPr>
+        <p:cNvPr id="1" name=""/>
+        <p:cNvGrpSpPr/>
+        <p:nvPr/>
+      </p:nvGrpSpPr>
+      <p:grpSpPr>
+        <a:xfrm>
+          <a:off x="0" y="0"/>
+          <a:ext cx="0" cy="0"/>
+          <a:chOff x="0" y="0"/>
+          <a:chExt cx="0" cy="0"/>
+        </a:xfrm>
+      </p:grpSpPr>
+      <p:sp>
+        <p:nvSpPr>
+          <p:cNvPr id="2" name="Título 1"/>
+          <p:cNvSpPr>
+            <a:spLocks noGrp="1"/>
+          </p:cNvSpPr>
+          <p:nvPr>
+            <p:ph type="title"/>
+          </p:nvPr>
+        </p:nvSpPr>
+        <p:spPr>
+          <a:xfrm>
+            <a:off x="-396552" y="437138"/>
+            <a:ext cx="5791200" cy="903630"/>
+          </a:xfrm>
+        </p:spPr>
+        <p:txBody>
+          <a:bodyPr/>
+          <a:lstStyle/>
+          <a:p>
+            <a:pPr algn="ctr"/>
+            <a:r>
+              <a:rPr lang="pt-BR" dirty="0" smtClean="0"/>
+              <a:t>introdução</a:t>
+            </a:r>
+            <a:endParaRPr lang="pt-BR" dirty="0"/>
+          </a:p>
+        </p:txBody>
+      </p:sp>
+      <p:sp>
+        <p:nvSpPr>
+          <p:cNvPr id="3" name="Espaço Reservado para Conteúdo 2"/>
+          <p:cNvSpPr>
+            <a:spLocks noGrp="1"/>
+          </p:cNvSpPr>
+          <p:nvPr>
+            <p:ph idx="1"/>
+          </p:nvPr>
+        </p:nvSpPr>
+        <p:spPr>
+          <a:xfrm>
+            <a:off x="251520" y="1988840"/>
+            <a:ext cx="8352928" cy="4104456"/>
+          </a:xfrm>
+        </p:spPr>
+        <p:txBody>
+          <a:bodyPr>
+            <a:noAutofit/>
+          </a:bodyPr>
+          <a:lstStyle/>
+          <a:p>
+            <a:r>
+              <a:rPr lang="pt-BR" sz="2600" dirty="0" smtClean="0">
+                <a:latin typeface="Times New Roman" panose="02020603050405020304" pitchFamily="18" charset="0"/>
+                <a:cs typeface="Times New Roman" pitchFamily="18" charset="0"/>
+              </a:rPr>
+              <a:t>Informações:</a:t>
+            </a:r>
+          </a:p>
+          <a:p>
+            <a:pPr lvl="0"/>
+            <a:r>
+              <a:rPr lang="pt-BR" sz="2600" b="0" dirty="0" smtClean="0">
+                <a:latin typeface="Times New Roman" pitchFamily="18" charset="0"/>
+                <a:cs typeface="Times New Roman" pitchFamily="18" charset="0"/>
+              </a:rPr>
+              <a:t> - Gravado </a:t>
+            </a:r>
+            <a:r>
+              <a:rPr lang="pt-BR" sz="2600" b="0" dirty="0">
+                <a:latin typeface="Times New Roman" pitchFamily="18" charset="0"/>
+                <a:cs typeface="Times New Roman" pitchFamily="18" charset="0"/>
+              </a:rPr>
+              <a:t>em: </a:t>
+            </a:r>
+            <a:r>
+              <a:rPr lang="pt-BR" sz="2600" b="0" dirty="0" err="1">
+                <a:latin typeface="Times New Roman" pitchFamily="18" charset="0"/>
+                <a:cs typeface="Times New Roman" pitchFamily="18" charset="0"/>
+              </a:rPr>
+              <a:t>TypeScript</a:t>
+            </a:r>
+            <a:endParaRPr lang="pt-BR" sz="2600" b="0" dirty="0">
+              <a:latin typeface="Times New Roman" pitchFamily="18" charset="0"/>
+              <a:cs typeface="Times New Roman" pitchFamily="18" charset="0"/>
+            </a:endParaRPr>
+          </a:p>
+          <a:p>
+            <a:pPr lvl="0"/>
+            <a:r>
+              <a:rPr lang="pt-BR" sz="2600" b="0" dirty="0" smtClean="0">
+                <a:latin typeface="Times New Roman" pitchFamily="18" charset="0"/>
+                <a:cs typeface="Times New Roman" pitchFamily="18" charset="0"/>
+              </a:rPr>
+              <a:t> - Plataforma</a:t>
+            </a:r>
+            <a:r>
+              <a:rPr lang="pt-BR" sz="2600" b="0" dirty="0">
+                <a:latin typeface="Times New Roman" pitchFamily="18" charset="0"/>
+                <a:cs typeface="Times New Roman" pitchFamily="18" charset="0"/>
+              </a:rPr>
+              <a:t>: Web </a:t>
+            </a:r>
+            <a:r>
+              <a:rPr lang="pt-BR" sz="2600" b="0" dirty="0" err="1">
+                <a:latin typeface="Times New Roman" pitchFamily="18" charset="0"/>
+                <a:cs typeface="Times New Roman" pitchFamily="18" charset="0"/>
+              </a:rPr>
+              <a:t>platform</a:t>
+            </a:r>
+            <a:endParaRPr lang="pt-BR" sz="2600" b="0" dirty="0">
+              <a:latin typeface="Times New Roman" pitchFamily="18" charset="0"/>
+              <a:cs typeface="Times New Roman" pitchFamily="18" charset="0"/>
+            </a:endParaRPr>
+          </a:p>
+          <a:p>
+            <a:pPr lvl="0"/>
+            <a:r>
+              <a:rPr lang="pt-BR" sz="2600" b="0" dirty="0" smtClean="0">
+                <a:latin typeface="Times New Roman" pitchFamily="18" charset="0"/>
+                <a:cs typeface="Times New Roman" pitchFamily="18" charset="0"/>
+              </a:rPr>
+              <a:t> - Lançamento</a:t>
+            </a:r>
+            <a:r>
+              <a:rPr lang="pt-BR" sz="2600" b="0" dirty="0">
+                <a:latin typeface="Times New Roman" pitchFamily="18" charset="0"/>
+                <a:cs typeface="Times New Roman" pitchFamily="18" charset="0"/>
+              </a:rPr>
+              <a:t>: 14 setembro 2016; há 2 anos</a:t>
+            </a:r>
+          </a:p>
+          <a:p>
+            <a:pPr lvl="0"/>
+            <a:r>
+              <a:rPr lang="pt-BR" sz="2600" b="0" dirty="0" smtClean="0">
+                <a:latin typeface="Times New Roman" pitchFamily="18" charset="0"/>
+                <a:cs typeface="Times New Roman" pitchFamily="18" charset="0"/>
+              </a:rPr>
+              <a:t> - Versão </a:t>
+            </a:r>
+            <a:r>
+              <a:rPr lang="pt-BR" sz="2600" b="0" dirty="0">
+                <a:latin typeface="Times New Roman" pitchFamily="18" charset="0"/>
+                <a:cs typeface="Times New Roman" pitchFamily="18" charset="0"/>
+              </a:rPr>
+              <a:t>estável: 7.1.4 (18 dezembro 2018; há 3 mês)</a:t>
+            </a:r>
+          </a:p>
+          <a:p>
+            <a:pPr lvl="0"/>
+            <a:r>
+              <a:rPr lang="pt-BR" sz="2600" b="0" dirty="0" smtClean="0">
+                <a:latin typeface="Times New Roman" pitchFamily="18" charset="0"/>
+                <a:cs typeface="Times New Roman" pitchFamily="18" charset="0"/>
+              </a:rPr>
+              <a:t> - Versão </a:t>
+            </a:r>
+            <a:r>
+              <a:rPr lang="pt-BR" sz="2600" b="0" dirty="0">
+                <a:latin typeface="Times New Roman" pitchFamily="18" charset="0"/>
+                <a:cs typeface="Times New Roman" pitchFamily="18" charset="0"/>
+              </a:rPr>
+              <a:t>em teste: 7.2.0-beta.2 (11 dezembro </a:t>
+            </a:r>
+            <a:r>
+              <a:rPr lang="pt-BR" sz="2600" b="0" dirty="0" smtClean="0">
+                <a:latin typeface="Times New Roman" pitchFamily="18" charset="0"/>
+                <a:cs typeface="Times New Roman" pitchFamily="18" charset="0"/>
+              </a:rPr>
+              <a:t>2018)</a:t>
+            </a:r>
+            <a:endParaRPr lang="pt-BR" sz="2600" b="0" dirty="0">
+              <a:latin typeface="Times New Roman" pitchFamily="18" charset="0"/>
+              <a:cs typeface="Times New Roman" pitchFamily="18" charset="0"/>
+            </a:endParaRPr>
+          </a:p>
+          <a:p>
+            <a:pPr lvl="0"/>
+            <a:r>
+              <a:rPr lang="pt-BR" sz="2600" b="0" dirty="0" smtClean="0">
+                <a:latin typeface="Times New Roman" pitchFamily="18" charset="0"/>
+                <a:cs typeface="Times New Roman" pitchFamily="18" charset="0"/>
+              </a:rPr>
+              <a:t> - Desenvolvedor</a:t>
+            </a:r>
+            <a:r>
+              <a:rPr lang="pt-BR" sz="2600" b="0" dirty="0">
+                <a:latin typeface="Times New Roman" pitchFamily="18" charset="0"/>
+                <a:cs typeface="Times New Roman" pitchFamily="18" charset="0"/>
+              </a:rPr>
+              <a:t>: Google/ </a:t>
+            </a:r>
+            <a:r>
+              <a:rPr lang="pt-BR" sz="2600" b="0" dirty="0" err="1">
+                <a:latin typeface="Times New Roman" pitchFamily="18" charset="0"/>
+                <a:cs typeface="Times New Roman" pitchFamily="18" charset="0"/>
+              </a:rPr>
+              <a:t>Misko</a:t>
+            </a:r>
+            <a:r>
+              <a:rPr lang="pt-BR" sz="2600" b="0" dirty="0">
+                <a:latin typeface="Times New Roman" pitchFamily="18" charset="0"/>
+                <a:cs typeface="Times New Roman" pitchFamily="18" charset="0"/>
+              </a:rPr>
+              <a:t> </a:t>
+            </a:r>
+            <a:r>
+              <a:rPr lang="pt-BR" sz="2600" b="0" dirty="0" err="1">
+                <a:latin typeface="Times New Roman" pitchFamily="18" charset="0"/>
+                <a:cs typeface="Times New Roman" pitchFamily="18" charset="0"/>
+              </a:rPr>
+              <a:t>Hevery</a:t>
+            </a:r>
+            <a:endParaRPr lang="pt-BR" sz="2600" b="0" dirty="0">
+              <a:latin typeface="Times New Roman" pitchFamily="18" charset="0"/>
+              <a:cs typeface="Times New Roman" pitchFamily="18" charset="0"/>
+            </a:endParaRPr>
+          </a:p>
+          <a:p>
+            <a:pPr algn="just">
+              <a:lnSpc>
+                <a:spcPct val="120000"/>
+              </a:lnSpc>
+            </a:pPr>
+            <a:endParaRPr lang="pt-BR" sz="2600" u="sng" dirty="0" smtClean="0">
+              <a:latin typeface="Times New Roman" pitchFamily="18" charset="0"/>
+              <a:cs typeface="Times New Roman" pitchFamily="18" charset="0"/>
+            </a:endParaRPr>
+          </a:p>
+          <a:p>
+            <a:endParaRPr lang="pt-BR" sz="2600" dirty="0">
+              <a:latin typeface="Times New Roman" panose="02020603050405020304" pitchFamily="18" charset="0"/>
+              <a:cs typeface="Times New Roman" panose="02020603050405020304" pitchFamily="18" charset="0"/>
+            </a:endParaRPr>
+          </a:p>
+          <a:p>
+            <a:endParaRPr lang="pt-BR" sz="2600" dirty="0">
+              <a:latin typeface="Times New Roman" panose="02020603050405020304" pitchFamily="18" charset="0"/>
+              <a:cs typeface="Times New Roman" panose="02020603050405020304" pitchFamily="18" charset="0"/>
+            </a:endParaRPr>
+          </a:p>
+        </p:txBody>
+      </p:sp>
+      <p:cxnSp>
+        <p:nvCxnSpPr>
+          <p:cNvPr id="5" name="Conector reto 4"/>
+          <p:cNvCxnSpPr/>
+          <p:nvPr/>
+        </p:nvCxnSpPr>
+        <p:spPr>
+          <a:xfrm>
+            <a:off x="251520" y="1340768"/>
+            <a:ext cx="6480720" cy="0"/>
+          </a:xfrm>
+          <a:prstGeom prst="line">
+            <a:avLst/>
+          </a:prstGeom>
+          <a:ln/>
+        </p:spPr>
+        <p:style>
+          <a:lnRef idx="2">
+            <a:schemeClr val="accent5"/>
+          </a:lnRef>
+          <a:fillRef idx="0">
+            <a:schemeClr val="accent5"/>
+          </a:fillRef>
+          <a:effectRef idx="1">
+            <a:schemeClr val="accent5"/>
+          </a:effectRef>
+          <a:fontRef idx="minor">
+            <a:schemeClr val="tx1"/>
+          </a:fontRef>
+        </p:style>
+      </p:cxnSp>
+      <p:pic>
+        <p:nvPicPr>
+          <p:cNvPr id="6" name="Picture 7" descr="Angular-Logo-PNG-Image.png"/>
+          <p:cNvPicPr>
+            <a:picLocks noChangeAspect="1" noChangeArrowheads="1"/>
+          </p:cNvPicPr>
+          <p:nvPr/>
+        </p:nvPicPr>
+        <p:blipFill rotWithShape="1">
+          <a:blip r:embed="rId2" cstate="print">
+            <a:extLst>
+              <a:ext uri="{28A0092B-C50C-407E-A947-70E740481C1C}">
+                <a14:useLocalDpi xmlns:a14="http://schemas.microsoft.com/office/drawing/2010/main" val="0"/>
+              </a:ext>
+            </a:extLst>
+          </a:blip>
+          <a:srcRect l="2299" t="36731" r="73370" b="36781"/>
+          <a:stretch/>
+        </p:blipFill>
+        <p:spPr bwMode="auto">
+          <a:xfrm>
+            <a:off x="7156265" y="160338"/>
+            <a:ext cx="1317026" cy="1433826"/>
+          </a:xfrm>
+          <a:prstGeom prst="rect">
+            <a:avLst/>
+          </a:prstGeom>
+          <a:noFill/>
+          <a:extLst>
+            <a:ext uri="{909E8E84-426E-40DD-AFC4-6F175D3DCCD1}">
+              <a14:hiddenFill xmlns:a14="http://schemas.microsoft.com/office/drawing/2010/main">
+                <a:solidFill>
+                  <a:srgbClr val="FFFFFF"/>
+                </a:solidFill>
+              </a14:hiddenFill>
+            </a:ext>
+          </a:extLst>
+        </p:spPr>
+      </p:pic>
+    </p:spTree>
+    <p:extLst>
+      <p:ext uri="{BB962C8B-B14F-4D97-AF65-F5344CB8AC3E}">
+        <p14:creationId xmlns:p14="http://schemas.microsoft.com/office/powerpoint/2010/main" val="858178383"/>
+      </p:ext>
+    </p:extLst>
+  </p:cSld>
+  <p:clrMapOvr>
+    <a:masterClrMapping/>
+  </p:clrMapOvr>
+  <mc:AlternateContent xmlns:mc="http://schemas.openxmlformats.org/markup-compatibility/2006" xmlns:p14="http://schemas.microsoft.com/office/powerpoint/2010/main">
+    <mc:Choice Requires="p14">
+      <p:transition spd="slow" p14:dur="2000"/>
+    </mc:Choice>
+    <mc:Fallback xmlns="">
+      <p:transition spd="slow"/>
+    </mc:Fallback>
+  </mc:AlternateContent>
+  <p:timing>
+    <p:tnLst>
+      <p:par>
+        <p:cTn id="1" dur="indefinite" restart="never" nodeType="tmRoot"/>
+      </p:par>
+    </p:tnLst>
+  </p:timing>
+</p:sld>
+</file>
+
+<file path=ppt/slides/slide30.xml><?xml version="1.0" encoding="utf-8"?>
+<p:sld xmlns:a="http://schemas.openxmlformats.org/drawingml/2006/main" xmlns:r="http://schemas.openxmlformats.org/officeDocument/2006/relationships" xmlns:p="http://schemas.openxmlformats.org/presentationml/2006/main">
+  <p:cSld>
+    <p:spTree>
+      <p:nvGrpSpPr>
+        <p:cNvPr id="1" name=""/>
+        <p:cNvGrpSpPr/>
+        <p:nvPr/>
+      </p:nvGrpSpPr>
+      <p:grpSpPr>
+        <a:xfrm>
+          <a:off x="0" y="0"/>
+          <a:ext cx="0" cy="0"/>
+          <a:chOff x="0" y="0"/>
+          <a:chExt cx="0" cy="0"/>
+        </a:xfrm>
+      </p:grpSpPr>
+      <p:sp>
+        <p:nvSpPr>
+          <p:cNvPr id="2" name="Título 1"/>
+          <p:cNvSpPr>
+            <a:spLocks noGrp="1"/>
+          </p:cNvSpPr>
+          <p:nvPr>
+            <p:ph type="title"/>
+          </p:nvPr>
+        </p:nvSpPr>
+        <p:spPr>
+          <a:xfrm>
+            <a:off x="179513" y="323403"/>
+            <a:ext cx="7704856" cy="903630"/>
+          </a:xfrm>
+        </p:spPr>
+        <p:txBody>
+          <a:bodyPr>
+            <a:noAutofit/>
+          </a:bodyPr>
+          <a:lstStyle/>
+          <a:p>
+            <a:r>
+              <a:rPr lang="pt-BR" sz="2700" dirty="0" smtClean="0"/>
+              <a:t>Modules - @</a:t>
+            </a:r>
+            <a:r>
+              <a:rPr lang="pt-BR" sz="2700" cap="none" dirty="0" err="1" smtClean="0"/>
+              <a:t>ng</a:t>
+            </a:r>
+            <a:r>
+              <a:rPr lang="pt-BR" sz="2700" dirty="0" err="1" smtClean="0"/>
+              <a:t>M</a:t>
+            </a:r>
+            <a:r>
+              <a:rPr lang="pt-BR" sz="2700" cap="none" dirty="0" err="1" smtClean="0"/>
+              <a:t>odule</a:t>
+            </a:r>
+            <a:r>
+              <a:rPr lang="pt-BR" sz="2700" dirty="0" smtClean="0"/>
+              <a:t> </a:t>
+            </a:r>
+            <a:endParaRPr lang="pt-BR" sz="2700" dirty="0"/>
+          </a:p>
+        </p:txBody>
+      </p:sp>
+      <p:sp>
+        <p:nvSpPr>
+          <p:cNvPr id="3" name="Espaço Reservado para Conteúdo 2"/>
+          <p:cNvSpPr>
+            <a:spLocks noGrp="1"/>
+          </p:cNvSpPr>
+          <p:nvPr>
+            <p:ph idx="1"/>
+          </p:nvPr>
+        </p:nvSpPr>
+        <p:spPr>
+          <a:xfrm>
+            <a:off x="251520" y="1844824"/>
+            <a:ext cx="8496944" cy="5263836"/>
+          </a:xfrm>
+        </p:spPr>
+        <p:txBody>
+          <a:bodyPr>
+            <a:noAutofit/>
+          </a:bodyPr>
+          <a:lstStyle/>
+          <a:p>
+            <a:pPr marL="457200" indent="-457200" algn="just">
+              <a:buFont typeface="Arial" panose="020B0604020202020204" pitchFamily="34" charset="0"/>
+              <a:buChar char="•"/>
+            </a:pPr>
+            <a:r>
+              <a:rPr lang="pt-BR" sz="2600" dirty="0" smtClean="0">
+                <a:latin typeface="Times New Roman" pitchFamily="18" charset="0"/>
+                <a:cs typeface="Times New Roman" pitchFamily="18" charset="0"/>
+              </a:rPr>
+              <a:t> </a:t>
+            </a:r>
+            <a:r>
+              <a:rPr lang="pt-BR" sz="2600" dirty="0" err="1" smtClean="0">
+                <a:latin typeface="Times New Roman" pitchFamily="18" charset="0"/>
+                <a:cs typeface="Times New Roman" pitchFamily="18" charset="0"/>
+              </a:rPr>
+              <a:t>Imports</a:t>
+            </a:r>
+            <a:r>
+              <a:rPr lang="pt-BR" sz="2600" dirty="0" smtClean="0">
+                <a:latin typeface="Times New Roman" pitchFamily="18" charset="0"/>
+                <a:cs typeface="Times New Roman" pitchFamily="18" charset="0"/>
+              </a:rPr>
+              <a:t> </a:t>
+            </a:r>
+            <a:r>
+              <a:rPr lang="pt-BR" sz="2600" b="0" dirty="0" smtClean="0">
+                <a:latin typeface="Times New Roman" pitchFamily="18" charset="0"/>
+                <a:cs typeface="Times New Roman" pitchFamily="18" charset="0"/>
+              </a:rPr>
+              <a:t>-</a:t>
+            </a:r>
+            <a:r>
+              <a:rPr lang="pt-BR" sz="2600" dirty="0" smtClean="0">
+                <a:latin typeface="Times New Roman" pitchFamily="18" charset="0"/>
+                <a:cs typeface="Times New Roman" pitchFamily="18" charset="0"/>
+              </a:rPr>
+              <a:t> </a:t>
+            </a:r>
+            <a:r>
+              <a:rPr lang="pt-BR" sz="2600" b="0" dirty="0" err="1" smtClean="0">
+                <a:latin typeface="Times New Roman" pitchFamily="18" charset="0"/>
+                <a:cs typeface="Times New Roman" pitchFamily="18" charset="0"/>
+              </a:rPr>
+              <a:t>Imports</a:t>
+            </a:r>
+            <a:r>
+              <a:rPr lang="pt-BR" sz="2600" b="0" dirty="0" smtClean="0">
+                <a:latin typeface="Times New Roman" pitchFamily="18" charset="0"/>
+                <a:cs typeface="Times New Roman" pitchFamily="18" charset="0"/>
+              </a:rPr>
+              <a:t> </a:t>
+            </a:r>
+            <a:r>
+              <a:rPr lang="pt-BR" sz="2600" b="0" dirty="0">
+                <a:latin typeface="Times New Roman" pitchFamily="18" charset="0"/>
+                <a:cs typeface="Times New Roman" pitchFamily="18" charset="0"/>
+              </a:rPr>
+              <a:t>são responsáveis por tornar as declarações exportadas de outros módulos disponíveis para o módulo atual. </a:t>
+            </a:r>
+            <a:endParaRPr lang="pt-BR" sz="2600" b="0" dirty="0" smtClean="0">
+              <a:latin typeface="Times New Roman" pitchFamily="18" charset="0"/>
+              <a:cs typeface="Times New Roman" pitchFamily="18" charset="0"/>
+            </a:endParaRPr>
+          </a:p>
+          <a:p>
+            <a:pPr marL="457200" indent="-457200" algn="just">
+              <a:buFont typeface="Arial" panose="020B0604020202020204" pitchFamily="34" charset="0"/>
+              <a:buChar char="•"/>
+            </a:pPr>
+            <a:r>
+              <a:rPr lang="pt-BR" sz="2600" dirty="0" err="1" smtClean="0">
+                <a:latin typeface="Times New Roman" pitchFamily="18" charset="0"/>
+                <a:cs typeface="Times New Roman" pitchFamily="18" charset="0"/>
+              </a:rPr>
+              <a:t>Declarations</a:t>
+            </a:r>
+            <a:r>
+              <a:rPr lang="pt-BR" sz="2600" dirty="0">
+                <a:latin typeface="Times New Roman" pitchFamily="18" charset="0"/>
+                <a:cs typeface="Times New Roman" pitchFamily="18" charset="0"/>
+              </a:rPr>
+              <a:t> </a:t>
+            </a:r>
+            <a:r>
+              <a:rPr lang="pt-BR" sz="2600" b="0" dirty="0" smtClean="0">
+                <a:latin typeface="Times New Roman" pitchFamily="18" charset="0"/>
+                <a:cs typeface="Times New Roman" pitchFamily="18" charset="0"/>
+              </a:rPr>
+              <a:t>-</a:t>
+            </a:r>
+            <a:r>
+              <a:rPr lang="pt-BR" sz="2600" dirty="0" smtClean="0">
+                <a:latin typeface="Times New Roman" pitchFamily="18" charset="0"/>
+                <a:cs typeface="Times New Roman" pitchFamily="18" charset="0"/>
+              </a:rPr>
+              <a:t> </a:t>
+            </a:r>
+            <a:r>
+              <a:rPr lang="pt-BR" sz="2600" b="0" dirty="0" smtClean="0">
+                <a:latin typeface="Times New Roman" pitchFamily="18" charset="0"/>
+                <a:cs typeface="Times New Roman" pitchFamily="18" charset="0"/>
+              </a:rPr>
+              <a:t>Em </a:t>
+            </a:r>
+            <a:r>
+              <a:rPr lang="pt-BR" sz="2600" b="0" dirty="0" err="1">
+                <a:latin typeface="Times New Roman" pitchFamily="18" charset="0"/>
+                <a:cs typeface="Times New Roman" pitchFamily="18" charset="0"/>
+              </a:rPr>
+              <a:t>declarations</a:t>
+            </a:r>
+            <a:r>
+              <a:rPr lang="pt-BR" sz="2600" b="0" dirty="0">
+                <a:latin typeface="Times New Roman" pitchFamily="18" charset="0"/>
+                <a:cs typeface="Times New Roman" pitchFamily="18" charset="0"/>
+              </a:rPr>
+              <a:t>, incluímos todos os Componentes, diretivas, </a:t>
+            </a:r>
+            <a:r>
+              <a:rPr lang="pt-BR" sz="2600" b="0" dirty="0" err="1">
+                <a:latin typeface="Times New Roman" pitchFamily="18" charset="0"/>
+                <a:cs typeface="Times New Roman" pitchFamily="18" charset="0"/>
+              </a:rPr>
+              <a:t>pipes</a:t>
+            </a:r>
+            <a:r>
+              <a:rPr lang="pt-BR" sz="2600" b="0" dirty="0">
+                <a:latin typeface="Times New Roman" pitchFamily="18" charset="0"/>
+                <a:cs typeface="Times New Roman" pitchFamily="18" charset="0"/>
+              </a:rPr>
+              <a:t> que serão usados pelo módulo atual</a:t>
+            </a:r>
+            <a:r>
+              <a:rPr lang="pt-BR" sz="2600" b="0" dirty="0" smtClean="0">
+                <a:latin typeface="Times New Roman" pitchFamily="18" charset="0"/>
+                <a:cs typeface="Times New Roman" pitchFamily="18" charset="0"/>
+              </a:rPr>
+              <a:t>.</a:t>
+            </a:r>
+          </a:p>
+          <a:p>
+            <a:pPr marL="457200" indent="-457200" algn="just">
+              <a:buFont typeface="Arial" panose="020B0604020202020204" pitchFamily="34" charset="0"/>
+              <a:buChar char="•"/>
+            </a:pPr>
+            <a:r>
+              <a:rPr lang="pt-BR" sz="2600" dirty="0" err="1" smtClean="0">
+                <a:latin typeface="Times New Roman" pitchFamily="18" charset="0"/>
+                <a:cs typeface="Times New Roman" pitchFamily="18" charset="0"/>
+              </a:rPr>
+              <a:t>Providers</a:t>
+            </a:r>
+            <a:r>
+              <a:rPr lang="pt-BR" sz="2600" dirty="0" smtClean="0">
+                <a:latin typeface="Times New Roman" pitchFamily="18" charset="0"/>
+                <a:cs typeface="Times New Roman" pitchFamily="18" charset="0"/>
+              </a:rPr>
+              <a:t> </a:t>
+            </a:r>
+            <a:r>
+              <a:rPr lang="pt-BR" sz="2600" b="0" dirty="0" smtClean="0">
+                <a:latin typeface="Times New Roman" pitchFamily="18" charset="0"/>
+                <a:cs typeface="Times New Roman" pitchFamily="18" charset="0"/>
+              </a:rPr>
+              <a:t>- Qualquer </a:t>
+            </a:r>
+            <a:r>
+              <a:rPr lang="pt-BR" sz="2600" b="0" dirty="0">
+                <a:latin typeface="Times New Roman" pitchFamily="18" charset="0"/>
+                <a:cs typeface="Times New Roman" pitchFamily="18" charset="0"/>
+              </a:rPr>
+              <a:t>tipo de serviço, incluímos em </a:t>
+            </a:r>
+            <a:r>
+              <a:rPr lang="pt-BR" sz="2600" b="0" dirty="0" err="1">
+                <a:latin typeface="Times New Roman" pitchFamily="18" charset="0"/>
+                <a:cs typeface="Times New Roman" pitchFamily="18" charset="0"/>
+              </a:rPr>
+              <a:t>providers</a:t>
+            </a:r>
+            <a:r>
+              <a:rPr lang="pt-BR" sz="2600" b="0" dirty="0">
+                <a:latin typeface="Times New Roman" pitchFamily="18" charset="0"/>
+                <a:cs typeface="Times New Roman" pitchFamily="18" charset="0"/>
+              </a:rPr>
+              <a:t> para que assim possa ser injetado e utilizado pelos componentes do módulo atual através da injeção de dependência.</a:t>
+            </a:r>
+          </a:p>
+          <a:p>
+            <a:pPr algn="just">
+              <a:lnSpc>
+                <a:spcPct val="120000"/>
+              </a:lnSpc>
+            </a:pPr>
+            <a:endParaRPr lang="pt-BR" b="0" dirty="0" smtClean="0">
+              <a:latin typeface="Times New Roman" pitchFamily="18" charset="0"/>
+              <a:cs typeface="Times New Roman" pitchFamily="18" charset="0"/>
+            </a:endParaRPr>
+          </a:p>
+          <a:p>
+            <a:pPr algn="just">
+              <a:lnSpc>
+                <a:spcPct val="120000"/>
+              </a:lnSpc>
+            </a:pPr>
+            <a:endParaRPr lang="pt-BR" sz="2600" b="0" dirty="0" smtClean="0">
+              <a:latin typeface="Times New Roman" pitchFamily="18" charset="0"/>
+              <a:cs typeface="Times New Roman" pitchFamily="18" charset="0"/>
+            </a:endParaRPr>
+          </a:p>
+          <a:p>
+            <a:pPr algn="just">
+              <a:lnSpc>
+                <a:spcPct val="120000"/>
+              </a:lnSpc>
+            </a:pPr>
+            <a:endParaRPr lang="pt-BR" sz="2600" dirty="0" smtClean="0"/>
+          </a:p>
+          <a:p>
+            <a:endParaRPr lang="pt-BR" sz="2600" dirty="0"/>
+          </a:p>
+        </p:txBody>
+      </p:sp>
+      <p:cxnSp>
+        <p:nvCxnSpPr>
+          <p:cNvPr id="5" name="Conector reto 4"/>
+          <p:cNvCxnSpPr/>
+          <p:nvPr/>
+        </p:nvCxnSpPr>
+        <p:spPr>
+          <a:xfrm>
+            <a:off x="251520" y="1340768"/>
+            <a:ext cx="6480720" cy="0"/>
+          </a:xfrm>
+          <a:prstGeom prst="line">
+            <a:avLst/>
+          </a:prstGeom>
+          <a:ln/>
+        </p:spPr>
+        <p:style>
+          <a:lnRef idx="2">
+            <a:schemeClr val="accent5"/>
+          </a:lnRef>
+          <a:fillRef idx="0">
+            <a:schemeClr val="accent5"/>
+          </a:fillRef>
+          <a:effectRef idx="1">
+            <a:schemeClr val="accent5"/>
+          </a:effectRef>
+          <a:fontRef idx="minor">
+            <a:schemeClr val="tx1"/>
+          </a:fontRef>
+        </p:style>
+      </p:cxnSp>
+      <p:pic>
+        <p:nvPicPr>
+          <p:cNvPr id="6" name="Picture 7" descr="Angular-Logo-PNG-Image.png"/>
+          <p:cNvPicPr>
+            <a:picLocks noChangeAspect="1" noChangeArrowheads="1"/>
+          </p:cNvPicPr>
+          <p:nvPr/>
+        </p:nvPicPr>
+        <p:blipFill rotWithShape="1">
+          <a:blip r:embed="rId2" cstate="print">
+            <a:extLst>
+              <a:ext uri="{28A0092B-C50C-407E-A947-70E740481C1C}">
+                <a14:useLocalDpi xmlns:a14="http://schemas.microsoft.com/office/drawing/2010/main" val="0"/>
+              </a:ext>
+            </a:extLst>
+          </a:blip>
+          <a:srcRect l="2299" t="36731" r="73370" b="36781"/>
+          <a:stretch/>
+        </p:blipFill>
+        <p:spPr bwMode="auto">
+          <a:xfrm>
+            <a:off x="7156265" y="160338"/>
+            <a:ext cx="1317026" cy="1433826"/>
+          </a:xfrm>
+          <a:prstGeom prst="rect">
+            <a:avLst/>
+          </a:prstGeom>
+          <a:noFill/>
+          <a:extLst>
+            <a:ext uri="{909E8E84-426E-40DD-AFC4-6F175D3DCCD1}">
+              <a14:hiddenFill xmlns:a14="http://schemas.microsoft.com/office/drawing/2010/main">
+                <a:solidFill>
+                  <a:srgbClr val="FFFFFF"/>
+                </a:solidFill>
+              </a14:hiddenFill>
+            </a:ext>
+          </a:extLst>
+        </p:spPr>
+      </p:pic>
+    </p:spTree>
+    <p:extLst>
+      <p:ext uri="{BB962C8B-B14F-4D97-AF65-F5344CB8AC3E}">
+        <p14:creationId xmlns:p14="http://schemas.microsoft.com/office/powerpoint/2010/main" val="2950937488"/>
+      </p:ext>
+    </p:extLst>
+  </p:cSld>
+  <p:clrMapOvr>
+    <a:masterClrMapping/>
+  </p:clrMapOvr>
+  <mc:AlternateContent xmlns:mc="http://schemas.openxmlformats.org/markup-compatibility/2006" xmlns:p14="http://schemas.microsoft.com/office/powerpoint/2010/main">
+    <mc:Choice Requires="p14">
+      <p:transition spd="slow" p14:dur="2000"/>
+    </mc:Choice>
+    <mc:Fallback xmlns="">
+      <p:transition spd="slow"/>
+    </mc:Fallback>
+  </mc:AlternateContent>
+  <p:timing>
+    <p:tnLst>
+      <p:par>
+        <p:cTn id="1" dur="indefinite" restart="never" nodeType="tmRoot"/>
+      </p:par>
+    </p:tnLst>
+  </p:timing>
+</p:sld>
+</file>
+
 <file path=ppt/slides/slide31.xml><?xml version="1.0" encoding="utf-8"?>
 <p:sld xmlns:a="http://schemas.openxmlformats.org/drawingml/2006/main" xmlns:r="http://schemas.openxmlformats.org/officeDocument/2006/relationships" xmlns:p="http://schemas.openxmlformats.org/presentationml/2006/main">
   <p:cSld>
@@ -11669,23 +12510,21 @@
           </p:cNvPicPr>
           <p:nvPr/>
         </p:nvPicPr>
-        <p:blipFill>
-          <a:blip r:embed="rId2">
+        <p:blipFill rotWithShape="1">
+          <a:blip r:embed="rId3">
             <a:extLst>
               <a:ext uri="{28A0092B-C50C-407E-A947-70E740481C1C}">
                 <a14:useLocalDpi xmlns:a14="http://schemas.microsoft.com/office/drawing/2010/main" val="0"/>
               </a:ext>
             </a:extLst>
           </a:blip>
-          <a:srcRect/>
-          <a:stretch>
-            <a:fillRect/>
-          </a:stretch>
+          <a:srcRect t="7628" b="10778"/>
+          <a:stretch/>
         </p:blipFill>
         <p:spPr bwMode="auto">
           <a:xfrm>
-            <a:off x="2123728" y="2966499"/>
-            <a:ext cx="6677931" cy="4085323"/>
+            <a:off x="2411760" y="3595559"/>
+            <a:ext cx="6530277" cy="3259701"/>
           </a:xfrm>
           <a:prstGeom prst="rect">
             <a:avLst/>
@@ -11757,8 +12596,8 @@
         </p:nvSpPr>
         <p:spPr>
           <a:xfrm>
-            <a:off x="543879" y="1422402"/>
-            <a:ext cx="7894973" cy="3960440"/>
+            <a:off x="251521" y="1594164"/>
+            <a:ext cx="8550138" cy="3788678"/>
           </a:xfrm>
         </p:spPr>
         <p:txBody>
@@ -11773,28 +12612,28 @@
               </a:lnSpc>
             </a:pPr>
             <a:r>
-              <a:rPr lang="pt-BR" sz="2400" b="0" dirty="0">
+              <a:rPr lang="pt-BR" sz="2600" b="0" dirty="0">
                 <a:latin typeface="Times New Roman" pitchFamily="18" charset="0"/>
                 <a:cs typeface="Times New Roman" pitchFamily="18" charset="0"/>
               </a:rPr>
               <a:t>Você pode definir suas próprias diretivas para anexar um comportamento personalizado aos elementos no DOM. As opções fornecem </a:t>
             </a:r>
             <a:r>
-              <a:rPr lang="pt-BR" sz="2400" b="0" dirty="0" err="1">
+              <a:rPr lang="pt-BR" sz="2600" b="0" dirty="0" err="1">
                 <a:latin typeface="Times New Roman" pitchFamily="18" charset="0"/>
                 <a:cs typeface="Times New Roman" pitchFamily="18" charset="0"/>
               </a:rPr>
               <a:t>metadados</a:t>
             </a:r>
             <a:r>
-              <a:rPr lang="pt-BR" sz="2400" b="0" dirty="0">
+              <a:rPr lang="pt-BR" sz="2600" b="0" dirty="0">
                 <a:latin typeface="Times New Roman" pitchFamily="18" charset="0"/>
                 <a:cs typeface="Times New Roman" pitchFamily="18" charset="0"/>
               </a:rPr>
               <a:t> de configuração que determinam como a diretiva deve ser processada, instanciada e usada no tempo de </a:t>
             </a:r>
             <a:r>
-              <a:rPr lang="pt-BR" sz="2400" b="0" dirty="0" smtClean="0">
+              <a:rPr lang="pt-BR" sz="2600" b="0" dirty="0" smtClean="0">
                 <a:latin typeface="Times New Roman" pitchFamily="18" charset="0"/>
                 <a:cs typeface="Times New Roman" pitchFamily="18" charset="0"/>
               </a:rPr>
@@ -11860,7 +12699,7 @@
           <p:nvPr/>
         </p:nvPicPr>
         <p:blipFill rotWithShape="1">
-          <a:blip r:embed="rId3" cstate="print">
+          <a:blip r:embed="rId4" cstate="print">
             <a:extLst>
               <a:ext uri="{28A0092B-C50C-407E-A947-70E740481C1C}">
                 <a14:useLocalDpi xmlns:a14="http://schemas.microsoft.com/office/drawing/2010/main" val="0"/>
@@ -12107,8 +12946,8 @@
         </p:nvSpPr>
         <p:spPr>
           <a:xfrm>
-            <a:off x="611560" y="1772816"/>
-            <a:ext cx="7894973" cy="4320480"/>
+            <a:off x="251520" y="1700808"/>
+            <a:ext cx="8568952" cy="4392488"/>
           </a:xfrm>
         </p:spPr>
         <p:txBody>
@@ -12117,14 +12956,10 @@
           </a:bodyPr>
           <a:lstStyle/>
           <a:p>
-            <a:pPr algn="just">
-              <a:lnSpc>
-                <a:spcPct val="120000"/>
-              </a:lnSpc>
-            </a:pPr>
+            <a:pPr algn="just"/>
             <a:r>
               <a:rPr lang="pt-BR" sz="2600" dirty="0" err="1">
-                <a:latin typeface="Times New Roman" pitchFamily="18" charset="0"/>
+                <a:latin typeface="Times New Roman" panose="02020603050405020304" pitchFamily="18" charset="0"/>
                 <a:cs typeface="Times New Roman" pitchFamily="18" charset="0"/>
               </a:rPr>
               <a:t>Components</a:t>
@@ -12135,39 +12970,45 @@
             </a:endParaRPr>
           </a:p>
           <a:p>
-            <a:pPr algn="just">
-              <a:lnSpc>
-                <a:spcPct val="120000"/>
-              </a:lnSpc>
-            </a:pPr>
-            <a:r>
-              <a:rPr lang="pt-BR" b="0" dirty="0" smtClean="0">
-                <a:latin typeface="Times New Roman" pitchFamily="18" charset="0"/>
-                <a:cs typeface="Times New Roman" pitchFamily="18" charset="0"/>
-              </a:rPr>
-              <a:t>	Fornece </a:t>
-            </a:r>
-            <a:r>
-              <a:rPr lang="pt-BR" b="0" dirty="0" err="1">
+            <a:pPr algn="just"/>
+            <a:r>
+              <a:rPr lang="pt-BR" sz="2600" b="0" dirty="0" smtClean="0">
+                <a:latin typeface="Times New Roman" pitchFamily="18" charset="0"/>
+                <a:cs typeface="Times New Roman" pitchFamily="18" charset="0"/>
+              </a:rPr>
+              <a:t>Fornece </a:t>
+            </a:r>
+            <a:r>
+              <a:rPr lang="pt-BR" sz="2600" b="0" dirty="0" err="1">
                 <a:latin typeface="Times New Roman" pitchFamily="18" charset="0"/>
                 <a:cs typeface="Times New Roman" pitchFamily="18" charset="0"/>
               </a:rPr>
               <a:t>metadados</a:t>
             </a:r>
             <a:r>
-              <a:rPr lang="pt-BR" b="0" dirty="0">
-                <a:latin typeface="Times New Roman" pitchFamily="18" charset="0"/>
-                <a:cs typeface="Times New Roman" pitchFamily="18" charset="0"/>
-              </a:rPr>
-              <a:t> de configuração que determinam como o componente deve ser processado, instanciado e usado em tempo de execução.</a:t>
-            </a:r>
-          </a:p>
-          <a:p>
-            <a:pPr algn="just">
-              <a:lnSpc>
-                <a:spcPct val="120000"/>
-              </a:lnSpc>
-            </a:pPr>
+              <a:rPr lang="pt-BR" sz="2600" b="0" dirty="0">
+                <a:latin typeface="Times New Roman" pitchFamily="18" charset="0"/>
+                <a:cs typeface="Times New Roman" pitchFamily="18" charset="0"/>
+              </a:rPr>
+              <a:t> de configuração que determinam como o componente deve ser processado, instanciado e usado em tempo de execução</a:t>
+            </a:r>
+            <a:r>
+              <a:rPr lang="pt-BR" sz="2600" b="0" dirty="0" smtClean="0">
+                <a:latin typeface="Times New Roman" pitchFamily="18" charset="0"/>
+                <a:cs typeface="Times New Roman" pitchFamily="18" charset="0"/>
+              </a:rPr>
+              <a:t>.</a:t>
+            </a:r>
+          </a:p>
+          <a:p>
+            <a:pPr algn="just"/>
+            <a:endParaRPr lang="pt-BR" sz="1050" b="0" dirty="0">
+              <a:latin typeface="Times New Roman" pitchFamily="18" charset="0"/>
+              <a:cs typeface="Times New Roman" pitchFamily="18" charset="0"/>
+            </a:endParaRPr>
+          </a:p>
+          <a:p>
+            <a:pPr algn="just"/>
             <a:r>
               <a:rPr lang="pt-BR" sz="2600" dirty="0" err="1">
                 <a:latin typeface="Times New Roman" pitchFamily="18" charset="0"/>
@@ -12181,59 +13022,48 @@
             </a:endParaRPr>
           </a:p>
           <a:p>
-            <a:pPr algn="just">
-              <a:lnSpc>
-                <a:spcPct val="120000"/>
-              </a:lnSpc>
-            </a:pPr>
-            <a:r>
-              <a:rPr lang="pt-BR" b="0" dirty="0" smtClean="0">
-                <a:latin typeface="Times New Roman" pitchFamily="18" charset="0"/>
-                <a:cs typeface="Times New Roman" pitchFamily="18" charset="0"/>
-              </a:rPr>
-              <a:t>	Define </a:t>
-            </a:r>
-            <a:r>
-              <a:rPr lang="pt-BR" b="0" dirty="0">
+            <a:pPr algn="just"/>
+            <a:r>
+              <a:rPr lang="pt-BR" sz="2600" b="0" dirty="0" smtClean="0">
+                <a:latin typeface="Times New Roman" pitchFamily="18" charset="0"/>
+                <a:cs typeface="Times New Roman" pitchFamily="18" charset="0"/>
+              </a:rPr>
+              <a:t>Define </a:t>
+            </a:r>
+            <a:r>
+              <a:rPr lang="pt-BR" sz="2600" b="0" dirty="0">
                 <a:latin typeface="Times New Roman" pitchFamily="18" charset="0"/>
                 <a:cs typeface="Times New Roman" pitchFamily="18" charset="0"/>
               </a:rPr>
               <a:t>o objeto </a:t>
             </a:r>
             <a:r>
-              <a:rPr lang="pt-BR" b="0" dirty="0" err="1">
+              <a:rPr lang="pt-BR" sz="2600" b="0" dirty="0" err="1">
                 <a:latin typeface="Times New Roman" pitchFamily="18" charset="0"/>
                 <a:cs typeface="Times New Roman" pitchFamily="18" charset="0"/>
               </a:rPr>
               <a:t>Route</a:t>
             </a:r>
             <a:r>
-              <a:rPr lang="pt-BR" b="0" dirty="0">
+              <a:rPr lang="pt-BR" sz="2600" b="0" dirty="0">
                 <a:latin typeface="Times New Roman" pitchFamily="18" charset="0"/>
                 <a:cs typeface="Times New Roman" pitchFamily="18" charset="0"/>
               </a:rPr>
               <a:t> que mapeia um caminho de URL para um componente e a diretiva </a:t>
             </a:r>
             <a:r>
-              <a:rPr lang="pt-BR" b="0" dirty="0" err="1">
+              <a:rPr lang="pt-BR" sz="2600" b="0" dirty="0" err="1">
                 <a:latin typeface="Times New Roman" pitchFamily="18" charset="0"/>
                 <a:cs typeface="Times New Roman" pitchFamily="18" charset="0"/>
               </a:rPr>
               <a:t>RouterOutlet</a:t>
             </a:r>
             <a:r>
-              <a:rPr lang="pt-BR" b="0" dirty="0">
-                <a:latin typeface="Times New Roman" pitchFamily="18" charset="0"/>
-                <a:cs typeface="Times New Roman" pitchFamily="18" charset="0"/>
-              </a:rPr>
-              <a:t> que você usa para colocar uma exibição roteada em um modelo, bem como uma API completa para configurar, consultar e controlar o estado do roteador</a:t>
-            </a:r>
-            <a:r>
               <a:rPr lang="pt-BR" sz="2600" b="0" dirty="0">
                 <a:latin typeface="Times New Roman" pitchFamily="18" charset="0"/>
                 <a:cs typeface="Times New Roman" pitchFamily="18" charset="0"/>
               </a:rPr>
-              <a:t>. </a:t>
+              <a:t> que você usa para colocar uma exibição roteada em um modelo, bem como uma API completa para configurar, consultar e controlar o estado do roteador. </a:t>
             </a:r>
           </a:p>
           <a:p>
@@ -12754,8 +13584,8 @@
         </p:nvSpPr>
         <p:spPr>
           <a:xfrm>
-            <a:off x="395536" y="1916832"/>
-            <a:ext cx="8136904" cy="1224136"/>
+            <a:off x="251520" y="1916832"/>
+            <a:ext cx="8280920" cy="1224136"/>
           </a:xfrm>
           <a:prstGeom prst="rect">
             <a:avLst/>
@@ -12930,92 +13760,86 @@
             </a:lvl9pPr>
           </a:lstStyle>
           <a:p>
-            <a:r>
-              <a:rPr lang="pt-BR" sz="2400" b="0" dirty="0">
+            <a:pPr algn="just"/>
+            <a:r>
+              <a:rPr lang="pt-BR" sz="2600" b="0" dirty="0" smtClean="0">
                 <a:latin typeface="Times New Roman" panose="02020603050405020304" pitchFamily="18" charset="0"/>
                 <a:cs typeface="Times New Roman" panose="02020603050405020304" pitchFamily="18" charset="0"/>
               </a:rPr>
-              <a:t>	</a:t>
-            </a:r>
-            <a:r>
-              <a:rPr lang="pt-BR" sz="2400" b="0" dirty="0" smtClean="0">
+              <a:t>Antes </a:t>
+            </a:r>
+            <a:r>
+              <a:rPr lang="pt-BR" sz="2600" b="0" dirty="0">
                 <a:latin typeface="Times New Roman" panose="02020603050405020304" pitchFamily="18" charset="0"/>
                 <a:cs typeface="Times New Roman" panose="02020603050405020304" pitchFamily="18" charset="0"/>
               </a:rPr>
-              <a:t>Antes </a:t>
-            </a:r>
-            <a:r>
-              <a:rPr lang="pt-BR" sz="2400" b="0" dirty="0">
+              <a:t>de </a:t>
+            </a:r>
+            <a:r>
+              <a:rPr lang="pt-BR" sz="2600" b="0" dirty="0" smtClean="0">
                 <a:latin typeface="Times New Roman" panose="02020603050405020304" pitchFamily="18" charset="0"/>
                 <a:cs typeface="Times New Roman" panose="02020603050405020304" pitchFamily="18" charset="0"/>
               </a:rPr>
-              <a:t>de </a:t>
-            </a:r>
-            <a:r>
-              <a:rPr lang="pt-BR" sz="2400" b="0" dirty="0" smtClean="0">
+              <a:t>criarmos um </a:t>
+            </a:r>
+            <a:r>
+              <a:rPr lang="pt-BR" sz="2600" b="0" dirty="0">
                 <a:latin typeface="Times New Roman" panose="02020603050405020304" pitchFamily="18" charset="0"/>
                 <a:cs typeface="Times New Roman" panose="02020603050405020304" pitchFamily="18" charset="0"/>
               </a:rPr>
-              <a:t>criarmos um </a:t>
-            </a:r>
-            <a:r>
-              <a:rPr lang="pt-BR" sz="2400" b="0" dirty="0">
+              <a:t>componente utilizando um </a:t>
+            </a:r>
+            <a:r>
+              <a:rPr lang="pt-BR" sz="2600" b="0" dirty="0" err="1">
                 <a:latin typeface="Times New Roman" panose="02020603050405020304" pitchFamily="18" charset="0"/>
                 <a:cs typeface="Times New Roman" panose="02020603050405020304" pitchFamily="18" charset="0"/>
               </a:rPr>
-              <a:t>componente utilizando um </a:t>
-            </a:r>
-            <a:r>
-              <a:rPr lang="pt-BR" sz="2400" b="0" dirty="0" err="1">
+              <a:t>two-way</a:t>
+            </a:r>
+            <a:r>
+              <a:rPr lang="pt-BR" sz="2600" b="0" dirty="0">
                 <a:latin typeface="Times New Roman" panose="02020603050405020304" pitchFamily="18" charset="0"/>
                 <a:cs typeface="Times New Roman" panose="02020603050405020304" pitchFamily="18" charset="0"/>
               </a:rPr>
-              <a:t>two-way</a:t>
-            </a:r>
-            <a:r>
-              <a:rPr lang="pt-BR" sz="2400" b="0" dirty="0">
+              <a:t> data </a:t>
+            </a:r>
+            <a:r>
+              <a:rPr lang="pt-BR" sz="2600" b="0" dirty="0" err="1">
                 <a:latin typeface="Times New Roman" panose="02020603050405020304" pitchFamily="18" charset="0"/>
                 <a:cs typeface="Times New Roman" panose="02020603050405020304" pitchFamily="18" charset="0"/>
               </a:rPr>
-              <a:t> data </a:t>
-            </a:r>
-            <a:r>
-              <a:rPr lang="pt-BR" sz="2400" b="0" dirty="0" err="1">
+              <a:t>binding</a:t>
+            </a:r>
+            <a:r>
+              <a:rPr lang="pt-BR" sz="2600" b="0" dirty="0">
                 <a:latin typeface="Times New Roman" panose="02020603050405020304" pitchFamily="18" charset="0"/>
                 <a:cs typeface="Times New Roman" panose="02020603050405020304" pitchFamily="18" charset="0"/>
               </a:rPr>
-              <a:t>binding</a:t>
-            </a:r>
-            <a:r>
-              <a:rPr lang="pt-BR" sz="2400" b="0" dirty="0">
+              <a:t>, devemos importar em nosso </a:t>
+            </a:r>
+            <a:r>
+              <a:rPr lang="pt-BR" sz="2600" b="0" dirty="0" err="1">
                 <a:latin typeface="Times New Roman" panose="02020603050405020304" pitchFamily="18" charset="0"/>
                 <a:cs typeface="Times New Roman" panose="02020603050405020304" pitchFamily="18" charset="0"/>
               </a:rPr>
-              <a:t>, devemos importar em nosso </a:t>
-            </a:r>
-            <a:r>
-              <a:rPr lang="pt-BR" sz="2400" b="0" dirty="0" err="1">
+              <a:t>app.module</a:t>
+            </a:r>
+            <a:r>
+              <a:rPr lang="pt-BR" sz="2600" b="0" dirty="0">
                 <a:latin typeface="Times New Roman" panose="02020603050405020304" pitchFamily="18" charset="0"/>
                 <a:cs typeface="Times New Roman" panose="02020603050405020304" pitchFamily="18" charset="0"/>
               </a:rPr>
-              <a:t>app.module</a:t>
-            </a:r>
-            <a:r>
-              <a:rPr lang="pt-BR" sz="2400" b="0" dirty="0">
+              <a:t> o Módulo </a:t>
+            </a:r>
+            <a:r>
+              <a:rPr lang="pt-BR" sz="2600" b="0" dirty="0" err="1">
                 <a:latin typeface="Times New Roman" panose="02020603050405020304" pitchFamily="18" charset="0"/>
                 <a:cs typeface="Times New Roman" panose="02020603050405020304" pitchFamily="18" charset="0"/>
               </a:rPr>
-              <a:t> o Módulo </a:t>
-            </a:r>
-            <a:r>
-              <a:rPr lang="pt-BR" sz="2400" b="0" dirty="0" err="1">
-                <a:latin typeface="Times New Roman" panose="02020603050405020304" pitchFamily="18" charset="0"/>
-                <a:cs typeface="Times New Roman" panose="02020603050405020304" pitchFamily="18" charset="0"/>
-              </a:rPr>
               <a:t>FormsModule</a:t>
             </a:r>
             <a:r>
-              <a:rPr lang="pt-BR" sz="2400" b="0" dirty="0">
+              <a:rPr lang="pt-BR" sz="2600" b="0" dirty="0">
                 <a:latin typeface="Times New Roman" panose="02020603050405020304" pitchFamily="18" charset="0"/>
                 <a:cs typeface="Times New Roman" panose="02020603050405020304" pitchFamily="18" charset="0"/>
               </a:rPr>
@@ -13139,8 +13963,8 @@
         </p:nvSpPr>
         <p:spPr>
           <a:xfrm>
-            <a:off x="517525" y="4228346"/>
-            <a:ext cx="8024081" cy="1569660"/>
+            <a:off x="251521" y="4228346"/>
+            <a:ext cx="8290086" cy="1692771"/>
           </a:xfrm>
           <a:prstGeom prst="rect">
             <a:avLst/>
@@ -13152,16 +13976,16 @@
           </a:bodyPr>
           <a:lstStyle/>
           <a:p>
-            <a:pPr fontAlgn="base"/>
-            <a:r>
-              <a:rPr lang="pt-BR" sz="2400" dirty="0" err="1">
+            <a:pPr algn="just" fontAlgn="base"/>
+            <a:r>
+              <a:rPr lang="pt-BR" sz="2600" dirty="0" err="1">
                 <a:latin typeface="Times New Roman" panose="02020603050405020304" pitchFamily="18" charset="0"/>
                 <a:cs typeface="Times New Roman" panose="02020603050405020304" pitchFamily="18" charset="0"/>
               </a:rPr>
               <a:t>FormsModule</a:t>
             </a:r>
             <a:r>
-              <a:rPr lang="pt-BR" sz="2400" dirty="0">
+              <a:rPr lang="pt-BR" sz="2600" dirty="0">
                 <a:latin typeface="Times New Roman" panose="02020603050405020304" pitchFamily="18" charset="0"/>
                 <a:cs typeface="Times New Roman" panose="02020603050405020304" pitchFamily="18" charset="0"/>
               </a:rPr>
@@ -13169,65 +13993,65 @@
             </a:r>
           </a:p>
           <a:p>
-            <a:pPr fontAlgn="base"/>
-            <a:r>
-              <a:rPr lang="pt-BR" sz="2400" dirty="0">
+            <a:pPr algn="just" fontAlgn="base"/>
+            <a:r>
+              <a:rPr lang="pt-BR" sz="2600" dirty="0">
                 <a:latin typeface="Times New Roman" panose="02020603050405020304" pitchFamily="18" charset="0"/>
                 <a:cs typeface="Times New Roman" panose="02020603050405020304" pitchFamily="18" charset="0"/>
               </a:rPr>
               <a:t>O </a:t>
             </a:r>
             <a:r>
-              <a:rPr lang="pt-BR" sz="2400" dirty="0" err="1">
+              <a:rPr lang="pt-BR" sz="2600" dirty="0" err="1">
                 <a:latin typeface="Times New Roman" panose="02020603050405020304" pitchFamily="18" charset="0"/>
                 <a:cs typeface="Times New Roman" panose="02020603050405020304" pitchFamily="18" charset="0"/>
               </a:rPr>
               <a:t>two-way</a:t>
             </a:r>
             <a:r>
-              <a:rPr lang="pt-BR" sz="2400" dirty="0">
+              <a:rPr lang="pt-BR" sz="2600" dirty="0">
                 <a:latin typeface="Times New Roman" panose="02020603050405020304" pitchFamily="18" charset="0"/>
                 <a:cs typeface="Times New Roman" panose="02020603050405020304" pitchFamily="18" charset="0"/>
               </a:rPr>
               <a:t> data </a:t>
             </a:r>
             <a:r>
-              <a:rPr lang="pt-BR" sz="2400" dirty="0" err="1">
+              <a:rPr lang="pt-BR" sz="2600" dirty="0" err="1">
                 <a:latin typeface="Times New Roman" panose="02020603050405020304" pitchFamily="18" charset="0"/>
                 <a:cs typeface="Times New Roman" panose="02020603050405020304" pitchFamily="18" charset="0"/>
               </a:rPr>
               <a:t>binding</a:t>
             </a:r>
             <a:r>
-              <a:rPr lang="pt-BR" sz="2400" dirty="0">
+              <a:rPr lang="pt-BR" sz="2600" dirty="0">
                 <a:latin typeface="Times New Roman" panose="02020603050405020304" pitchFamily="18" charset="0"/>
                 <a:cs typeface="Times New Roman" panose="02020603050405020304" pitchFamily="18" charset="0"/>
               </a:rPr>
               <a:t> no Angular é implementado com o </a:t>
             </a:r>
             <a:r>
-              <a:rPr lang="pt-BR" sz="2400" dirty="0" smtClean="0">
+              <a:rPr lang="pt-BR" sz="2600" dirty="0" smtClean="0">
                 <a:latin typeface="Times New Roman" panose="02020603050405020304" pitchFamily="18" charset="0"/>
                 <a:cs typeface="Times New Roman" panose="02020603050405020304" pitchFamily="18" charset="0"/>
               </a:rPr>
               <a:t>([</a:t>
             </a:r>
             <a:r>
-              <a:rPr lang="pt-BR" sz="2400" dirty="0" err="1" smtClean="0">
+              <a:rPr lang="pt-BR" sz="2600" dirty="0" err="1" smtClean="0">
                 <a:latin typeface="Times New Roman" panose="02020603050405020304" pitchFamily="18" charset="0"/>
                 <a:cs typeface="Times New Roman" panose="02020603050405020304" pitchFamily="18" charset="0"/>
               </a:rPr>
               <a:t>ngModel</a:t>
             </a:r>
             <a:r>
-              <a:rPr lang="pt-BR" sz="2400" dirty="0" smtClean="0">
+              <a:rPr lang="pt-BR" sz="2600" dirty="0" smtClean="0">
                 <a:latin typeface="Times New Roman" panose="02020603050405020304" pitchFamily="18" charset="0"/>
                 <a:cs typeface="Times New Roman" panose="02020603050405020304" pitchFamily="18" charset="0"/>
               </a:rPr>
               <a:t>]) </a:t>
             </a:r>
             <a:r>
-              <a:rPr lang="pt-BR" sz="2400" dirty="0">
+              <a:rPr lang="pt-BR" sz="2600" dirty="0">
                 <a:latin typeface="Times New Roman" panose="02020603050405020304" pitchFamily="18" charset="0"/>
                 <a:cs typeface="Times New Roman" panose="02020603050405020304" pitchFamily="18" charset="0"/>
               </a:rPr>
@@ -13471,7 +14295,7 @@
         </p:blipFill>
         <p:spPr bwMode="auto">
           <a:xfrm>
-            <a:off x="611560" y="1594164"/>
+            <a:off x="755576" y="1772816"/>
             <a:ext cx="6768751" cy="4824536"/>
           </a:xfrm>
           <a:prstGeom prst="rect">
@@ -13789,8 +14613,8 @@
         </p:nvSpPr>
         <p:spPr>
           <a:xfrm>
-            <a:off x="611560" y="1772816"/>
-            <a:ext cx="7894973" cy="4320480"/>
+            <a:off x="251520" y="1772816"/>
+            <a:ext cx="8424936" cy="4320480"/>
           </a:xfrm>
         </p:spPr>
         <p:txBody>
@@ -13805,18 +14629,18 @@
               </a:lnSpc>
             </a:pPr>
             <a:r>
-              <a:rPr lang="pt-BR" b="0" dirty="0">
-                <a:latin typeface="Times New Roman" pitchFamily="18" charset="0"/>
-                <a:cs typeface="Times New Roman" pitchFamily="18" charset="0"/>
-              </a:rPr>
-              <a:t>	</a:t>
+              <a:rPr lang="pt-BR" sz="2800" b="0" dirty="0" smtClean="0">
+                <a:latin typeface="Times New Roman" pitchFamily="18" charset="0"/>
+                <a:cs typeface="Times New Roman" pitchFamily="18" charset="0"/>
+              </a:rPr>
+              <a:t>Para </a:t>
             </a:r>
             <a:r>
               <a:rPr lang="pt-BR" sz="2800" b="0" dirty="0">
                 <a:latin typeface="Times New Roman" pitchFamily="18" charset="0"/>
                 <a:cs typeface="Times New Roman" pitchFamily="18" charset="0"/>
               </a:rPr>
-              <a:t>Para criar um novo projeto vamos abrir nosso Visual Studio </a:t>
+              <a:t>criar um novo projeto vamos abrir nosso Visual Studio </a:t>
             </a:r>
             <a:r>
               <a:rPr lang="pt-BR" sz="2800" b="0" dirty="0" err="1">
@@ -13963,48 +14787,19 @@
       </p:pic>
       <p:pic>
         <p:nvPicPr>
-          <p:cNvPr id="8" name="Imagem 7"/>
+          <p:cNvPr id="10" name="Imagem 9"/>
           <p:cNvPicPr/>
           <p:nvPr/>
         </p:nvPicPr>
         <p:blipFill rotWithShape="1">
           <a:blip r:embed="rId3"/>
-          <a:srcRect l="25940" t="49007" b="30463"/>
-          <a:stretch/>
-        </p:blipFill>
-        <p:spPr bwMode="auto">
-          <a:xfrm>
-            <a:off x="0" y="3429000"/>
-            <a:ext cx="9011759" cy="1331392"/>
-          </a:xfrm>
-          <a:prstGeom prst="rect">
-            <a:avLst/>
-          </a:prstGeom>
-          <a:ln>
-            <a:noFill/>
-          </a:ln>
-          <a:extLst>
-            <a:ext uri="{53640926-AAD7-44D8-BBD7-CCE9431645EC}">
-              <a14:shadowObscured xmlns:a14="http://schemas.microsoft.com/office/drawing/2010/main"/>
-            </a:ext>
-          </a:extLst>
-        </p:spPr>
-      </p:pic>
-      <p:pic>
-        <p:nvPicPr>
-          <p:cNvPr id="10" name="Imagem 9"/>
-          <p:cNvPicPr/>
-          <p:nvPr/>
-        </p:nvPicPr>
-        <p:blipFill rotWithShape="1">
-          <a:blip r:embed="rId4"/>
           <a:srcRect l="26293" t="49338" r="-56" b="2318"/>
           <a:stretch/>
         </p:blipFill>
         <p:spPr bwMode="auto">
           <a:xfrm>
-            <a:off x="1487101" y="4799920"/>
-            <a:ext cx="5893211" cy="2058080"/>
+            <a:off x="355182" y="3501008"/>
+            <a:ext cx="8453846" cy="2952328"/>
           </a:xfrm>
           <a:prstGeom prst="rect">
             <a:avLst/>
@@ -14106,8 +14901,8 @@
         </p:nvSpPr>
         <p:spPr>
           <a:xfrm>
-            <a:off x="611560" y="1772816"/>
-            <a:ext cx="7894973" cy="4320480"/>
+            <a:off x="251520" y="1772816"/>
+            <a:ext cx="8255013" cy="4320480"/>
           </a:xfrm>
         </p:spPr>
         <p:txBody>
@@ -14121,53 +14916,71 @@
               <a:buChar char="•"/>
             </a:pPr>
             <a:r>
-              <a:rPr lang="pt-BR" dirty="0">
-                <a:solidFill>
-                  <a:srgbClr val="FF0000"/>
-                </a:solidFill>
+              <a:rPr lang="pt-BR" sz="2600" dirty="0">
+                <a:latin typeface="Times New Roman" panose="02020603050405020304" pitchFamily="18" charset="0"/>
+                <a:cs typeface="Times New Roman" panose="02020603050405020304" pitchFamily="18" charset="0"/>
               </a:rPr>
               <a:t>Criar novo </a:t>
             </a:r>
             <a:r>
-              <a:rPr lang="pt-BR" dirty="0" smtClean="0">
-                <a:solidFill>
-                  <a:srgbClr val="FF0000"/>
-                </a:solidFill>
+              <a:rPr lang="pt-BR" sz="2600" dirty="0" smtClean="0">
+                <a:latin typeface="Times New Roman" panose="02020603050405020304" pitchFamily="18" charset="0"/>
+                <a:cs typeface="Times New Roman" panose="02020603050405020304" pitchFamily="18" charset="0"/>
               </a:rPr>
               <a:t>módulo</a:t>
             </a:r>
-            <a:endParaRPr lang="pt-BR" dirty="0">
-              <a:solidFill>
-                <a:srgbClr val="FF0000"/>
-              </a:solidFill>
+            <a:endParaRPr lang="pt-BR" sz="2600" dirty="0">
+              <a:latin typeface="Times New Roman" panose="02020603050405020304" pitchFamily="18" charset="0"/>
+              <a:cs typeface="Times New Roman" panose="02020603050405020304" pitchFamily="18" charset="0"/>
             </a:endParaRPr>
           </a:p>
           <a:p>
             <a:r>
-              <a:rPr lang="pt-BR" b="0" dirty="0"/>
+              <a:rPr lang="pt-BR" sz="2600" b="0" dirty="0">
+                <a:latin typeface="Times New Roman" panose="02020603050405020304" pitchFamily="18" charset="0"/>
+                <a:cs typeface="Times New Roman" panose="02020603050405020304" pitchFamily="18" charset="0"/>
+              </a:rPr>
               <a:t> 	</a:t>
             </a:r>
             <a:r>
-              <a:rPr lang="pt-BR" b="0" dirty="0" smtClean="0"/>
+              <a:rPr lang="pt-BR" sz="2600" b="0" dirty="0" smtClean="0">
+                <a:latin typeface="Times New Roman" panose="02020603050405020304" pitchFamily="18" charset="0"/>
+                <a:cs typeface="Times New Roman" panose="02020603050405020304" pitchFamily="18" charset="0"/>
+              </a:rPr>
               <a:t>- </a:t>
             </a:r>
             <a:r>
-              <a:rPr lang="pt-BR" b="0" dirty="0" err="1" smtClean="0"/>
+              <a:rPr lang="pt-BR" sz="2600" b="0" dirty="0" err="1" smtClean="0">
+                <a:latin typeface="Times New Roman" panose="02020603050405020304" pitchFamily="18" charset="0"/>
+                <a:cs typeface="Times New Roman" panose="02020603050405020304" pitchFamily="18" charset="0"/>
+              </a:rPr>
               <a:t>ng</a:t>
             </a:r>
             <a:r>
-              <a:rPr lang="pt-BR" b="0" dirty="0" smtClean="0"/>
+              <a:rPr lang="pt-BR" sz="2600" b="0" dirty="0" smtClean="0">
+                <a:latin typeface="Times New Roman" panose="02020603050405020304" pitchFamily="18" charset="0"/>
+                <a:cs typeface="Times New Roman" panose="02020603050405020304" pitchFamily="18" charset="0"/>
+              </a:rPr>
               <a:t> </a:t>
             </a:r>
             <a:r>
-              <a:rPr lang="pt-BR" b="0" dirty="0"/>
+              <a:rPr lang="pt-BR" sz="2600" b="0" dirty="0">
+                <a:latin typeface="Times New Roman" panose="02020603050405020304" pitchFamily="18" charset="0"/>
+                <a:cs typeface="Times New Roman" panose="02020603050405020304" pitchFamily="18" charset="0"/>
+              </a:rPr>
               <a:t>g m clientes --</a:t>
             </a:r>
             <a:r>
-              <a:rPr lang="pt-BR" b="0" dirty="0" err="1" smtClean="0"/>
+              <a:rPr lang="pt-BR" sz="2600" b="0" dirty="0" err="1" smtClean="0">
+                <a:latin typeface="Times New Roman" panose="02020603050405020304" pitchFamily="18" charset="0"/>
+                <a:cs typeface="Times New Roman" panose="02020603050405020304" pitchFamily="18" charset="0"/>
+              </a:rPr>
               <a:t>routing</a:t>
             </a:r>
-            <a:endParaRPr lang="pt-BR" b="0" dirty="0"/>
+            <a:endParaRPr lang="pt-BR" sz="2600" b="0" dirty="0">
+              <a:latin typeface="Times New Roman" panose="02020603050405020304" pitchFamily="18" charset="0"/>
+              <a:cs typeface="Times New Roman" panose="02020603050405020304" pitchFamily="18" charset="0"/>
+            </a:endParaRPr>
           </a:p>
           <a:p>
             <a:pPr marL="342900" indent="-342900">
@@ -14175,98 +14988,146 @@
               <a:buChar char="•"/>
             </a:pPr>
             <a:r>
-              <a:rPr lang="pt-BR" dirty="0">
-                <a:solidFill>
-                  <a:srgbClr val="FF0000"/>
-                </a:solidFill>
+              <a:rPr lang="pt-BR" sz="2600" dirty="0">
+                <a:latin typeface="Times New Roman" panose="02020603050405020304" pitchFamily="18" charset="0"/>
+                <a:cs typeface="Times New Roman" panose="02020603050405020304" pitchFamily="18" charset="0"/>
               </a:rPr>
               <a:t>Criar novos componentes do </a:t>
             </a:r>
             <a:r>
-              <a:rPr lang="pt-BR" dirty="0" smtClean="0">
-                <a:solidFill>
-                  <a:srgbClr val="FF0000"/>
-                </a:solidFill>
+              <a:rPr lang="pt-BR" sz="2600" dirty="0" smtClean="0">
+                <a:latin typeface="Times New Roman" panose="02020603050405020304" pitchFamily="18" charset="0"/>
+                <a:cs typeface="Times New Roman" panose="02020603050405020304" pitchFamily="18" charset="0"/>
               </a:rPr>
               <a:t>módulo</a:t>
             </a:r>
-            <a:endParaRPr lang="pt-BR" dirty="0">
-              <a:solidFill>
-                <a:srgbClr val="FF0000"/>
-              </a:solidFill>
+            <a:endParaRPr lang="pt-BR" sz="2600" dirty="0">
+              <a:latin typeface="Times New Roman" panose="02020603050405020304" pitchFamily="18" charset="0"/>
+              <a:cs typeface="Times New Roman" panose="02020603050405020304" pitchFamily="18" charset="0"/>
             </a:endParaRPr>
           </a:p>
           <a:p>
             <a:r>
-              <a:rPr lang="pt-BR" b="0" dirty="0"/>
+              <a:rPr lang="pt-BR" sz="2600" b="0" dirty="0">
+                <a:latin typeface="Times New Roman" panose="02020603050405020304" pitchFamily="18" charset="0"/>
+                <a:cs typeface="Times New Roman" panose="02020603050405020304" pitchFamily="18" charset="0"/>
+              </a:rPr>
               <a:t> 	</a:t>
             </a:r>
             <a:r>
-              <a:rPr lang="pt-BR" b="0" dirty="0" smtClean="0"/>
+              <a:rPr lang="pt-BR" sz="2600" b="0" dirty="0" smtClean="0">
+                <a:latin typeface="Times New Roman" panose="02020603050405020304" pitchFamily="18" charset="0"/>
+                <a:cs typeface="Times New Roman" panose="02020603050405020304" pitchFamily="18" charset="0"/>
+              </a:rPr>
               <a:t>- </a:t>
             </a:r>
             <a:r>
-              <a:rPr lang="pt-BR" b="0" dirty="0" err="1"/>
+              <a:rPr lang="pt-BR" sz="2600" b="0" dirty="0" err="1">
+                <a:latin typeface="Times New Roman" panose="02020603050405020304" pitchFamily="18" charset="0"/>
+                <a:cs typeface="Times New Roman" panose="02020603050405020304" pitchFamily="18" charset="0"/>
+              </a:rPr>
               <a:t>n</a:t>
             </a:r>
             <a:r>
-              <a:rPr lang="pt-BR" b="0" dirty="0" err="1" smtClean="0"/>
+              <a:rPr lang="pt-BR" sz="2600" b="0" dirty="0" err="1" smtClean="0">
+                <a:latin typeface="Times New Roman" panose="02020603050405020304" pitchFamily="18" charset="0"/>
+                <a:cs typeface="Times New Roman" panose="02020603050405020304" pitchFamily="18" charset="0"/>
+              </a:rPr>
               <a:t>g</a:t>
             </a:r>
             <a:r>
-              <a:rPr lang="pt-BR" b="0" dirty="0" smtClean="0"/>
+              <a:rPr lang="pt-BR" sz="2600" b="0" dirty="0" smtClean="0">
+                <a:latin typeface="Times New Roman" panose="02020603050405020304" pitchFamily="18" charset="0"/>
+                <a:cs typeface="Times New Roman" panose="02020603050405020304" pitchFamily="18" charset="0"/>
+              </a:rPr>
               <a:t> </a:t>
             </a:r>
             <a:r>
-              <a:rPr lang="pt-BR" b="0" dirty="0"/>
+              <a:rPr lang="pt-BR" sz="2600" b="0" dirty="0">
+                <a:latin typeface="Times New Roman" panose="02020603050405020304" pitchFamily="18" charset="0"/>
+                <a:cs typeface="Times New Roman" panose="02020603050405020304" pitchFamily="18" charset="0"/>
+              </a:rPr>
               <a:t>g c clientes /cadastro-clientes</a:t>
             </a:r>
           </a:p>
           <a:p>
             <a:r>
-              <a:rPr lang="pt-BR" b="0" dirty="0"/>
+              <a:rPr lang="pt-BR" sz="2600" b="0" dirty="0">
+                <a:latin typeface="Times New Roman" panose="02020603050405020304" pitchFamily="18" charset="0"/>
+                <a:cs typeface="Times New Roman" panose="02020603050405020304" pitchFamily="18" charset="0"/>
+              </a:rPr>
               <a:t> 	</a:t>
             </a:r>
             <a:r>
-              <a:rPr lang="pt-BR" b="0" dirty="0" smtClean="0"/>
+              <a:rPr lang="pt-BR" sz="2600" b="0" dirty="0" smtClean="0">
+                <a:latin typeface="Times New Roman" panose="02020603050405020304" pitchFamily="18" charset="0"/>
+                <a:cs typeface="Times New Roman" panose="02020603050405020304" pitchFamily="18" charset="0"/>
+              </a:rPr>
               <a:t>- </a:t>
             </a:r>
             <a:r>
-              <a:rPr lang="pt-BR" b="0" dirty="0" err="1"/>
+              <a:rPr lang="pt-BR" sz="2600" b="0" dirty="0" err="1">
+                <a:latin typeface="Times New Roman" panose="02020603050405020304" pitchFamily="18" charset="0"/>
+                <a:cs typeface="Times New Roman" panose="02020603050405020304" pitchFamily="18" charset="0"/>
+              </a:rPr>
               <a:t>n</a:t>
             </a:r>
             <a:r>
-              <a:rPr lang="pt-BR" b="0" dirty="0" err="1" smtClean="0"/>
+              <a:rPr lang="pt-BR" sz="2600" b="0" dirty="0" err="1" smtClean="0">
+                <a:latin typeface="Times New Roman" panose="02020603050405020304" pitchFamily="18" charset="0"/>
+                <a:cs typeface="Times New Roman" panose="02020603050405020304" pitchFamily="18" charset="0"/>
+              </a:rPr>
               <a:t>g</a:t>
             </a:r>
             <a:r>
-              <a:rPr lang="pt-BR" b="0" dirty="0" smtClean="0"/>
+              <a:rPr lang="pt-BR" sz="2600" b="0" dirty="0" smtClean="0">
+                <a:latin typeface="Times New Roman" panose="02020603050405020304" pitchFamily="18" charset="0"/>
+                <a:cs typeface="Times New Roman" panose="02020603050405020304" pitchFamily="18" charset="0"/>
+              </a:rPr>
               <a:t> </a:t>
             </a:r>
             <a:r>
-              <a:rPr lang="pt-BR" b="0" dirty="0"/>
+              <a:rPr lang="pt-BR" sz="2600" b="0" dirty="0">
+                <a:latin typeface="Times New Roman" panose="02020603050405020304" pitchFamily="18" charset="0"/>
+                <a:cs typeface="Times New Roman" panose="02020603050405020304" pitchFamily="18" charset="0"/>
+              </a:rPr>
               <a:t>g c clientes /consulta-clientes</a:t>
             </a:r>
           </a:p>
           <a:p>
             <a:r>
-              <a:rPr lang="pt-BR" b="0" dirty="0" smtClean="0"/>
+              <a:rPr lang="pt-BR" sz="2600" b="0" dirty="0" smtClean="0">
+                <a:latin typeface="Times New Roman" panose="02020603050405020304" pitchFamily="18" charset="0"/>
+                <a:cs typeface="Times New Roman" panose="02020603050405020304" pitchFamily="18" charset="0"/>
+              </a:rPr>
               <a:t>	- </a:t>
             </a:r>
             <a:r>
-              <a:rPr lang="pt-BR" b="0" dirty="0" err="1" smtClean="0"/>
+              <a:rPr lang="pt-BR" sz="2600" b="0" dirty="0" err="1" smtClean="0">
+                <a:latin typeface="Times New Roman" panose="02020603050405020304" pitchFamily="18" charset="0"/>
+                <a:cs typeface="Times New Roman" panose="02020603050405020304" pitchFamily="18" charset="0"/>
+              </a:rPr>
               <a:t>ng</a:t>
             </a:r>
             <a:r>
-              <a:rPr lang="pt-BR" b="0" dirty="0" smtClean="0"/>
+              <a:rPr lang="pt-BR" sz="2600" b="0" dirty="0" smtClean="0">
+                <a:latin typeface="Times New Roman" panose="02020603050405020304" pitchFamily="18" charset="0"/>
+                <a:cs typeface="Times New Roman" panose="02020603050405020304" pitchFamily="18" charset="0"/>
+              </a:rPr>
               <a:t> </a:t>
             </a:r>
             <a:r>
-              <a:rPr lang="pt-BR" b="0" dirty="0"/>
+              <a:rPr lang="pt-BR" sz="2600" b="0" dirty="0">
+                <a:latin typeface="Times New Roman" panose="02020603050405020304" pitchFamily="18" charset="0"/>
+                <a:cs typeface="Times New Roman" panose="02020603050405020304" pitchFamily="18" charset="0"/>
+              </a:rPr>
               <a:t>g c </a:t>
             </a:r>
             <a:r>
-              <a:rPr lang="pt-BR" b="0" dirty="0" smtClean="0"/>
+              <a:rPr lang="pt-BR" sz="2600" b="0" dirty="0" smtClean="0">
+                <a:latin typeface="Times New Roman" panose="02020603050405020304" pitchFamily="18" charset="0"/>
+                <a:cs typeface="Times New Roman" panose="02020603050405020304" pitchFamily="18" charset="0"/>
+              </a:rPr>
               <a:t>home</a:t>
             </a:r>
           </a:p>
@@ -14276,33 +15137,47 @@
               <a:buChar char="•"/>
             </a:pPr>
             <a:r>
-              <a:rPr lang="pt-BR" dirty="0" smtClean="0">
-                <a:solidFill>
-                  <a:srgbClr val="FF0000"/>
-                </a:solidFill>
+              <a:rPr lang="pt-BR" sz="2600" dirty="0" smtClean="0">
+                <a:latin typeface="Times New Roman" panose="02020603050405020304" pitchFamily="18" charset="0"/>
+                <a:cs typeface="Times New Roman" panose="02020603050405020304" pitchFamily="18" charset="0"/>
               </a:rPr>
               <a:t>Criar novos serviços dos componentes</a:t>
             </a:r>
           </a:p>
           <a:p>
             <a:r>
-              <a:rPr lang="pt-BR" b="0" dirty="0"/>
+              <a:rPr lang="pt-BR" sz="2600" b="0" dirty="0">
+                <a:latin typeface="Times New Roman" panose="02020603050405020304" pitchFamily="18" charset="0"/>
+                <a:cs typeface="Times New Roman" panose="02020603050405020304" pitchFamily="18" charset="0"/>
+              </a:rPr>
               <a:t> 	</a:t>
             </a:r>
             <a:r>
-              <a:rPr lang="pt-BR" b="0" dirty="0" smtClean="0"/>
+              <a:rPr lang="pt-BR" sz="2600" b="0" dirty="0" smtClean="0">
+                <a:latin typeface="Times New Roman" panose="02020603050405020304" pitchFamily="18" charset="0"/>
+                <a:cs typeface="Times New Roman" panose="02020603050405020304" pitchFamily="18" charset="0"/>
+              </a:rPr>
               <a:t>- </a:t>
             </a:r>
             <a:r>
-              <a:rPr lang="pt-BR" b="0" dirty="0" err="1" smtClean="0"/>
+              <a:rPr lang="pt-BR" sz="2600" b="0" dirty="0" err="1" smtClean="0">
+                <a:latin typeface="Times New Roman" panose="02020603050405020304" pitchFamily="18" charset="0"/>
+                <a:cs typeface="Times New Roman" panose="02020603050405020304" pitchFamily="18" charset="0"/>
+              </a:rPr>
               <a:t>ng</a:t>
             </a:r>
             <a:r>
-              <a:rPr lang="pt-BR" b="0" dirty="0" smtClean="0"/>
+              <a:rPr lang="pt-BR" sz="2600" b="0" dirty="0" smtClean="0">
+                <a:latin typeface="Times New Roman" panose="02020603050405020304" pitchFamily="18" charset="0"/>
+                <a:cs typeface="Times New Roman" panose="02020603050405020304" pitchFamily="18" charset="0"/>
+              </a:rPr>
               <a:t> </a:t>
             </a:r>
             <a:r>
-              <a:rPr lang="pt-BR" b="0" dirty="0"/>
+              <a:rPr lang="pt-BR" sz="2600" b="0" dirty="0">
+                <a:latin typeface="Times New Roman" panose="02020603050405020304" pitchFamily="18" charset="0"/>
+                <a:cs typeface="Times New Roman" panose="02020603050405020304" pitchFamily="18" charset="0"/>
+              </a:rPr>
               <a:t>g s clientes / clientes</a:t>
             </a:r>
           </a:p>
@@ -14476,8 +15351,8 @@
         </p:nvSpPr>
         <p:spPr>
           <a:xfrm>
-            <a:off x="611560" y="1772816"/>
-            <a:ext cx="7894973" cy="4320480"/>
+            <a:off x="251520" y="1772816"/>
+            <a:ext cx="8255013" cy="4320480"/>
           </a:xfrm>
         </p:spPr>
         <p:txBody>
@@ -14492,42 +15367,42 @@
               </a:lnSpc>
             </a:pPr>
             <a:r>
-              <a:rPr lang="pt-BR" b="0" dirty="0" smtClean="0">
-                <a:latin typeface="Times New Roman" pitchFamily="18" charset="0"/>
-                <a:cs typeface="Times New Roman" pitchFamily="18" charset="0"/>
-              </a:rPr>
-              <a:t>	</a:t>
-            </a:r>
-            <a:r>
-              <a:rPr lang="pt-BR" b="0" dirty="0">
-                <a:latin typeface="Times New Roman" pitchFamily="18" charset="0"/>
-                <a:cs typeface="Times New Roman" pitchFamily="18" charset="0"/>
-              </a:rPr>
-              <a:t>Para inicializar a aplicação, basta executar o comando </a:t>
-            </a:r>
-            <a:r>
-              <a:rPr lang="pt-BR" dirty="0" err="1">
+              <a:rPr lang="pt-BR" sz="2600" b="0" dirty="0" smtClean="0">
+                <a:latin typeface="Times New Roman" panose="02020603050405020304" pitchFamily="18" charset="0"/>
+                <a:cs typeface="Times New Roman" pitchFamily="18" charset="0"/>
+              </a:rPr>
+              <a:t>Para </a:t>
+            </a:r>
+            <a:r>
+              <a:rPr lang="pt-BR" sz="2600" b="0" dirty="0">
+                <a:latin typeface="Times New Roman" panose="02020603050405020304" pitchFamily="18" charset="0"/>
+                <a:cs typeface="Times New Roman" pitchFamily="18" charset="0"/>
+              </a:rPr>
+              <a:t>inicializar a aplicação, basta executar o comando </a:t>
+            </a:r>
+            <a:r>
+              <a:rPr lang="pt-BR" sz="2600" dirty="0" err="1">
                 <a:latin typeface="Times New Roman" pitchFamily="18" charset="0"/>
                 <a:cs typeface="Times New Roman" pitchFamily="18" charset="0"/>
               </a:rPr>
               <a:t>ng</a:t>
             </a:r>
             <a:r>
-              <a:rPr lang="pt-BR" dirty="0">
+              <a:rPr lang="pt-BR" sz="2600" dirty="0">
                 <a:latin typeface="Times New Roman" pitchFamily="18" charset="0"/>
                 <a:cs typeface="Times New Roman" pitchFamily="18" charset="0"/>
               </a:rPr>
               <a:t> serve </a:t>
             </a:r>
             <a:r>
-              <a:rPr lang="pt-BR" b="0" dirty="0">
+              <a:rPr lang="pt-BR" sz="2600" b="0" dirty="0">
                 <a:latin typeface="Times New Roman" pitchFamily="18" charset="0"/>
                 <a:cs typeface="Times New Roman" pitchFamily="18" charset="0"/>
               </a:rPr>
               <a:t>no terminal conforme abaixo</a:t>
             </a:r>
             <a:r>
-              <a:rPr lang="pt-BR" b="0" dirty="0" smtClean="0">
+              <a:rPr lang="pt-BR" sz="2600" b="0" dirty="0" smtClean="0">
                 <a:latin typeface="Times New Roman" pitchFamily="18" charset="0"/>
                 <a:cs typeface="Times New Roman" pitchFamily="18" charset="0"/>
               </a:rPr>
@@ -14629,7 +15504,7 @@
         </p:blipFill>
         <p:spPr bwMode="auto">
           <a:xfrm>
-            <a:off x="247315" y="2564904"/>
+            <a:off x="223455" y="2924944"/>
             <a:ext cx="8640960" cy="3600400"/>
           </a:xfrm>
           <a:prstGeom prst="rect">
@@ -14739,8 +15614,8 @@
         </p:nvSpPr>
         <p:spPr>
           <a:xfrm>
-            <a:off x="611560" y="1988840"/>
-            <a:ext cx="7992888" cy="4104456"/>
+            <a:off x="251520" y="1988840"/>
+            <a:ext cx="8352928" cy="4104456"/>
           </a:xfrm>
         </p:spPr>
         <p:txBody>
@@ -15049,17 +15924,22 @@
         </p:nvPicPr>
         <p:blipFill rotWithShape="1">
           <a:blip r:embed="rId3"/>
-          <a:srcRect b="6473"/>
+          <a:srcRect t="14169" r="2141" b="6473"/>
           <a:stretch/>
         </p:blipFill>
         <p:spPr>
           <a:xfrm>
-            <a:off x="179512" y="1772816"/>
-            <a:ext cx="8667938" cy="4320480"/>
+            <a:off x="284023" y="2420888"/>
+            <a:ext cx="8482350" cy="3665980"/>
           </a:xfrm>
           <a:prstGeom prst="rect">
             <a:avLst/>
           </a:prstGeom>
+          <a:ln>
+            <a:solidFill>
+              <a:schemeClr val="tx1"/>
+            </a:solidFill>
+          </a:ln>
         </p:spPr>
       </p:pic>
     </p:spTree>
@@ -15217,24 +16097,25 @@
             <p:ph idx="1"/>
           </p:nvPr>
         </p:nvSpPr>
-        <p:spPr/>
+        <p:spPr>
+          <a:xfrm>
+            <a:off x="251521" y="1752600"/>
+            <a:ext cx="8221770" cy="4373563"/>
+          </a:xfrm>
+        </p:spPr>
         <p:txBody>
           <a:bodyPr>
-            <a:normAutofit fontScale="92500" lnSpcReduction="10000"/>
+            <a:normAutofit/>
           </a:bodyPr>
           <a:lstStyle/>
           <a:p>
-            <a:pPr lvl="0">
+            <a:pPr lvl="0" algn="just">
               <a:lnSpc>
                 <a:spcPct val="120000"/>
               </a:lnSpc>
             </a:pPr>
             <a:r>
-              <a:rPr lang="pt-BR" b="0" dirty="0" smtClean="0"/>
-              <a:t>	</a:t>
-            </a:r>
-            <a:r>
-              <a:rPr lang="pt-BR" sz="2800" b="0" dirty="0" smtClean="0">
+              <a:rPr lang="pt-BR" sz="2600" b="0" dirty="0" smtClean="0">
                 <a:solidFill>
                   <a:srgbClr val="000000"/>
                 </a:solidFill>
@@ -15244,7 +16125,7 @@
               <a:t>As </a:t>
             </a:r>
             <a:r>
-              <a:rPr lang="pt-BR" sz="2800" b="0" dirty="0">
+              <a:rPr lang="pt-BR" sz="2600" b="0" dirty="0">
                 <a:solidFill>
                   <a:srgbClr val="000000"/>
                 </a:solidFill>
@@ -15254,27 +16135,27 @@
               <a:t>rotas da aplicação, por padrão são configuradas em </a:t>
             </a:r>
             <a:r>
-              <a:rPr lang="pt-BR" sz="2800" b="0" dirty="0" err="1">
+              <a:rPr lang="pt-BR" sz="2600" b="0" dirty="0" smtClean="0">
                 <a:solidFill>
                   <a:srgbClr val="000000"/>
                 </a:solidFill>
                 <a:latin typeface="Times New Roman" pitchFamily="18" charset="0"/>
                 <a:cs typeface="Times New Roman" pitchFamily="18" charset="0"/>
               </a:rPr>
-              <a:t>modulos</a:t>
-            </a:r>
-            <a:r>
-              <a:rPr lang="pt-BR" sz="2800" b="0" dirty="0">
+              <a:t>módulos </a:t>
+            </a:r>
+            <a:r>
+              <a:rPr lang="pt-BR" sz="2600" b="0" dirty="0">
                 <a:solidFill>
                   <a:srgbClr val="000000"/>
                 </a:solidFill>
                 <a:latin typeface="Times New Roman" pitchFamily="18" charset="0"/>
                 <a:cs typeface="Times New Roman" pitchFamily="18" charset="0"/>
               </a:rPr>
-              <a:t> denominados como </a:t>
-            </a:r>
-            <a:r>
-              <a:rPr lang="pt-BR" sz="2800" b="0" dirty="0" err="1" smtClean="0">
+              <a:t>denominados como </a:t>
+            </a:r>
+            <a:r>
+              <a:rPr lang="pt-BR" sz="2600" b="0" dirty="0" err="1" smtClean="0">
                 <a:solidFill>
                   <a:srgbClr val="000000"/>
                 </a:solidFill>
@@ -15284,7 +16165,7 @@
               <a:t>routing.module.ts</a:t>
             </a:r>
             <a:r>
-              <a:rPr lang="pt-BR" sz="2800" b="0" dirty="0" smtClean="0">
+              <a:rPr lang="pt-BR" sz="2600" b="0" dirty="0" smtClean="0">
                 <a:solidFill>
                   <a:srgbClr val="000000"/>
                 </a:solidFill>
@@ -15293,7 +16174,7 @@
               </a:rPr>
               <a:t>.</a:t>
             </a:r>
-            <a:endParaRPr lang="pt-BR" sz="2800" b="0" dirty="0">
+            <a:endParaRPr lang="pt-BR" sz="2600" b="0" dirty="0">
               <a:solidFill>
                 <a:srgbClr val="000000"/>
               </a:solidFill>
@@ -15308,17 +16189,17 @@
               </a:lnSpc>
             </a:pPr>
             <a:r>
-              <a:rPr lang="pt-BR" sz="2800" b="0" dirty="0" smtClean="0">
+              <a:rPr lang="pt-BR" sz="2600" b="0" dirty="0" smtClean="0">
                 <a:solidFill>
                   <a:srgbClr val="000000"/>
                 </a:solidFill>
                 <a:latin typeface="Times New Roman" pitchFamily="18" charset="0"/>
                 <a:cs typeface="Times New Roman" pitchFamily="18" charset="0"/>
               </a:rPr>
-              <a:t>	Podemos </a:t>
-            </a:r>
-            <a:r>
-              <a:rPr lang="pt-BR" sz="2800" b="0" dirty="0">
+              <a:t>Podemos </a:t>
+            </a:r>
+            <a:r>
+              <a:rPr lang="pt-BR" sz="2600" b="0" dirty="0">
                 <a:solidFill>
                   <a:srgbClr val="000000"/>
                 </a:solidFill>
@@ -15328,7 +16209,7 @@
               <a:t>destacar o </a:t>
             </a:r>
             <a:r>
-              <a:rPr lang="pt-BR" sz="2800" b="0" dirty="0" err="1" smtClean="0">
+              <a:rPr lang="pt-BR" sz="2600" b="0" dirty="0" err="1" smtClean="0">
                 <a:solidFill>
                   <a:srgbClr val="000000"/>
                 </a:solidFill>
@@ -15338,7 +16219,7 @@
               <a:t>app.routing.module.ts</a:t>
             </a:r>
             <a:r>
-              <a:rPr lang="pt-BR" sz="2800" b="0" dirty="0" smtClean="0">
+              <a:rPr lang="pt-BR" sz="2600" b="0" dirty="0" smtClean="0">
                 <a:solidFill>
                   <a:srgbClr val="000000"/>
                 </a:solidFill>
@@ -15348,7 +16229,7 @@
               <a:t> </a:t>
             </a:r>
             <a:r>
-              <a:rPr lang="pt-BR" sz="2800" b="0" dirty="0">
+              <a:rPr lang="pt-BR" sz="2600" b="0" dirty="0">
                 <a:solidFill>
                   <a:srgbClr val="000000"/>
                 </a:solidFill>
@@ -15358,7 +16239,7 @@
               <a:t>como o roteador principal da aplicação sendo ele o responsável por dar as rotas iniciais dos outros módulos da aplicação e os </a:t>
             </a:r>
             <a:r>
-              <a:rPr lang="pt-BR" sz="2800" b="0" dirty="0" err="1">
+              <a:rPr lang="pt-BR" sz="2600" b="0" dirty="0" err="1">
                 <a:solidFill>
                   <a:srgbClr val="000000"/>
                 </a:solidFill>
@@ -15368,7 +16249,7 @@
               <a:t>routing.modules</a:t>
             </a:r>
             <a:r>
-              <a:rPr lang="pt-BR" sz="2800" b="0" dirty="0">
+              <a:rPr lang="pt-BR" sz="2600" b="0" dirty="0">
                 <a:solidFill>
                   <a:srgbClr val="000000"/>
                 </a:solidFill>
@@ -15925,8 +16806,8 @@
         </p:nvSpPr>
         <p:spPr>
           <a:xfrm>
-            <a:off x="457200" y="1752600"/>
-            <a:ext cx="7620000" cy="4373563"/>
+            <a:off x="251520" y="1752600"/>
+            <a:ext cx="7825680" cy="4373563"/>
           </a:xfrm>
         </p:spPr>
         <p:txBody>
@@ -15947,24 +16828,31 @@
             <a:endParaRPr lang="pt-BR" b="0" dirty="0" smtClean="0"/>
           </a:p>
           <a:p>
-            <a:pPr marL="342900" lvl="0" indent="-342900">
+            <a:pPr lvl="0">
               <a:lnSpc>
                 <a:spcPct val="120000"/>
               </a:lnSpc>
-              <a:buFont typeface="Arial" panose="020B0604020202020204" pitchFamily="34" charset="0"/>
-              <a:buChar char="•"/>
             </a:pPr>
             <a:r>
-              <a:rPr lang="pt-BR" b="0" dirty="0"/>
-              <a:t>	</a:t>
-            </a:r>
-            <a:r>
-              <a:rPr lang="pt-BR" b="0" dirty="0" smtClean="0"/>
+              <a:rPr lang="pt-BR" sz="2600" b="0" dirty="0" smtClean="0">
+                <a:latin typeface="Times New Roman" panose="02020603050405020304" pitchFamily="18" charset="0"/>
+                <a:cs typeface="Times New Roman" panose="02020603050405020304" pitchFamily="18" charset="0"/>
+              </a:rPr>
               <a:t>Realizar </a:t>
             </a:r>
             <a:r>
-              <a:rPr lang="pt-BR" b="0" dirty="0"/>
-              <a:t>o exercício 01 e 02 da lista de exercícios</a:t>
+              <a:rPr lang="pt-BR" sz="2600" b="0" dirty="0">
+                <a:latin typeface="Times New Roman" panose="02020603050405020304" pitchFamily="18" charset="0"/>
+                <a:cs typeface="Times New Roman" panose="02020603050405020304" pitchFamily="18" charset="0"/>
+              </a:rPr>
+              <a:t>o exercício 01 e 02 da lista de </a:t>
+            </a:r>
+            <a:r>
+              <a:rPr lang="pt-BR" sz="2600" b="0" dirty="0" smtClean="0">
+                <a:latin typeface="Times New Roman" panose="02020603050405020304" pitchFamily="18" charset="0"/>
+                <a:cs typeface="Times New Roman" panose="02020603050405020304" pitchFamily="18" charset="0"/>
+              </a:rPr>
+              <a:t>exercícios.</a:t>
             </a:r>
             <a:endParaRPr lang="pt-BR" sz="2600" b="0" dirty="0">
               <a:solidFill>
@@ -16133,8 +17021,8 @@
         </p:nvSpPr>
         <p:spPr>
           <a:xfrm>
-            <a:off x="457200" y="1752600"/>
-            <a:ext cx="7620000" cy="4373563"/>
+            <a:off x="251520" y="1752600"/>
+            <a:ext cx="7825680" cy="4373563"/>
           </a:xfrm>
         </p:spPr>
         <p:txBody>
@@ -16151,41 +17039,41 @@
               <a:buChar char="•"/>
             </a:pPr>
             <a:r>
-              <a:rPr lang="pt-BR" sz="2400" b="0" dirty="0" smtClean="0">
+              <a:rPr lang="pt-BR" sz="2600" b="0" dirty="0" smtClean="0">
                 <a:latin typeface="Times New Roman" panose="02020603050405020304" pitchFamily="18" charset="0"/>
                 <a:cs typeface="Times New Roman" panose="02020603050405020304" pitchFamily="18" charset="0"/>
               </a:rPr>
               <a:t>Entender </a:t>
             </a:r>
             <a:r>
-              <a:rPr lang="pt-BR" sz="2400" b="0" dirty="0">
+              <a:rPr lang="pt-BR" sz="2600" b="0" dirty="0">
                 <a:latin typeface="Times New Roman" panose="02020603050405020304" pitchFamily="18" charset="0"/>
                 <a:cs typeface="Times New Roman" panose="02020603050405020304" pitchFamily="18" charset="0"/>
               </a:rPr>
               <a:t>como funciona </a:t>
             </a:r>
             <a:r>
-              <a:rPr lang="pt-BR" sz="2400" b="0" dirty="0" err="1">
+              <a:rPr lang="pt-BR" sz="2600" b="0" dirty="0" err="1">
                 <a:latin typeface="Times New Roman" panose="02020603050405020304" pitchFamily="18" charset="0"/>
                 <a:cs typeface="Times New Roman" panose="02020603050405020304" pitchFamily="18" charset="0"/>
               </a:rPr>
               <a:t>Observables</a:t>
             </a:r>
             <a:r>
-              <a:rPr lang="pt-BR" sz="2400" b="0" dirty="0">
+              <a:rPr lang="pt-BR" sz="2600" b="0" dirty="0">
                 <a:latin typeface="Times New Roman" panose="02020603050405020304" pitchFamily="18" charset="0"/>
                 <a:cs typeface="Times New Roman" panose="02020603050405020304" pitchFamily="18" charset="0"/>
               </a:rPr>
               <a:t> e </a:t>
             </a:r>
             <a:r>
-              <a:rPr lang="pt-BR" sz="2400" b="0" dirty="0" err="1" smtClean="0">
+              <a:rPr lang="pt-BR" sz="2600" b="0" dirty="0" err="1" smtClean="0">
                 <a:latin typeface="Times New Roman" panose="02020603050405020304" pitchFamily="18" charset="0"/>
                 <a:cs typeface="Times New Roman" panose="02020603050405020304" pitchFamily="18" charset="0"/>
               </a:rPr>
               <a:t>Promises</a:t>
             </a:r>
-            <a:endParaRPr lang="pt-BR" sz="2400" b="0" dirty="0">
+            <a:endParaRPr lang="pt-BR" sz="2600" b="0" dirty="0">
               <a:latin typeface="Times New Roman" panose="02020603050405020304" pitchFamily="18" charset="0"/>
               <a:cs typeface="Times New Roman" panose="02020603050405020304" pitchFamily="18" charset="0"/>
             </a:endParaRPr>
@@ -16199,41 +17087,34 @@
               <a:buChar char="•"/>
             </a:pPr>
             <a:r>
-              <a:rPr lang="pt-BR" sz="2400" b="0" dirty="0" smtClean="0">
+              <a:rPr lang="pt-BR" sz="2600" b="0" dirty="0" smtClean="0">
                 <a:latin typeface="Times New Roman" panose="02020603050405020304" pitchFamily="18" charset="0"/>
                 <a:cs typeface="Times New Roman" panose="02020603050405020304" pitchFamily="18" charset="0"/>
               </a:rPr>
-              <a:t>Aplicação </a:t>
-            </a:r>
-            <a:r>
-              <a:rPr lang="pt-BR" sz="2400" b="0" dirty="0">
+              <a:t>Designe </a:t>
+            </a:r>
+            <a:r>
+              <a:rPr lang="pt-BR" sz="2600" b="0" dirty="0" err="1">
                 <a:latin typeface="Times New Roman" panose="02020603050405020304" pitchFamily="18" charset="0"/>
                 <a:cs typeface="Times New Roman" panose="02020603050405020304" pitchFamily="18" charset="0"/>
               </a:rPr>
-              <a:t>de Designe </a:t>
-            </a:r>
-            <a:r>
-              <a:rPr lang="pt-BR" sz="2400" b="0" dirty="0" err="1">
+              <a:t>Pattern</a:t>
+            </a:r>
+            <a:r>
+              <a:rPr lang="pt-BR" sz="2600" b="0" dirty="0">
                 <a:latin typeface="Times New Roman" panose="02020603050405020304" pitchFamily="18" charset="0"/>
                 <a:cs typeface="Times New Roman" panose="02020603050405020304" pitchFamily="18" charset="0"/>
               </a:rPr>
-              <a:t>Pattern</a:t>
-            </a:r>
-            <a:r>
-              <a:rPr lang="pt-BR" sz="2400" b="0" dirty="0">
+              <a:t> com </a:t>
+            </a:r>
+            <a:r>
+              <a:rPr lang="pt-BR" sz="2600" b="0" dirty="0" err="1">
                 <a:latin typeface="Times New Roman" panose="02020603050405020304" pitchFamily="18" charset="0"/>
                 <a:cs typeface="Times New Roman" panose="02020603050405020304" pitchFamily="18" charset="0"/>
               </a:rPr>
-              <a:t> com </a:t>
-            </a:r>
-            <a:r>
-              <a:rPr lang="pt-BR" sz="2400" b="0" dirty="0" err="1">
-                <a:latin typeface="Times New Roman" panose="02020603050405020304" pitchFamily="18" charset="0"/>
-                <a:cs typeface="Times New Roman" panose="02020603050405020304" pitchFamily="18" charset="0"/>
-              </a:rPr>
               <a:t>shared.module</a:t>
             </a:r>
-            <a:endParaRPr lang="pt-BR" sz="2400" b="0" dirty="0">
+            <a:endParaRPr lang="pt-BR" sz="2600" b="0" dirty="0">
               <a:latin typeface="Times New Roman" panose="02020603050405020304" pitchFamily="18" charset="0"/>
               <a:cs typeface="Times New Roman" panose="02020603050405020304" pitchFamily="18" charset="0"/>
             </a:endParaRPr>
@@ -16247,34 +17128,20 @@
               <a:buChar char="•"/>
             </a:pPr>
             <a:r>
-              <a:rPr lang="pt-BR" sz="2400" b="0" dirty="0" smtClean="0">
+              <a:rPr lang="pt-BR" sz="2600" b="0" dirty="0">
                 <a:latin typeface="Times New Roman" panose="02020603050405020304" pitchFamily="18" charset="0"/>
                 <a:cs typeface="Times New Roman" panose="02020603050405020304" pitchFamily="18" charset="0"/>
               </a:rPr>
-              <a:t>Realizar o </a:t>
-            </a:r>
-            <a:r>
-              <a:rPr lang="pt-BR" sz="2400" b="0" dirty="0" err="1" smtClean="0">
+              <a:t>Introdução ao </a:t>
+            </a:r>
+            <a:r>
+              <a:rPr lang="pt-BR" sz="2600" b="0" dirty="0" err="1">
                 <a:latin typeface="Times New Roman" panose="02020603050405020304" pitchFamily="18" charset="0"/>
                 <a:cs typeface="Times New Roman" panose="02020603050405020304" pitchFamily="18" charset="0"/>
               </a:rPr>
-              <a:t>Crud</a:t>
-            </a:r>
-            <a:r>
-              <a:rPr lang="pt-BR" sz="2400" b="0" dirty="0" smtClean="0">
-                <a:latin typeface="Times New Roman" panose="02020603050405020304" pitchFamily="18" charset="0"/>
-                <a:cs typeface="Times New Roman" panose="02020603050405020304" pitchFamily="18" charset="0"/>
-              </a:rPr>
-              <a:t> de clientes sem requisição para </a:t>
-            </a:r>
-            <a:r>
-              <a:rPr lang="pt-BR" sz="2400" b="0" dirty="0" err="1" smtClean="0">
-                <a:latin typeface="Times New Roman" panose="02020603050405020304" pitchFamily="18" charset="0"/>
-                <a:cs typeface="Times New Roman" panose="02020603050405020304" pitchFamily="18" charset="0"/>
-              </a:rPr>
-              <a:t>api</a:t>
-            </a:r>
-            <a:endParaRPr lang="pt-BR" sz="2400" b="0" dirty="0" smtClean="0">
+              <a:t>PrimeNg</a:t>
+            </a:r>
+            <a:endParaRPr lang="pt-BR" sz="2600" b="0" dirty="0">
               <a:latin typeface="Times New Roman" panose="02020603050405020304" pitchFamily="18" charset="0"/>
               <a:cs typeface="Times New Roman" panose="02020603050405020304" pitchFamily="18" charset="0"/>
             </a:endParaRPr>
@@ -16288,27 +17155,34 @@
               <a:buChar char="•"/>
             </a:pPr>
             <a:r>
-              <a:rPr lang="pt-BR" sz="2400" b="0" dirty="0" smtClean="0">
+              <a:rPr lang="pt-BR" sz="2600" b="0" dirty="0">
                 <a:latin typeface="Times New Roman" panose="02020603050405020304" pitchFamily="18" charset="0"/>
                 <a:cs typeface="Times New Roman" panose="02020603050405020304" pitchFamily="18" charset="0"/>
               </a:rPr>
-              <a:t>Introdução </a:t>
-            </a:r>
-            <a:r>
-              <a:rPr lang="pt-BR" sz="2400" b="0" dirty="0">
+              <a:t>Sistema de </a:t>
+            </a:r>
+            <a:r>
+              <a:rPr lang="pt-BR" sz="2600" b="0" dirty="0" err="1">
                 <a:latin typeface="Times New Roman" panose="02020603050405020304" pitchFamily="18" charset="0"/>
                 <a:cs typeface="Times New Roman" panose="02020603050405020304" pitchFamily="18" charset="0"/>
               </a:rPr>
-              <a:t>ao </a:t>
-            </a:r>
-            <a:r>
-              <a:rPr lang="pt-BR" sz="2400" b="0" dirty="0" err="1" smtClean="0">
+              <a:t>Login</a:t>
+            </a:r>
+            <a:r>
+              <a:rPr lang="pt-BR" sz="2600" b="0" dirty="0">
                 <a:latin typeface="Times New Roman" panose="02020603050405020304" pitchFamily="18" charset="0"/>
                 <a:cs typeface="Times New Roman" panose="02020603050405020304" pitchFamily="18" charset="0"/>
               </a:rPr>
-              <a:t>PrimeNg</a:t>
-            </a:r>
-            <a:endParaRPr lang="pt-BR" sz="2400" b="0" dirty="0" smtClean="0">
+              <a:t> </a:t>
+            </a:r>
+            <a:r>
+              <a:rPr lang="pt-BR" sz="2600" b="0" dirty="0" smtClean="0">
+                <a:latin typeface="Times New Roman" panose="02020603050405020304" pitchFamily="18" charset="0"/>
+                <a:cs typeface="Times New Roman" panose="02020603050405020304" pitchFamily="18" charset="0"/>
+              </a:rPr>
+              <a:t>Básico</a:t>
+            </a:r>
+            <a:endParaRPr lang="pt-BR" sz="2600" b="0" dirty="0">
               <a:latin typeface="Times New Roman" panose="02020603050405020304" pitchFamily="18" charset="0"/>
               <a:cs typeface="Times New Roman" panose="02020603050405020304" pitchFamily="18" charset="0"/>
             </a:endParaRPr>
@@ -16322,27 +17196,34 @@
               <a:buChar char="•"/>
             </a:pPr>
             <a:r>
-              <a:rPr lang="pt-BR" sz="2400" b="0" dirty="0" smtClean="0">
+              <a:rPr lang="pt-BR" sz="2600" b="0" dirty="0" err="1" smtClean="0">
                 <a:latin typeface="Times New Roman" panose="02020603050405020304" pitchFamily="18" charset="0"/>
                 <a:cs typeface="Times New Roman" panose="02020603050405020304" pitchFamily="18" charset="0"/>
               </a:rPr>
-              <a:t>Sistema de </a:t>
-            </a:r>
-            <a:r>
-              <a:rPr lang="pt-BR" sz="2400" b="0" dirty="0" err="1" smtClean="0">
+              <a:t>Crud</a:t>
+            </a:r>
+            <a:r>
+              <a:rPr lang="pt-BR" sz="2600" b="0" dirty="0" smtClean="0">
                 <a:latin typeface="Times New Roman" panose="02020603050405020304" pitchFamily="18" charset="0"/>
                 <a:cs typeface="Times New Roman" panose="02020603050405020304" pitchFamily="18" charset="0"/>
               </a:rPr>
-              <a:t>Login</a:t>
-            </a:r>
-            <a:r>
-              <a:rPr lang="pt-BR" sz="2400" b="0" dirty="0" smtClean="0">
+              <a:t> </a:t>
+            </a:r>
+            <a:r>
+              <a:rPr lang="pt-BR" sz="2600" b="0" dirty="0" smtClean="0">
                 <a:latin typeface="Times New Roman" panose="02020603050405020304" pitchFamily="18" charset="0"/>
                 <a:cs typeface="Times New Roman" panose="02020603050405020304" pitchFamily="18" charset="0"/>
               </a:rPr>
-              <a:t> Básico</a:t>
-            </a:r>
-            <a:endParaRPr lang="pt-BR" b="0" dirty="0">
+              <a:t>de clientes sem requisição para </a:t>
+            </a:r>
+            <a:r>
+              <a:rPr lang="pt-BR" sz="2600" b="0" dirty="0" err="1" smtClean="0">
+                <a:latin typeface="Times New Roman" panose="02020603050405020304" pitchFamily="18" charset="0"/>
+                <a:cs typeface="Times New Roman" panose="02020603050405020304" pitchFamily="18" charset="0"/>
+              </a:rPr>
+              <a:t>api</a:t>
+            </a:r>
+            <a:endParaRPr lang="pt-BR" sz="2600" b="0" dirty="0">
               <a:latin typeface="Times New Roman" panose="02020603050405020304" pitchFamily="18" charset="0"/>
               <a:cs typeface="Times New Roman" panose="02020603050405020304" pitchFamily="18" charset="0"/>
             </a:endParaRPr>
@@ -16353,6 +17234,233 @@
     <p:extLst>
       <p:ext uri="{BB962C8B-B14F-4D97-AF65-F5344CB8AC3E}">
         <p14:creationId xmlns:p14="http://schemas.microsoft.com/office/powerpoint/2010/main" val="2501660300"/>
+      </p:ext>
+    </p:extLst>
+  </p:cSld>
+  <p:clrMapOvr>
+    <a:masterClrMapping/>
+  </p:clrMapOvr>
+  <mc:AlternateContent xmlns:mc="http://schemas.openxmlformats.org/markup-compatibility/2006" xmlns:p14="http://schemas.microsoft.com/office/powerpoint/2010/main">
+    <mc:Choice Requires="p14">
+      <p:transition spd="slow" p14:dur="2000"/>
+    </mc:Choice>
+    <mc:Fallback xmlns="">
+      <p:transition spd="slow"/>
+    </mc:Fallback>
+  </mc:AlternateContent>
+  <p:timing>
+    <p:tnLst>
+      <p:par>
+        <p:cTn id="1" dur="indefinite" restart="never" nodeType="tmRoot"/>
+      </p:par>
+    </p:tnLst>
+  </p:timing>
+</p:sld>
+</file>
+
+<file path=ppt/slides/slide46.xml><?xml version="1.0" encoding="utf-8"?>
+<p:sld xmlns:a="http://schemas.openxmlformats.org/drawingml/2006/main" xmlns:r="http://schemas.openxmlformats.org/officeDocument/2006/relationships" xmlns:p="http://schemas.openxmlformats.org/presentationml/2006/main">
+  <p:cSld>
+    <p:spTree>
+      <p:nvGrpSpPr>
+        <p:cNvPr id="1" name=""/>
+        <p:cNvGrpSpPr/>
+        <p:nvPr/>
+      </p:nvGrpSpPr>
+      <p:grpSpPr>
+        <a:xfrm>
+          <a:off x="0" y="0"/>
+          <a:ext cx="0" cy="0"/>
+          <a:chOff x="0" y="0"/>
+          <a:chExt cx="0" cy="0"/>
+        </a:xfrm>
+      </p:grpSpPr>
+      <p:sp>
+        <p:nvSpPr>
+          <p:cNvPr id="2" name="Título 1"/>
+          <p:cNvSpPr>
+            <a:spLocks noGrp="1"/>
+          </p:cNvSpPr>
+          <p:nvPr>
+            <p:ph type="title"/>
+          </p:nvPr>
+        </p:nvSpPr>
+        <p:spPr>
+          <a:xfrm>
+            <a:off x="179513" y="323403"/>
+            <a:ext cx="7704856" cy="903630"/>
+          </a:xfrm>
+        </p:spPr>
+        <p:txBody>
+          <a:bodyPr>
+            <a:noAutofit/>
+          </a:bodyPr>
+          <a:lstStyle/>
+          <a:p>
+            <a:r>
+              <a:rPr lang="pt-BR" sz="2700" dirty="0" smtClean="0"/>
+              <a:t>finalizando</a:t>
+            </a:r>
+            <a:endParaRPr lang="pt-BR" sz="2700" dirty="0"/>
+          </a:p>
+        </p:txBody>
+      </p:sp>
+      <p:cxnSp>
+        <p:nvCxnSpPr>
+          <p:cNvPr id="5" name="Conector reto 4"/>
+          <p:cNvCxnSpPr/>
+          <p:nvPr/>
+        </p:nvCxnSpPr>
+        <p:spPr>
+          <a:xfrm>
+            <a:off x="251520" y="1340768"/>
+            <a:ext cx="6480720" cy="0"/>
+          </a:xfrm>
+          <a:prstGeom prst="line">
+            <a:avLst/>
+          </a:prstGeom>
+          <a:ln/>
+        </p:spPr>
+        <p:style>
+          <a:lnRef idx="2">
+            <a:schemeClr val="accent5"/>
+          </a:lnRef>
+          <a:fillRef idx="0">
+            <a:schemeClr val="accent5"/>
+          </a:fillRef>
+          <a:effectRef idx="1">
+            <a:schemeClr val="accent5"/>
+          </a:effectRef>
+          <a:fontRef idx="minor">
+            <a:schemeClr val="tx1"/>
+          </a:fontRef>
+        </p:style>
+      </p:cxnSp>
+      <p:pic>
+        <p:nvPicPr>
+          <p:cNvPr id="6" name="Picture 7" descr="Angular-Logo-PNG-Image.png"/>
+          <p:cNvPicPr>
+            <a:picLocks noChangeAspect="1" noChangeArrowheads="1"/>
+          </p:cNvPicPr>
+          <p:nvPr/>
+        </p:nvPicPr>
+        <p:blipFill rotWithShape="1">
+          <a:blip r:embed="rId2" cstate="print">
+            <a:extLst>
+              <a:ext uri="{28A0092B-C50C-407E-A947-70E740481C1C}">
+                <a14:useLocalDpi xmlns:a14="http://schemas.microsoft.com/office/drawing/2010/main" val="0"/>
+              </a:ext>
+            </a:extLst>
+          </a:blip>
+          <a:srcRect l="2299" t="36731" r="73370" b="36781"/>
+          <a:stretch/>
+        </p:blipFill>
+        <p:spPr bwMode="auto">
+          <a:xfrm>
+            <a:off x="7156265" y="160338"/>
+            <a:ext cx="1317026" cy="1433826"/>
+          </a:xfrm>
+          <a:prstGeom prst="rect">
+            <a:avLst/>
+          </a:prstGeom>
+          <a:noFill/>
+          <a:extLst>
+            <a:ext uri="{909E8E84-426E-40DD-AFC4-6F175D3DCCD1}">
+              <a14:hiddenFill xmlns:a14="http://schemas.microsoft.com/office/drawing/2010/main">
+                <a:solidFill>
+                  <a:srgbClr val="FFFFFF"/>
+                </a:solidFill>
+              </a14:hiddenFill>
+            </a:ext>
+          </a:extLst>
+        </p:spPr>
+      </p:pic>
+      <p:sp>
+        <p:nvSpPr>
+          <p:cNvPr id="7" name="Espaço Reservado para Conteúdo 2"/>
+          <p:cNvSpPr>
+            <a:spLocks noGrp="1"/>
+          </p:cNvSpPr>
+          <p:nvPr>
+            <p:ph idx="1"/>
+          </p:nvPr>
+        </p:nvSpPr>
+        <p:spPr>
+          <a:xfrm>
+            <a:off x="251520" y="1772816"/>
+            <a:ext cx="8424936" cy="1028328"/>
+          </a:xfrm>
+        </p:spPr>
+        <p:txBody>
+          <a:bodyPr>
+            <a:normAutofit/>
+          </a:bodyPr>
+          <a:lstStyle/>
+          <a:p>
+            <a:pPr lvl="0" algn="ctr">
+              <a:lnSpc>
+                <a:spcPct val="120000"/>
+              </a:lnSpc>
+            </a:pPr>
+            <a:r>
+              <a:rPr lang="pt-BR" sz="3200" b="0" dirty="0" smtClean="0">
+                <a:latin typeface="Times New Roman" panose="02020603050405020304" pitchFamily="18" charset="0"/>
+                <a:cs typeface="Times New Roman" panose="02020603050405020304" pitchFamily="18" charset="0"/>
+              </a:rPr>
+              <a:t>DÚVIDAS?</a:t>
+            </a:r>
+            <a:endParaRPr lang="pt-BR" sz="3200" b="0" dirty="0">
+              <a:latin typeface="Times New Roman" panose="02020603050405020304" pitchFamily="18" charset="0"/>
+              <a:cs typeface="Times New Roman" panose="02020603050405020304" pitchFamily="18" charset="0"/>
+            </a:endParaRPr>
+          </a:p>
+        </p:txBody>
+      </p:sp>
+      <p:pic>
+        <p:nvPicPr>
+          <p:cNvPr id="2050" name="Picture 2" descr="Imagem relacionada"/>
+          <p:cNvPicPr>
+            <a:picLocks noChangeAspect="1" noChangeArrowheads="1"/>
+          </p:cNvPicPr>
+          <p:nvPr/>
+        </p:nvPicPr>
+        <p:blipFill>
+          <a:blip r:embed="rId3">
+            <a:extLst>
+              <a:ext uri="{28A0092B-C50C-407E-A947-70E740481C1C}">
+                <a14:useLocalDpi xmlns:a14="http://schemas.microsoft.com/office/drawing/2010/main" val="0"/>
+              </a:ext>
+            </a:extLst>
+          </a:blip>
+          <a:srcRect/>
+          <a:stretch>
+            <a:fillRect/>
+          </a:stretch>
+        </p:blipFill>
+        <p:spPr bwMode="auto">
+          <a:xfrm>
+            <a:off x="1124403" y="2564904"/>
+            <a:ext cx="6679897" cy="4147898"/>
+          </a:xfrm>
+          <a:prstGeom prst="rect">
+            <a:avLst/>
+          </a:prstGeom>
+          <a:noFill/>
+          <a:extLst>
+            <a:ext uri="{909E8E84-426E-40DD-AFC4-6F175D3DCCD1}">
+              <a14:hiddenFill xmlns:a14="http://schemas.microsoft.com/office/drawing/2010/main">
+                <a:solidFill>
+                  <a:srgbClr val="FFFFFF"/>
+                </a:solidFill>
+              </a14:hiddenFill>
+            </a:ext>
+          </a:extLst>
+        </p:spPr>
+      </p:pic>
+    </p:spTree>
+    <p:extLst>
+      <p:ext uri="{BB962C8B-B14F-4D97-AF65-F5344CB8AC3E}">
+        <p14:creationId xmlns:p14="http://schemas.microsoft.com/office/powerpoint/2010/main" val="3018257339"/>
       </p:ext>
     </p:extLst>
   </p:cSld>
@@ -16639,15 +17747,7 @@
             </a:r>
             <a:r>
               <a:rPr lang="pt-BR" sz="3200" b="1" dirty="0" smtClean="0"/>
-              <a:t> </a:t>
-            </a:r>
-            <a:r>
-              <a:rPr lang="pt-BR" sz="3200" b="1" dirty="0" smtClean="0"/>
-              <a:t>x </a:t>
-            </a:r>
-            <a:r>
-              <a:rPr lang="pt-BR" sz="3200" b="1" dirty="0" smtClean="0"/>
-              <a:t>Angular 2</a:t>
+              <a:t> x Angular 2</a:t>
             </a:r>
             <a:endParaRPr lang="pt-BR" sz="3200" b="1" dirty="0"/>
           </a:p>
@@ -17066,8 +18166,8 @@
         </p:nvSpPr>
         <p:spPr>
           <a:xfrm>
-            <a:off x="611560" y="2132856"/>
-            <a:ext cx="7894973" cy="3960440"/>
+            <a:off x="251520" y="2132856"/>
+            <a:ext cx="8255013" cy="3960440"/>
           </a:xfrm>
         </p:spPr>
         <p:txBody>
@@ -17242,8 +18342,8 @@
         </p:nvSpPr>
         <p:spPr>
           <a:xfrm>
-            <a:off x="611560" y="2132856"/>
-            <a:ext cx="7894973" cy="3960440"/>
+            <a:off x="251520" y="2132856"/>
+            <a:ext cx="8255013" cy="3960440"/>
           </a:xfrm>
         </p:spPr>
         <p:txBody>
@@ -17269,7 +18369,14 @@
                 <a:latin typeface="Times New Roman" pitchFamily="18" charset="0"/>
                 <a:cs typeface="Times New Roman" pitchFamily="18" charset="0"/>
               </a:rPr>
-              <a:t>angularJS</a:t>
+              <a:t>A</a:t>
+            </a:r>
+            <a:r>
+              <a:rPr lang="pt-BR" sz="2600" b="0" dirty="0" err="1" smtClean="0">
+                <a:latin typeface="Times New Roman" pitchFamily="18" charset="0"/>
+                <a:cs typeface="Times New Roman" pitchFamily="18" charset="0"/>
+              </a:rPr>
+              <a:t>ngularJS</a:t>
             </a:r>
             <a:r>
               <a:rPr lang="pt-BR" sz="2600" b="0" dirty="0">
@@ -18362,4 +19469,289 @@
   <a:objectDefaults/>
   <a:extraClrSchemeLst/>
 </a:theme>
+</file>
+
+<file path=ppt/theme/theme2.xml><?xml version="1.0" encoding="utf-8"?>
+<a:theme xmlns:a="http://schemas.openxmlformats.org/drawingml/2006/main" name="Tema do Office">
+  <a:themeElements>
+    <a:clrScheme name="Escritório">
+      <a:dk1>
+        <a:sysClr val="windowText" lastClr="000000"/>
+      </a:dk1>
+      <a:lt1>
+        <a:sysClr val="window" lastClr="FFFFFF"/>
+      </a:lt1>
+      <a:dk2>
+        <a:srgbClr val="1F497D"/>
+      </a:dk2>
+      <a:lt2>
+        <a:srgbClr val="EEECE1"/>
+      </a:lt2>
+      <a:accent1>
+        <a:srgbClr val="4F81BD"/>
+      </a:accent1>
+      <a:accent2>
+        <a:srgbClr val="C0504D"/>
+      </a:accent2>
+      <a:accent3>
+        <a:srgbClr val="9BBB59"/>
+      </a:accent3>
+      <a:accent4>
+        <a:srgbClr val="8064A2"/>
+      </a:accent4>
+      <a:accent5>
+        <a:srgbClr val="4BACC6"/>
+      </a:accent5>
+      <a:accent6>
+        <a:srgbClr val="F79646"/>
+      </a:accent6>
+      <a:hlink>
+        <a:srgbClr val="0000FF"/>
+      </a:hlink>
+      <a:folHlink>
+        <a:srgbClr val="800080"/>
+      </a:folHlink>
+    </a:clrScheme>
+    <a:fontScheme name="Escritório">
+      <a:majorFont>
+        <a:latin typeface="Calibri"/>
+        <a:ea typeface=""/>
+        <a:cs typeface=""/>
+        <a:font script="Jpan" typeface="ＭＳ Ｐゴシック"/>
+        <a:font script="Hang" typeface="맑은 고딕"/>
+        <a:font script="Hans" typeface="宋体"/>
+        <a:font script="Hant" typeface="新細明體"/>
+        <a:font script="Arab" typeface="Times New Roman"/>
+        <a:font script="Hebr" typeface="Times New Roman"/>
+        <a:font script="Thai" typeface="Angsana New"/>
+        <a:font script="Ethi" typeface="Nyala"/>
+        <a:font script="Beng" typeface="Vrinda"/>
+        <a:font script="Gujr" typeface="Shruti"/>
+        <a:font script="Khmr" typeface="MoolBoran"/>
+        <a:font script="Knda" typeface="Tunga"/>
+        <a:font script="Guru" typeface="Raavi"/>
+        <a:font script="Cans" typeface="Euphemia"/>
+        <a:font script="Cher" typeface="Plantagenet Cherokee"/>
+        <a:font script="Yiii" typeface="Microsoft Yi Baiti"/>
+        <a:font script="Tibt" typeface="Microsoft Himalaya"/>
+        <a:font script="Thaa" typeface="MV Boli"/>
+        <a:font script="Deva" typeface="Mangal"/>
+        <a:font script="Telu" typeface="Gautami"/>
+        <a:font script="Taml" typeface="Latha"/>
+        <a:font script="Syrc" typeface="Estrangelo Edessa"/>
+        <a:font script="Orya" typeface="Kalinga"/>
+        <a:font script="Mlym" typeface="Kartika"/>
+        <a:font script="Laoo" typeface="DokChampa"/>
+        <a:font script="Sinh" typeface="Iskoola Pota"/>
+        <a:font script="Mong" typeface="Mongolian Baiti"/>
+        <a:font script="Viet" typeface="Times New Roman"/>
+        <a:font script="Uigh" typeface="Microsoft Uighur"/>
+        <a:font script="Geor" typeface="Sylfaen"/>
+      </a:majorFont>
+      <a:minorFont>
+        <a:latin typeface="Calibri"/>
+        <a:ea typeface=""/>
+        <a:cs typeface=""/>
+        <a:font script="Jpan" typeface="ＭＳ Ｐゴシック"/>
+        <a:font script="Hang" typeface="맑은 고딕"/>
+        <a:font script="Hans" typeface="宋体"/>
+        <a:font script="Hant" typeface="新細明體"/>
+        <a:font script="Arab" typeface="Arial"/>
+        <a:font script="Hebr" typeface="Arial"/>
+        <a:font script="Thai" typeface="Cordia New"/>
+        <a:font script="Ethi" typeface="Nyala"/>
+        <a:font script="Beng" typeface="Vrinda"/>
+        <a:font script="Gujr" typeface="Shruti"/>
+        <a:font script="Khmr" typeface="DaunPenh"/>
+        <a:font script="Knda" typeface="Tunga"/>
+        <a:font script="Guru" typeface="Raavi"/>
+        <a:font script="Cans" typeface="Euphemia"/>
+        <a:font script="Cher" typeface="Plantagenet Cherokee"/>
+        <a:font script="Yiii" typeface="Microsoft Yi Baiti"/>
+        <a:font script="Tibt" typeface="Microsoft Himalaya"/>
+        <a:font script="Thaa" typeface="MV Boli"/>
+        <a:font script="Deva" typeface="Mangal"/>
+        <a:font script="Telu" typeface="Gautami"/>
+        <a:font script="Taml" typeface="Latha"/>
+        <a:font script="Syrc" typeface="Estrangelo Edessa"/>
+        <a:font script="Orya" typeface="Kalinga"/>
+        <a:font script="Mlym" typeface="Kartika"/>
+        <a:font script="Laoo" typeface="DokChampa"/>
+        <a:font script="Sinh" typeface="Iskoola Pota"/>
+        <a:font script="Mong" typeface="Mongolian Baiti"/>
+        <a:font script="Viet" typeface="Arial"/>
+        <a:font script="Uigh" typeface="Microsoft Uighur"/>
+        <a:font script="Geor" typeface="Sylfaen"/>
+      </a:minorFont>
+    </a:fontScheme>
+    <a:fmtScheme name="Escritório">
+      <a:fillStyleLst>
+        <a:solidFill>
+          <a:schemeClr val="phClr"/>
+        </a:solidFill>
+        <a:gradFill rotWithShape="1">
+          <a:gsLst>
+            <a:gs pos="0">
+              <a:schemeClr val="phClr">
+                <a:tint val="50000"/>
+                <a:satMod val="300000"/>
+              </a:schemeClr>
+            </a:gs>
+            <a:gs pos="35000">
+              <a:schemeClr val="phClr">
+                <a:tint val="37000"/>
+                <a:satMod val="300000"/>
+              </a:schemeClr>
+            </a:gs>
+            <a:gs pos="100000">
+              <a:schemeClr val="phClr">
+                <a:tint val="15000"/>
+                <a:satMod val="350000"/>
+              </a:schemeClr>
+            </a:gs>
+          </a:gsLst>
+          <a:lin ang="16200000" scaled="1"/>
+        </a:gradFill>
+        <a:gradFill rotWithShape="1">
+          <a:gsLst>
+            <a:gs pos="0">
+              <a:schemeClr val="phClr">
+                <a:shade val="51000"/>
+                <a:satMod val="130000"/>
+              </a:schemeClr>
+            </a:gs>
+            <a:gs pos="80000">
+              <a:schemeClr val="phClr">
+                <a:shade val="93000"/>
+                <a:satMod val="130000"/>
+              </a:schemeClr>
+            </a:gs>
+            <a:gs pos="100000">
+              <a:schemeClr val="phClr">
+                <a:shade val="94000"/>
+                <a:satMod val="135000"/>
+              </a:schemeClr>
+            </a:gs>
+          </a:gsLst>
+          <a:lin ang="16200000" scaled="0"/>
+        </a:gradFill>
+      </a:fillStyleLst>
+      <a:lnStyleLst>
+        <a:ln w="9525" cap="flat" cmpd="sng" algn="ctr">
+          <a:solidFill>
+            <a:schemeClr val="phClr">
+              <a:shade val="95000"/>
+              <a:satMod val="105000"/>
+            </a:schemeClr>
+          </a:solidFill>
+          <a:prstDash val="solid"/>
+        </a:ln>
+        <a:ln w="25400" cap="flat" cmpd="sng" algn="ctr">
+          <a:solidFill>
+            <a:schemeClr val="phClr"/>
+          </a:solidFill>
+          <a:prstDash val="solid"/>
+        </a:ln>
+        <a:ln w="38100" cap="flat" cmpd="sng" algn="ctr">
+          <a:solidFill>
+            <a:schemeClr val="phClr"/>
+          </a:solidFill>
+          <a:prstDash val="solid"/>
+        </a:ln>
+      </a:lnStyleLst>
+      <a:effectStyleLst>
+        <a:effectStyle>
+          <a:effectLst>
+            <a:outerShdw blurRad="40000" dist="20000" dir="5400000" rotWithShape="0">
+              <a:srgbClr val="000000">
+                <a:alpha val="38000"/>
+              </a:srgbClr>
+            </a:outerShdw>
+          </a:effectLst>
+        </a:effectStyle>
+        <a:effectStyle>
+          <a:effectLst>
+            <a:outerShdw blurRad="40000" dist="23000" dir="5400000" rotWithShape="0">
+              <a:srgbClr val="000000">
+                <a:alpha val="35000"/>
+              </a:srgbClr>
+            </a:outerShdw>
+          </a:effectLst>
+        </a:effectStyle>
+        <a:effectStyle>
+          <a:effectLst>
+            <a:outerShdw blurRad="40000" dist="23000" dir="5400000" rotWithShape="0">
+              <a:srgbClr val="000000">
+                <a:alpha val="35000"/>
+              </a:srgbClr>
+            </a:outerShdw>
+          </a:effectLst>
+          <a:scene3d>
+            <a:camera prst="orthographicFront">
+              <a:rot lat="0" lon="0" rev="0"/>
+            </a:camera>
+            <a:lightRig rig="threePt" dir="t">
+              <a:rot lat="0" lon="0" rev="1200000"/>
+            </a:lightRig>
+          </a:scene3d>
+          <a:sp3d>
+            <a:bevelT w="63500" h="25400"/>
+          </a:sp3d>
+        </a:effectStyle>
+      </a:effectStyleLst>
+      <a:bgFillStyleLst>
+        <a:solidFill>
+          <a:schemeClr val="phClr"/>
+        </a:solidFill>
+        <a:gradFill rotWithShape="1">
+          <a:gsLst>
+            <a:gs pos="0">
+              <a:schemeClr val="phClr">
+                <a:tint val="40000"/>
+                <a:satMod val="350000"/>
+              </a:schemeClr>
+            </a:gs>
+            <a:gs pos="40000">
+              <a:schemeClr val="phClr">
+                <a:tint val="45000"/>
+                <a:shade val="99000"/>
+                <a:satMod val="350000"/>
+              </a:schemeClr>
+            </a:gs>
+            <a:gs pos="100000">
+              <a:schemeClr val="phClr">
+                <a:shade val="20000"/>
+                <a:satMod val="255000"/>
+              </a:schemeClr>
+            </a:gs>
+          </a:gsLst>
+          <a:path path="circle">
+            <a:fillToRect l="50000" t="-80000" r="50000" b="180000"/>
+          </a:path>
+        </a:gradFill>
+        <a:gradFill rotWithShape="1">
+          <a:gsLst>
+            <a:gs pos="0">
+              <a:schemeClr val="phClr">
+                <a:tint val="80000"/>
+                <a:satMod val="300000"/>
+              </a:schemeClr>
+            </a:gs>
+            <a:gs pos="100000">
+              <a:schemeClr val="phClr">
+                <a:shade val="30000"/>
+                <a:satMod val="200000"/>
+              </a:schemeClr>
+            </a:gs>
+          </a:gsLst>
+          <a:path path="circle">
+            <a:fillToRect l="50000" t="50000" r="50000" b="50000"/>
+          </a:path>
+        </a:gradFill>
+      </a:bgFillStyleLst>
+    </a:fmtScheme>
+  </a:themeElements>
+  <a:objectDefaults/>
+  <a:extraClrSchemeLst/>
+</a:theme>
 </file>